--- a/Presentations/09_04_2020/Modeling Attack Functions.pptx
+++ b/Presentations/09_04_2020/Modeling Attack Functions.pptx
@@ -12,9 +12,15 @@
     <p:sldId id="261" r:id="rId9"/>
     <p:sldId id="262" r:id="rId10"/>
     <p:sldId id="265" r:id="rId11"/>
-    <p:sldId id="266" r:id="rId12"/>
-    <p:sldId id="263" r:id="rId13"/>
-    <p:sldId id="264" r:id="rId14"/>
+    <p:sldId id="271" r:id="rId12"/>
+    <p:sldId id="272" r:id="rId13"/>
+    <p:sldId id="273" r:id="rId14"/>
+    <p:sldId id="266" r:id="rId15"/>
+    <p:sldId id="268" r:id="rId16"/>
+    <p:sldId id="264" r:id="rId17"/>
+    <p:sldId id="267" r:id="rId18"/>
+    <p:sldId id="269" r:id="rId19"/>
+    <p:sldId id="270" r:id="rId20"/>
   </p:sldIdLst>
   <p:sldSz cx="12192000" cy="6858000"/>
   <p:notesSz cx="6858000" cy="9144000"/>
@@ -869,6 +875,753 @@
 </file>
 
 <file path=ppt/diagrams/colors2.xml><?xml version="1.0" encoding="utf-8"?>
+<dgm:colorsDef xmlns:dgm="http://schemas.openxmlformats.org/drawingml/2006/diagram" xmlns:a="http://schemas.openxmlformats.org/drawingml/2006/main" uniqueId="urn:microsoft.com/office/officeart/2005/8/colors/accent3_2">
+  <dgm:title val=""/>
+  <dgm:desc val=""/>
+  <dgm:catLst>
+    <dgm:cat type="accent3" pri="11200"/>
+  </dgm:catLst>
+  <dgm:styleLbl name="node0">
+    <dgm:fillClrLst meth="repeat">
+      <a:schemeClr val="accent3"/>
+    </dgm:fillClrLst>
+    <dgm:linClrLst meth="repeat">
+      <a:schemeClr val="lt1"/>
+    </dgm:linClrLst>
+    <dgm:effectClrLst/>
+    <dgm:txLinClrLst/>
+    <dgm:txFillClrLst/>
+    <dgm:txEffectClrLst/>
+  </dgm:styleLbl>
+  <dgm:styleLbl name="node1">
+    <dgm:fillClrLst meth="repeat">
+      <a:schemeClr val="accent3"/>
+    </dgm:fillClrLst>
+    <dgm:linClrLst meth="repeat">
+      <a:schemeClr val="lt1"/>
+    </dgm:linClrLst>
+    <dgm:effectClrLst/>
+    <dgm:txLinClrLst/>
+    <dgm:txFillClrLst/>
+    <dgm:txEffectClrLst/>
+  </dgm:styleLbl>
+  <dgm:styleLbl name="alignNode1">
+    <dgm:fillClrLst meth="repeat">
+      <a:schemeClr val="accent3"/>
+    </dgm:fillClrLst>
+    <dgm:linClrLst meth="repeat">
+      <a:schemeClr val="accent3"/>
+    </dgm:linClrLst>
+    <dgm:effectClrLst/>
+    <dgm:txLinClrLst/>
+    <dgm:txFillClrLst/>
+    <dgm:txEffectClrLst/>
+  </dgm:styleLbl>
+  <dgm:styleLbl name="lnNode1">
+    <dgm:fillClrLst meth="repeat">
+      <a:schemeClr val="accent3"/>
+    </dgm:fillClrLst>
+    <dgm:linClrLst meth="repeat">
+      <a:schemeClr val="lt1"/>
+    </dgm:linClrLst>
+    <dgm:effectClrLst/>
+    <dgm:txLinClrLst/>
+    <dgm:txFillClrLst/>
+    <dgm:txEffectClrLst/>
+  </dgm:styleLbl>
+  <dgm:styleLbl name="vennNode1">
+    <dgm:fillClrLst meth="repeat">
+      <a:schemeClr val="accent3">
+        <a:alpha val="50000"/>
+      </a:schemeClr>
+    </dgm:fillClrLst>
+    <dgm:linClrLst meth="repeat">
+      <a:schemeClr val="lt1"/>
+    </dgm:linClrLst>
+    <dgm:effectClrLst/>
+    <dgm:txLinClrLst/>
+    <dgm:txFillClrLst/>
+    <dgm:txEffectClrLst/>
+  </dgm:styleLbl>
+  <dgm:styleLbl name="node2">
+    <dgm:fillClrLst meth="repeat">
+      <a:schemeClr val="accent3"/>
+    </dgm:fillClrLst>
+    <dgm:linClrLst meth="repeat">
+      <a:schemeClr val="lt1"/>
+    </dgm:linClrLst>
+    <dgm:effectClrLst/>
+    <dgm:txLinClrLst/>
+    <dgm:txFillClrLst/>
+    <dgm:txEffectClrLst/>
+  </dgm:styleLbl>
+  <dgm:styleLbl name="node3">
+    <dgm:fillClrLst meth="repeat">
+      <a:schemeClr val="accent3"/>
+    </dgm:fillClrLst>
+    <dgm:linClrLst meth="repeat">
+      <a:schemeClr val="lt1"/>
+    </dgm:linClrLst>
+    <dgm:effectClrLst/>
+    <dgm:txLinClrLst/>
+    <dgm:txFillClrLst/>
+    <dgm:txEffectClrLst/>
+  </dgm:styleLbl>
+  <dgm:styleLbl name="node4">
+    <dgm:fillClrLst meth="repeat">
+      <a:schemeClr val="accent3"/>
+    </dgm:fillClrLst>
+    <dgm:linClrLst meth="repeat">
+      <a:schemeClr val="lt1"/>
+    </dgm:linClrLst>
+    <dgm:effectClrLst/>
+    <dgm:txLinClrLst/>
+    <dgm:txFillClrLst/>
+    <dgm:txEffectClrLst/>
+  </dgm:styleLbl>
+  <dgm:styleLbl name="fgImgPlace1">
+    <dgm:fillClrLst meth="repeat">
+      <a:schemeClr val="accent3">
+        <a:tint val="50000"/>
+      </a:schemeClr>
+    </dgm:fillClrLst>
+    <dgm:linClrLst meth="repeat">
+      <a:schemeClr val="lt1"/>
+    </dgm:linClrLst>
+    <dgm:effectClrLst/>
+    <dgm:txLinClrLst/>
+    <dgm:txFillClrLst meth="repeat">
+      <a:schemeClr val="lt1"/>
+    </dgm:txFillClrLst>
+    <dgm:txEffectClrLst/>
+  </dgm:styleLbl>
+  <dgm:styleLbl name="alignImgPlace1">
+    <dgm:fillClrLst meth="repeat">
+      <a:schemeClr val="accent3">
+        <a:tint val="50000"/>
+      </a:schemeClr>
+    </dgm:fillClrLst>
+    <dgm:linClrLst meth="repeat">
+      <a:schemeClr val="lt1"/>
+    </dgm:linClrLst>
+    <dgm:effectClrLst/>
+    <dgm:txLinClrLst/>
+    <dgm:txFillClrLst meth="repeat">
+      <a:schemeClr val="lt1"/>
+    </dgm:txFillClrLst>
+    <dgm:txEffectClrLst/>
+  </dgm:styleLbl>
+  <dgm:styleLbl name="bgImgPlace1">
+    <dgm:fillClrLst meth="repeat">
+      <a:schemeClr val="accent3">
+        <a:tint val="50000"/>
+      </a:schemeClr>
+    </dgm:fillClrLst>
+    <dgm:linClrLst meth="repeat">
+      <a:schemeClr val="lt1"/>
+    </dgm:linClrLst>
+    <dgm:effectClrLst/>
+    <dgm:txLinClrLst/>
+    <dgm:txFillClrLst meth="repeat">
+      <a:schemeClr val="lt1"/>
+    </dgm:txFillClrLst>
+    <dgm:txEffectClrLst/>
+  </dgm:styleLbl>
+  <dgm:styleLbl name="sibTrans2D1">
+    <dgm:fillClrLst meth="repeat">
+      <a:schemeClr val="accent3">
+        <a:tint val="60000"/>
+      </a:schemeClr>
+    </dgm:fillClrLst>
+    <dgm:linClrLst meth="repeat">
+      <a:schemeClr val="accent3">
+        <a:tint val="60000"/>
+      </a:schemeClr>
+    </dgm:linClrLst>
+    <dgm:effectClrLst/>
+    <dgm:txLinClrLst/>
+    <dgm:txFillClrLst/>
+    <dgm:txEffectClrLst/>
+  </dgm:styleLbl>
+  <dgm:styleLbl name="fgSibTrans2D1">
+    <dgm:fillClrLst meth="repeat">
+      <a:schemeClr val="accent3">
+        <a:tint val="60000"/>
+      </a:schemeClr>
+    </dgm:fillClrLst>
+    <dgm:linClrLst meth="repeat">
+      <a:schemeClr val="accent3">
+        <a:tint val="60000"/>
+      </a:schemeClr>
+    </dgm:linClrLst>
+    <dgm:effectClrLst/>
+    <dgm:txLinClrLst/>
+    <dgm:txFillClrLst/>
+    <dgm:txEffectClrLst/>
+  </dgm:styleLbl>
+  <dgm:styleLbl name="bgSibTrans2D1">
+    <dgm:fillClrLst meth="repeat">
+      <a:schemeClr val="accent3">
+        <a:tint val="60000"/>
+      </a:schemeClr>
+    </dgm:fillClrLst>
+    <dgm:linClrLst meth="repeat">
+      <a:schemeClr val="accent3">
+        <a:tint val="60000"/>
+      </a:schemeClr>
+    </dgm:linClrLst>
+    <dgm:effectClrLst/>
+    <dgm:txLinClrLst/>
+    <dgm:txFillClrLst/>
+    <dgm:txEffectClrLst/>
+  </dgm:styleLbl>
+  <dgm:styleLbl name="sibTrans1D1">
+    <dgm:fillClrLst meth="repeat">
+      <a:schemeClr val="accent3"/>
+    </dgm:fillClrLst>
+    <dgm:linClrLst meth="repeat">
+      <a:schemeClr val="accent3"/>
+    </dgm:linClrLst>
+    <dgm:effectClrLst/>
+    <dgm:txLinClrLst/>
+    <dgm:txFillClrLst meth="repeat">
+      <a:schemeClr val="tx1"/>
+    </dgm:txFillClrLst>
+    <dgm:txEffectClrLst/>
+  </dgm:styleLbl>
+  <dgm:styleLbl name="callout">
+    <dgm:fillClrLst meth="repeat">
+      <a:schemeClr val="accent3"/>
+    </dgm:fillClrLst>
+    <dgm:linClrLst meth="repeat">
+      <a:schemeClr val="accent3">
+        <a:tint val="50000"/>
+      </a:schemeClr>
+    </dgm:linClrLst>
+    <dgm:effectClrLst/>
+    <dgm:txLinClrLst/>
+    <dgm:txFillClrLst meth="repeat">
+      <a:schemeClr val="tx1"/>
+    </dgm:txFillClrLst>
+    <dgm:txEffectClrLst/>
+  </dgm:styleLbl>
+  <dgm:styleLbl name="asst0">
+    <dgm:fillClrLst meth="repeat">
+      <a:schemeClr val="accent3"/>
+    </dgm:fillClrLst>
+    <dgm:linClrLst meth="repeat">
+      <a:schemeClr val="lt1"/>
+    </dgm:linClrLst>
+    <dgm:effectClrLst/>
+    <dgm:txLinClrLst/>
+    <dgm:txFillClrLst/>
+    <dgm:txEffectClrLst/>
+  </dgm:styleLbl>
+  <dgm:styleLbl name="asst1">
+    <dgm:fillClrLst meth="repeat">
+      <a:schemeClr val="accent3"/>
+    </dgm:fillClrLst>
+    <dgm:linClrLst meth="repeat">
+      <a:schemeClr val="lt1"/>
+    </dgm:linClrLst>
+    <dgm:effectClrLst/>
+    <dgm:txLinClrLst/>
+    <dgm:txFillClrLst/>
+    <dgm:txEffectClrLst/>
+  </dgm:styleLbl>
+  <dgm:styleLbl name="asst2">
+    <dgm:fillClrLst meth="repeat">
+      <a:schemeClr val="accent3"/>
+    </dgm:fillClrLst>
+    <dgm:linClrLst meth="repeat">
+      <a:schemeClr val="lt1"/>
+    </dgm:linClrLst>
+    <dgm:effectClrLst/>
+    <dgm:txLinClrLst/>
+    <dgm:txFillClrLst/>
+    <dgm:txEffectClrLst/>
+  </dgm:styleLbl>
+  <dgm:styleLbl name="asst3">
+    <dgm:fillClrLst meth="repeat">
+      <a:schemeClr val="accent3"/>
+    </dgm:fillClrLst>
+    <dgm:linClrLst meth="repeat">
+      <a:schemeClr val="lt1"/>
+    </dgm:linClrLst>
+    <dgm:effectClrLst/>
+    <dgm:txLinClrLst/>
+    <dgm:txFillClrLst/>
+    <dgm:txEffectClrLst/>
+  </dgm:styleLbl>
+  <dgm:styleLbl name="asst4">
+    <dgm:fillClrLst meth="repeat">
+      <a:schemeClr val="accent3"/>
+    </dgm:fillClrLst>
+    <dgm:linClrLst meth="repeat">
+      <a:schemeClr val="lt1"/>
+    </dgm:linClrLst>
+    <dgm:effectClrLst/>
+    <dgm:txLinClrLst/>
+    <dgm:txFillClrLst/>
+    <dgm:txEffectClrLst/>
+  </dgm:styleLbl>
+  <dgm:styleLbl name="parChTrans2D1">
+    <dgm:fillClrLst meth="repeat">
+      <a:schemeClr val="accent3">
+        <a:tint val="60000"/>
+      </a:schemeClr>
+    </dgm:fillClrLst>
+    <dgm:linClrLst meth="repeat">
+      <a:schemeClr val="accent3">
+        <a:tint val="60000"/>
+      </a:schemeClr>
+    </dgm:linClrLst>
+    <dgm:effectClrLst/>
+    <dgm:txLinClrLst/>
+    <dgm:txFillClrLst meth="repeat">
+      <a:schemeClr val="lt1"/>
+    </dgm:txFillClrLst>
+    <dgm:txEffectClrLst/>
+  </dgm:styleLbl>
+  <dgm:styleLbl name="parChTrans2D2">
+    <dgm:fillClrLst meth="repeat">
+      <a:schemeClr val="accent3"/>
+    </dgm:fillClrLst>
+    <dgm:linClrLst meth="repeat">
+      <a:schemeClr val="accent3"/>
+    </dgm:linClrLst>
+    <dgm:effectClrLst/>
+    <dgm:txLinClrLst/>
+    <dgm:txFillClrLst meth="repeat">
+      <a:schemeClr val="lt1"/>
+    </dgm:txFillClrLst>
+    <dgm:txEffectClrLst/>
+  </dgm:styleLbl>
+  <dgm:styleLbl name="parChTrans2D3">
+    <dgm:fillClrLst meth="repeat">
+      <a:schemeClr val="accent3"/>
+    </dgm:fillClrLst>
+    <dgm:linClrLst meth="repeat">
+      <a:schemeClr val="accent3"/>
+    </dgm:linClrLst>
+    <dgm:effectClrLst/>
+    <dgm:txLinClrLst/>
+    <dgm:txFillClrLst meth="repeat">
+      <a:schemeClr val="lt1"/>
+    </dgm:txFillClrLst>
+    <dgm:txEffectClrLst/>
+  </dgm:styleLbl>
+  <dgm:styleLbl name="parChTrans2D4">
+    <dgm:fillClrLst meth="repeat">
+      <a:schemeClr val="accent3"/>
+    </dgm:fillClrLst>
+    <dgm:linClrLst meth="repeat">
+      <a:schemeClr val="accent3"/>
+    </dgm:linClrLst>
+    <dgm:effectClrLst/>
+    <dgm:txLinClrLst/>
+    <dgm:txFillClrLst meth="repeat">
+      <a:schemeClr val="lt1"/>
+    </dgm:txFillClrLst>
+    <dgm:txEffectClrLst/>
+  </dgm:styleLbl>
+  <dgm:styleLbl name="parChTrans1D1">
+    <dgm:fillClrLst meth="repeat">
+      <a:schemeClr val="accent3"/>
+    </dgm:fillClrLst>
+    <dgm:linClrLst meth="repeat">
+      <a:schemeClr val="accent3">
+        <a:shade val="60000"/>
+      </a:schemeClr>
+    </dgm:linClrLst>
+    <dgm:effectClrLst/>
+    <dgm:txLinClrLst/>
+    <dgm:txFillClrLst meth="repeat">
+      <a:schemeClr val="tx1"/>
+    </dgm:txFillClrLst>
+    <dgm:txEffectClrLst/>
+  </dgm:styleLbl>
+  <dgm:styleLbl name="parChTrans1D2">
+    <dgm:fillClrLst meth="repeat">
+      <a:schemeClr val="accent3"/>
+    </dgm:fillClrLst>
+    <dgm:linClrLst meth="repeat">
+      <a:schemeClr val="accent3">
+        <a:shade val="60000"/>
+      </a:schemeClr>
+    </dgm:linClrLst>
+    <dgm:effectClrLst/>
+    <dgm:txLinClrLst/>
+    <dgm:txFillClrLst meth="repeat">
+      <a:schemeClr val="tx1"/>
+    </dgm:txFillClrLst>
+    <dgm:txEffectClrLst/>
+  </dgm:styleLbl>
+  <dgm:styleLbl name="parChTrans1D3">
+    <dgm:fillClrLst meth="repeat">
+      <a:schemeClr val="accent3"/>
+    </dgm:fillClrLst>
+    <dgm:linClrLst meth="repeat">
+      <a:schemeClr val="accent3">
+        <a:shade val="80000"/>
+      </a:schemeClr>
+    </dgm:linClrLst>
+    <dgm:effectClrLst/>
+    <dgm:txLinClrLst/>
+    <dgm:txFillClrLst meth="repeat">
+      <a:schemeClr val="tx1"/>
+    </dgm:txFillClrLst>
+    <dgm:txEffectClrLst/>
+  </dgm:styleLbl>
+  <dgm:styleLbl name="parChTrans1D4">
+    <dgm:fillClrLst meth="repeat">
+      <a:schemeClr val="accent3"/>
+    </dgm:fillClrLst>
+    <dgm:linClrLst meth="repeat">
+      <a:schemeClr val="accent3">
+        <a:shade val="80000"/>
+      </a:schemeClr>
+    </dgm:linClrLst>
+    <dgm:effectClrLst/>
+    <dgm:txLinClrLst/>
+    <dgm:txFillClrLst meth="repeat">
+      <a:schemeClr val="tx1"/>
+    </dgm:txFillClrLst>
+    <dgm:txEffectClrLst/>
+  </dgm:styleLbl>
+  <dgm:styleLbl name="fgAcc1">
+    <dgm:fillClrLst meth="repeat">
+      <a:schemeClr val="lt1">
+        <a:alpha val="90000"/>
+      </a:schemeClr>
+    </dgm:fillClrLst>
+    <dgm:linClrLst meth="repeat">
+      <a:schemeClr val="accent3"/>
+    </dgm:linClrLst>
+    <dgm:effectClrLst/>
+    <dgm:txLinClrLst/>
+    <dgm:txFillClrLst meth="repeat">
+      <a:schemeClr val="dk1"/>
+    </dgm:txFillClrLst>
+    <dgm:txEffectClrLst/>
+  </dgm:styleLbl>
+  <dgm:styleLbl name="conFgAcc1">
+    <dgm:fillClrLst meth="repeat">
+      <a:schemeClr val="lt1">
+        <a:alpha val="90000"/>
+      </a:schemeClr>
+    </dgm:fillClrLst>
+    <dgm:linClrLst meth="repeat">
+      <a:schemeClr val="accent3"/>
+    </dgm:linClrLst>
+    <dgm:effectClrLst/>
+    <dgm:txLinClrLst/>
+    <dgm:txFillClrLst meth="repeat">
+      <a:schemeClr val="dk1"/>
+    </dgm:txFillClrLst>
+    <dgm:txEffectClrLst/>
+  </dgm:styleLbl>
+  <dgm:styleLbl name="alignAcc1">
+    <dgm:fillClrLst meth="repeat">
+      <a:schemeClr val="lt1">
+        <a:alpha val="90000"/>
+      </a:schemeClr>
+    </dgm:fillClrLst>
+    <dgm:linClrLst meth="repeat">
+      <a:schemeClr val="accent3"/>
+    </dgm:linClrLst>
+    <dgm:effectClrLst/>
+    <dgm:txLinClrLst/>
+    <dgm:txFillClrLst meth="repeat">
+      <a:schemeClr val="dk1"/>
+    </dgm:txFillClrLst>
+    <dgm:txEffectClrLst/>
+  </dgm:styleLbl>
+  <dgm:styleLbl name="trAlignAcc1">
+    <dgm:fillClrLst meth="repeat">
+      <a:schemeClr val="lt1">
+        <a:alpha val="40000"/>
+      </a:schemeClr>
+    </dgm:fillClrLst>
+    <dgm:linClrLst meth="repeat">
+      <a:schemeClr val="accent3"/>
+    </dgm:linClrLst>
+    <dgm:effectClrLst/>
+    <dgm:txLinClrLst/>
+    <dgm:txFillClrLst meth="repeat">
+      <a:schemeClr val="dk1"/>
+    </dgm:txFillClrLst>
+    <dgm:txEffectClrLst/>
+  </dgm:styleLbl>
+  <dgm:styleLbl name="bgAcc1">
+    <dgm:fillClrLst meth="repeat">
+      <a:schemeClr val="lt1">
+        <a:alpha val="90000"/>
+      </a:schemeClr>
+    </dgm:fillClrLst>
+    <dgm:linClrLst meth="repeat">
+      <a:schemeClr val="accent3"/>
+    </dgm:linClrLst>
+    <dgm:effectClrLst/>
+    <dgm:txLinClrLst/>
+    <dgm:txFillClrLst meth="repeat">
+      <a:schemeClr val="dk1"/>
+    </dgm:txFillClrLst>
+    <dgm:txEffectClrLst/>
+  </dgm:styleLbl>
+  <dgm:styleLbl name="solidFgAcc1">
+    <dgm:fillClrLst meth="repeat">
+      <a:schemeClr val="lt1"/>
+    </dgm:fillClrLst>
+    <dgm:linClrLst meth="repeat">
+      <a:schemeClr val="accent3"/>
+    </dgm:linClrLst>
+    <dgm:effectClrLst/>
+    <dgm:txLinClrLst/>
+    <dgm:txFillClrLst meth="repeat">
+      <a:schemeClr val="dk1"/>
+    </dgm:txFillClrLst>
+    <dgm:txEffectClrLst/>
+  </dgm:styleLbl>
+  <dgm:styleLbl name="solidAlignAcc1">
+    <dgm:fillClrLst meth="repeat">
+      <a:schemeClr val="lt1"/>
+    </dgm:fillClrLst>
+    <dgm:linClrLst meth="repeat">
+      <a:schemeClr val="accent3"/>
+    </dgm:linClrLst>
+    <dgm:effectClrLst/>
+    <dgm:txLinClrLst/>
+    <dgm:txFillClrLst meth="repeat">
+      <a:schemeClr val="dk1"/>
+    </dgm:txFillClrLst>
+    <dgm:txEffectClrLst/>
+  </dgm:styleLbl>
+  <dgm:styleLbl name="solidBgAcc1">
+    <dgm:fillClrLst meth="repeat">
+      <a:schemeClr val="lt1"/>
+    </dgm:fillClrLst>
+    <dgm:linClrLst meth="repeat">
+      <a:schemeClr val="accent3"/>
+    </dgm:linClrLst>
+    <dgm:effectClrLst/>
+    <dgm:txLinClrLst/>
+    <dgm:txFillClrLst meth="repeat">
+      <a:schemeClr val="dk1"/>
+    </dgm:txFillClrLst>
+    <dgm:txEffectClrLst/>
+  </dgm:styleLbl>
+  <dgm:styleLbl name="fgAccFollowNode1">
+    <dgm:fillClrLst meth="repeat">
+      <a:schemeClr val="accent3">
+        <a:alpha val="90000"/>
+        <a:tint val="40000"/>
+      </a:schemeClr>
+    </dgm:fillClrLst>
+    <dgm:linClrLst meth="repeat">
+      <a:schemeClr val="accent3">
+        <a:alpha val="90000"/>
+        <a:tint val="40000"/>
+      </a:schemeClr>
+    </dgm:linClrLst>
+    <dgm:effectClrLst/>
+    <dgm:txLinClrLst/>
+    <dgm:txFillClrLst meth="repeat">
+      <a:schemeClr val="dk1"/>
+    </dgm:txFillClrLst>
+    <dgm:txEffectClrLst/>
+  </dgm:styleLbl>
+  <dgm:styleLbl name="alignAccFollowNode1">
+    <dgm:fillClrLst meth="repeat">
+      <a:schemeClr val="accent3">
+        <a:alpha val="90000"/>
+        <a:tint val="40000"/>
+      </a:schemeClr>
+    </dgm:fillClrLst>
+    <dgm:linClrLst meth="repeat">
+      <a:schemeClr val="accent3">
+        <a:alpha val="90000"/>
+        <a:tint val="40000"/>
+      </a:schemeClr>
+    </dgm:linClrLst>
+    <dgm:effectClrLst/>
+    <dgm:txLinClrLst/>
+    <dgm:txFillClrLst meth="repeat">
+      <a:schemeClr val="dk1"/>
+    </dgm:txFillClrLst>
+    <dgm:txEffectClrLst/>
+  </dgm:styleLbl>
+  <dgm:styleLbl name="bgAccFollowNode1">
+    <dgm:fillClrLst meth="repeat">
+      <a:schemeClr val="accent3">
+        <a:alpha val="90000"/>
+        <a:tint val="40000"/>
+      </a:schemeClr>
+    </dgm:fillClrLst>
+    <dgm:linClrLst meth="repeat">
+      <a:schemeClr val="accent3">
+        <a:alpha val="90000"/>
+        <a:tint val="40000"/>
+      </a:schemeClr>
+    </dgm:linClrLst>
+    <dgm:effectClrLst/>
+    <dgm:txLinClrLst/>
+    <dgm:txFillClrLst meth="repeat">
+      <a:schemeClr val="dk1"/>
+    </dgm:txFillClrLst>
+    <dgm:txEffectClrLst/>
+  </dgm:styleLbl>
+  <dgm:styleLbl name="fgAcc0">
+    <dgm:fillClrLst meth="repeat">
+      <a:schemeClr val="lt1">
+        <a:alpha val="90000"/>
+      </a:schemeClr>
+    </dgm:fillClrLst>
+    <dgm:linClrLst meth="repeat">
+      <a:schemeClr val="accent3"/>
+    </dgm:linClrLst>
+    <dgm:effectClrLst/>
+    <dgm:txLinClrLst/>
+    <dgm:txFillClrLst meth="repeat">
+      <a:schemeClr val="dk1"/>
+    </dgm:txFillClrLst>
+    <dgm:txEffectClrLst/>
+  </dgm:styleLbl>
+  <dgm:styleLbl name="fgAcc2">
+    <dgm:fillClrLst meth="repeat">
+      <a:schemeClr val="lt1">
+        <a:alpha val="90000"/>
+      </a:schemeClr>
+    </dgm:fillClrLst>
+    <dgm:linClrLst meth="repeat">
+      <a:schemeClr val="accent3"/>
+    </dgm:linClrLst>
+    <dgm:effectClrLst/>
+    <dgm:txLinClrLst/>
+    <dgm:txFillClrLst meth="repeat">
+      <a:schemeClr val="dk1"/>
+    </dgm:txFillClrLst>
+    <dgm:txEffectClrLst/>
+  </dgm:styleLbl>
+  <dgm:styleLbl name="fgAcc3">
+    <dgm:fillClrLst meth="repeat">
+      <a:schemeClr val="lt1">
+        <a:alpha val="90000"/>
+      </a:schemeClr>
+    </dgm:fillClrLst>
+    <dgm:linClrLst meth="repeat">
+      <a:schemeClr val="accent3"/>
+    </dgm:linClrLst>
+    <dgm:effectClrLst/>
+    <dgm:txLinClrLst/>
+    <dgm:txFillClrLst meth="repeat">
+      <a:schemeClr val="dk1"/>
+    </dgm:txFillClrLst>
+    <dgm:txEffectClrLst/>
+  </dgm:styleLbl>
+  <dgm:styleLbl name="fgAcc4">
+    <dgm:fillClrLst meth="repeat">
+      <a:schemeClr val="lt1">
+        <a:alpha val="90000"/>
+      </a:schemeClr>
+    </dgm:fillClrLst>
+    <dgm:linClrLst meth="repeat">
+      <a:schemeClr val="accent3"/>
+    </dgm:linClrLst>
+    <dgm:effectClrLst/>
+    <dgm:txLinClrLst/>
+    <dgm:txFillClrLst meth="repeat">
+      <a:schemeClr val="dk1"/>
+    </dgm:txFillClrLst>
+    <dgm:txEffectClrLst/>
+  </dgm:styleLbl>
+  <dgm:styleLbl name="bgShp">
+    <dgm:fillClrLst meth="repeat">
+      <a:schemeClr val="accent3">
+        <a:tint val="40000"/>
+      </a:schemeClr>
+    </dgm:fillClrLst>
+    <dgm:linClrLst meth="repeat">
+      <a:schemeClr val="accent3"/>
+    </dgm:linClrLst>
+    <dgm:effectClrLst/>
+    <dgm:txLinClrLst/>
+    <dgm:txFillClrLst meth="repeat">
+      <a:schemeClr val="dk1"/>
+    </dgm:txFillClrLst>
+    <dgm:txEffectClrLst/>
+  </dgm:styleLbl>
+  <dgm:styleLbl name="dkBgShp">
+    <dgm:fillClrLst meth="repeat">
+      <a:schemeClr val="accent3">
+        <a:shade val="80000"/>
+      </a:schemeClr>
+    </dgm:fillClrLst>
+    <dgm:linClrLst meth="repeat">
+      <a:schemeClr val="accent3"/>
+    </dgm:linClrLst>
+    <dgm:effectClrLst/>
+    <dgm:txLinClrLst/>
+    <dgm:txFillClrLst meth="repeat">
+      <a:schemeClr val="lt1"/>
+    </dgm:txFillClrLst>
+    <dgm:txEffectClrLst/>
+  </dgm:styleLbl>
+  <dgm:styleLbl name="trBgShp">
+    <dgm:fillClrLst meth="repeat">
+      <a:schemeClr val="accent3">
+        <a:tint val="50000"/>
+        <a:alpha val="40000"/>
+      </a:schemeClr>
+    </dgm:fillClrLst>
+    <dgm:linClrLst meth="repeat">
+      <a:schemeClr val="accent3"/>
+    </dgm:linClrLst>
+    <dgm:effectClrLst/>
+    <dgm:txLinClrLst/>
+    <dgm:txFillClrLst meth="repeat">
+      <a:schemeClr val="lt1"/>
+    </dgm:txFillClrLst>
+    <dgm:txEffectClrLst/>
+  </dgm:styleLbl>
+  <dgm:styleLbl name="fgShp">
+    <dgm:fillClrLst meth="repeat">
+      <a:schemeClr val="accent3">
+        <a:tint val="60000"/>
+      </a:schemeClr>
+    </dgm:fillClrLst>
+    <dgm:linClrLst meth="repeat">
+      <a:schemeClr val="lt1"/>
+    </dgm:linClrLst>
+    <dgm:effectClrLst/>
+    <dgm:txLinClrLst/>
+    <dgm:txFillClrLst meth="repeat">
+      <a:schemeClr val="dk1"/>
+    </dgm:txFillClrLst>
+    <dgm:txEffectClrLst/>
+  </dgm:styleLbl>
+  <dgm:styleLbl name="revTx">
+    <dgm:fillClrLst meth="repeat">
+      <a:schemeClr val="lt1">
+        <a:alpha val="0"/>
+      </a:schemeClr>
+    </dgm:fillClrLst>
+    <dgm:linClrLst meth="repeat">
+      <a:schemeClr val="dk1">
+        <a:alpha val="0"/>
+      </a:schemeClr>
+    </dgm:linClrLst>
+    <dgm:effectClrLst/>
+    <dgm:txLinClrLst/>
+    <dgm:txFillClrLst meth="repeat">
+      <a:schemeClr val="tx1"/>
+    </dgm:txFillClrLst>
+    <dgm:txEffectClrLst/>
+  </dgm:styleLbl>
+</dgm:colorsDef>
+</file>
+
+<file path=ppt/diagrams/colors3.xml><?xml version="1.0" encoding="utf-8"?>
 <dgm:colorsDef xmlns:dgm="http://schemas.openxmlformats.org/drawingml/2006/diagram" xmlns:a="http://schemas.openxmlformats.org/drawingml/2006/main" uniqueId="urn:microsoft.com/office/officeart/2005/8/colors/accent3_2">
   <dgm:title val=""/>
   <dgm:desc val=""/>
@@ -2688,6 +3441,640 @@
     <dgm:cxn modelId="{5E458EE0-F411-4FF0-913D-FBD28ACAB249}" type="presParOf" srcId="{870E45BF-D05A-409C-AA09-2A00F46ED2E2}" destId="{77F9B981-0E42-417E-8609-5B2889FD97DD}" srcOrd="1" destOrd="0" presId="urn:microsoft.com/office/officeart/2018/5/layout/IconCircleLabelList"/>
     <dgm:cxn modelId="{7F87984F-55E7-4516-BF78-F5F418B71077}" type="presParOf" srcId="{870E45BF-D05A-409C-AA09-2A00F46ED2E2}" destId="{8CC69C74-FE33-41B3-9CAD-804635E8E966}" srcOrd="2" destOrd="0" presId="urn:microsoft.com/office/officeart/2018/5/layout/IconCircleLabelList"/>
     <dgm:cxn modelId="{30AB12E1-D9D5-4537-A18A-239D24FEE14E}" type="presParOf" srcId="{870E45BF-D05A-409C-AA09-2A00F46ED2E2}" destId="{09B67EFE-CFBF-425B-B2B4-0BCB95AF782E}" srcOrd="3" destOrd="0" presId="urn:microsoft.com/office/officeart/2018/5/layout/IconCircleLabelList"/>
+  </dgm:cxnLst>
+  <dgm:bg/>
+  <dgm:whole/>
+  <dgm:extLst>
+    <a:ext uri="http://schemas.microsoft.com/office/drawing/2008/diagram">
+      <dsp:dataModelExt xmlns:dsp="http://schemas.microsoft.com/office/drawing/2008/diagram" relId="rId6" minVer="http://schemas.openxmlformats.org/drawingml/2006/diagram"/>
+    </a:ext>
+  </dgm:extLst>
+</dgm:dataModel>
+</file>
+
+<file path=ppt/diagrams/data3.xml><?xml version="1.0" encoding="utf-8"?>
+<dgm:dataModel xmlns:dgm="http://schemas.openxmlformats.org/drawingml/2006/diagram" xmlns:a="http://schemas.openxmlformats.org/drawingml/2006/main">
+  <dgm:ptLst>
+    <dgm:pt modelId="{AFA3A486-9B6B-4AC0-B69D-DE884519742A}" type="doc">
+      <dgm:prSet loTypeId="urn:microsoft.com/office/officeart/2018/2/layout/IconVerticalSolidList" loCatId="icon" qsTypeId="urn:microsoft.com/office/officeart/2005/8/quickstyle/simple1" qsCatId="simple" csTypeId="urn:microsoft.com/office/officeart/2005/8/colors/accent3_2" csCatId="accent3" phldr="1"/>
+      <dgm:spPr/>
+      <dgm:t>
+        <a:bodyPr/>
+        <a:lstStyle/>
+        <a:p>
+          <a:endParaRPr lang="en-US"/>
+        </a:p>
+      </dgm:t>
+    </dgm:pt>
+    <dgm:pt modelId="{CB434081-CCE4-48FD-82A7-776367B68FDA}">
+      <dgm:prSet/>
+      <dgm:spPr/>
+      <dgm:t>
+        <a:bodyPr/>
+        <a:lstStyle/>
+        <a:p>
+          <a:pPr>
+            <a:lnSpc>
+              <a:spcPct val="100000"/>
+            </a:lnSpc>
+          </a:pPr>
+          <a:r>
+            <a:rPr lang="en-US" dirty="0"/>
+            <a:t>Operating System: Windows 10 Home</a:t>
+          </a:r>
+        </a:p>
+      </dgm:t>
+    </dgm:pt>
+    <dgm:pt modelId="{A3869381-C5F6-4194-B042-D9A3ABB20B3A}" type="parTrans" cxnId="{90E2415C-65C0-411E-A88E-A4278A0832BC}">
+      <dgm:prSet/>
+      <dgm:spPr/>
+      <dgm:t>
+        <a:bodyPr/>
+        <a:lstStyle/>
+        <a:p>
+          <a:endParaRPr lang="en-US"/>
+        </a:p>
+      </dgm:t>
+    </dgm:pt>
+    <dgm:pt modelId="{9B8DCCF4-F830-45EE-AE4D-B760C25A4B5B}" type="sibTrans" cxnId="{90E2415C-65C0-411E-A88E-A4278A0832BC}">
+      <dgm:prSet/>
+      <dgm:spPr/>
+      <dgm:t>
+        <a:bodyPr/>
+        <a:lstStyle/>
+        <a:p>
+          <a:endParaRPr lang="en-US"/>
+        </a:p>
+      </dgm:t>
+    </dgm:pt>
+    <dgm:pt modelId="{988BB752-0CA7-4554-A613-40865E21D339}">
+      <dgm:prSet/>
+      <dgm:spPr/>
+      <dgm:t>
+        <a:bodyPr/>
+        <a:lstStyle/>
+        <a:p>
+          <a:pPr>
+            <a:lnSpc>
+              <a:spcPct val="100000"/>
+            </a:lnSpc>
+          </a:pPr>
+          <a:r>
+            <a:rPr lang="en-US"/>
+            <a:t>Processor:</a:t>
+          </a:r>
+        </a:p>
+      </dgm:t>
+    </dgm:pt>
+    <dgm:pt modelId="{D662AB0D-0601-4EEF-AB20-C439DDAF961D}" type="parTrans" cxnId="{DFAC32E7-D903-4794-BD7B-D54C6909288A}">
+      <dgm:prSet/>
+      <dgm:spPr/>
+      <dgm:t>
+        <a:bodyPr/>
+        <a:lstStyle/>
+        <a:p>
+          <a:endParaRPr lang="en-US"/>
+        </a:p>
+      </dgm:t>
+    </dgm:pt>
+    <dgm:pt modelId="{835B1B2B-6A81-427F-8DB1-182137ED80F4}" type="sibTrans" cxnId="{DFAC32E7-D903-4794-BD7B-D54C6909288A}">
+      <dgm:prSet/>
+      <dgm:spPr/>
+      <dgm:t>
+        <a:bodyPr/>
+        <a:lstStyle/>
+        <a:p>
+          <a:endParaRPr lang="en-US"/>
+        </a:p>
+      </dgm:t>
+    </dgm:pt>
+    <dgm:pt modelId="{AA9F2C3A-E111-4A51-8E82-B50B2FC6CEAF}">
+      <dgm:prSet/>
+      <dgm:spPr/>
+      <dgm:t>
+        <a:bodyPr/>
+        <a:lstStyle/>
+        <a:p>
+          <a:pPr>
+            <a:lnSpc>
+              <a:spcPct val="100000"/>
+            </a:lnSpc>
+          </a:pPr>
+          <a:r>
+            <a:rPr lang="en-US"/>
+            <a:t>Intel® Core™ </a:t>
+          </a:r>
+        </a:p>
+        <a:p>
+          <a:pPr>
+            <a:lnSpc>
+              <a:spcPct val="100000"/>
+            </a:lnSpc>
+          </a:pPr>
+          <a:r>
+            <a:rPr lang="en-US"/>
+            <a:t>i5-7500 CPU @ </a:t>
+          </a:r>
+        </a:p>
+        <a:p>
+          <a:pPr>
+            <a:lnSpc>
+              <a:spcPct val="100000"/>
+            </a:lnSpc>
+          </a:pPr>
+          <a:r>
+            <a:rPr lang="en-US"/>
+            <a:t>3.40 GHz</a:t>
+          </a:r>
+        </a:p>
+      </dgm:t>
+    </dgm:pt>
+    <dgm:pt modelId="{13681E06-61F8-4941-9A25-6C7807CDFFF2}" type="parTrans" cxnId="{7FFF0ED1-9FF5-4D7B-8810-CA8851D70552}">
+      <dgm:prSet/>
+      <dgm:spPr/>
+      <dgm:t>
+        <a:bodyPr/>
+        <a:lstStyle/>
+        <a:p>
+          <a:endParaRPr lang="en-US"/>
+        </a:p>
+      </dgm:t>
+    </dgm:pt>
+    <dgm:pt modelId="{C150D9A9-A57A-49D8-8C6A-492F704ABBE7}" type="sibTrans" cxnId="{7FFF0ED1-9FF5-4D7B-8810-CA8851D70552}">
+      <dgm:prSet/>
+      <dgm:spPr/>
+      <dgm:t>
+        <a:bodyPr/>
+        <a:lstStyle/>
+        <a:p>
+          <a:endParaRPr lang="en-US"/>
+        </a:p>
+      </dgm:t>
+    </dgm:pt>
+    <dgm:pt modelId="{F30FA427-E1CF-4F49-8FF1-2B96DBEBB58A}">
+      <dgm:prSet/>
+      <dgm:spPr/>
+      <dgm:t>
+        <a:bodyPr/>
+        <a:lstStyle/>
+        <a:p>
+          <a:pPr>
+            <a:lnSpc>
+              <a:spcPct val="100000"/>
+            </a:lnSpc>
+          </a:pPr>
+          <a:r>
+            <a:rPr lang="en-US"/>
+            <a:t>Cores:</a:t>
+          </a:r>
+        </a:p>
+      </dgm:t>
+    </dgm:pt>
+    <dgm:pt modelId="{FB4AE0AB-ECB0-4350-923D-DA2A501CE83E}" type="parTrans" cxnId="{8DB7A79F-6484-4AB4-B11B-134E978E2E97}">
+      <dgm:prSet/>
+      <dgm:spPr/>
+      <dgm:t>
+        <a:bodyPr/>
+        <a:lstStyle/>
+        <a:p>
+          <a:endParaRPr lang="en-US"/>
+        </a:p>
+      </dgm:t>
+    </dgm:pt>
+    <dgm:pt modelId="{388E10D2-6C56-4E61-8C67-EBE16E003AA7}" type="sibTrans" cxnId="{8DB7A79F-6484-4AB4-B11B-134E978E2E97}">
+      <dgm:prSet/>
+      <dgm:spPr/>
+      <dgm:t>
+        <a:bodyPr/>
+        <a:lstStyle/>
+        <a:p>
+          <a:endParaRPr lang="en-US"/>
+        </a:p>
+      </dgm:t>
+    </dgm:pt>
+    <dgm:pt modelId="{476CE531-A9DC-4D7C-838A-CDBDC8786215}">
+      <dgm:prSet/>
+      <dgm:spPr/>
+      <dgm:t>
+        <a:bodyPr/>
+        <a:lstStyle/>
+        <a:p>
+          <a:pPr>
+            <a:lnSpc>
+              <a:spcPct val="100000"/>
+            </a:lnSpc>
+          </a:pPr>
+          <a:r>
+            <a:rPr lang="en-US"/>
+            <a:t>4 Cores, </a:t>
+          </a:r>
+        </a:p>
+        <a:p>
+          <a:pPr>
+            <a:lnSpc>
+              <a:spcPct val="100000"/>
+            </a:lnSpc>
+          </a:pPr>
+          <a:r>
+            <a:rPr lang="en-US"/>
+            <a:t>4 Logical Processors</a:t>
+          </a:r>
+        </a:p>
+      </dgm:t>
+    </dgm:pt>
+    <dgm:pt modelId="{0C3D260C-8BFA-4728-863E-41DE4FA30ACB}" type="parTrans" cxnId="{DABC4987-1506-46F3-BE0B-701C2489FDD1}">
+      <dgm:prSet/>
+      <dgm:spPr/>
+      <dgm:t>
+        <a:bodyPr/>
+        <a:lstStyle/>
+        <a:p>
+          <a:endParaRPr lang="en-US"/>
+        </a:p>
+      </dgm:t>
+    </dgm:pt>
+    <dgm:pt modelId="{DBC03E5A-4191-43B5-AB6E-62ABDE61516D}" type="sibTrans" cxnId="{DABC4987-1506-46F3-BE0B-701C2489FDD1}">
+      <dgm:prSet/>
+      <dgm:spPr/>
+      <dgm:t>
+        <a:bodyPr/>
+        <a:lstStyle/>
+        <a:p>
+          <a:endParaRPr lang="en-US"/>
+        </a:p>
+      </dgm:t>
+    </dgm:pt>
+    <dgm:pt modelId="{F74F2D8A-3BD3-4066-9D2C-A947783D8E0D}">
+      <dgm:prSet/>
+      <dgm:spPr/>
+      <dgm:t>
+        <a:bodyPr/>
+        <a:lstStyle/>
+        <a:p>
+          <a:pPr>
+            <a:lnSpc>
+              <a:spcPct val="100000"/>
+            </a:lnSpc>
+          </a:pPr>
+          <a:r>
+            <a:rPr lang="en-US"/>
+            <a:t>Physical RAM:</a:t>
+          </a:r>
+        </a:p>
+      </dgm:t>
+    </dgm:pt>
+    <dgm:pt modelId="{0E7174CC-08D9-44EA-A24B-A205CA1E07ED}" type="parTrans" cxnId="{AB6A905B-099D-463A-B89B-CD231D7642A6}">
+      <dgm:prSet/>
+      <dgm:spPr/>
+      <dgm:t>
+        <a:bodyPr/>
+        <a:lstStyle/>
+        <a:p>
+          <a:endParaRPr lang="en-US"/>
+        </a:p>
+      </dgm:t>
+    </dgm:pt>
+    <dgm:pt modelId="{B26DFD15-8403-40EA-917F-288EF95404B0}" type="sibTrans" cxnId="{AB6A905B-099D-463A-B89B-CD231D7642A6}">
+      <dgm:prSet/>
+      <dgm:spPr/>
+      <dgm:t>
+        <a:bodyPr/>
+        <a:lstStyle/>
+        <a:p>
+          <a:endParaRPr lang="en-US"/>
+        </a:p>
+      </dgm:t>
+    </dgm:pt>
+    <dgm:pt modelId="{BBF955D1-96DD-4C13-9C0C-65C49D9E1D61}">
+      <dgm:prSet/>
+      <dgm:spPr/>
+      <dgm:t>
+        <a:bodyPr/>
+        <a:lstStyle/>
+        <a:p>
+          <a:pPr>
+            <a:lnSpc>
+              <a:spcPct val="100000"/>
+            </a:lnSpc>
+          </a:pPr>
+          <a:r>
+            <a:rPr lang="en-US"/>
+            <a:t>16.00 GB Installed, </a:t>
+          </a:r>
+        </a:p>
+        <a:p>
+          <a:pPr>
+            <a:lnSpc>
+              <a:spcPct val="100000"/>
+            </a:lnSpc>
+          </a:pPr>
+          <a:r>
+            <a:rPr lang="en-US"/>
+            <a:t>9.56 Available</a:t>
+          </a:r>
+        </a:p>
+      </dgm:t>
+    </dgm:pt>
+    <dgm:pt modelId="{E8500020-D2CA-43F6-82CC-3D242C89C0D0}" type="parTrans" cxnId="{215CB6C2-CF55-472C-8265-F58627EEAEAA}">
+      <dgm:prSet/>
+      <dgm:spPr/>
+      <dgm:t>
+        <a:bodyPr/>
+        <a:lstStyle/>
+        <a:p>
+          <a:endParaRPr lang="en-US"/>
+        </a:p>
+      </dgm:t>
+    </dgm:pt>
+    <dgm:pt modelId="{CF2E7E10-6D52-474D-B3CD-639A097BE9C0}" type="sibTrans" cxnId="{215CB6C2-CF55-472C-8265-F58627EEAEAA}">
+      <dgm:prSet/>
+      <dgm:spPr/>
+      <dgm:t>
+        <a:bodyPr/>
+        <a:lstStyle/>
+        <a:p>
+          <a:endParaRPr lang="en-US"/>
+        </a:p>
+      </dgm:t>
+    </dgm:pt>
+    <dgm:pt modelId="{7830B147-EA36-4258-B108-BC149C10B3E7}" type="pres">
+      <dgm:prSet presAssocID="{AFA3A486-9B6B-4AC0-B69D-DE884519742A}" presName="root" presStyleCnt="0">
+        <dgm:presLayoutVars>
+          <dgm:dir/>
+          <dgm:resizeHandles val="exact"/>
+        </dgm:presLayoutVars>
+      </dgm:prSet>
+      <dgm:spPr/>
+    </dgm:pt>
+    <dgm:pt modelId="{7B54E386-FAE7-42F3-B7AF-E854566566F5}" type="pres">
+      <dgm:prSet presAssocID="{CB434081-CCE4-48FD-82A7-776367B68FDA}" presName="compNode" presStyleCnt="0"/>
+      <dgm:spPr/>
+    </dgm:pt>
+    <dgm:pt modelId="{FEBFC976-B7AC-4A07-85C1-7902E0F0CAC5}" type="pres">
+      <dgm:prSet presAssocID="{CB434081-CCE4-48FD-82A7-776367B68FDA}" presName="bgRect" presStyleLbl="bgShp" presStyleIdx="0" presStyleCnt="4"/>
+      <dgm:spPr/>
+    </dgm:pt>
+    <dgm:pt modelId="{635E6879-6F3C-4AA1-8939-5B38B4FF46D9}" type="pres">
+      <dgm:prSet presAssocID="{CB434081-CCE4-48FD-82A7-776367B68FDA}" presName="iconRect" presStyleLbl="node1" presStyleIdx="0" presStyleCnt="4"/>
+      <dgm:spPr>
+        <a:blipFill>
+          <a:blip xmlns:r="http://schemas.openxmlformats.org/officeDocument/2006/relationships" r:embed="rId1">
+            <a:extLst>
+              <a:ext uri="{28A0092B-C50C-407E-A947-70E740481C1C}">
+                <a14:useLocalDpi xmlns:a14="http://schemas.microsoft.com/office/drawing/2010/main" val="0"/>
+              </a:ext>
+              <a:ext uri="{96DAC541-7B7A-43D3-8B79-37D633B846F1}">
+                <asvg:svgBlip xmlns:asvg="http://schemas.microsoft.com/office/drawing/2016/SVG/main" r:embed="rId2"/>
+              </a:ext>
+            </a:extLst>
+          </a:blip>
+          <a:stretch>
+            <a:fillRect/>
+          </a:stretch>
+        </a:blipFill>
+        <a:ln>
+          <a:noFill/>
+        </a:ln>
+      </dgm:spPr>
+      <dgm:extLst>
+        <a:ext uri="{E40237B7-FDA0-4F09-8148-C483321AD2D9}">
+          <dgm14:cNvPr xmlns:dgm14="http://schemas.microsoft.com/office/drawing/2010/diagram" id="0" name="" descr="Computer"/>
+        </a:ext>
+      </dgm:extLst>
+    </dgm:pt>
+    <dgm:pt modelId="{B55E7C43-3717-4478-B4E7-53FEFA6E5C8C}" type="pres">
+      <dgm:prSet presAssocID="{CB434081-CCE4-48FD-82A7-776367B68FDA}" presName="spaceRect" presStyleCnt="0"/>
+      <dgm:spPr/>
+    </dgm:pt>
+    <dgm:pt modelId="{2C451571-D319-4652-8A84-F98FEF31868C}" type="pres">
+      <dgm:prSet presAssocID="{CB434081-CCE4-48FD-82A7-776367B68FDA}" presName="parTx" presStyleLbl="revTx" presStyleIdx="0" presStyleCnt="7">
+        <dgm:presLayoutVars>
+          <dgm:chMax val="0"/>
+          <dgm:chPref val="0"/>
+        </dgm:presLayoutVars>
+      </dgm:prSet>
+      <dgm:spPr/>
+    </dgm:pt>
+    <dgm:pt modelId="{FBD1898C-8C74-4949-9EFA-C6E064DE0364}" type="pres">
+      <dgm:prSet presAssocID="{9B8DCCF4-F830-45EE-AE4D-B760C25A4B5B}" presName="sibTrans" presStyleCnt="0"/>
+      <dgm:spPr/>
+    </dgm:pt>
+    <dgm:pt modelId="{CECACBF6-B391-42B8-9ACB-2E92D13F5D11}" type="pres">
+      <dgm:prSet presAssocID="{988BB752-0CA7-4554-A613-40865E21D339}" presName="compNode" presStyleCnt="0"/>
+      <dgm:spPr/>
+    </dgm:pt>
+    <dgm:pt modelId="{B98F9671-6EF8-4106-A0D3-6D3681549BE8}" type="pres">
+      <dgm:prSet presAssocID="{988BB752-0CA7-4554-A613-40865E21D339}" presName="bgRect" presStyleLbl="bgShp" presStyleIdx="1" presStyleCnt="4"/>
+      <dgm:spPr/>
+    </dgm:pt>
+    <dgm:pt modelId="{23FF39B4-B862-4ED3-8C2C-3B381BB0CD97}" type="pres">
+      <dgm:prSet presAssocID="{988BB752-0CA7-4554-A613-40865E21D339}" presName="iconRect" presStyleLbl="node1" presStyleIdx="1" presStyleCnt="4"/>
+      <dgm:spPr>
+        <a:blipFill>
+          <a:blip xmlns:r="http://schemas.openxmlformats.org/officeDocument/2006/relationships" r:embed="rId3">
+            <a:extLst>
+              <a:ext uri="{28A0092B-C50C-407E-A947-70E740481C1C}">
+                <a14:useLocalDpi xmlns:a14="http://schemas.microsoft.com/office/drawing/2010/main" val="0"/>
+              </a:ext>
+              <a:ext uri="{96DAC541-7B7A-43D3-8B79-37D633B846F1}">
+                <asvg:svgBlip xmlns:asvg="http://schemas.microsoft.com/office/drawing/2016/SVG/main" r:embed="rId4"/>
+              </a:ext>
+            </a:extLst>
+          </a:blip>
+          <a:stretch>
+            <a:fillRect/>
+          </a:stretch>
+        </a:blipFill>
+        <a:ln>
+          <a:noFill/>
+        </a:ln>
+      </dgm:spPr>
+      <dgm:extLst>
+        <a:ext uri="{E40237B7-FDA0-4F09-8148-C483321AD2D9}">
+          <dgm14:cNvPr xmlns:dgm14="http://schemas.microsoft.com/office/drawing/2010/diagram" id="0" name="" descr="Processor"/>
+        </a:ext>
+      </dgm:extLst>
+    </dgm:pt>
+    <dgm:pt modelId="{D3EC02E0-F089-46D4-9A92-F03F80DD9368}" type="pres">
+      <dgm:prSet presAssocID="{988BB752-0CA7-4554-A613-40865E21D339}" presName="spaceRect" presStyleCnt="0"/>
+      <dgm:spPr/>
+    </dgm:pt>
+    <dgm:pt modelId="{4B62C2F8-5562-49B5-A3EC-677703971AF7}" type="pres">
+      <dgm:prSet presAssocID="{988BB752-0CA7-4554-A613-40865E21D339}" presName="parTx" presStyleLbl="revTx" presStyleIdx="1" presStyleCnt="7">
+        <dgm:presLayoutVars>
+          <dgm:chMax val="0"/>
+          <dgm:chPref val="0"/>
+        </dgm:presLayoutVars>
+      </dgm:prSet>
+      <dgm:spPr/>
+    </dgm:pt>
+    <dgm:pt modelId="{A6555BCB-4E09-487E-9638-44B2F836484E}" type="pres">
+      <dgm:prSet presAssocID="{988BB752-0CA7-4554-A613-40865E21D339}" presName="desTx" presStyleLbl="revTx" presStyleIdx="2" presStyleCnt="7">
+        <dgm:presLayoutVars/>
+      </dgm:prSet>
+      <dgm:spPr/>
+    </dgm:pt>
+    <dgm:pt modelId="{42F1FD02-AD0F-4D0C-9A74-CB837C886564}" type="pres">
+      <dgm:prSet presAssocID="{835B1B2B-6A81-427F-8DB1-182137ED80F4}" presName="sibTrans" presStyleCnt="0"/>
+      <dgm:spPr/>
+    </dgm:pt>
+    <dgm:pt modelId="{ADD826AD-2958-4B37-85DC-DBCFB92E5232}" type="pres">
+      <dgm:prSet presAssocID="{F30FA427-E1CF-4F49-8FF1-2B96DBEBB58A}" presName="compNode" presStyleCnt="0"/>
+      <dgm:spPr/>
+    </dgm:pt>
+    <dgm:pt modelId="{3F82D82F-32E9-4D64-AB6E-15AC687FB2C7}" type="pres">
+      <dgm:prSet presAssocID="{F30FA427-E1CF-4F49-8FF1-2B96DBEBB58A}" presName="bgRect" presStyleLbl="bgShp" presStyleIdx="2" presStyleCnt="4"/>
+      <dgm:spPr/>
+    </dgm:pt>
+    <dgm:pt modelId="{0A9A8074-FCE4-4803-AD1A-E00B494FEA2B}" type="pres">
+      <dgm:prSet presAssocID="{F30FA427-E1CF-4F49-8FF1-2B96DBEBB58A}" presName="iconRect" presStyleLbl="node1" presStyleIdx="2" presStyleCnt="4"/>
+      <dgm:spPr>
+        <a:blipFill>
+          <a:blip xmlns:r="http://schemas.openxmlformats.org/officeDocument/2006/relationships" r:embed="rId5">
+            <a:extLst>
+              <a:ext uri="{28A0092B-C50C-407E-A947-70E740481C1C}">
+                <a14:useLocalDpi xmlns:a14="http://schemas.microsoft.com/office/drawing/2010/main" val="0"/>
+              </a:ext>
+              <a:ext uri="{96DAC541-7B7A-43D3-8B79-37D633B846F1}">
+                <asvg:svgBlip xmlns:asvg="http://schemas.microsoft.com/office/drawing/2016/SVG/main" r:embed="rId6"/>
+              </a:ext>
+            </a:extLst>
+          </a:blip>
+          <a:stretch>
+            <a:fillRect/>
+          </a:stretch>
+        </a:blipFill>
+        <a:ln>
+          <a:noFill/>
+        </a:ln>
+      </dgm:spPr>
+      <dgm:extLst>
+        <a:ext uri="{E40237B7-FDA0-4F09-8148-C483321AD2D9}">
+          <dgm14:cNvPr xmlns:dgm14="http://schemas.microsoft.com/office/drawing/2010/diagram" id="0" name="" descr="Laptop"/>
+        </a:ext>
+      </dgm:extLst>
+    </dgm:pt>
+    <dgm:pt modelId="{3D688AD6-1C88-4235-A56A-AE934636328F}" type="pres">
+      <dgm:prSet presAssocID="{F30FA427-E1CF-4F49-8FF1-2B96DBEBB58A}" presName="spaceRect" presStyleCnt="0"/>
+      <dgm:spPr/>
+    </dgm:pt>
+    <dgm:pt modelId="{DD012A1A-68A6-4FF1-8B83-96538927803E}" type="pres">
+      <dgm:prSet presAssocID="{F30FA427-E1CF-4F49-8FF1-2B96DBEBB58A}" presName="parTx" presStyleLbl="revTx" presStyleIdx="3" presStyleCnt="7">
+        <dgm:presLayoutVars>
+          <dgm:chMax val="0"/>
+          <dgm:chPref val="0"/>
+        </dgm:presLayoutVars>
+      </dgm:prSet>
+      <dgm:spPr/>
+    </dgm:pt>
+    <dgm:pt modelId="{029B42AC-035C-4776-88D1-B317E692D765}" type="pres">
+      <dgm:prSet presAssocID="{F30FA427-E1CF-4F49-8FF1-2B96DBEBB58A}" presName="desTx" presStyleLbl="revTx" presStyleIdx="4" presStyleCnt="7">
+        <dgm:presLayoutVars/>
+      </dgm:prSet>
+      <dgm:spPr/>
+    </dgm:pt>
+    <dgm:pt modelId="{C7FCBD01-2086-4EA6-A48F-E290C06AE013}" type="pres">
+      <dgm:prSet presAssocID="{388E10D2-6C56-4E61-8C67-EBE16E003AA7}" presName="sibTrans" presStyleCnt="0"/>
+      <dgm:spPr/>
+    </dgm:pt>
+    <dgm:pt modelId="{886F10A5-8982-49DC-875A-00568C596A37}" type="pres">
+      <dgm:prSet presAssocID="{F74F2D8A-3BD3-4066-9D2C-A947783D8E0D}" presName="compNode" presStyleCnt="0"/>
+      <dgm:spPr/>
+    </dgm:pt>
+    <dgm:pt modelId="{E97F9CEE-A3D4-49AB-B56F-E4C96F2AE626}" type="pres">
+      <dgm:prSet presAssocID="{F74F2D8A-3BD3-4066-9D2C-A947783D8E0D}" presName="bgRect" presStyleLbl="bgShp" presStyleIdx="3" presStyleCnt="4"/>
+      <dgm:spPr/>
+    </dgm:pt>
+    <dgm:pt modelId="{E98E8A49-B23B-448C-9DC8-9BE8885AE681}" type="pres">
+      <dgm:prSet presAssocID="{F74F2D8A-3BD3-4066-9D2C-A947783D8E0D}" presName="iconRect" presStyleLbl="node1" presStyleIdx="3" presStyleCnt="4"/>
+      <dgm:spPr>
+        <a:blipFill>
+          <a:blip xmlns:r="http://schemas.openxmlformats.org/officeDocument/2006/relationships" r:embed="rId7">
+            <a:extLst>
+              <a:ext uri="{28A0092B-C50C-407E-A947-70E740481C1C}">
+                <a14:useLocalDpi xmlns:a14="http://schemas.microsoft.com/office/drawing/2010/main" val="0"/>
+              </a:ext>
+              <a:ext uri="{96DAC541-7B7A-43D3-8B79-37D633B846F1}">
+                <asvg:svgBlip xmlns:asvg="http://schemas.microsoft.com/office/drawing/2016/SVG/main" r:embed="rId8"/>
+              </a:ext>
+            </a:extLst>
+          </a:blip>
+          <a:stretch>
+            <a:fillRect/>
+          </a:stretch>
+        </a:blipFill>
+        <a:ln>
+          <a:noFill/>
+        </a:ln>
+      </dgm:spPr>
+      <dgm:extLst>
+        <a:ext uri="{E40237B7-FDA0-4F09-8148-C483321AD2D9}">
+          <dgm14:cNvPr xmlns:dgm14="http://schemas.microsoft.com/office/drawing/2010/diagram" id="0" name="" descr="Disk"/>
+        </a:ext>
+      </dgm:extLst>
+    </dgm:pt>
+    <dgm:pt modelId="{CBC790A1-C478-4598-9A34-C582147C91E9}" type="pres">
+      <dgm:prSet presAssocID="{F74F2D8A-3BD3-4066-9D2C-A947783D8E0D}" presName="spaceRect" presStyleCnt="0"/>
+      <dgm:spPr/>
+    </dgm:pt>
+    <dgm:pt modelId="{375FFF3C-150D-4454-A2A7-FDDE290AA31E}" type="pres">
+      <dgm:prSet presAssocID="{F74F2D8A-3BD3-4066-9D2C-A947783D8E0D}" presName="parTx" presStyleLbl="revTx" presStyleIdx="5" presStyleCnt="7">
+        <dgm:presLayoutVars>
+          <dgm:chMax val="0"/>
+          <dgm:chPref val="0"/>
+        </dgm:presLayoutVars>
+      </dgm:prSet>
+      <dgm:spPr/>
+    </dgm:pt>
+    <dgm:pt modelId="{59CF8C5A-2188-4DBB-9E2D-1FD0EF745194}" type="pres">
+      <dgm:prSet presAssocID="{F74F2D8A-3BD3-4066-9D2C-A947783D8E0D}" presName="desTx" presStyleLbl="revTx" presStyleIdx="6" presStyleCnt="7">
+        <dgm:presLayoutVars/>
+      </dgm:prSet>
+      <dgm:spPr/>
+    </dgm:pt>
+  </dgm:ptLst>
+  <dgm:cxnLst>
+    <dgm:cxn modelId="{50425318-9676-4BD9-B021-F6566A738E2A}" type="presOf" srcId="{AA9F2C3A-E111-4A51-8E82-B50B2FC6CEAF}" destId="{A6555BCB-4E09-487E-9638-44B2F836484E}" srcOrd="0" destOrd="0" presId="urn:microsoft.com/office/officeart/2018/2/layout/IconVerticalSolidList"/>
+    <dgm:cxn modelId="{F4441831-B1E7-458F-8C37-413371EF3053}" type="presOf" srcId="{CB434081-CCE4-48FD-82A7-776367B68FDA}" destId="{2C451571-D319-4652-8A84-F98FEF31868C}" srcOrd="0" destOrd="0" presId="urn:microsoft.com/office/officeart/2018/2/layout/IconVerticalSolidList"/>
+    <dgm:cxn modelId="{16B3FF3C-E00E-44C8-A42D-397FDAA6CA50}" type="presOf" srcId="{988BB752-0CA7-4554-A613-40865E21D339}" destId="{4B62C2F8-5562-49B5-A3EC-677703971AF7}" srcOrd="0" destOrd="0" presId="urn:microsoft.com/office/officeart/2018/2/layout/IconVerticalSolidList"/>
+    <dgm:cxn modelId="{AB6A905B-099D-463A-B89B-CD231D7642A6}" srcId="{AFA3A486-9B6B-4AC0-B69D-DE884519742A}" destId="{F74F2D8A-3BD3-4066-9D2C-A947783D8E0D}" srcOrd="3" destOrd="0" parTransId="{0E7174CC-08D9-44EA-A24B-A205CA1E07ED}" sibTransId="{B26DFD15-8403-40EA-917F-288EF95404B0}"/>
+    <dgm:cxn modelId="{90E2415C-65C0-411E-A88E-A4278A0832BC}" srcId="{AFA3A486-9B6B-4AC0-B69D-DE884519742A}" destId="{CB434081-CCE4-48FD-82A7-776367B68FDA}" srcOrd="0" destOrd="0" parTransId="{A3869381-C5F6-4194-B042-D9A3ABB20B3A}" sibTransId="{9B8DCCF4-F830-45EE-AE4D-B760C25A4B5B}"/>
+    <dgm:cxn modelId="{DABC4987-1506-46F3-BE0B-701C2489FDD1}" srcId="{F30FA427-E1CF-4F49-8FF1-2B96DBEBB58A}" destId="{476CE531-A9DC-4D7C-838A-CDBDC8786215}" srcOrd="0" destOrd="0" parTransId="{0C3D260C-8BFA-4728-863E-41DE4FA30ACB}" sibTransId="{DBC03E5A-4191-43B5-AB6E-62ABDE61516D}"/>
+    <dgm:cxn modelId="{57C6708F-3AE0-4B55-A304-6F8D1EC08952}" type="presOf" srcId="{AFA3A486-9B6B-4AC0-B69D-DE884519742A}" destId="{7830B147-EA36-4258-B108-BC149C10B3E7}" srcOrd="0" destOrd="0" presId="urn:microsoft.com/office/officeart/2018/2/layout/IconVerticalSolidList"/>
+    <dgm:cxn modelId="{8DB7A79F-6484-4AB4-B11B-134E978E2E97}" srcId="{AFA3A486-9B6B-4AC0-B69D-DE884519742A}" destId="{F30FA427-E1CF-4F49-8FF1-2B96DBEBB58A}" srcOrd="2" destOrd="0" parTransId="{FB4AE0AB-ECB0-4350-923D-DA2A501CE83E}" sibTransId="{388E10D2-6C56-4E61-8C67-EBE16E003AA7}"/>
+    <dgm:cxn modelId="{1221EBAC-6846-4238-A6E4-741D50A69678}" type="presOf" srcId="{F74F2D8A-3BD3-4066-9D2C-A947783D8E0D}" destId="{375FFF3C-150D-4454-A2A7-FDDE290AA31E}" srcOrd="0" destOrd="0" presId="urn:microsoft.com/office/officeart/2018/2/layout/IconVerticalSolidList"/>
+    <dgm:cxn modelId="{A0DC25C0-6237-4655-A4B0-C72F8FCF5FD9}" type="presOf" srcId="{BBF955D1-96DD-4C13-9C0C-65C49D9E1D61}" destId="{59CF8C5A-2188-4DBB-9E2D-1FD0EF745194}" srcOrd="0" destOrd="0" presId="urn:microsoft.com/office/officeart/2018/2/layout/IconVerticalSolidList"/>
+    <dgm:cxn modelId="{215CB6C2-CF55-472C-8265-F58627EEAEAA}" srcId="{F74F2D8A-3BD3-4066-9D2C-A947783D8E0D}" destId="{BBF955D1-96DD-4C13-9C0C-65C49D9E1D61}" srcOrd="0" destOrd="0" parTransId="{E8500020-D2CA-43F6-82CC-3D242C89C0D0}" sibTransId="{CF2E7E10-6D52-474D-B3CD-639A097BE9C0}"/>
+    <dgm:cxn modelId="{7FFF0ED1-9FF5-4D7B-8810-CA8851D70552}" srcId="{988BB752-0CA7-4554-A613-40865E21D339}" destId="{AA9F2C3A-E111-4A51-8E82-B50B2FC6CEAF}" srcOrd="0" destOrd="0" parTransId="{13681E06-61F8-4941-9A25-6C7807CDFFF2}" sibTransId="{C150D9A9-A57A-49D8-8C6A-492F704ABBE7}"/>
+    <dgm:cxn modelId="{DFAC32E7-D903-4794-BD7B-D54C6909288A}" srcId="{AFA3A486-9B6B-4AC0-B69D-DE884519742A}" destId="{988BB752-0CA7-4554-A613-40865E21D339}" srcOrd="1" destOrd="0" parTransId="{D662AB0D-0601-4EEF-AB20-C439DDAF961D}" sibTransId="{835B1B2B-6A81-427F-8DB1-182137ED80F4}"/>
+    <dgm:cxn modelId="{961BE7F4-68FA-4A35-89BB-5D036023F0A9}" type="presOf" srcId="{476CE531-A9DC-4D7C-838A-CDBDC8786215}" destId="{029B42AC-035C-4776-88D1-B317E692D765}" srcOrd="0" destOrd="0" presId="urn:microsoft.com/office/officeart/2018/2/layout/IconVerticalSolidList"/>
+    <dgm:cxn modelId="{9F3D63FC-ADD4-4416-BE92-393B6A704BF4}" type="presOf" srcId="{F30FA427-E1CF-4F49-8FF1-2B96DBEBB58A}" destId="{DD012A1A-68A6-4FF1-8B83-96538927803E}" srcOrd="0" destOrd="0" presId="urn:microsoft.com/office/officeart/2018/2/layout/IconVerticalSolidList"/>
+    <dgm:cxn modelId="{AF715BDE-9058-49A1-BBA3-8CA425D4A8F6}" type="presParOf" srcId="{7830B147-EA36-4258-B108-BC149C10B3E7}" destId="{7B54E386-FAE7-42F3-B7AF-E854566566F5}" srcOrd="0" destOrd="0" presId="urn:microsoft.com/office/officeart/2018/2/layout/IconVerticalSolidList"/>
+    <dgm:cxn modelId="{2E974152-6A44-4A88-A1AD-66930F2A7E3E}" type="presParOf" srcId="{7B54E386-FAE7-42F3-B7AF-E854566566F5}" destId="{FEBFC976-B7AC-4A07-85C1-7902E0F0CAC5}" srcOrd="0" destOrd="0" presId="urn:microsoft.com/office/officeart/2018/2/layout/IconVerticalSolidList"/>
+    <dgm:cxn modelId="{CA94A69A-D597-4AF3-9C39-A1FC41A517A3}" type="presParOf" srcId="{7B54E386-FAE7-42F3-B7AF-E854566566F5}" destId="{635E6879-6F3C-4AA1-8939-5B38B4FF46D9}" srcOrd="1" destOrd="0" presId="urn:microsoft.com/office/officeart/2018/2/layout/IconVerticalSolidList"/>
+    <dgm:cxn modelId="{D3BF096D-D86D-4953-BF4E-F447A8ABFCEF}" type="presParOf" srcId="{7B54E386-FAE7-42F3-B7AF-E854566566F5}" destId="{B55E7C43-3717-4478-B4E7-53FEFA6E5C8C}" srcOrd="2" destOrd="0" presId="urn:microsoft.com/office/officeart/2018/2/layout/IconVerticalSolidList"/>
+    <dgm:cxn modelId="{039DB1AF-4CB6-42F7-AD7D-23B10AB8310D}" type="presParOf" srcId="{7B54E386-FAE7-42F3-B7AF-E854566566F5}" destId="{2C451571-D319-4652-8A84-F98FEF31868C}" srcOrd="3" destOrd="0" presId="urn:microsoft.com/office/officeart/2018/2/layout/IconVerticalSolidList"/>
+    <dgm:cxn modelId="{5B9B1217-66B1-49D8-9373-B1E504AEE1C5}" type="presParOf" srcId="{7830B147-EA36-4258-B108-BC149C10B3E7}" destId="{FBD1898C-8C74-4949-9EFA-C6E064DE0364}" srcOrd="1" destOrd="0" presId="urn:microsoft.com/office/officeart/2018/2/layout/IconVerticalSolidList"/>
+    <dgm:cxn modelId="{26618DCB-743B-4FC4-BAE9-BE0296B42B55}" type="presParOf" srcId="{7830B147-EA36-4258-B108-BC149C10B3E7}" destId="{CECACBF6-B391-42B8-9ACB-2E92D13F5D11}" srcOrd="2" destOrd="0" presId="urn:microsoft.com/office/officeart/2018/2/layout/IconVerticalSolidList"/>
+    <dgm:cxn modelId="{47597936-3C06-46D0-B552-63282B46BD25}" type="presParOf" srcId="{CECACBF6-B391-42B8-9ACB-2E92D13F5D11}" destId="{B98F9671-6EF8-4106-A0D3-6D3681549BE8}" srcOrd="0" destOrd="0" presId="urn:microsoft.com/office/officeart/2018/2/layout/IconVerticalSolidList"/>
+    <dgm:cxn modelId="{B1095CC7-E304-4D79-B04F-C7ECC1EC4242}" type="presParOf" srcId="{CECACBF6-B391-42B8-9ACB-2E92D13F5D11}" destId="{23FF39B4-B862-4ED3-8C2C-3B381BB0CD97}" srcOrd="1" destOrd="0" presId="urn:microsoft.com/office/officeart/2018/2/layout/IconVerticalSolidList"/>
+    <dgm:cxn modelId="{D4DE1852-91CD-490F-973F-33211F6FE6C8}" type="presParOf" srcId="{CECACBF6-B391-42B8-9ACB-2E92D13F5D11}" destId="{D3EC02E0-F089-46D4-9A92-F03F80DD9368}" srcOrd="2" destOrd="0" presId="urn:microsoft.com/office/officeart/2018/2/layout/IconVerticalSolidList"/>
+    <dgm:cxn modelId="{222C2101-E646-44EE-978F-A4D8F8B1A242}" type="presParOf" srcId="{CECACBF6-B391-42B8-9ACB-2E92D13F5D11}" destId="{4B62C2F8-5562-49B5-A3EC-677703971AF7}" srcOrd="3" destOrd="0" presId="urn:microsoft.com/office/officeart/2018/2/layout/IconVerticalSolidList"/>
+    <dgm:cxn modelId="{F0667EF1-E253-4320-8D2C-75ED17D93F28}" type="presParOf" srcId="{CECACBF6-B391-42B8-9ACB-2E92D13F5D11}" destId="{A6555BCB-4E09-487E-9638-44B2F836484E}" srcOrd="4" destOrd="0" presId="urn:microsoft.com/office/officeart/2018/2/layout/IconVerticalSolidList"/>
+    <dgm:cxn modelId="{F3ECF551-F539-41A8-A06C-2A0FEB0E9100}" type="presParOf" srcId="{7830B147-EA36-4258-B108-BC149C10B3E7}" destId="{42F1FD02-AD0F-4D0C-9A74-CB837C886564}" srcOrd="3" destOrd="0" presId="urn:microsoft.com/office/officeart/2018/2/layout/IconVerticalSolidList"/>
+    <dgm:cxn modelId="{87D43CAE-FC8F-4DFF-8796-E423AC8F6D7E}" type="presParOf" srcId="{7830B147-EA36-4258-B108-BC149C10B3E7}" destId="{ADD826AD-2958-4B37-85DC-DBCFB92E5232}" srcOrd="4" destOrd="0" presId="urn:microsoft.com/office/officeart/2018/2/layout/IconVerticalSolidList"/>
+    <dgm:cxn modelId="{D7073852-BD2C-4A7F-BDE1-F951F897FBAB}" type="presParOf" srcId="{ADD826AD-2958-4B37-85DC-DBCFB92E5232}" destId="{3F82D82F-32E9-4D64-AB6E-15AC687FB2C7}" srcOrd="0" destOrd="0" presId="urn:microsoft.com/office/officeart/2018/2/layout/IconVerticalSolidList"/>
+    <dgm:cxn modelId="{E6D0A03C-6FA5-425F-A24A-B88AB3939C90}" type="presParOf" srcId="{ADD826AD-2958-4B37-85DC-DBCFB92E5232}" destId="{0A9A8074-FCE4-4803-AD1A-E00B494FEA2B}" srcOrd="1" destOrd="0" presId="urn:microsoft.com/office/officeart/2018/2/layout/IconVerticalSolidList"/>
+    <dgm:cxn modelId="{9AE6CA13-3247-47D7-8419-52AC83F1C85A}" type="presParOf" srcId="{ADD826AD-2958-4B37-85DC-DBCFB92E5232}" destId="{3D688AD6-1C88-4235-A56A-AE934636328F}" srcOrd="2" destOrd="0" presId="urn:microsoft.com/office/officeart/2018/2/layout/IconVerticalSolidList"/>
+    <dgm:cxn modelId="{3C7FCF66-BF16-42AB-98AE-4DA891D68492}" type="presParOf" srcId="{ADD826AD-2958-4B37-85DC-DBCFB92E5232}" destId="{DD012A1A-68A6-4FF1-8B83-96538927803E}" srcOrd="3" destOrd="0" presId="urn:microsoft.com/office/officeart/2018/2/layout/IconVerticalSolidList"/>
+    <dgm:cxn modelId="{5425CD31-A0D8-4289-8598-22E1A47797F1}" type="presParOf" srcId="{ADD826AD-2958-4B37-85DC-DBCFB92E5232}" destId="{029B42AC-035C-4776-88D1-B317E692D765}" srcOrd="4" destOrd="0" presId="urn:microsoft.com/office/officeart/2018/2/layout/IconVerticalSolidList"/>
+    <dgm:cxn modelId="{70FC3255-276E-4B6A-B5CE-8128C6CEDB76}" type="presParOf" srcId="{7830B147-EA36-4258-B108-BC149C10B3E7}" destId="{C7FCBD01-2086-4EA6-A48F-E290C06AE013}" srcOrd="5" destOrd="0" presId="urn:microsoft.com/office/officeart/2018/2/layout/IconVerticalSolidList"/>
+    <dgm:cxn modelId="{F08D9B94-8A6B-49CF-903E-68174D69E021}" type="presParOf" srcId="{7830B147-EA36-4258-B108-BC149C10B3E7}" destId="{886F10A5-8982-49DC-875A-00568C596A37}" srcOrd="6" destOrd="0" presId="urn:microsoft.com/office/officeart/2018/2/layout/IconVerticalSolidList"/>
+    <dgm:cxn modelId="{9D000519-7938-4169-A080-9CEEFB81CFFA}" type="presParOf" srcId="{886F10A5-8982-49DC-875A-00568C596A37}" destId="{E97F9CEE-A3D4-49AB-B56F-E4C96F2AE626}" srcOrd="0" destOrd="0" presId="urn:microsoft.com/office/officeart/2018/2/layout/IconVerticalSolidList"/>
+    <dgm:cxn modelId="{B6F46075-2B11-4AF7-B162-408D7A98A598}" type="presParOf" srcId="{886F10A5-8982-49DC-875A-00568C596A37}" destId="{E98E8A49-B23B-448C-9DC8-9BE8885AE681}" srcOrd="1" destOrd="0" presId="urn:microsoft.com/office/officeart/2018/2/layout/IconVerticalSolidList"/>
+    <dgm:cxn modelId="{CCD19796-FE4B-481F-8F60-504B56C61101}" type="presParOf" srcId="{886F10A5-8982-49DC-875A-00568C596A37}" destId="{CBC790A1-C478-4598-9A34-C582147C91E9}" srcOrd="2" destOrd="0" presId="urn:microsoft.com/office/officeart/2018/2/layout/IconVerticalSolidList"/>
+    <dgm:cxn modelId="{93F25A7E-A20F-4CDA-BC3F-6F4CC09353EA}" type="presParOf" srcId="{886F10A5-8982-49DC-875A-00568C596A37}" destId="{375FFF3C-150D-4454-A2A7-FDDE290AA31E}" srcOrd="3" destOrd="0" presId="urn:microsoft.com/office/officeart/2018/2/layout/IconVerticalSolidList"/>
+    <dgm:cxn modelId="{3208F0B5-E8A2-4AD2-A7D9-A220B2BC7261}" type="presParOf" srcId="{886F10A5-8982-49DC-875A-00568C596A37}" destId="{59CF8C5A-2188-4DBB-9E2D-1FD0EF745194}" srcOrd="4" destOrd="0" presId="urn:microsoft.com/office/officeart/2018/2/layout/IconVerticalSolidList"/>
   </dgm:cxnLst>
   <dgm:bg/>
   <dgm:whole/>
@@ -4250,6 +5637,874 @@
 </dsp:drawing>
 </file>
 
+<file path=ppt/diagrams/drawing3.xml><?xml version="1.0" encoding="utf-8"?>
+<dsp:drawing xmlns:dgm="http://schemas.openxmlformats.org/drawingml/2006/diagram" xmlns:dsp="http://schemas.microsoft.com/office/drawing/2008/diagram" xmlns:a="http://schemas.openxmlformats.org/drawingml/2006/main">
+  <dsp:spTree>
+    <dsp:nvGrpSpPr>
+      <dsp:cNvPr id="0" name=""/>
+      <dsp:cNvGrpSpPr/>
+    </dsp:nvGrpSpPr>
+    <dsp:grpSpPr/>
+    <dsp:sp modelId="{FEBFC976-B7AC-4A07-85C1-7902E0F0CAC5}">
+      <dsp:nvSpPr>
+        <dsp:cNvPr id="0" name=""/>
+        <dsp:cNvSpPr/>
+      </dsp:nvSpPr>
+      <dsp:spPr>
+        <a:xfrm>
+          <a:off x="0" y="1597"/>
+          <a:ext cx="10058399" cy="809774"/>
+        </a:xfrm>
+        <a:prstGeom prst="roundRect">
+          <a:avLst>
+            <a:gd name="adj" fmla="val 10000"/>
+          </a:avLst>
+        </a:prstGeom>
+        <a:solidFill>
+          <a:schemeClr val="accent3">
+            <a:tint val="40000"/>
+            <a:hueOff val="0"/>
+            <a:satOff val="0"/>
+            <a:lumOff val="0"/>
+            <a:alphaOff val="0"/>
+          </a:schemeClr>
+        </a:solidFill>
+        <a:ln>
+          <a:noFill/>
+        </a:ln>
+        <a:effectLst/>
+      </dsp:spPr>
+      <dsp:style>
+        <a:lnRef idx="0">
+          <a:scrgbClr r="0" g="0" b="0"/>
+        </a:lnRef>
+        <a:fillRef idx="1">
+          <a:scrgbClr r="0" g="0" b="0"/>
+        </a:fillRef>
+        <a:effectRef idx="0">
+          <a:scrgbClr r="0" g="0" b="0"/>
+        </a:effectRef>
+        <a:fontRef idx="minor"/>
+      </dsp:style>
+    </dsp:sp>
+    <dsp:sp modelId="{635E6879-6F3C-4AA1-8939-5B38B4FF46D9}">
+      <dsp:nvSpPr>
+        <dsp:cNvPr id="0" name=""/>
+        <dsp:cNvSpPr/>
+      </dsp:nvSpPr>
+      <dsp:spPr>
+        <a:xfrm>
+          <a:off x="244956" y="183796"/>
+          <a:ext cx="445375" cy="445375"/>
+        </a:xfrm>
+        <a:prstGeom prst="rect">
+          <a:avLst/>
+        </a:prstGeom>
+        <a:blipFill>
+          <a:blip xmlns:r="http://schemas.openxmlformats.org/officeDocument/2006/relationships" r:embed="rId1">
+            <a:extLst>
+              <a:ext uri="{28A0092B-C50C-407E-A947-70E740481C1C}">
+                <a14:useLocalDpi xmlns:a14="http://schemas.microsoft.com/office/drawing/2010/main" val="0"/>
+              </a:ext>
+              <a:ext uri="{96DAC541-7B7A-43D3-8B79-37D633B846F1}">
+                <asvg:svgBlip xmlns:asvg="http://schemas.microsoft.com/office/drawing/2016/SVG/main" r:embed="rId2"/>
+              </a:ext>
+            </a:extLst>
+          </a:blip>
+          <a:stretch>
+            <a:fillRect/>
+          </a:stretch>
+        </a:blipFill>
+        <a:ln w="12700" cap="flat" cmpd="sng" algn="ctr">
+          <a:noFill/>
+          <a:prstDash val="solid"/>
+        </a:ln>
+        <a:effectLst/>
+      </dsp:spPr>
+      <dsp:style>
+        <a:lnRef idx="2">
+          <a:scrgbClr r="0" g="0" b="0"/>
+        </a:lnRef>
+        <a:fillRef idx="1">
+          <a:scrgbClr r="0" g="0" b="0"/>
+        </a:fillRef>
+        <a:effectRef idx="0">
+          <a:scrgbClr r="0" g="0" b="0"/>
+        </a:effectRef>
+        <a:fontRef idx="minor">
+          <a:schemeClr val="lt1"/>
+        </a:fontRef>
+      </dsp:style>
+    </dsp:sp>
+    <dsp:sp modelId="{2C451571-D319-4652-8A84-F98FEF31868C}">
+      <dsp:nvSpPr>
+        <dsp:cNvPr id="0" name=""/>
+        <dsp:cNvSpPr/>
+      </dsp:nvSpPr>
+      <dsp:spPr>
+        <a:xfrm>
+          <a:off x="935289" y="1597"/>
+          <a:ext cx="9123110" cy="809774"/>
+        </a:xfrm>
+        <a:prstGeom prst="rect">
+          <a:avLst/>
+        </a:prstGeom>
+        <a:noFill/>
+        <a:ln>
+          <a:noFill/>
+        </a:ln>
+        <a:effectLst/>
+      </dsp:spPr>
+      <dsp:style>
+        <a:lnRef idx="0">
+          <a:scrgbClr r="0" g="0" b="0"/>
+        </a:lnRef>
+        <a:fillRef idx="0">
+          <a:scrgbClr r="0" g="0" b="0"/>
+        </a:fillRef>
+        <a:effectRef idx="0">
+          <a:scrgbClr r="0" g="0" b="0"/>
+        </a:effectRef>
+        <a:fontRef idx="minor"/>
+      </dsp:style>
+      <dsp:txBody>
+        <a:bodyPr spcFirstLastPara="0" vert="horz" wrap="square" lIns="85701" tIns="85701" rIns="85701" bIns="85701" numCol="1" spcCol="1270" anchor="ctr" anchorCtr="0">
+          <a:noAutofit/>
+        </a:bodyPr>
+        <a:lstStyle/>
+        <a:p>
+          <a:pPr marL="0" lvl="0" indent="0" algn="l" defTabSz="977900">
+            <a:lnSpc>
+              <a:spcPct val="100000"/>
+            </a:lnSpc>
+            <a:spcBef>
+              <a:spcPct val="0"/>
+            </a:spcBef>
+            <a:spcAft>
+              <a:spcPct val="35000"/>
+            </a:spcAft>
+            <a:buNone/>
+          </a:pPr>
+          <a:r>
+            <a:rPr lang="en-US" sz="2200" kern="1200" dirty="0"/>
+            <a:t>Operating System: Windows 10 Home</a:t>
+          </a:r>
+        </a:p>
+      </dsp:txBody>
+      <dsp:txXfrm>
+        <a:off x="935289" y="1597"/>
+        <a:ext cx="9123110" cy="809774"/>
+      </dsp:txXfrm>
+    </dsp:sp>
+    <dsp:sp modelId="{B98F9671-6EF8-4106-A0D3-6D3681549BE8}">
+      <dsp:nvSpPr>
+        <dsp:cNvPr id="0" name=""/>
+        <dsp:cNvSpPr/>
+      </dsp:nvSpPr>
+      <dsp:spPr>
+        <a:xfrm>
+          <a:off x="0" y="1013815"/>
+          <a:ext cx="10058399" cy="809774"/>
+        </a:xfrm>
+        <a:prstGeom prst="roundRect">
+          <a:avLst>
+            <a:gd name="adj" fmla="val 10000"/>
+          </a:avLst>
+        </a:prstGeom>
+        <a:solidFill>
+          <a:schemeClr val="accent3">
+            <a:tint val="40000"/>
+            <a:hueOff val="0"/>
+            <a:satOff val="0"/>
+            <a:lumOff val="0"/>
+            <a:alphaOff val="0"/>
+          </a:schemeClr>
+        </a:solidFill>
+        <a:ln>
+          <a:noFill/>
+        </a:ln>
+        <a:effectLst/>
+      </dsp:spPr>
+      <dsp:style>
+        <a:lnRef idx="0">
+          <a:scrgbClr r="0" g="0" b="0"/>
+        </a:lnRef>
+        <a:fillRef idx="1">
+          <a:scrgbClr r="0" g="0" b="0"/>
+        </a:fillRef>
+        <a:effectRef idx="0">
+          <a:scrgbClr r="0" g="0" b="0"/>
+        </a:effectRef>
+        <a:fontRef idx="minor"/>
+      </dsp:style>
+    </dsp:sp>
+    <dsp:sp modelId="{23FF39B4-B862-4ED3-8C2C-3B381BB0CD97}">
+      <dsp:nvSpPr>
+        <dsp:cNvPr id="0" name=""/>
+        <dsp:cNvSpPr/>
+      </dsp:nvSpPr>
+      <dsp:spPr>
+        <a:xfrm>
+          <a:off x="244956" y="1196015"/>
+          <a:ext cx="445375" cy="445375"/>
+        </a:xfrm>
+        <a:prstGeom prst="rect">
+          <a:avLst/>
+        </a:prstGeom>
+        <a:blipFill>
+          <a:blip xmlns:r="http://schemas.openxmlformats.org/officeDocument/2006/relationships" r:embed="rId3">
+            <a:extLst>
+              <a:ext uri="{28A0092B-C50C-407E-A947-70E740481C1C}">
+                <a14:useLocalDpi xmlns:a14="http://schemas.microsoft.com/office/drawing/2010/main" val="0"/>
+              </a:ext>
+              <a:ext uri="{96DAC541-7B7A-43D3-8B79-37D633B846F1}">
+                <asvg:svgBlip xmlns:asvg="http://schemas.microsoft.com/office/drawing/2016/SVG/main" r:embed="rId4"/>
+              </a:ext>
+            </a:extLst>
+          </a:blip>
+          <a:stretch>
+            <a:fillRect/>
+          </a:stretch>
+        </a:blipFill>
+        <a:ln w="12700" cap="flat" cmpd="sng" algn="ctr">
+          <a:noFill/>
+          <a:prstDash val="solid"/>
+        </a:ln>
+        <a:effectLst/>
+      </dsp:spPr>
+      <dsp:style>
+        <a:lnRef idx="2">
+          <a:scrgbClr r="0" g="0" b="0"/>
+        </a:lnRef>
+        <a:fillRef idx="1">
+          <a:scrgbClr r="0" g="0" b="0"/>
+        </a:fillRef>
+        <a:effectRef idx="0">
+          <a:scrgbClr r="0" g="0" b="0"/>
+        </a:effectRef>
+        <a:fontRef idx="minor">
+          <a:schemeClr val="lt1"/>
+        </a:fontRef>
+      </dsp:style>
+    </dsp:sp>
+    <dsp:sp modelId="{4B62C2F8-5562-49B5-A3EC-677703971AF7}">
+      <dsp:nvSpPr>
+        <dsp:cNvPr id="0" name=""/>
+        <dsp:cNvSpPr/>
+      </dsp:nvSpPr>
+      <dsp:spPr>
+        <a:xfrm>
+          <a:off x="935289" y="1013815"/>
+          <a:ext cx="4526280" cy="809774"/>
+        </a:xfrm>
+        <a:prstGeom prst="rect">
+          <a:avLst/>
+        </a:prstGeom>
+        <a:noFill/>
+        <a:ln>
+          <a:noFill/>
+        </a:ln>
+        <a:effectLst/>
+      </dsp:spPr>
+      <dsp:style>
+        <a:lnRef idx="0">
+          <a:scrgbClr r="0" g="0" b="0"/>
+        </a:lnRef>
+        <a:fillRef idx="0">
+          <a:scrgbClr r="0" g="0" b="0"/>
+        </a:fillRef>
+        <a:effectRef idx="0">
+          <a:scrgbClr r="0" g="0" b="0"/>
+        </a:effectRef>
+        <a:fontRef idx="minor"/>
+      </dsp:style>
+      <dsp:txBody>
+        <a:bodyPr spcFirstLastPara="0" vert="horz" wrap="square" lIns="85701" tIns="85701" rIns="85701" bIns="85701" numCol="1" spcCol="1270" anchor="ctr" anchorCtr="0">
+          <a:noAutofit/>
+        </a:bodyPr>
+        <a:lstStyle/>
+        <a:p>
+          <a:pPr marL="0" lvl="0" indent="0" algn="l" defTabSz="977900">
+            <a:lnSpc>
+              <a:spcPct val="100000"/>
+            </a:lnSpc>
+            <a:spcBef>
+              <a:spcPct val="0"/>
+            </a:spcBef>
+            <a:spcAft>
+              <a:spcPct val="35000"/>
+            </a:spcAft>
+            <a:buNone/>
+          </a:pPr>
+          <a:r>
+            <a:rPr lang="en-US" sz="2200" kern="1200"/>
+            <a:t>Processor:</a:t>
+          </a:r>
+        </a:p>
+      </dsp:txBody>
+      <dsp:txXfrm>
+        <a:off x="935289" y="1013815"/>
+        <a:ext cx="4526280" cy="809774"/>
+      </dsp:txXfrm>
+    </dsp:sp>
+    <dsp:sp modelId="{A6555BCB-4E09-487E-9638-44B2F836484E}">
+      <dsp:nvSpPr>
+        <dsp:cNvPr id="0" name=""/>
+        <dsp:cNvSpPr/>
+      </dsp:nvSpPr>
+      <dsp:spPr>
+        <a:xfrm>
+          <a:off x="5461569" y="1013815"/>
+          <a:ext cx="4596830" cy="809774"/>
+        </a:xfrm>
+        <a:prstGeom prst="rect">
+          <a:avLst/>
+        </a:prstGeom>
+        <a:noFill/>
+        <a:ln>
+          <a:noFill/>
+        </a:ln>
+        <a:effectLst/>
+      </dsp:spPr>
+      <dsp:style>
+        <a:lnRef idx="0">
+          <a:scrgbClr r="0" g="0" b="0"/>
+        </a:lnRef>
+        <a:fillRef idx="0">
+          <a:scrgbClr r="0" g="0" b="0"/>
+        </a:fillRef>
+        <a:effectRef idx="0">
+          <a:scrgbClr r="0" g="0" b="0"/>
+        </a:effectRef>
+        <a:fontRef idx="minor"/>
+      </dsp:style>
+      <dsp:txBody>
+        <a:bodyPr spcFirstLastPara="0" vert="horz" wrap="square" lIns="85701" tIns="85701" rIns="85701" bIns="85701" numCol="1" spcCol="1270" anchor="ctr" anchorCtr="0">
+          <a:noAutofit/>
+        </a:bodyPr>
+        <a:lstStyle/>
+        <a:p>
+          <a:pPr marL="0" lvl="0" indent="0" algn="l" defTabSz="488950">
+            <a:lnSpc>
+              <a:spcPct val="100000"/>
+            </a:lnSpc>
+            <a:spcBef>
+              <a:spcPct val="0"/>
+            </a:spcBef>
+            <a:spcAft>
+              <a:spcPct val="35000"/>
+            </a:spcAft>
+            <a:buNone/>
+          </a:pPr>
+          <a:r>
+            <a:rPr lang="en-US" sz="1100" kern="1200"/>
+            <a:t>Intel® Core™ </a:t>
+          </a:r>
+        </a:p>
+        <a:p>
+          <a:pPr marL="0" lvl="0" indent="0" algn="l" defTabSz="488950">
+            <a:lnSpc>
+              <a:spcPct val="100000"/>
+            </a:lnSpc>
+            <a:spcBef>
+              <a:spcPct val="0"/>
+            </a:spcBef>
+            <a:spcAft>
+              <a:spcPct val="35000"/>
+            </a:spcAft>
+            <a:buNone/>
+          </a:pPr>
+          <a:r>
+            <a:rPr lang="en-US" sz="1100" kern="1200"/>
+            <a:t>i5-7500 CPU @ </a:t>
+          </a:r>
+        </a:p>
+        <a:p>
+          <a:pPr marL="0" lvl="0" indent="0" algn="l" defTabSz="488950">
+            <a:lnSpc>
+              <a:spcPct val="100000"/>
+            </a:lnSpc>
+            <a:spcBef>
+              <a:spcPct val="0"/>
+            </a:spcBef>
+            <a:spcAft>
+              <a:spcPct val="35000"/>
+            </a:spcAft>
+            <a:buNone/>
+          </a:pPr>
+          <a:r>
+            <a:rPr lang="en-US" sz="1100" kern="1200"/>
+            <a:t>3.40 GHz</a:t>
+          </a:r>
+        </a:p>
+      </dsp:txBody>
+      <dsp:txXfrm>
+        <a:off x="5461569" y="1013815"/>
+        <a:ext cx="4596830" cy="809774"/>
+      </dsp:txXfrm>
+    </dsp:sp>
+    <dsp:sp modelId="{3F82D82F-32E9-4D64-AB6E-15AC687FB2C7}">
+      <dsp:nvSpPr>
+        <dsp:cNvPr id="0" name=""/>
+        <dsp:cNvSpPr/>
+      </dsp:nvSpPr>
+      <dsp:spPr>
+        <a:xfrm>
+          <a:off x="0" y="2026033"/>
+          <a:ext cx="10058399" cy="809774"/>
+        </a:xfrm>
+        <a:prstGeom prst="roundRect">
+          <a:avLst>
+            <a:gd name="adj" fmla="val 10000"/>
+          </a:avLst>
+        </a:prstGeom>
+        <a:solidFill>
+          <a:schemeClr val="accent3">
+            <a:tint val="40000"/>
+            <a:hueOff val="0"/>
+            <a:satOff val="0"/>
+            <a:lumOff val="0"/>
+            <a:alphaOff val="0"/>
+          </a:schemeClr>
+        </a:solidFill>
+        <a:ln>
+          <a:noFill/>
+        </a:ln>
+        <a:effectLst/>
+      </dsp:spPr>
+      <dsp:style>
+        <a:lnRef idx="0">
+          <a:scrgbClr r="0" g="0" b="0"/>
+        </a:lnRef>
+        <a:fillRef idx="1">
+          <a:scrgbClr r="0" g="0" b="0"/>
+        </a:fillRef>
+        <a:effectRef idx="0">
+          <a:scrgbClr r="0" g="0" b="0"/>
+        </a:effectRef>
+        <a:fontRef idx="minor"/>
+      </dsp:style>
+    </dsp:sp>
+    <dsp:sp modelId="{0A9A8074-FCE4-4803-AD1A-E00B494FEA2B}">
+      <dsp:nvSpPr>
+        <dsp:cNvPr id="0" name=""/>
+        <dsp:cNvSpPr/>
+      </dsp:nvSpPr>
+      <dsp:spPr>
+        <a:xfrm>
+          <a:off x="244956" y="2208233"/>
+          <a:ext cx="445375" cy="445375"/>
+        </a:xfrm>
+        <a:prstGeom prst="rect">
+          <a:avLst/>
+        </a:prstGeom>
+        <a:blipFill>
+          <a:blip xmlns:r="http://schemas.openxmlformats.org/officeDocument/2006/relationships" r:embed="rId5">
+            <a:extLst>
+              <a:ext uri="{28A0092B-C50C-407E-A947-70E740481C1C}">
+                <a14:useLocalDpi xmlns:a14="http://schemas.microsoft.com/office/drawing/2010/main" val="0"/>
+              </a:ext>
+              <a:ext uri="{96DAC541-7B7A-43D3-8B79-37D633B846F1}">
+                <asvg:svgBlip xmlns:asvg="http://schemas.microsoft.com/office/drawing/2016/SVG/main" r:embed="rId6"/>
+              </a:ext>
+            </a:extLst>
+          </a:blip>
+          <a:stretch>
+            <a:fillRect/>
+          </a:stretch>
+        </a:blipFill>
+        <a:ln w="12700" cap="flat" cmpd="sng" algn="ctr">
+          <a:noFill/>
+          <a:prstDash val="solid"/>
+        </a:ln>
+        <a:effectLst/>
+      </dsp:spPr>
+      <dsp:style>
+        <a:lnRef idx="2">
+          <a:scrgbClr r="0" g="0" b="0"/>
+        </a:lnRef>
+        <a:fillRef idx="1">
+          <a:scrgbClr r="0" g="0" b="0"/>
+        </a:fillRef>
+        <a:effectRef idx="0">
+          <a:scrgbClr r="0" g="0" b="0"/>
+        </a:effectRef>
+        <a:fontRef idx="minor">
+          <a:schemeClr val="lt1"/>
+        </a:fontRef>
+      </dsp:style>
+    </dsp:sp>
+    <dsp:sp modelId="{DD012A1A-68A6-4FF1-8B83-96538927803E}">
+      <dsp:nvSpPr>
+        <dsp:cNvPr id="0" name=""/>
+        <dsp:cNvSpPr/>
+      </dsp:nvSpPr>
+      <dsp:spPr>
+        <a:xfrm>
+          <a:off x="935289" y="2026033"/>
+          <a:ext cx="4526280" cy="809774"/>
+        </a:xfrm>
+        <a:prstGeom prst="rect">
+          <a:avLst/>
+        </a:prstGeom>
+        <a:noFill/>
+        <a:ln>
+          <a:noFill/>
+        </a:ln>
+        <a:effectLst/>
+      </dsp:spPr>
+      <dsp:style>
+        <a:lnRef idx="0">
+          <a:scrgbClr r="0" g="0" b="0"/>
+        </a:lnRef>
+        <a:fillRef idx="0">
+          <a:scrgbClr r="0" g="0" b="0"/>
+        </a:fillRef>
+        <a:effectRef idx="0">
+          <a:scrgbClr r="0" g="0" b="0"/>
+        </a:effectRef>
+        <a:fontRef idx="minor"/>
+      </dsp:style>
+      <dsp:txBody>
+        <a:bodyPr spcFirstLastPara="0" vert="horz" wrap="square" lIns="85701" tIns="85701" rIns="85701" bIns="85701" numCol="1" spcCol="1270" anchor="ctr" anchorCtr="0">
+          <a:noAutofit/>
+        </a:bodyPr>
+        <a:lstStyle/>
+        <a:p>
+          <a:pPr marL="0" lvl="0" indent="0" algn="l" defTabSz="977900">
+            <a:lnSpc>
+              <a:spcPct val="100000"/>
+            </a:lnSpc>
+            <a:spcBef>
+              <a:spcPct val="0"/>
+            </a:spcBef>
+            <a:spcAft>
+              <a:spcPct val="35000"/>
+            </a:spcAft>
+            <a:buNone/>
+          </a:pPr>
+          <a:r>
+            <a:rPr lang="en-US" sz="2200" kern="1200"/>
+            <a:t>Cores:</a:t>
+          </a:r>
+        </a:p>
+      </dsp:txBody>
+      <dsp:txXfrm>
+        <a:off x="935289" y="2026033"/>
+        <a:ext cx="4526280" cy="809774"/>
+      </dsp:txXfrm>
+    </dsp:sp>
+    <dsp:sp modelId="{029B42AC-035C-4776-88D1-B317E692D765}">
+      <dsp:nvSpPr>
+        <dsp:cNvPr id="0" name=""/>
+        <dsp:cNvSpPr/>
+      </dsp:nvSpPr>
+      <dsp:spPr>
+        <a:xfrm>
+          <a:off x="5461569" y="2026033"/>
+          <a:ext cx="4596830" cy="809774"/>
+        </a:xfrm>
+        <a:prstGeom prst="rect">
+          <a:avLst/>
+        </a:prstGeom>
+        <a:noFill/>
+        <a:ln>
+          <a:noFill/>
+        </a:ln>
+        <a:effectLst/>
+      </dsp:spPr>
+      <dsp:style>
+        <a:lnRef idx="0">
+          <a:scrgbClr r="0" g="0" b="0"/>
+        </a:lnRef>
+        <a:fillRef idx="0">
+          <a:scrgbClr r="0" g="0" b="0"/>
+        </a:fillRef>
+        <a:effectRef idx="0">
+          <a:scrgbClr r="0" g="0" b="0"/>
+        </a:effectRef>
+        <a:fontRef idx="minor"/>
+      </dsp:style>
+      <dsp:txBody>
+        <a:bodyPr spcFirstLastPara="0" vert="horz" wrap="square" lIns="85701" tIns="85701" rIns="85701" bIns="85701" numCol="1" spcCol="1270" anchor="ctr" anchorCtr="0">
+          <a:noAutofit/>
+        </a:bodyPr>
+        <a:lstStyle/>
+        <a:p>
+          <a:pPr marL="0" lvl="0" indent="0" algn="l" defTabSz="488950">
+            <a:lnSpc>
+              <a:spcPct val="100000"/>
+            </a:lnSpc>
+            <a:spcBef>
+              <a:spcPct val="0"/>
+            </a:spcBef>
+            <a:spcAft>
+              <a:spcPct val="35000"/>
+            </a:spcAft>
+            <a:buNone/>
+          </a:pPr>
+          <a:r>
+            <a:rPr lang="en-US" sz="1100" kern="1200"/>
+            <a:t>4 Cores, </a:t>
+          </a:r>
+        </a:p>
+        <a:p>
+          <a:pPr marL="0" lvl="0" indent="0" algn="l" defTabSz="488950">
+            <a:lnSpc>
+              <a:spcPct val="100000"/>
+            </a:lnSpc>
+            <a:spcBef>
+              <a:spcPct val="0"/>
+            </a:spcBef>
+            <a:spcAft>
+              <a:spcPct val="35000"/>
+            </a:spcAft>
+            <a:buNone/>
+          </a:pPr>
+          <a:r>
+            <a:rPr lang="en-US" sz="1100" kern="1200"/>
+            <a:t>4 Logical Processors</a:t>
+          </a:r>
+        </a:p>
+      </dsp:txBody>
+      <dsp:txXfrm>
+        <a:off x="5461569" y="2026033"/>
+        <a:ext cx="4596830" cy="809774"/>
+      </dsp:txXfrm>
+    </dsp:sp>
+    <dsp:sp modelId="{E97F9CEE-A3D4-49AB-B56F-E4C96F2AE626}">
+      <dsp:nvSpPr>
+        <dsp:cNvPr id="0" name=""/>
+        <dsp:cNvSpPr/>
+      </dsp:nvSpPr>
+      <dsp:spPr>
+        <a:xfrm>
+          <a:off x="0" y="3038251"/>
+          <a:ext cx="10058399" cy="809774"/>
+        </a:xfrm>
+        <a:prstGeom prst="roundRect">
+          <a:avLst>
+            <a:gd name="adj" fmla="val 10000"/>
+          </a:avLst>
+        </a:prstGeom>
+        <a:solidFill>
+          <a:schemeClr val="accent3">
+            <a:tint val="40000"/>
+            <a:hueOff val="0"/>
+            <a:satOff val="0"/>
+            <a:lumOff val="0"/>
+            <a:alphaOff val="0"/>
+          </a:schemeClr>
+        </a:solidFill>
+        <a:ln>
+          <a:noFill/>
+        </a:ln>
+        <a:effectLst/>
+      </dsp:spPr>
+      <dsp:style>
+        <a:lnRef idx="0">
+          <a:scrgbClr r="0" g="0" b="0"/>
+        </a:lnRef>
+        <a:fillRef idx="1">
+          <a:scrgbClr r="0" g="0" b="0"/>
+        </a:fillRef>
+        <a:effectRef idx="0">
+          <a:scrgbClr r="0" g="0" b="0"/>
+        </a:effectRef>
+        <a:fontRef idx="minor"/>
+      </dsp:style>
+    </dsp:sp>
+    <dsp:sp modelId="{E98E8A49-B23B-448C-9DC8-9BE8885AE681}">
+      <dsp:nvSpPr>
+        <dsp:cNvPr id="0" name=""/>
+        <dsp:cNvSpPr/>
+      </dsp:nvSpPr>
+      <dsp:spPr>
+        <a:xfrm>
+          <a:off x="244956" y="3220451"/>
+          <a:ext cx="445375" cy="445375"/>
+        </a:xfrm>
+        <a:prstGeom prst="rect">
+          <a:avLst/>
+        </a:prstGeom>
+        <a:blipFill>
+          <a:blip xmlns:r="http://schemas.openxmlformats.org/officeDocument/2006/relationships" r:embed="rId7">
+            <a:extLst>
+              <a:ext uri="{28A0092B-C50C-407E-A947-70E740481C1C}">
+                <a14:useLocalDpi xmlns:a14="http://schemas.microsoft.com/office/drawing/2010/main" val="0"/>
+              </a:ext>
+              <a:ext uri="{96DAC541-7B7A-43D3-8B79-37D633B846F1}">
+                <asvg:svgBlip xmlns:asvg="http://schemas.microsoft.com/office/drawing/2016/SVG/main" r:embed="rId8"/>
+              </a:ext>
+            </a:extLst>
+          </a:blip>
+          <a:stretch>
+            <a:fillRect/>
+          </a:stretch>
+        </a:blipFill>
+        <a:ln w="12700" cap="flat" cmpd="sng" algn="ctr">
+          <a:noFill/>
+          <a:prstDash val="solid"/>
+        </a:ln>
+        <a:effectLst/>
+      </dsp:spPr>
+      <dsp:style>
+        <a:lnRef idx="2">
+          <a:scrgbClr r="0" g="0" b="0"/>
+        </a:lnRef>
+        <a:fillRef idx="1">
+          <a:scrgbClr r="0" g="0" b="0"/>
+        </a:fillRef>
+        <a:effectRef idx="0">
+          <a:scrgbClr r="0" g="0" b="0"/>
+        </a:effectRef>
+        <a:fontRef idx="minor">
+          <a:schemeClr val="lt1"/>
+        </a:fontRef>
+      </dsp:style>
+    </dsp:sp>
+    <dsp:sp modelId="{375FFF3C-150D-4454-A2A7-FDDE290AA31E}">
+      <dsp:nvSpPr>
+        <dsp:cNvPr id="0" name=""/>
+        <dsp:cNvSpPr/>
+      </dsp:nvSpPr>
+      <dsp:spPr>
+        <a:xfrm>
+          <a:off x="935289" y="3038251"/>
+          <a:ext cx="4526280" cy="809774"/>
+        </a:xfrm>
+        <a:prstGeom prst="rect">
+          <a:avLst/>
+        </a:prstGeom>
+        <a:noFill/>
+        <a:ln>
+          <a:noFill/>
+        </a:ln>
+        <a:effectLst/>
+      </dsp:spPr>
+      <dsp:style>
+        <a:lnRef idx="0">
+          <a:scrgbClr r="0" g="0" b="0"/>
+        </a:lnRef>
+        <a:fillRef idx="0">
+          <a:scrgbClr r="0" g="0" b="0"/>
+        </a:fillRef>
+        <a:effectRef idx="0">
+          <a:scrgbClr r="0" g="0" b="0"/>
+        </a:effectRef>
+        <a:fontRef idx="minor"/>
+      </dsp:style>
+      <dsp:txBody>
+        <a:bodyPr spcFirstLastPara="0" vert="horz" wrap="square" lIns="85701" tIns="85701" rIns="85701" bIns="85701" numCol="1" spcCol="1270" anchor="ctr" anchorCtr="0">
+          <a:noAutofit/>
+        </a:bodyPr>
+        <a:lstStyle/>
+        <a:p>
+          <a:pPr marL="0" lvl="0" indent="0" algn="l" defTabSz="977900">
+            <a:lnSpc>
+              <a:spcPct val="100000"/>
+            </a:lnSpc>
+            <a:spcBef>
+              <a:spcPct val="0"/>
+            </a:spcBef>
+            <a:spcAft>
+              <a:spcPct val="35000"/>
+            </a:spcAft>
+            <a:buNone/>
+          </a:pPr>
+          <a:r>
+            <a:rPr lang="en-US" sz="2200" kern="1200"/>
+            <a:t>Physical RAM:</a:t>
+          </a:r>
+        </a:p>
+      </dsp:txBody>
+      <dsp:txXfrm>
+        <a:off x="935289" y="3038251"/>
+        <a:ext cx="4526280" cy="809774"/>
+      </dsp:txXfrm>
+    </dsp:sp>
+    <dsp:sp modelId="{59CF8C5A-2188-4DBB-9E2D-1FD0EF745194}">
+      <dsp:nvSpPr>
+        <dsp:cNvPr id="0" name=""/>
+        <dsp:cNvSpPr/>
+      </dsp:nvSpPr>
+      <dsp:spPr>
+        <a:xfrm>
+          <a:off x="5461569" y="3038251"/>
+          <a:ext cx="4596830" cy="809774"/>
+        </a:xfrm>
+        <a:prstGeom prst="rect">
+          <a:avLst/>
+        </a:prstGeom>
+        <a:noFill/>
+        <a:ln>
+          <a:noFill/>
+        </a:ln>
+        <a:effectLst/>
+      </dsp:spPr>
+      <dsp:style>
+        <a:lnRef idx="0">
+          <a:scrgbClr r="0" g="0" b="0"/>
+        </a:lnRef>
+        <a:fillRef idx="0">
+          <a:scrgbClr r="0" g="0" b="0"/>
+        </a:fillRef>
+        <a:effectRef idx="0">
+          <a:scrgbClr r="0" g="0" b="0"/>
+        </a:effectRef>
+        <a:fontRef idx="minor"/>
+      </dsp:style>
+      <dsp:txBody>
+        <a:bodyPr spcFirstLastPara="0" vert="horz" wrap="square" lIns="85701" tIns="85701" rIns="85701" bIns="85701" numCol="1" spcCol="1270" anchor="ctr" anchorCtr="0">
+          <a:noAutofit/>
+        </a:bodyPr>
+        <a:lstStyle/>
+        <a:p>
+          <a:pPr marL="0" lvl="0" indent="0" algn="l" defTabSz="488950">
+            <a:lnSpc>
+              <a:spcPct val="100000"/>
+            </a:lnSpc>
+            <a:spcBef>
+              <a:spcPct val="0"/>
+            </a:spcBef>
+            <a:spcAft>
+              <a:spcPct val="35000"/>
+            </a:spcAft>
+            <a:buNone/>
+          </a:pPr>
+          <a:r>
+            <a:rPr lang="en-US" sz="1100" kern="1200"/>
+            <a:t>16.00 GB Installed, </a:t>
+          </a:r>
+        </a:p>
+        <a:p>
+          <a:pPr marL="0" lvl="0" indent="0" algn="l" defTabSz="488950">
+            <a:lnSpc>
+              <a:spcPct val="100000"/>
+            </a:lnSpc>
+            <a:spcBef>
+              <a:spcPct val="0"/>
+            </a:spcBef>
+            <a:spcAft>
+              <a:spcPct val="35000"/>
+            </a:spcAft>
+            <a:buNone/>
+          </a:pPr>
+          <a:r>
+            <a:rPr lang="en-US" sz="1100" kern="1200"/>
+            <a:t>9.56 Available</a:t>
+          </a:r>
+        </a:p>
+      </dsp:txBody>
+      <dsp:txXfrm>
+        <a:off x="5461569" y="3038251"/>
+        <a:ext cx="4596830" cy="809774"/>
+      </dsp:txXfrm>
+    </dsp:sp>
+  </dsp:spTree>
+</dsp:drawing>
+</file>
+
 <file path=ppt/diagrams/layout1.xml><?xml version="1.0" encoding="utf-8"?>
 <dgm:layoutDef xmlns:dgm="http://schemas.openxmlformats.org/drawingml/2006/diagram" xmlns:a="http://schemas.openxmlformats.org/drawingml/2006/main" uniqueId="urn:microsoft.com/office/officeart/2018/2/layout/IconVerticalSolidList">
   <dgm:title val="Icon Vertical Solid List"/>
@@ -4759,6 +7014,300 @@
 </dgm:layoutDef>
 </file>
 
+<file path=ppt/diagrams/layout3.xml><?xml version="1.0" encoding="utf-8"?>
+<dgm:layoutDef xmlns:dgm="http://schemas.openxmlformats.org/drawingml/2006/diagram" xmlns:a="http://schemas.openxmlformats.org/drawingml/2006/main" uniqueId="urn:microsoft.com/office/officeart/2018/2/layout/IconVerticalSolidList">
+  <dgm:title val="Icon Vertical Solid List"/>
+  <dgm:desc val="Use to show a series of visuals from top to bottom with Level 1 or Level 1 and Level 2 text grouped in a shape. Works best with icons or small pictures with lengthier descriptions."/>
+  <dgm:catLst>
+    <dgm:cat type="icon" pri="500"/>
+  </dgm:catLst>
+  <dgm:sampData useDef="1">
+    <dgm:dataModel>
+      <dgm:ptLst/>
+      <dgm:bg/>
+      <dgm:whole/>
+    </dgm:dataModel>
+  </dgm:sampData>
+  <dgm:styleData useDef="1">
+    <dgm:dataModel>
+      <dgm:ptLst/>
+      <dgm:bg/>
+      <dgm:whole/>
+    </dgm:dataModel>
+  </dgm:styleData>
+  <dgm:clrData useDef="1">
+    <dgm:dataModel>
+      <dgm:ptLst/>
+      <dgm:bg/>
+      <dgm:whole/>
+    </dgm:dataModel>
+  </dgm:clrData>
+  <dgm:layoutNode name="root">
+    <dgm:varLst>
+      <dgm:dir/>
+      <dgm:resizeHandles val="exact"/>
+    </dgm:varLst>
+    <dgm:choose name="Name0">
+      <dgm:if name="Name1" axis="self" func="var" arg="dir" op="equ" val="norm">
+        <dgm:alg type="lin">
+          <dgm:param type="linDir" val="fromT"/>
+          <dgm:param type="nodeHorzAlign" val="l"/>
+        </dgm:alg>
+      </dgm:if>
+      <dgm:else name="Name2">
+        <dgm:alg type="lin">
+          <dgm:param type="linDir" val="fromT"/>
+          <dgm:param type="nodeHorzAlign" val="r"/>
+        </dgm:alg>
+      </dgm:else>
+    </dgm:choose>
+    <dgm:shape xmlns:r="http://schemas.openxmlformats.org/officeDocument/2006/relationships" r:blip="">
+      <dgm:adjLst/>
+    </dgm:shape>
+    <dgm:presOf/>
+    <dgm:choose name="Name3">
+      <dgm:if name="Name4" axis="ch" ptType="node" func="cnt" op="lte" val="3">
+        <dgm:constrLst>
+          <dgm:constr type="h" for="ch" forName="compNode" refType="h" fact="0.3"/>
+          <dgm:constr type="w" for="ch" forName="compNode" refType="w"/>
+          <dgm:constr type="h" for="ch" forName="sibTrans" refType="h" refFor="ch" refForName="compNode" fact="0.25"/>
+          <dgm:constr type="primFontSz" for="des" forName="parTx" val="25"/>
+          <dgm:constr type="primFontSz" for="des" forName="desTx" refType="primFontSz" refFor="des" refForName="parTx" op="lte" fact="0.75"/>
+          <dgm:constr type="h" for="des" forName="compNode" op="equ"/>
+          <dgm:constr type="h" for="des" forName="bgRect" op="equ"/>
+          <dgm:constr type="h" for="des" forName="iconRect" op="equ"/>
+          <dgm:constr type="w" for="des" forName="iconRect" op="equ"/>
+          <dgm:constr type="h" for="des" forName="spaceRect" op="equ"/>
+          <dgm:constr type="h" for="des" forName="parTx" op="equ"/>
+          <dgm:constr type="h" for="des" forName="desTx" op="equ"/>
+        </dgm:constrLst>
+      </dgm:if>
+      <dgm:if name="Name5" axis="ch" ptType="node" func="cnt" op="lte" val="4">
+        <dgm:constrLst>
+          <dgm:constr type="h" for="ch" forName="compNode" refType="h" fact="0.3"/>
+          <dgm:constr type="w" for="ch" forName="compNode" refType="w"/>
+          <dgm:constr type="h" for="ch" forName="sibTrans" refType="h" refFor="ch" refForName="compNode" fact="0.25"/>
+          <dgm:constr type="primFontSz" for="des" forName="parTx" val="22"/>
+          <dgm:constr type="primFontSz" for="des" forName="desTx" refType="primFontSz" refFor="des" refForName="parTx" op="lte" fact="0.75"/>
+          <dgm:constr type="h" for="des" forName="compNode" op="equ"/>
+          <dgm:constr type="h" for="des" forName="bgRect" op="equ"/>
+          <dgm:constr type="h" for="des" forName="iconRect" op="equ"/>
+          <dgm:constr type="w" for="des" forName="iconRect" op="equ"/>
+          <dgm:constr type="h" for="des" forName="spaceRect" op="equ"/>
+          <dgm:constr type="h" for="des" forName="parTx" op="equ"/>
+          <dgm:constr type="h" for="des" forName="desTx" op="equ"/>
+        </dgm:constrLst>
+      </dgm:if>
+      <dgm:if name="Name6" axis="ch" ptType="node" func="cnt" op="lte" val="6">
+        <dgm:constrLst>
+          <dgm:constr type="h" for="ch" forName="compNode" refType="h" fact="0.3"/>
+          <dgm:constr type="w" for="ch" forName="compNode" refType="w"/>
+          <dgm:constr type="h" for="ch" forName="sibTrans" refType="h" refFor="ch" refForName="compNode" fact="0.25"/>
+          <dgm:constr type="primFontSz" for="des" forName="parTx" val="19"/>
+          <dgm:constr type="primFontSz" for="des" forName="desTx" refType="primFontSz" refFor="des" refForName="parTx" op="lte" fact="0.75"/>
+          <dgm:constr type="h" for="des" forName="compNode" op="equ"/>
+          <dgm:constr type="h" for="des" forName="bgRect" op="equ"/>
+          <dgm:constr type="h" for="des" forName="iconRect" op="equ"/>
+          <dgm:constr type="w" for="des" forName="iconRect" op="equ"/>
+          <dgm:constr type="h" for="des" forName="spaceRect" op="equ"/>
+          <dgm:constr type="h" for="des" forName="parTx" op="equ"/>
+          <dgm:constr type="h" for="des" forName="desTx" op="equ"/>
+        </dgm:constrLst>
+      </dgm:if>
+      <dgm:else name="Name7">
+        <dgm:constrLst>
+          <dgm:constr type="h" for="ch" forName="compNode" refType="h" fact="0.3"/>
+          <dgm:constr type="w" for="ch" forName="compNode" refType="w"/>
+          <dgm:constr type="h" for="ch" forName="sibTrans" refType="h" refFor="ch" refForName="compNode" fact="0.25"/>
+          <dgm:constr type="primFontSz" for="des" forName="parTx" val="16"/>
+          <dgm:constr type="primFontSz" for="des" forName="desTx" refType="primFontSz" refFor="des" refForName="parTx" op="lte" fact="0.75"/>
+          <dgm:constr type="h" for="des" forName="compNode" op="equ"/>
+          <dgm:constr type="h" for="des" forName="bgRect" op="equ"/>
+          <dgm:constr type="h" for="des" forName="iconRect" op="equ"/>
+          <dgm:constr type="w" for="des" forName="iconRect" op="equ"/>
+          <dgm:constr type="h" for="des" forName="spaceRect" op="equ"/>
+          <dgm:constr type="h" for="des" forName="parTx" op="equ"/>
+          <dgm:constr type="h" for="des" forName="desTx" op="equ"/>
+        </dgm:constrLst>
+      </dgm:else>
+    </dgm:choose>
+    <dgm:ruleLst>
+      <dgm:rule type="h" for="ch" forName="compNode" val="0" fact="NaN" max="NaN"/>
+    </dgm:ruleLst>
+    <dgm:forEach name="Name8" axis="ch" ptType="node">
+      <dgm:layoutNode name="compNode">
+        <dgm:alg type="composite"/>
+        <dgm:shape xmlns:r="http://schemas.openxmlformats.org/officeDocument/2006/relationships" r:blip="">
+          <dgm:adjLst/>
+        </dgm:shape>
+        <dgm:presOf axis="self"/>
+        <dgm:choose name="Name9">
+          <dgm:if name="Name10" axis="ch" ptType="node" func="cnt" op="gte" val="1">
+            <dgm:constrLst>
+              <dgm:constr type="w" for="ch" forName="bgRect" refType="w"/>
+              <dgm:constr type="h" for="ch" forName="bgRect" refType="h"/>
+              <dgm:constr type="l" for="ch" forName="bgRect"/>
+              <dgm:constr type="t" for="ch" forName="bgRect"/>
+              <dgm:constr type="h" for="ch" forName="iconRect" refType="h" fact="0.55"/>
+              <dgm:constr type="w" for="ch" forName="iconRect" refType="h" refFor="ch" refForName="iconRect"/>
+              <dgm:constr type="l" for="ch" forName="iconRect" refType="h" refFor="ch" refForName="iconRect" fact="0.55"/>
+              <dgm:constr type="ctrY" for="ch" forName="iconRect" refType="ctrY" refFor="ch" refForName="bgRect"/>
+              <dgm:constr type="w" for="ch" forName="spaceRect" refType="l" refFor="ch" refForName="iconRect"/>
+              <dgm:constr type="h" for="ch" forName="spaceRect" refType="h"/>
+              <dgm:constr type="l" for="ch" forName="spaceRect" refType="r" refFor="ch" refForName="iconRect"/>
+              <dgm:constr type="t" for="ch" forName="spaceRect"/>
+              <dgm:constr type="w" for="ch" forName="parTx" refType="w" fact="0.45"/>
+              <dgm:constr type="h" for="ch" forName="parTx" refType="h"/>
+              <dgm:constr type="l" for="ch" forName="parTx" refType="r" refFor="ch" refForName="spaceRect"/>
+              <dgm:constr type="t" for="ch" forName="parTx"/>
+              <dgm:constr type="h" for="ch" forName="desTx" refType="h"/>
+              <dgm:constr type="l" for="ch" forName="desTx" refType="r" refFor="ch" refForName="parTx"/>
+              <dgm:constr type="t" for="ch" forName="desTx"/>
+            </dgm:constrLst>
+          </dgm:if>
+          <dgm:else name="Name11">
+            <dgm:constrLst>
+              <dgm:constr type="w" for="ch" forName="bgRect" refType="w"/>
+              <dgm:constr type="h" for="ch" forName="bgRect" refType="h"/>
+              <dgm:constr type="l" for="ch" forName="bgRect"/>
+              <dgm:constr type="t" for="ch" forName="bgRect"/>
+              <dgm:constr type="h" for="ch" forName="iconRect" refType="h" fact="0.55"/>
+              <dgm:constr type="w" for="ch" forName="iconRect" refType="h" refFor="ch" refForName="iconRect"/>
+              <dgm:constr type="l" for="ch" forName="iconRect" refType="h" refFor="ch" refForName="iconRect" fact="0.55"/>
+              <dgm:constr type="ctrY" for="ch" forName="iconRect" refType="ctrY" refFor="ch" refForName="bgRect"/>
+              <dgm:constr type="w" for="ch" forName="spaceRect" refType="l" refFor="ch" refForName="iconRect"/>
+              <dgm:constr type="h" for="ch" forName="spaceRect" refType="h"/>
+              <dgm:constr type="l" for="ch" forName="spaceRect" refType="r" refFor="ch" refForName="iconRect"/>
+              <dgm:constr type="t" for="ch" forName="spaceRect"/>
+              <dgm:constr type="h" for="ch" forName="parTx" refType="h"/>
+              <dgm:constr type="l" for="ch" forName="parTx" refType="r" refFor="ch" refForName="spaceRect"/>
+              <dgm:constr type="t" for="ch" forName="parTx"/>
+            </dgm:constrLst>
+          </dgm:else>
+        </dgm:choose>
+        <dgm:ruleLst>
+          <dgm:rule type="h" val="INF" fact="NaN" max="NaN"/>
+        </dgm:ruleLst>
+        <dgm:layoutNode name="bgRect" styleLbl="bgShp">
+          <dgm:alg type="sp"/>
+          <dgm:shape xmlns:r="http://schemas.openxmlformats.org/officeDocument/2006/relationships" type="roundRect" r:blip="">
+            <dgm:adjLst>
+              <dgm:adj idx="1" val="0.1"/>
+            </dgm:adjLst>
+          </dgm:shape>
+          <dgm:presOf/>
+          <dgm:constrLst/>
+          <dgm:ruleLst/>
+        </dgm:layoutNode>
+        <dgm:layoutNode name="iconRect" styleLbl="node1">
+          <dgm:alg type="sp"/>
+          <dgm:shape xmlns:r="http://schemas.openxmlformats.org/officeDocument/2006/relationships" type="rect" r:blip="" blipPhldr="1">
+            <dgm:adjLst/>
+          </dgm:shape>
+          <dgm:presOf/>
+          <dgm:constrLst/>
+          <dgm:ruleLst/>
+        </dgm:layoutNode>
+        <dgm:layoutNode name="spaceRect">
+          <dgm:alg type="sp"/>
+          <dgm:shape xmlns:r="http://schemas.openxmlformats.org/officeDocument/2006/relationships" r:blip="">
+            <dgm:adjLst/>
+          </dgm:shape>
+          <dgm:presOf/>
+          <dgm:constrLst/>
+          <dgm:ruleLst/>
+        </dgm:layoutNode>
+        <dgm:layoutNode name="parTx" styleLbl="revTx">
+          <dgm:varLst>
+            <dgm:chMax val="0"/>
+            <dgm:chPref val="0"/>
+          </dgm:varLst>
+          <dgm:alg type="tx">
+            <dgm:param type="txAnchorVert" val="mid"/>
+            <dgm:param type="parTxLTRAlign" val="l"/>
+            <dgm:param type="shpTxLTRAlignCh" val="l"/>
+            <dgm:param type="parTxRTLAlign" val="r"/>
+            <dgm:param type="shpTxRTLAlignCh" val="r"/>
+          </dgm:alg>
+          <dgm:shape xmlns:r="http://schemas.openxmlformats.org/officeDocument/2006/relationships" type="rect" r:blip="">
+            <dgm:adjLst/>
+          </dgm:shape>
+          <dgm:presOf axis="self" ptType="node"/>
+          <dgm:constrLst>
+            <dgm:constr type="lMarg" refType="h" fact="0.3"/>
+            <dgm:constr type="rMarg" refType="h" fact="0.3"/>
+            <dgm:constr type="tMarg" refType="h" fact="0.3"/>
+            <dgm:constr type="bMarg" refType="h" fact="0.3"/>
+          </dgm:constrLst>
+          <dgm:ruleLst>
+            <dgm:rule type="primFontSz" val="14" fact="NaN" max="NaN"/>
+            <dgm:rule type="h" val="INF" fact="NaN" max="NaN"/>
+          </dgm:ruleLst>
+        </dgm:layoutNode>
+        <dgm:choose name="Name12">
+          <dgm:if name="Name13" axis="ch" ptType="node" func="cnt" op="gte" val="1">
+            <dgm:layoutNode name="desTx" styleLbl="revTx">
+              <dgm:varLst/>
+              <dgm:alg type="tx">
+                <dgm:param type="txAnchorVertCh" val="mid"/>
+                <dgm:param type="parTxLTRAlign" val="l"/>
+                <dgm:param type="shpTxLTRAlignCh" val="l"/>
+                <dgm:param type="parTxRTLAlign" val="r"/>
+                <dgm:param type="shpTxRTLAlignCh" val="r"/>
+                <dgm:param type="stBulletLvl" val="0"/>
+              </dgm:alg>
+              <dgm:shape xmlns:r="http://schemas.openxmlformats.org/officeDocument/2006/relationships" type="rect" r:blip="">
+                <dgm:adjLst/>
+              </dgm:shape>
+              <dgm:presOf axis="des" ptType="node"/>
+              <dgm:constrLst>
+                <dgm:constr type="primFontSz" val="18"/>
+                <dgm:constr type="secFontSz" refType="primFontSz"/>
+                <dgm:constr type="lMarg" refType="h" fact="0.3"/>
+                <dgm:constr type="rMarg" refType="h" fact="0.3"/>
+                <dgm:constr type="tMarg" refType="h" fact="0.3"/>
+                <dgm:constr type="bMarg" refType="h" fact="0.3"/>
+              </dgm:constrLst>
+              <dgm:ruleLst>
+                <dgm:rule type="primFontSz" val="11" fact="NaN" max="NaN"/>
+              </dgm:ruleLst>
+            </dgm:layoutNode>
+          </dgm:if>
+          <dgm:else name="Name14"/>
+        </dgm:choose>
+      </dgm:layoutNode>
+      <dgm:forEach name="Name15" axis="followSib" ptType="sibTrans" cnt="1">
+        <dgm:layoutNode name="sibTrans">
+          <dgm:alg type="sp"/>
+          <dgm:shape xmlns:r="http://schemas.openxmlformats.org/officeDocument/2006/relationships" r:blip="">
+            <dgm:adjLst/>
+          </dgm:shape>
+          <dgm:presOf axis="self"/>
+          <dgm:constrLst/>
+          <dgm:ruleLst/>
+        </dgm:layoutNode>
+      </dgm:forEach>
+    </dgm:forEach>
+  </dgm:layoutNode>
+  <dgm:extLst>
+    <a:ext uri="{68A01E43-0DF5-4B5B-8FA6-DAF915123BFB}">
+      <dgm1612:lstStyle xmlns:dgm1612="http://schemas.microsoft.com/office/drawing/2016/12/diagram">
+        <a:lvl1pPr>
+          <a:lnSpc>
+            <a:spcPct val="100000"/>
+          </a:lnSpc>
+        </a:lvl1pPr>
+        <a:lvl2pPr>
+          <a:lnSpc>
+            <a:spcPct val="100000"/>
+          </a:lnSpc>
+        </a:lvl2pPr>
+      </dgm1612:lstStyle>
+    </a:ext>
+  </dgm:extLst>
+</dgm:layoutDef>
+</file>
+
 <file path=ppt/diagrams/quickStyle1.xml><?xml version="1.0" encoding="utf-8"?>
 <dgm:styleDef xmlns:dgm="http://schemas.openxmlformats.org/drawingml/2006/diagram" xmlns:a="http://schemas.openxmlformats.org/drawingml/2006/main" uniqueId="urn:microsoft.com/office/officeart/2005/8/quickstyle/simple1">
   <dgm:title val=""/>
@@ -5794,6 +8343,1040 @@
 </file>
 
 <file path=ppt/diagrams/quickStyle2.xml><?xml version="1.0" encoding="utf-8"?>
+<dgm:styleDef xmlns:dgm="http://schemas.openxmlformats.org/drawingml/2006/diagram" xmlns:a="http://schemas.openxmlformats.org/drawingml/2006/main" uniqueId="urn:microsoft.com/office/officeart/2005/8/quickstyle/simple1">
+  <dgm:title val=""/>
+  <dgm:desc val=""/>
+  <dgm:catLst>
+    <dgm:cat type="simple" pri="10100"/>
+  </dgm:catLst>
+  <dgm:scene3d>
+    <a:camera prst="orthographicFront"/>
+    <a:lightRig rig="threePt" dir="t"/>
+  </dgm:scene3d>
+  <dgm:styleLbl name="node0">
+    <dgm:scene3d>
+      <a:camera prst="orthographicFront"/>
+      <a:lightRig rig="threePt" dir="t"/>
+    </dgm:scene3d>
+    <dgm:sp3d/>
+    <dgm:txPr/>
+    <dgm:style>
+      <a:lnRef idx="2">
+        <a:scrgbClr r="0" g="0" b="0"/>
+      </a:lnRef>
+      <a:fillRef idx="1">
+        <a:scrgbClr r="0" g="0" b="0"/>
+      </a:fillRef>
+      <a:effectRef idx="0">
+        <a:scrgbClr r="0" g="0" b="0"/>
+      </a:effectRef>
+      <a:fontRef idx="minor">
+        <a:schemeClr val="lt1"/>
+      </a:fontRef>
+    </dgm:style>
+  </dgm:styleLbl>
+  <dgm:styleLbl name="lnNode1">
+    <dgm:scene3d>
+      <a:camera prst="orthographicFront"/>
+      <a:lightRig rig="threePt" dir="t"/>
+    </dgm:scene3d>
+    <dgm:sp3d/>
+    <dgm:txPr/>
+    <dgm:style>
+      <a:lnRef idx="2">
+        <a:scrgbClr r="0" g="0" b="0"/>
+      </a:lnRef>
+      <a:fillRef idx="1">
+        <a:scrgbClr r="0" g="0" b="0"/>
+      </a:fillRef>
+      <a:effectRef idx="0">
+        <a:scrgbClr r="0" g="0" b="0"/>
+      </a:effectRef>
+      <a:fontRef idx="minor">
+        <a:schemeClr val="lt1"/>
+      </a:fontRef>
+    </dgm:style>
+  </dgm:styleLbl>
+  <dgm:styleLbl name="vennNode1">
+    <dgm:scene3d>
+      <a:camera prst="orthographicFront"/>
+      <a:lightRig rig="threePt" dir="t"/>
+    </dgm:scene3d>
+    <dgm:sp3d/>
+    <dgm:txPr/>
+    <dgm:style>
+      <a:lnRef idx="2">
+        <a:scrgbClr r="0" g="0" b="0"/>
+      </a:lnRef>
+      <a:fillRef idx="1">
+        <a:scrgbClr r="0" g="0" b="0"/>
+      </a:fillRef>
+      <a:effectRef idx="0">
+        <a:scrgbClr r="0" g="0" b="0"/>
+      </a:effectRef>
+      <a:fontRef idx="minor">
+        <a:schemeClr val="tx1"/>
+      </a:fontRef>
+    </dgm:style>
+  </dgm:styleLbl>
+  <dgm:styleLbl name="alignNode1">
+    <dgm:scene3d>
+      <a:camera prst="orthographicFront"/>
+      <a:lightRig rig="threePt" dir="t"/>
+    </dgm:scene3d>
+    <dgm:sp3d/>
+    <dgm:txPr/>
+    <dgm:style>
+      <a:lnRef idx="2">
+        <a:scrgbClr r="0" g="0" b="0"/>
+      </a:lnRef>
+      <a:fillRef idx="1">
+        <a:scrgbClr r="0" g="0" b="0"/>
+      </a:fillRef>
+      <a:effectRef idx="0">
+        <a:scrgbClr r="0" g="0" b="0"/>
+      </a:effectRef>
+      <a:fontRef idx="minor">
+        <a:schemeClr val="lt1"/>
+      </a:fontRef>
+    </dgm:style>
+  </dgm:styleLbl>
+  <dgm:styleLbl name="node1">
+    <dgm:scene3d>
+      <a:camera prst="orthographicFront"/>
+      <a:lightRig rig="threePt" dir="t"/>
+    </dgm:scene3d>
+    <dgm:sp3d/>
+    <dgm:txPr/>
+    <dgm:style>
+      <a:lnRef idx="2">
+        <a:scrgbClr r="0" g="0" b="0"/>
+      </a:lnRef>
+      <a:fillRef idx="1">
+        <a:scrgbClr r="0" g="0" b="0"/>
+      </a:fillRef>
+      <a:effectRef idx="0">
+        <a:scrgbClr r="0" g="0" b="0"/>
+      </a:effectRef>
+      <a:fontRef idx="minor">
+        <a:schemeClr val="lt1"/>
+      </a:fontRef>
+    </dgm:style>
+  </dgm:styleLbl>
+  <dgm:styleLbl name="node2">
+    <dgm:scene3d>
+      <a:camera prst="orthographicFront"/>
+      <a:lightRig rig="threePt" dir="t"/>
+    </dgm:scene3d>
+    <dgm:sp3d/>
+    <dgm:txPr/>
+    <dgm:style>
+      <a:lnRef idx="2">
+        <a:scrgbClr r="0" g="0" b="0"/>
+      </a:lnRef>
+      <a:fillRef idx="1">
+        <a:scrgbClr r="0" g="0" b="0"/>
+      </a:fillRef>
+      <a:effectRef idx="0">
+        <a:scrgbClr r="0" g="0" b="0"/>
+      </a:effectRef>
+      <a:fontRef idx="minor">
+        <a:schemeClr val="lt1"/>
+      </a:fontRef>
+    </dgm:style>
+  </dgm:styleLbl>
+  <dgm:styleLbl name="node3">
+    <dgm:scene3d>
+      <a:camera prst="orthographicFront"/>
+      <a:lightRig rig="threePt" dir="t"/>
+    </dgm:scene3d>
+    <dgm:sp3d/>
+    <dgm:txPr/>
+    <dgm:style>
+      <a:lnRef idx="2">
+        <a:scrgbClr r="0" g="0" b="0"/>
+      </a:lnRef>
+      <a:fillRef idx="1">
+        <a:scrgbClr r="0" g="0" b="0"/>
+      </a:fillRef>
+      <a:effectRef idx="0">
+        <a:scrgbClr r="0" g="0" b="0"/>
+      </a:effectRef>
+      <a:fontRef idx="minor">
+        <a:schemeClr val="lt1"/>
+      </a:fontRef>
+    </dgm:style>
+  </dgm:styleLbl>
+  <dgm:styleLbl name="node4">
+    <dgm:scene3d>
+      <a:camera prst="orthographicFront"/>
+      <a:lightRig rig="threePt" dir="t"/>
+    </dgm:scene3d>
+    <dgm:sp3d/>
+    <dgm:txPr/>
+    <dgm:style>
+      <a:lnRef idx="2">
+        <a:scrgbClr r="0" g="0" b="0"/>
+      </a:lnRef>
+      <a:fillRef idx="1">
+        <a:scrgbClr r="0" g="0" b="0"/>
+      </a:fillRef>
+      <a:effectRef idx="0">
+        <a:scrgbClr r="0" g="0" b="0"/>
+      </a:effectRef>
+      <a:fontRef idx="minor">
+        <a:schemeClr val="lt1"/>
+      </a:fontRef>
+    </dgm:style>
+  </dgm:styleLbl>
+  <dgm:styleLbl name="fgImgPlace1">
+    <dgm:scene3d>
+      <a:camera prst="orthographicFront"/>
+      <a:lightRig rig="threePt" dir="t"/>
+    </dgm:scene3d>
+    <dgm:sp3d/>
+    <dgm:txPr/>
+    <dgm:style>
+      <a:lnRef idx="2">
+        <a:scrgbClr r="0" g="0" b="0"/>
+      </a:lnRef>
+      <a:fillRef idx="1">
+        <a:scrgbClr r="0" g="0" b="0"/>
+      </a:fillRef>
+      <a:effectRef idx="0">
+        <a:scrgbClr r="0" g="0" b="0"/>
+      </a:effectRef>
+      <a:fontRef idx="minor"/>
+    </dgm:style>
+  </dgm:styleLbl>
+  <dgm:styleLbl name="alignImgPlace1">
+    <dgm:scene3d>
+      <a:camera prst="orthographicFront"/>
+      <a:lightRig rig="threePt" dir="t"/>
+    </dgm:scene3d>
+    <dgm:sp3d/>
+    <dgm:txPr/>
+    <dgm:style>
+      <a:lnRef idx="2">
+        <a:scrgbClr r="0" g="0" b="0"/>
+      </a:lnRef>
+      <a:fillRef idx="1">
+        <a:scrgbClr r="0" g="0" b="0"/>
+      </a:fillRef>
+      <a:effectRef idx="0">
+        <a:scrgbClr r="0" g="0" b="0"/>
+      </a:effectRef>
+      <a:fontRef idx="minor"/>
+    </dgm:style>
+  </dgm:styleLbl>
+  <dgm:styleLbl name="bgImgPlace1">
+    <dgm:scene3d>
+      <a:camera prst="orthographicFront"/>
+      <a:lightRig rig="threePt" dir="t"/>
+    </dgm:scene3d>
+    <dgm:sp3d/>
+    <dgm:txPr/>
+    <dgm:style>
+      <a:lnRef idx="2">
+        <a:scrgbClr r="0" g="0" b="0"/>
+      </a:lnRef>
+      <a:fillRef idx="1">
+        <a:scrgbClr r="0" g="0" b="0"/>
+      </a:fillRef>
+      <a:effectRef idx="0">
+        <a:scrgbClr r="0" g="0" b="0"/>
+      </a:effectRef>
+      <a:fontRef idx="minor"/>
+    </dgm:style>
+  </dgm:styleLbl>
+  <dgm:styleLbl name="sibTrans2D1">
+    <dgm:scene3d>
+      <a:camera prst="orthographicFront"/>
+      <a:lightRig rig="threePt" dir="t"/>
+    </dgm:scene3d>
+    <dgm:sp3d/>
+    <dgm:txPr/>
+    <dgm:style>
+      <a:lnRef idx="0">
+        <a:scrgbClr r="0" g="0" b="0"/>
+      </a:lnRef>
+      <a:fillRef idx="1">
+        <a:scrgbClr r="0" g="0" b="0"/>
+      </a:fillRef>
+      <a:effectRef idx="0">
+        <a:scrgbClr r="0" g="0" b="0"/>
+      </a:effectRef>
+      <a:fontRef idx="minor">
+        <a:schemeClr val="lt1"/>
+      </a:fontRef>
+    </dgm:style>
+  </dgm:styleLbl>
+  <dgm:styleLbl name="fgSibTrans2D1">
+    <dgm:scene3d>
+      <a:camera prst="orthographicFront"/>
+      <a:lightRig rig="threePt" dir="t"/>
+    </dgm:scene3d>
+    <dgm:sp3d/>
+    <dgm:txPr/>
+    <dgm:style>
+      <a:lnRef idx="0">
+        <a:scrgbClr r="0" g="0" b="0"/>
+      </a:lnRef>
+      <a:fillRef idx="1">
+        <a:scrgbClr r="0" g="0" b="0"/>
+      </a:fillRef>
+      <a:effectRef idx="0">
+        <a:scrgbClr r="0" g="0" b="0"/>
+      </a:effectRef>
+      <a:fontRef idx="minor">
+        <a:schemeClr val="lt1"/>
+      </a:fontRef>
+    </dgm:style>
+  </dgm:styleLbl>
+  <dgm:styleLbl name="bgSibTrans2D1">
+    <dgm:scene3d>
+      <a:camera prst="orthographicFront"/>
+      <a:lightRig rig="threePt" dir="t"/>
+    </dgm:scene3d>
+    <dgm:sp3d/>
+    <dgm:txPr/>
+    <dgm:style>
+      <a:lnRef idx="0">
+        <a:scrgbClr r="0" g="0" b="0"/>
+      </a:lnRef>
+      <a:fillRef idx="1">
+        <a:scrgbClr r="0" g="0" b="0"/>
+      </a:fillRef>
+      <a:effectRef idx="0">
+        <a:scrgbClr r="0" g="0" b="0"/>
+      </a:effectRef>
+      <a:fontRef idx="minor">
+        <a:schemeClr val="lt1"/>
+      </a:fontRef>
+    </dgm:style>
+  </dgm:styleLbl>
+  <dgm:styleLbl name="sibTrans1D1">
+    <dgm:scene3d>
+      <a:camera prst="orthographicFront"/>
+      <a:lightRig rig="threePt" dir="t"/>
+    </dgm:scene3d>
+    <dgm:sp3d/>
+    <dgm:txPr/>
+    <dgm:style>
+      <a:lnRef idx="1">
+        <a:scrgbClr r="0" g="0" b="0"/>
+      </a:lnRef>
+      <a:fillRef idx="0">
+        <a:scrgbClr r="0" g="0" b="0"/>
+      </a:fillRef>
+      <a:effectRef idx="0">
+        <a:scrgbClr r="0" g="0" b="0"/>
+      </a:effectRef>
+      <a:fontRef idx="minor"/>
+    </dgm:style>
+  </dgm:styleLbl>
+  <dgm:styleLbl name="callout">
+    <dgm:scene3d>
+      <a:camera prst="orthographicFront"/>
+      <a:lightRig rig="threePt" dir="t"/>
+    </dgm:scene3d>
+    <dgm:sp3d/>
+    <dgm:txPr/>
+    <dgm:style>
+      <a:lnRef idx="2">
+        <a:scrgbClr r="0" g="0" b="0"/>
+      </a:lnRef>
+      <a:fillRef idx="1">
+        <a:scrgbClr r="0" g="0" b="0"/>
+      </a:fillRef>
+      <a:effectRef idx="0">
+        <a:scrgbClr r="0" g="0" b="0"/>
+      </a:effectRef>
+      <a:fontRef idx="minor"/>
+    </dgm:style>
+  </dgm:styleLbl>
+  <dgm:styleLbl name="asst0">
+    <dgm:scene3d>
+      <a:camera prst="orthographicFront"/>
+      <a:lightRig rig="threePt" dir="t"/>
+    </dgm:scene3d>
+    <dgm:sp3d/>
+    <dgm:txPr/>
+    <dgm:style>
+      <a:lnRef idx="2">
+        <a:scrgbClr r="0" g="0" b="0"/>
+      </a:lnRef>
+      <a:fillRef idx="1">
+        <a:scrgbClr r="0" g="0" b="0"/>
+      </a:fillRef>
+      <a:effectRef idx="0">
+        <a:scrgbClr r="0" g="0" b="0"/>
+      </a:effectRef>
+      <a:fontRef idx="minor">
+        <a:schemeClr val="lt1"/>
+      </a:fontRef>
+    </dgm:style>
+  </dgm:styleLbl>
+  <dgm:styleLbl name="asst1">
+    <dgm:scene3d>
+      <a:camera prst="orthographicFront"/>
+      <a:lightRig rig="threePt" dir="t"/>
+    </dgm:scene3d>
+    <dgm:sp3d/>
+    <dgm:txPr/>
+    <dgm:style>
+      <a:lnRef idx="2">
+        <a:scrgbClr r="0" g="0" b="0"/>
+      </a:lnRef>
+      <a:fillRef idx="1">
+        <a:scrgbClr r="0" g="0" b="0"/>
+      </a:fillRef>
+      <a:effectRef idx="0">
+        <a:scrgbClr r="0" g="0" b="0"/>
+      </a:effectRef>
+      <a:fontRef idx="minor">
+        <a:schemeClr val="lt1"/>
+      </a:fontRef>
+    </dgm:style>
+  </dgm:styleLbl>
+  <dgm:styleLbl name="asst2">
+    <dgm:scene3d>
+      <a:camera prst="orthographicFront"/>
+      <a:lightRig rig="threePt" dir="t"/>
+    </dgm:scene3d>
+    <dgm:sp3d/>
+    <dgm:txPr/>
+    <dgm:style>
+      <a:lnRef idx="2">
+        <a:scrgbClr r="0" g="0" b="0"/>
+      </a:lnRef>
+      <a:fillRef idx="1">
+        <a:scrgbClr r="0" g="0" b="0"/>
+      </a:fillRef>
+      <a:effectRef idx="0">
+        <a:scrgbClr r="0" g="0" b="0"/>
+      </a:effectRef>
+      <a:fontRef idx="minor">
+        <a:schemeClr val="lt1"/>
+      </a:fontRef>
+    </dgm:style>
+  </dgm:styleLbl>
+  <dgm:styleLbl name="asst3">
+    <dgm:scene3d>
+      <a:camera prst="orthographicFront"/>
+      <a:lightRig rig="threePt" dir="t"/>
+    </dgm:scene3d>
+    <dgm:sp3d/>
+    <dgm:txPr/>
+    <dgm:style>
+      <a:lnRef idx="2">
+        <a:scrgbClr r="0" g="0" b="0"/>
+      </a:lnRef>
+      <a:fillRef idx="1">
+        <a:scrgbClr r="0" g="0" b="0"/>
+      </a:fillRef>
+      <a:effectRef idx="0">
+        <a:scrgbClr r="0" g="0" b="0"/>
+      </a:effectRef>
+      <a:fontRef idx="minor">
+        <a:schemeClr val="lt1"/>
+      </a:fontRef>
+    </dgm:style>
+  </dgm:styleLbl>
+  <dgm:styleLbl name="asst4">
+    <dgm:scene3d>
+      <a:camera prst="orthographicFront"/>
+      <a:lightRig rig="threePt" dir="t"/>
+    </dgm:scene3d>
+    <dgm:sp3d/>
+    <dgm:txPr/>
+    <dgm:style>
+      <a:lnRef idx="2">
+        <a:scrgbClr r="0" g="0" b="0"/>
+      </a:lnRef>
+      <a:fillRef idx="1">
+        <a:scrgbClr r="0" g="0" b="0"/>
+      </a:fillRef>
+      <a:effectRef idx="0">
+        <a:scrgbClr r="0" g="0" b="0"/>
+      </a:effectRef>
+      <a:fontRef idx="minor">
+        <a:schemeClr val="lt1"/>
+      </a:fontRef>
+    </dgm:style>
+  </dgm:styleLbl>
+  <dgm:styleLbl name="parChTrans2D1">
+    <dgm:scene3d>
+      <a:camera prst="orthographicFront"/>
+      <a:lightRig rig="threePt" dir="t"/>
+    </dgm:scene3d>
+    <dgm:sp3d/>
+    <dgm:txPr/>
+    <dgm:style>
+      <a:lnRef idx="2">
+        <a:scrgbClr r="0" g="0" b="0"/>
+      </a:lnRef>
+      <a:fillRef idx="1">
+        <a:scrgbClr r="0" g="0" b="0"/>
+      </a:fillRef>
+      <a:effectRef idx="0">
+        <a:scrgbClr r="0" g="0" b="0"/>
+      </a:effectRef>
+      <a:fontRef idx="minor">
+        <a:schemeClr val="lt1"/>
+      </a:fontRef>
+    </dgm:style>
+  </dgm:styleLbl>
+  <dgm:styleLbl name="parChTrans2D2">
+    <dgm:scene3d>
+      <a:camera prst="orthographicFront"/>
+      <a:lightRig rig="threePt" dir="t"/>
+    </dgm:scene3d>
+    <dgm:sp3d/>
+    <dgm:txPr/>
+    <dgm:style>
+      <a:lnRef idx="2">
+        <a:scrgbClr r="0" g="0" b="0"/>
+      </a:lnRef>
+      <a:fillRef idx="1">
+        <a:scrgbClr r="0" g="0" b="0"/>
+      </a:fillRef>
+      <a:effectRef idx="0">
+        <a:scrgbClr r="0" g="0" b="0"/>
+      </a:effectRef>
+      <a:fontRef idx="minor">
+        <a:schemeClr val="lt1"/>
+      </a:fontRef>
+    </dgm:style>
+  </dgm:styleLbl>
+  <dgm:styleLbl name="parChTrans2D3">
+    <dgm:scene3d>
+      <a:camera prst="orthographicFront"/>
+      <a:lightRig rig="threePt" dir="t"/>
+    </dgm:scene3d>
+    <dgm:sp3d/>
+    <dgm:txPr/>
+    <dgm:style>
+      <a:lnRef idx="2">
+        <a:scrgbClr r="0" g="0" b="0"/>
+      </a:lnRef>
+      <a:fillRef idx="1">
+        <a:scrgbClr r="0" g="0" b="0"/>
+      </a:fillRef>
+      <a:effectRef idx="0">
+        <a:scrgbClr r="0" g="0" b="0"/>
+      </a:effectRef>
+      <a:fontRef idx="minor">
+        <a:schemeClr val="lt1"/>
+      </a:fontRef>
+    </dgm:style>
+  </dgm:styleLbl>
+  <dgm:styleLbl name="parChTrans2D4">
+    <dgm:scene3d>
+      <a:camera prst="orthographicFront"/>
+      <a:lightRig rig="threePt" dir="t"/>
+    </dgm:scene3d>
+    <dgm:sp3d/>
+    <dgm:txPr/>
+    <dgm:style>
+      <a:lnRef idx="2">
+        <a:scrgbClr r="0" g="0" b="0"/>
+      </a:lnRef>
+      <a:fillRef idx="1">
+        <a:scrgbClr r="0" g="0" b="0"/>
+      </a:fillRef>
+      <a:effectRef idx="0">
+        <a:scrgbClr r="0" g="0" b="0"/>
+      </a:effectRef>
+      <a:fontRef idx="minor">
+        <a:schemeClr val="lt1"/>
+      </a:fontRef>
+    </dgm:style>
+  </dgm:styleLbl>
+  <dgm:styleLbl name="parChTrans1D1">
+    <dgm:scene3d>
+      <a:camera prst="orthographicFront"/>
+      <a:lightRig rig="threePt" dir="t"/>
+    </dgm:scene3d>
+    <dgm:sp3d/>
+    <dgm:txPr/>
+    <dgm:style>
+      <a:lnRef idx="2">
+        <a:scrgbClr r="0" g="0" b="0"/>
+      </a:lnRef>
+      <a:fillRef idx="0">
+        <a:scrgbClr r="0" g="0" b="0"/>
+      </a:fillRef>
+      <a:effectRef idx="0">
+        <a:scrgbClr r="0" g="0" b="0"/>
+      </a:effectRef>
+      <a:fontRef idx="minor"/>
+    </dgm:style>
+  </dgm:styleLbl>
+  <dgm:styleLbl name="parChTrans1D2">
+    <dgm:scene3d>
+      <a:camera prst="orthographicFront"/>
+      <a:lightRig rig="threePt" dir="t"/>
+    </dgm:scene3d>
+    <dgm:sp3d/>
+    <dgm:txPr/>
+    <dgm:style>
+      <a:lnRef idx="2">
+        <a:scrgbClr r="0" g="0" b="0"/>
+      </a:lnRef>
+      <a:fillRef idx="0">
+        <a:scrgbClr r="0" g="0" b="0"/>
+      </a:fillRef>
+      <a:effectRef idx="0">
+        <a:scrgbClr r="0" g="0" b="0"/>
+      </a:effectRef>
+      <a:fontRef idx="minor"/>
+    </dgm:style>
+  </dgm:styleLbl>
+  <dgm:styleLbl name="parChTrans1D3">
+    <dgm:scene3d>
+      <a:camera prst="orthographicFront"/>
+      <a:lightRig rig="threePt" dir="t"/>
+    </dgm:scene3d>
+    <dgm:sp3d/>
+    <dgm:txPr/>
+    <dgm:style>
+      <a:lnRef idx="2">
+        <a:scrgbClr r="0" g="0" b="0"/>
+      </a:lnRef>
+      <a:fillRef idx="0">
+        <a:scrgbClr r="0" g="0" b="0"/>
+      </a:fillRef>
+      <a:effectRef idx="0">
+        <a:scrgbClr r="0" g="0" b="0"/>
+      </a:effectRef>
+      <a:fontRef idx="minor"/>
+    </dgm:style>
+  </dgm:styleLbl>
+  <dgm:styleLbl name="parChTrans1D4">
+    <dgm:scene3d>
+      <a:camera prst="orthographicFront"/>
+      <a:lightRig rig="threePt" dir="t"/>
+    </dgm:scene3d>
+    <dgm:sp3d/>
+    <dgm:txPr/>
+    <dgm:style>
+      <a:lnRef idx="2">
+        <a:scrgbClr r="0" g="0" b="0"/>
+      </a:lnRef>
+      <a:fillRef idx="0">
+        <a:scrgbClr r="0" g="0" b="0"/>
+      </a:fillRef>
+      <a:effectRef idx="0">
+        <a:scrgbClr r="0" g="0" b="0"/>
+      </a:effectRef>
+      <a:fontRef idx="minor"/>
+    </dgm:style>
+  </dgm:styleLbl>
+  <dgm:styleLbl name="fgAcc1">
+    <dgm:scene3d>
+      <a:camera prst="orthographicFront"/>
+      <a:lightRig rig="threePt" dir="t"/>
+    </dgm:scene3d>
+    <dgm:sp3d/>
+    <dgm:txPr/>
+    <dgm:style>
+      <a:lnRef idx="2">
+        <a:scrgbClr r="0" g="0" b="0"/>
+      </a:lnRef>
+      <a:fillRef idx="1">
+        <a:scrgbClr r="0" g="0" b="0"/>
+      </a:fillRef>
+      <a:effectRef idx="0">
+        <a:scrgbClr r="0" g="0" b="0"/>
+      </a:effectRef>
+      <a:fontRef idx="minor"/>
+    </dgm:style>
+  </dgm:styleLbl>
+  <dgm:styleLbl name="conFgAcc1">
+    <dgm:scene3d>
+      <a:camera prst="orthographicFront"/>
+      <a:lightRig rig="threePt" dir="t"/>
+    </dgm:scene3d>
+    <dgm:sp3d/>
+    <dgm:txPr/>
+    <dgm:style>
+      <a:lnRef idx="2">
+        <a:scrgbClr r="0" g="0" b="0"/>
+      </a:lnRef>
+      <a:fillRef idx="1">
+        <a:scrgbClr r="0" g="0" b="0"/>
+      </a:fillRef>
+      <a:effectRef idx="0">
+        <a:scrgbClr r="0" g="0" b="0"/>
+      </a:effectRef>
+      <a:fontRef idx="minor"/>
+    </dgm:style>
+  </dgm:styleLbl>
+  <dgm:styleLbl name="alignAcc1">
+    <dgm:scene3d>
+      <a:camera prst="orthographicFront"/>
+      <a:lightRig rig="threePt" dir="t"/>
+    </dgm:scene3d>
+    <dgm:sp3d/>
+    <dgm:txPr/>
+    <dgm:style>
+      <a:lnRef idx="2">
+        <a:scrgbClr r="0" g="0" b="0"/>
+      </a:lnRef>
+      <a:fillRef idx="1">
+        <a:scrgbClr r="0" g="0" b="0"/>
+      </a:fillRef>
+      <a:effectRef idx="0">
+        <a:scrgbClr r="0" g="0" b="0"/>
+      </a:effectRef>
+      <a:fontRef idx="minor"/>
+    </dgm:style>
+  </dgm:styleLbl>
+  <dgm:styleLbl name="trAlignAcc1">
+    <dgm:scene3d>
+      <a:camera prst="orthographicFront"/>
+      <a:lightRig rig="threePt" dir="t"/>
+    </dgm:scene3d>
+    <dgm:sp3d/>
+    <dgm:txPr/>
+    <dgm:style>
+      <a:lnRef idx="1">
+        <a:scrgbClr r="0" g="0" b="0"/>
+      </a:lnRef>
+      <a:fillRef idx="1">
+        <a:scrgbClr r="0" g="0" b="0"/>
+      </a:fillRef>
+      <a:effectRef idx="0">
+        <a:scrgbClr r="0" g="0" b="0"/>
+      </a:effectRef>
+      <a:fontRef idx="minor"/>
+    </dgm:style>
+  </dgm:styleLbl>
+  <dgm:styleLbl name="bgAcc1">
+    <dgm:scene3d>
+      <a:camera prst="orthographicFront"/>
+      <a:lightRig rig="threePt" dir="t"/>
+    </dgm:scene3d>
+    <dgm:sp3d/>
+    <dgm:txPr/>
+    <dgm:style>
+      <a:lnRef idx="2">
+        <a:scrgbClr r="0" g="0" b="0"/>
+      </a:lnRef>
+      <a:fillRef idx="1">
+        <a:scrgbClr r="0" g="0" b="0"/>
+      </a:fillRef>
+      <a:effectRef idx="0">
+        <a:scrgbClr r="0" g="0" b="0"/>
+      </a:effectRef>
+      <a:fontRef idx="minor"/>
+    </dgm:style>
+  </dgm:styleLbl>
+  <dgm:styleLbl name="solidFgAcc1">
+    <dgm:scene3d>
+      <a:camera prst="orthographicFront"/>
+      <a:lightRig rig="threePt" dir="t"/>
+    </dgm:scene3d>
+    <dgm:sp3d/>
+    <dgm:txPr/>
+    <dgm:style>
+      <a:lnRef idx="2">
+        <a:scrgbClr r="0" g="0" b="0"/>
+      </a:lnRef>
+      <a:fillRef idx="1">
+        <a:scrgbClr r="0" g="0" b="0"/>
+      </a:fillRef>
+      <a:effectRef idx="0">
+        <a:scrgbClr r="0" g="0" b="0"/>
+      </a:effectRef>
+      <a:fontRef idx="minor"/>
+    </dgm:style>
+  </dgm:styleLbl>
+  <dgm:styleLbl name="solidAlignAcc1">
+    <dgm:scene3d>
+      <a:camera prst="orthographicFront"/>
+      <a:lightRig rig="threePt" dir="t"/>
+    </dgm:scene3d>
+    <dgm:sp3d/>
+    <dgm:txPr/>
+    <dgm:style>
+      <a:lnRef idx="2">
+        <a:scrgbClr r="0" g="0" b="0"/>
+      </a:lnRef>
+      <a:fillRef idx="1">
+        <a:scrgbClr r="0" g="0" b="0"/>
+      </a:fillRef>
+      <a:effectRef idx="0">
+        <a:scrgbClr r="0" g="0" b="0"/>
+      </a:effectRef>
+      <a:fontRef idx="minor"/>
+    </dgm:style>
+  </dgm:styleLbl>
+  <dgm:styleLbl name="solidBgAcc1">
+    <dgm:scene3d>
+      <a:camera prst="orthographicFront"/>
+      <a:lightRig rig="threePt" dir="t"/>
+    </dgm:scene3d>
+    <dgm:sp3d/>
+    <dgm:txPr/>
+    <dgm:style>
+      <a:lnRef idx="2">
+        <a:scrgbClr r="0" g="0" b="0"/>
+      </a:lnRef>
+      <a:fillRef idx="1">
+        <a:scrgbClr r="0" g="0" b="0"/>
+      </a:fillRef>
+      <a:effectRef idx="0">
+        <a:scrgbClr r="0" g="0" b="0"/>
+      </a:effectRef>
+      <a:fontRef idx="minor"/>
+    </dgm:style>
+  </dgm:styleLbl>
+  <dgm:styleLbl name="fgAccFollowNode1">
+    <dgm:scene3d>
+      <a:camera prst="orthographicFront"/>
+      <a:lightRig rig="threePt" dir="t"/>
+    </dgm:scene3d>
+    <dgm:sp3d/>
+    <dgm:txPr/>
+    <dgm:style>
+      <a:lnRef idx="2">
+        <a:scrgbClr r="0" g="0" b="0"/>
+      </a:lnRef>
+      <a:fillRef idx="1">
+        <a:scrgbClr r="0" g="0" b="0"/>
+      </a:fillRef>
+      <a:effectRef idx="0">
+        <a:scrgbClr r="0" g="0" b="0"/>
+      </a:effectRef>
+      <a:fontRef idx="minor"/>
+    </dgm:style>
+  </dgm:styleLbl>
+  <dgm:styleLbl name="alignAccFollowNode1">
+    <dgm:scene3d>
+      <a:camera prst="orthographicFront"/>
+      <a:lightRig rig="threePt" dir="t"/>
+    </dgm:scene3d>
+    <dgm:sp3d/>
+    <dgm:txPr/>
+    <dgm:style>
+      <a:lnRef idx="2">
+        <a:scrgbClr r="0" g="0" b="0"/>
+      </a:lnRef>
+      <a:fillRef idx="1">
+        <a:scrgbClr r="0" g="0" b="0"/>
+      </a:fillRef>
+      <a:effectRef idx="0">
+        <a:scrgbClr r="0" g="0" b="0"/>
+      </a:effectRef>
+      <a:fontRef idx="minor"/>
+    </dgm:style>
+  </dgm:styleLbl>
+  <dgm:styleLbl name="bgAccFollowNode1">
+    <dgm:scene3d>
+      <a:camera prst="orthographicFront"/>
+      <a:lightRig rig="threePt" dir="t"/>
+    </dgm:scene3d>
+    <dgm:sp3d/>
+    <dgm:txPr/>
+    <dgm:style>
+      <a:lnRef idx="2">
+        <a:scrgbClr r="0" g="0" b="0"/>
+      </a:lnRef>
+      <a:fillRef idx="1">
+        <a:scrgbClr r="0" g="0" b="0"/>
+      </a:fillRef>
+      <a:effectRef idx="0">
+        <a:scrgbClr r="0" g="0" b="0"/>
+      </a:effectRef>
+      <a:fontRef idx="minor"/>
+    </dgm:style>
+  </dgm:styleLbl>
+  <dgm:styleLbl name="fgAcc0">
+    <dgm:scene3d>
+      <a:camera prst="orthographicFront"/>
+      <a:lightRig rig="threePt" dir="t"/>
+    </dgm:scene3d>
+    <dgm:sp3d/>
+    <dgm:txPr/>
+    <dgm:style>
+      <a:lnRef idx="2">
+        <a:scrgbClr r="0" g="0" b="0"/>
+      </a:lnRef>
+      <a:fillRef idx="1">
+        <a:scrgbClr r="0" g="0" b="0"/>
+      </a:fillRef>
+      <a:effectRef idx="0">
+        <a:scrgbClr r="0" g="0" b="0"/>
+      </a:effectRef>
+      <a:fontRef idx="minor"/>
+    </dgm:style>
+  </dgm:styleLbl>
+  <dgm:styleLbl name="fgAcc2">
+    <dgm:scene3d>
+      <a:camera prst="orthographicFront"/>
+      <a:lightRig rig="threePt" dir="t"/>
+    </dgm:scene3d>
+    <dgm:sp3d/>
+    <dgm:txPr/>
+    <dgm:style>
+      <a:lnRef idx="2">
+        <a:scrgbClr r="0" g="0" b="0"/>
+      </a:lnRef>
+      <a:fillRef idx="1">
+        <a:scrgbClr r="0" g="0" b="0"/>
+      </a:fillRef>
+      <a:effectRef idx="0">
+        <a:scrgbClr r="0" g="0" b="0"/>
+      </a:effectRef>
+      <a:fontRef idx="minor"/>
+    </dgm:style>
+  </dgm:styleLbl>
+  <dgm:styleLbl name="fgAcc3">
+    <dgm:scene3d>
+      <a:camera prst="orthographicFront"/>
+      <a:lightRig rig="threePt" dir="t"/>
+    </dgm:scene3d>
+    <dgm:sp3d/>
+    <dgm:txPr/>
+    <dgm:style>
+      <a:lnRef idx="2">
+        <a:scrgbClr r="0" g="0" b="0"/>
+      </a:lnRef>
+      <a:fillRef idx="1">
+        <a:scrgbClr r="0" g="0" b="0"/>
+      </a:fillRef>
+      <a:effectRef idx="0">
+        <a:scrgbClr r="0" g="0" b="0"/>
+      </a:effectRef>
+      <a:fontRef idx="minor"/>
+    </dgm:style>
+  </dgm:styleLbl>
+  <dgm:styleLbl name="fgAcc4">
+    <dgm:scene3d>
+      <a:camera prst="orthographicFront"/>
+      <a:lightRig rig="threePt" dir="t"/>
+    </dgm:scene3d>
+    <dgm:sp3d/>
+    <dgm:txPr/>
+    <dgm:style>
+      <a:lnRef idx="2">
+        <a:scrgbClr r="0" g="0" b="0"/>
+      </a:lnRef>
+      <a:fillRef idx="1">
+        <a:scrgbClr r="0" g="0" b="0"/>
+      </a:fillRef>
+      <a:effectRef idx="0">
+        <a:scrgbClr r="0" g="0" b="0"/>
+      </a:effectRef>
+      <a:fontRef idx="minor"/>
+    </dgm:style>
+  </dgm:styleLbl>
+  <dgm:styleLbl name="bgShp">
+    <dgm:scene3d>
+      <a:camera prst="orthographicFront"/>
+      <a:lightRig rig="threePt" dir="t"/>
+    </dgm:scene3d>
+    <dgm:sp3d/>
+    <dgm:txPr/>
+    <dgm:style>
+      <a:lnRef idx="0">
+        <a:scrgbClr r="0" g="0" b="0"/>
+      </a:lnRef>
+      <a:fillRef idx="1">
+        <a:scrgbClr r="0" g="0" b="0"/>
+      </a:fillRef>
+      <a:effectRef idx="0">
+        <a:scrgbClr r="0" g="0" b="0"/>
+      </a:effectRef>
+      <a:fontRef idx="minor"/>
+    </dgm:style>
+  </dgm:styleLbl>
+  <dgm:styleLbl name="dkBgShp">
+    <dgm:scene3d>
+      <a:camera prst="orthographicFront"/>
+      <a:lightRig rig="threePt" dir="t"/>
+    </dgm:scene3d>
+    <dgm:sp3d/>
+    <dgm:txPr/>
+    <dgm:style>
+      <a:lnRef idx="0">
+        <a:scrgbClr r="0" g="0" b="0"/>
+      </a:lnRef>
+      <a:fillRef idx="1">
+        <a:scrgbClr r="0" g="0" b="0"/>
+      </a:fillRef>
+      <a:effectRef idx="0">
+        <a:scrgbClr r="0" g="0" b="0"/>
+      </a:effectRef>
+      <a:fontRef idx="minor"/>
+    </dgm:style>
+  </dgm:styleLbl>
+  <dgm:styleLbl name="trBgShp">
+    <dgm:scene3d>
+      <a:camera prst="orthographicFront"/>
+      <a:lightRig rig="threePt" dir="t"/>
+    </dgm:scene3d>
+    <dgm:sp3d/>
+    <dgm:txPr/>
+    <dgm:style>
+      <a:lnRef idx="0">
+        <a:scrgbClr r="0" g="0" b="0"/>
+      </a:lnRef>
+      <a:fillRef idx="1">
+        <a:scrgbClr r="0" g="0" b="0"/>
+      </a:fillRef>
+      <a:effectRef idx="0">
+        <a:scrgbClr r="0" g="0" b="0"/>
+      </a:effectRef>
+      <a:fontRef idx="minor"/>
+    </dgm:style>
+  </dgm:styleLbl>
+  <dgm:styleLbl name="fgShp">
+    <dgm:scene3d>
+      <a:camera prst="orthographicFront"/>
+      <a:lightRig rig="threePt" dir="t"/>
+    </dgm:scene3d>
+    <dgm:sp3d/>
+    <dgm:txPr/>
+    <dgm:style>
+      <a:lnRef idx="2">
+        <a:scrgbClr r="0" g="0" b="0"/>
+      </a:lnRef>
+      <a:fillRef idx="1">
+        <a:scrgbClr r="0" g="0" b="0"/>
+      </a:fillRef>
+      <a:effectRef idx="0">
+        <a:scrgbClr r="0" g="0" b="0"/>
+      </a:effectRef>
+      <a:fontRef idx="minor"/>
+    </dgm:style>
+  </dgm:styleLbl>
+  <dgm:styleLbl name="revTx">
+    <dgm:scene3d>
+      <a:camera prst="orthographicFront"/>
+      <a:lightRig rig="threePt" dir="t"/>
+    </dgm:scene3d>
+    <dgm:sp3d/>
+    <dgm:txPr/>
+    <dgm:style>
+      <a:lnRef idx="0">
+        <a:scrgbClr r="0" g="0" b="0"/>
+      </a:lnRef>
+      <a:fillRef idx="0">
+        <a:scrgbClr r="0" g="0" b="0"/>
+      </a:fillRef>
+      <a:effectRef idx="0">
+        <a:scrgbClr r="0" g="0" b="0"/>
+      </a:effectRef>
+      <a:fontRef idx="minor"/>
+    </dgm:style>
+  </dgm:styleLbl>
+</dgm:styleDef>
+</file>
+
+<file path=ppt/diagrams/quickStyle3.xml><?xml version="1.0" encoding="utf-8"?>
 <dgm:styleDef xmlns:dgm="http://schemas.openxmlformats.org/drawingml/2006/diagram" xmlns:a="http://schemas.openxmlformats.org/drawingml/2006/main" uniqueId="urn:microsoft.com/office/officeart/2005/8/quickstyle/simple1">
   <dgm:title val=""/>
   <dgm:desc val=""/>
@@ -7296,7 +10879,7 @@
           <a:p>
             <a:fld id="{EA0C0817-A112-4847-8014-A94B7D2A4EA3}" type="datetime1">
               <a:rPr lang="en-US" smtClean="0"/>
-              <a:t>4/6/2020</a:t>
+              <a:t>4/7/2020</a:t>
             </a:fld>
             <a:endParaRPr lang="en-US" dirty="0"/>
           </a:p>
@@ -7498,7 +11081,7 @@
           <a:p>
             <a:fld id="{7332B432-ACDA-4023-A761-2BAB76577B62}" type="datetime1">
               <a:rPr lang="en-US" smtClean="0"/>
-              <a:t>4/6/2020</a:t>
+              <a:t>4/7/2020</a:t>
             </a:fld>
             <a:endParaRPr lang="en-US" dirty="0"/>
           </a:p>
@@ -8097,7 +11680,7 @@
           <a:p>
             <a:fld id="{D9C646AA-F36E-4540-911D-FFFC0A0EF24A}" type="datetime1">
               <a:rPr lang="en-US" smtClean="0"/>
-              <a:t>4/6/2020</a:t>
+              <a:t>4/7/2020</a:t>
             </a:fld>
             <a:endParaRPr lang="en-US" dirty="0"/>
           </a:p>
@@ -8417,7 +12000,7 @@
           <a:p>
             <a:fld id="{69186D26-FA5F-4637-B602-B7C2DC34CFD4}" type="datetime1">
               <a:rPr lang="en-US" smtClean="0"/>
-              <a:t>4/6/2020</a:t>
+              <a:t>4/7/2020</a:t>
             </a:fld>
             <a:endParaRPr lang="en-US" dirty="0"/>
           </a:p>
@@ -8854,7 +12437,7 @@
           <a:p>
             <a:fld id="{8A7F15D8-96D1-4781-BC50-CA8A088B2FE4}" type="datetime1">
               <a:rPr lang="en-US" smtClean="0"/>
-              <a:t>4/6/2020</a:t>
+              <a:t>4/7/2020</a:t>
             </a:fld>
             <a:endParaRPr lang="en-US" dirty="0"/>
           </a:p>
@@ -8972,7 +12555,7 @@
           <a:p>
             <a:fld id="{F9A96C99-B8F8-4528-BD05-0E16E943DC09}" type="datetime1">
               <a:rPr lang="en-US" smtClean="0"/>
-              <a:t>4/6/2020</a:t>
+              <a:t>4/7/2020</a:t>
             </a:fld>
             <a:endParaRPr lang="en-US" dirty="0"/>
           </a:p>
@@ -9067,7 +12650,7 @@
           <a:p>
             <a:fld id="{03636942-C211-4B28-8DBD-C953E00AF71B}" type="datetime1">
               <a:rPr lang="en-US" smtClean="0"/>
-              <a:t>4/6/2020</a:t>
+              <a:t>4/7/2020</a:t>
             </a:fld>
             <a:endParaRPr lang="en-US" dirty="0"/>
           </a:p>
@@ -9484,7 +13067,7 @@
           <a:p>
             <a:fld id="{7E8D12A6-918A-48BD-8CB9-CA713993B0EA}" type="datetime1">
               <a:rPr lang="en-US" smtClean="0"/>
-              <a:t>4/6/2020</a:t>
+              <a:t>4/7/2020</a:t>
             </a:fld>
             <a:endParaRPr lang="en-US" dirty="0"/>
           </a:p>
@@ -9746,7 +13329,7 @@
             <a:fld id="{E778CE86-875F-4587-BCF6-FA054AFC0D53}" type="datetime1">
               <a:rPr lang="en-US" smtClean="0"/>
               <a:pPr/>
-              <a:t>4/6/2020</a:t>
+              <a:t>4/7/2020</a:t>
             </a:fld>
             <a:endParaRPr lang="en-US" dirty="0"/>
           </a:p>
@@ -10262,7 +13845,7 @@
           <a:p>
             <a:fld id="{F6FA2B21-3FCD-4721-B95C-427943F61125}" type="datetime1">
               <a:rPr lang="en-US" smtClean="0"/>
-              <a:t>4/6/2020</a:t>
+              <a:t>4/7/2020</a:t>
             </a:fld>
             <a:endParaRPr lang="en-US" dirty="0"/>
           </a:p>
@@ -10991,6 +14574,611 @@
       </p:grpSpPr>
       <p:sp>
         <p:nvSpPr>
+          <p:cNvPr id="2" name="Title 1">
+            <a:extLst>
+              <a:ext uri="{FF2B5EF4-FFF2-40B4-BE49-F238E27FC236}">
+                <a16:creationId xmlns:a16="http://schemas.microsoft.com/office/drawing/2014/main" id="{771E9804-A4AD-4026-B2D2-B4506582221F}"/>
+              </a:ext>
+            </a:extLst>
+          </p:cNvPr>
+          <p:cNvSpPr>
+            <a:spLocks noGrp="1"/>
+          </p:cNvSpPr>
+          <p:nvPr>
+            <p:ph type="title"/>
+          </p:nvPr>
+        </p:nvSpPr>
+        <p:spPr/>
+        <p:txBody>
+          <a:bodyPr/>
+          <a:lstStyle/>
+          <a:p>
+            <a:r>
+              <a:rPr lang="en-US" dirty="0"/>
+              <a:t>Attacking Forward Propagation</a:t>
+            </a:r>
+          </a:p>
+        </p:txBody>
+      </p:sp>
+      <p:sp>
+        <p:nvSpPr>
+          <p:cNvPr id="3" name="Content Placeholder 2">
+            <a:extLst>
+              <a:ext uri="{FF2B5EF4-FFF2-40B4-BE49-F238E27FC236}">
+                <a16:creationId xmlns:a16="http://schemas.microsoft.com/office/drawing/2014/main" id="{86158712-89DE-4E38-92C7-9A7F16CE3C56}"/>
+              </a:ext>
+            </a:extLst>
+          </p:cNvPr>
+          <p:cNvSpPr>
+            <a:spLocks noGrp="1"/>
+          </p:cNvSpPr>
+          <p:nvPr>
+            <p:ph idx="1"/>
+          </p:nvPr>
+        </p:nvSpPr>
+        <p:spPr/>
+        <p:txBody>
+          <a:bodyPr/>
+          <a:lstStyle/>
+          <a:p>
+            <a:endParaRPr lang="en-US" dirty="0"/>
+          </a:p>
+        </p:txBody>
+      </p:sp>
+    </p:spTree>
+    <p:extLst>
+      <p:ext uri="{BB962C8B-B14F-4D97-AF65-F5344CB8AC3E}">
+        <p14:creationId xmlns:p14="http://schemas.microsoft.com/office/powerpoint/2010/main" val="887696157"/>
+      </p:ext>
+    </p:extLst>
+  </p:cSld>
+  <p:clrMapOvr>
+    <a:masterClrMapping/>
+  </p:clrMapOvr>
+</p:sld>
+</file>
+
+<file path=ppt/slides/slide11.xml><?xml version="1.0" encoding="utf-8"?>
+<p:sld xmlns:a="http://schemas.openxmlformats.org/drawingml/2006/main" xmlns:r="http://schemas.openxmlformats.org/officeDocument/2006/relationships" xmlns:p="http://schemas.openxmlformats.org/presentationml/2006/main">
+  <p:cSld>
+    <p:spTree>
+      <p:nvGrpSpPr>
+        <p:cNvPr id="1" name=""/>
+        <p:cNvGrpSpPr/>
+        <p:nvPr/>
+      </p:nvGrpSpPr>
+      <p:grpSpPr>
+        <a:xfrm>
+          <a:off x="0" y="0"/>
+          <a:ext cx="0" cy="0"/>
+          <a:chOff x="0" y="0"/>
+          <a:chExt cx="0" cy="0"/>
+        </a:xfrm>
+      </p:grpSpPr>
+      <p:sp>
+        <p:nvSpPr>
+          <p:cNvPr id="2" name="Title 1">
+            <a:extLst>
+              <a:ext uri="{FF2B5EF4-FFF2-40B4-BE49-F238E27FC236}">
+                <a16:creationId xmlns:a16="http://schemas.microsoft.com/office/drawing/2014/main" id="{615C2DCE-3521-4232-BDA5-A82A00FFA51B}"/>
+              </a:ext>
+            </a:extLst>
+          </p:cNvPr>
+          <p:cNvSpPr>
+            <a:spLocks noGrp="1"/>
+          </p:cNvSpPr>
+          <p:nvPr>
+            <p:ph type="title"/>
+          </p:nvPr>
+        </p:nvSpPr>
+        <p:spPr>
+          <a:xfrm>
+            <a:off x="1066800" y="642594"/>
+            <a:ext cx="10058400" cy="1371600"/>
+          </a:xfrm>
+        </p:spPr>
+        <p:txBody>
+          <a:bodyPr anchor="ctr">
+            <a:normAutofit/>
+          </a:bodyPr>
+          <a:lstStyle/>
+          <a:p>
+            <a:r>
+              <a:rPr lang="en-US" dirty="0"/>
+              <a:t>Parameters of Multilayer Perceptron</a:t>
+            </a:r>
+          </a:p>
+        </p:txBody>
+      </p:sp>
+      <p:pic>
+        <p:nvPicPr>
+          <p:cNvPr id="6" name="Content Placeholder 5" descr="A picture containing circuit&#10;&#10;Description automatically generated">
+            <a:extLst>
+              <a:ext uri="{FF2B5EF4-FFF2-40B4-BE49-F238E27FC236}">
+                <a16:creationId xmlns:a16="http://schemas.microsoft.com/office/drawing/2014/main" id="{6286054F-E3AB-46BA-9F79-1BF66BCE39CC}"/>
+              </a:ext>
+            </a:extLst>
+          </p:cNvPr>
+          <p:cNvPicPr>
+            <a:picLocks noGrp="1" noChangeAspect="1"/>
+          </p:cNvPicPr>
+          <p:nvPr>
+            <p:ph sz="half" idx="1"/>
+          </p:nvPr>
+        </p:nvPicPr>
+        <p:blipFill rotWithShape="1">
+          <a:blip r:embed="rId2">
+            <a:extLst>
+              <a:ext uri="{837473B0-CC2E-450A-ABE3-18F120FF3D39}">
+                <a1611:picAttrSrcUrl xmlns:a1611="http://schemas.microsoft.com/office/drawing/2016/11/main" r:id="rId3"/>
+              </a:ext>
+            </a:extLst>
+          </a:blip>
+          <a:srcRect l="11267" r="12543" b="-1"/>
+          <a:stretch/>
+        </p:blipFill>
+        <p:spPr>
+          <a:xfrm>
+            <a:off x="1066800" y="2103120"/>
+            <a:ext cx="4663440" cy="3749040"/>
+          </a:xfrm>
+          <a:noFill/>
+        </p:spPr>
+      </p:pic>
+      <mc:AlternateContent xmlns:mc="http://schemas.openxmlformats.org/markup-compatibility/2006" xmlns:a14="http://schemas.microsoft.com/office/drawing/2010/main">
+        <mc:Choice Requires="a14">
+          <p:sp>
+            <p:nvSpPr>
+              <p:cNvPr id="3" name="Content Placeholder 2">
+                <a:extLst>
+                  <a:ext uri="{FF2B5EF4-FFF2-40B4-BE49-F238E27FC236}">
+                    <a16:creationId xmlns:a16="http://schemas.microsoft.com/office/drawing/2014/main" id="{E90C50AC-0DDD-49DB-9E3E-8DD49BFADCAA}"/>
+                  </a:ext>
+                </a:extLst>
+              </p:cNvPr>
+              <p:cNvSpPr>
+                <a:spLocks noGrp="1"/>
+              </p:cNvSpPr>
+              <p:nvPr>
+                <p:ph sz="half" idx="2"/>
+              </p:nvPr>
+            </p:nvSpPr>
+            <p:spPr>
+              <a:xfrm>
+                <a:off x="6461760" y="2103120"/>
+                <a:ext cx="4663440" cy="3749040"/>
+              </a:xfrm>
+            </p:spPr>
+            <p:txBody>
+              <a:bodyPr>
+                <a:normAutofit/>
+              </a:bodyPr>
+              <a:lstStyle/>
+              <a:p>
+                <a:pPr>
+                  <a:lnSpc>
+                    <a:spcPct val="100000"/>
+                  </a:lnSpc>
+                </a:pPr>
+                <a:r>
+                  <a:rPr lang="en-US" sz="1500"/>
+                  <a:t>Layer Sizes – Changed with each iteration</a:t>
+                </a:r>
+              </a:p>
+              <a:p>
+                <a:pPr>
+                  <a:lnSpc>
+                    <a:spcPct val="100000"/>
+                  </a:lnSpc>
+                </a:pPr>
+                <a:endParaRPr lang="en-US" sz="1500"/>
+              </a:p>
+              <a:p>
+                <a:pPr>
+                  <a:lnSpc>
+                    <a:spcPct val="100000"/>
+                  </a:lnSpc>
+                </a:pPr>
+                <a:r>
+                  <a:rPr lang="en-US" sz="1500"/>
+                  <a:t>Activation function, </a:t>
+                </a:r>
+                <a14:m>
+                  <m:oMath xmlns:m="http://schemas.openxmlformats.org/officeDocument/2006/math">
+                    <m:r>
+                      <a:rPr lang="en-US" sz="1500" b="0" i="1" smtClean="0">
+                        <a:latin typeface="Cambria Math" panose="02040503050406030204" pitchFamily="18" charset="0"/>
+                      </a:rPr>
+                      <m:t>𝑓</m:t>
+                    </m:r>
+                    <m:d>
+                      <m:dPr>
+                        <m:begChr m:val="["/>
+                        <m:endChr m:val="]"/>
+                        <m:ctrlPr>
+                          <a:rPr lang="en-US" sz="1500" b="0" i="1" smtClean="0">
+                            <a:latin typeface="Cambria Math" panose="02040503050406030204" pitchFamily="18" charset="0"/>
+                          </a:rPr>
+                        </m:ctrlPr>
+                      </m:dPr>
+                      <m:e>
+                        <m:r>
+                          <a:rPr lang="en-US" sz="1500" b="0" i="1" smtClean="0">
+                            <a:latin typeface="Cambria Math" panose="02040503050406030204" pitchFamily="18" charset="0"/>
+                          </a:rPr>
+                          <m:t>𝑧</m:t>
+                        </m:r>
+                      </m:e>
+                    </m:d>
+                    <m:r>
+                      <a:rPr lang="en-US" sz="1500" b="0" i="1" smtClean="0">
+                        <a:latin typeface="Cambria Math" panose="02040503050406030204" pitchFamily="18" charset="0"/>
+                      </a:rPr>
+                      <m:t>=</m:t>
+                    </m:r>
+                    <m:r>
+                      <a:rPr lang="en-US" sz="1500" b="0" i="1" smtClean="0">
+                        <a:latin typeface="Cambria Math" panose="02040503050406030204" pitchFamily="18" charset="0"/>
+                      </a:rPr>
+                      <m:t>𝑅𝑒𝐿𝑈</m:t>
+                    </m:r>
+                    <m:d>
+                      <m:dPr>
+                        <m:begChr m:val="["/>
+                        <m:endChr m:val="]"/>
+                        <m:ctrlPr>
+                          <a:rPr lang="en-US" sz="1500" b="0" i="1" smtClean="0">
+                            <a:latin typeface="Cambria Math" panose="02040503050406030204" pitchFamily="18" charset="0"/>
+                          </a:rPr>
+                        </m:ctrlPr>
+                      </m:dPr>
+                      <m:e>
+                        <m:r>
+                          <a:rPr lang="en-US" sz="1500" b="0" i="1" smtClean="0">
+                            <a:latin typeface="Cambria Math" panose="02040503050406030204" pitchFamily="18" charset="0"/>
+                          </a:rPr>
+                          <m:t>𝑍</m:t>
+                        </m:r>
+                      </m:e>
+                    </m:d>
+                  </m:oMath>
+                </a14:m>
+                <a:endParaRPr lang="en-US" sz="1500" b="0"/>
+              </a:p>
+              <a:p>
+                <a:pPr>
+                  <a:lnSpc>
+                    <a:spcPct val="100000"/>
+                  </a:lnSpc>
+                </a:pPr>
+                <a:endParaRPr lang="en-US" sz="1500"/>
+              </a:p>
+              <a:p>
+                <a:pPr>
+                  <a:lnSpc>
+                    <a:spcPct val="100000"/>
+                  </a:lnSpc>
+                </a:pPr>
+                <a:r>
+                  <a:rPr lang="en-US" sz="1500"/>
+                  <a:t>Solver – Stochastic Gradient Descent</a:t>
+                </a:r>
+              </a:p>
+              <a:p>
+                <a:pPr>
+                  <a:lnSpc>
+                    <a:spcPct val="100000"/>
+                  </a:lnSpc>
+                </a:pPr>
+                <a:endParaRPr lang="en-US" sz="1500"/>
+              </a:p>
+              <a:p>
+                <a:pPr>
+                  <a:lnSpc>
+                    <a:spcPct val="100000"/>
+                  </a:lnSpc>
+                </a:pPr>
+                <a:r>
+                  <a:rPr lang="en-US" sz="1500"/>
+                  <a:t>Mini Batch Size – 100 samples</a:t>
+                </a:r>
+              </a:p>
+              <a:p>
+                <a:pPr>
+                  <a:lnSpc>
+                    <a:spcPct val="100000"/>
+                  </a:lnSpc>
+                </a:pPr>
+                <a:endParaRPr lang="en-US" sz="1500"/>
+              </a:p>
+              <a:p>
+                <a:pPr>
+                  <a:lnSpc>
+                    <a:spcPct val="100000"/>
+                  </a:lnSpc>
+                </a:pPr>
+                <a:r>
+                  <a:rPr lang="en-US" sz="1500"/>
+                  <a:t>Maximum Iterations – 400 </a:t>
+                </a:r>
+              </a:p>
+              <a:p>
+                <a:pPr>
+                  <a:lnSpc>
+                    <a:spcPct val="100000"/>
+                  </a:lnSpc>
+                </a:pPr>
+                <a:endParaRPr lang="en-US" sz="1500"/>
+              </a:p>
+              <a:p>
+                <a:pPr>
+                  <a:lnSpc>
+                    <a:spcPct val="100000"/>
+                  </a:lnSpc>
+                </a:pPr>
+                <a:r>
+                  <a:rPr lang="en-US" sz="1500"/>
+                  <a:t>Tolerance = 0.0001</a:t>
+                </a:r>
+              </a:p>
+              <a:p>
+                <a:pPr marL="0" indent="0">
+                  <a:lnSpc>
+                    <a:spcPct val="100000"/>
+                  </a:lnSpc>
+                  <a:buNone/>
+                </a:pPr>
+                <a:endParaRPr lang="en-US" sz="1500"/>
+              </a:p>
+            </p:txBody>
+          </p:sp>
+        </mc:Choice>
+        <mc:Fallback xmlns="">
+          <p:sp>
+            <p:nvSpPr>
+              <p:cNvPr id="3" name="Content Placeholder 2">
+                <a:extLst>
+                  <a:ext uri="{FF2B5EF4-FFF2-40B4-BE49-F238E27FC236}">
+                    <a16:creationId xmlns:a16="http://schemas.microsoft.com/office/drawing/2014/main" id="{E90C50AC-0DDD-49DB-9E3E-8DD49BFADCAA}"/>
+                  </a:ext>
+                </a:extLst>
+              </p:cNvPr>
+              <p:cNvSpPr>
+                <a:spLocks noGrp="1" noRot="1" noChangeAspect="1" noMove="1" noResize="1" noEditPoints="1" noAdjustHandles="1" noChangeArrowheads="1" noChangeShapeType="1" noTextEdit="1"/>
+              </p:cNvSpPr>
+              <p:nvPr>
+                <p:ph sz="half" idx="2"/>
+              </p:nvPr>
+            </p:nvSpPr>
+            <p:spPr>
+              <a:xfrm>
+                <a:off x="6461760" y="2103120"/>
+                <a:ext cx="4663440" cy="3749040"/>
+              </a:xfrm>
+              <a:blipFill>
+                <a:blip r:embed="rId4"/>
+                <a:stretch>
+                  <a:fillRect l="-392" t="-163" b="-1789"/>
+                </a:stretch>
+              </a:blipFill>
+            </p:spPr>
+            <p:txBody>
+              <a:bodyPr/>
+              <a:lstStyle/>
+              <a:p>
+                <a:r>
+                  <a:rPr lang="en-US">
+                    <a:noFill/>
+                  </a:rPr>
+                  <a:t> </a:t>
+                </a:r>
+              </a:p>
+            </p:txBody>
+          </p:sp>
+        </mc:Fallback>
+      </mc:AlternateContent>
+      <p:sp>
+        <p:nvSpPr>
+          <p:cNvPr id="7" name="TextBox 6">
+            <a:extLst>
+              <a:ext uri="{FF2B5EF4-FFF2-40B4-BE49-F238E27FC236}">
+                <a16:creationId xmlns:a16="http://schemas.microsoft.com/office/drawing/2014/main" id="{D7F00ECA-28C7-4524-B0FB-900651D26593}"/>
+              </a:ext>
+            </a:extLst>
+          </p:cNvPr>
+          <p:cNvSpPr txBox="1"/>
+          <p:nvPr/>
+        </p:nvSpPr>
+        <p:spPr>
+          <a:xfrm>
+            <a:off x="1066800" y="5852160"/>
+            <a:ext cx="2539477" cy="200055"/>
+          </a:xfrm>
+          <a:prstGeom prst="rect">
+            <a:avLst/>
+          </a:prstGeom>
+          <a:solidFill>
+            <a:srgbClr val="000000"/>
+          </a:solidFill>
+        </p:spPr>
+        <p:txBody>
+          <a:bodyPr wrap="none" rtlCol="0">
+            <a:spAutoFit/>
+          </a:bodyPr>
+          <a:lstStyle/>
+          <a:p>
+            <a:pPr algn="r">
+              <a:spcAft>
+                <a:spcPts val="600"/>
+              </a:spcAft>
+            </a:pPr>
+            <a:r>
+              <a:rPr lang="en-US" sz="700">
+                <a:solidFill>
+                  <a:srgbClr val="FFFFFF"/>
+                </a:solidFill>
+                <a:hlinkClick r:id="rId3" tooltip="http://scherlund.blogspot.com/2017/04/neural-networks-made-easy-techcrunch.html">
+                  <a:extLst>
+                    <a:ext uri="{A12FA001-AC4F-418D-AE19-62706E023703}">
+                      <ahyp:hlinkClr xmlns:ahyp="http://schemas.microsoft.com/office/drawing/2018/hyperlinkcolor" val="tx"/>
+                    </a:ext>
+                  </a:extLst>
+                </a:hlinkClick>
+              </a:rPr>
+              <a:t>This Photo</a:t>
+            </a:r>
+            <a:r>
+              <a:rPr lang="en-US" sz="700">
+                <a:solidFill>
+                  <a:srgbClr val="FFFFFF"/>
+                </a:solidFill>
+              </a:rPr>
+              <a:t> by Unknown Author is licensed under </a:t>
+            </a:r>
+            <a:r>
+              <a:rPr lang="en-US" sz="700">
+                <a:solidFill>
+                  <a:srgbClr val="FFFFFF"/>
+                </a:solidFill>
+                <a:hlinkClick r:id="rId5" tooltip="https://creativecommons.org/licenses/by/3.0/">
+                  <a:extLst>
+                    <a:ext uri="{A12FA001-AC4F-418D-AE19-62706E023703}">
+                      <ahyp:hlinkClr xmlns:ahyp="http://schemas.microsoft.com/office/drawing/2018/hyperlinkcolor" val="tx"/>
+                    </a:ext>
+                  </a:extLst>
+                </a:hlinkClick>
+              </a:rPr>
+              <a:t>CC BY</a:t>
+            </a:r>
+            <a:endParaRPr lang="en-US" sz="700">
+              <a:solidFill>
+                <a:srgbClr val="FFFFFF"/>
+              </a:solidFill>
+            </a:endParaRPr>
+          </a:p>
+        </p:txBody>
+      </p:sp>
+    </p:spTree>
+    <p:extLst>
+      <p:ext uri="{BB962C8B-B14F-4D97-AF65-F5344CB8AC3E}">
+        <p14:creationId xmlns:p14="http://schemas.microsoft.com/office/powerpoint/2010/main" val="4294523806"/>
+      </p:ext>
+    </p:extLst>
+  </p:cSld>
+  <p:clrMapOvr>
+    <a:masterClrMapping/>
+  </p:clrMapOvr>
+</p:sld>
+</file>
+
+<file path=ppt/slides/slide12.xml><?xml version="1.0" encoding="utf-8"?>
+<p:sld xmlns:a="http://schemas.openxmlformats.org/drawingml/2006/main" xmlns:r="http://schemas.openxmlformats.org/officeDocument/2006/relationships" xmlns:p="http://schemas.openxmlformats.org/presentationml/2006/main">
+  <p:cSld>
+    <p:spTree>
+      <p:nvGrpSpPr>
+        <p:cNvPr id="1" name=""/>
+        <p:cNvGrpSpPr/>
+        <p:nvPr/>
+      </p:nvGrpSpPr>
+      <p:grpSpPr>
+        <a:xfrm>
+          <a:off x="0" y="0"/>
+          <a:ext cx="0" cy="0"/>
+          <a:chOff x="0" y="0"/>
+          <a:chExt cx="0" cy="0"/>
+        </a:xfrm>
+      </p:grpSpPr>
+      <p:sp>
+        <p:nvSpPr>
+          <p:cNvPr id="2" name="Title 1">
+            <a:extLst>
+              <a:ext uri="{FF2B5EF4-FFF2-40B4-BE49-F238E27FC236}">
+                <a16:creationId xmlns:a16="http://schemas.microsoft.com/office/drawing/2014/main" id="{80EE58C9-A0DF-4E46-8782-9BE59D2FE999}"/>
+              </a:ext>
+            </a:extLst>
+          </p:cNvPr>
+          <p:cNvSpPr>
+            <a:spLocks noGrp="1"/>
+          </p:cNvSpPr>
+          <p:nvPr>
+            <p:ph type="title"/>
+          </p:nvPr>
+        </p:nvSpPr>
+        <p:spPr/>
+        <p:txBody>
+          <a:bodyPr/>
+          <a:lstStyle/>
+          <a:p>
+            <a:r>
+              <a:rPr lang="en-US" dirty="0"/>
+              <a:t>Single Hidden Layer Models</a:t>
+            </a:r>
+          </a:p>
+        </p:txBody>
+      </p:sp>
+      <p:sp>
+        <p:nvSpPr>
+          <p:cNvPr id="3" name="Text Placeholder 2">
+            <a:extLst>
+              <a:ext uri="{FF2B5EF4-FFF2-40B4-BE49-F238E27FC236}">
+                <a16:creationId xmlns:a16="http://schemas.microsoft.com/office/drawing/2014/main" id="{8884E5DE-9E67-4021-83AE-46828E2F6579}"/>
+              </a:ext>
+            </a:extLst>
+          </p:cNvPr>
+          <p:cNvSpPr>
+            <a:spLocks noGrp="1"/>
+          </p:cNvSpPr>
+          <p:nvPr>
+            <p:ph type="body" idx="1"/>
+          </p:nvPr>
+        </p:nvSpPr>
+        <p:spPr/>
+        <p:txBody>
+          <a:bodyPr/>
+          <a:lstStyle/>
+          <a:p>
+            <a:r>
+              <a:rPr lang="en-US" dirty="0"/>
+              <a:t>20 , 40 , 60 , 80 , 100 , 120</a:t>
+            </a:r>
+          </a:p>
+          <a:p>
+            <a:endParaRPr lang="en-US" dirty="0"/>
+          </a:p>
+        </p:txBody>
+      </p:sp>
+    </p:spTree>
+    <p:extLst>
+      <p:ext uri="{BB962C8B-B14F-4D97-AF65-F5344CB8AC3E}">
+        <p14:creationId xmlns:p14="http://schemas.microsoft.com/office/powerpoint/2010/main" val="875667102"/>
+      </p:ext>
+    </p:extLst>
+  </p:cSld>
+  <p:clrMapOvr>
+    <a:masterClrMapping/>
+  </p:clrMapOvr>
+</p:sld>
+</file>
+
+<file path=ppt/slides/slide13.xml><?xml version="1.0" encoding="utf-8"?>
+<p:sld xmlns:a="http://schemas.openxmlformats.org/drawingml/2006/main" xmlns:r="http://schemas.openxmlformats.org/officeDocument/2006/relationships" xmlns:p="http://schemas.openxmlformats.org/presentationml/2006/main">
+  <p:cSld>
+    <p:spTree>
+      <p:nvGrpSpPr>
+        <p:cNvPr id="1" name=""/>
+        <p:cNvGrpSpPr/>
+        <p:nvPr/>
+      </p:nvGrpSpPr>
+      <p:grpSpPr>
+        <a:xfrm>
+          <a:off x="0" y="0"/>
+          <a:ext cx="0" cy="0"/>
+          <a:chOff x="0" y="0"/>
+          <a:chExt cx="0" cy="0"/>
+        </a:xfrm>
+      </p:grpSpPr>
+      <p:sp>
+        <p:nvSpPr>
           <p:cNvPr id="3" name="Title 2">
             <a:extLst>
               <a:ext uri="{FF2B5EF4-FFF2-40B4-BE49-F238E27FC236}">
@@ -11017,8 +15205,8 @@
           </a:p>
         </p:txBody>
       </p:sp>
-      <mc:AlternateContent xmlns:mc="http://schemas.openxmlformats.org/markup-compatibility/2006">
-        <mc:Choice xmlns:a14="http://schemas.microsoft.com/office/drawing/2010/main" Requires="a14">
+      <mc:AlternateContent xmlns:mc="http://schemas.openxmlformats.org/markup-compatibility/2006" xmlns:a14="http://schemas.microsoft.com/office/drawing/2010/main">
+        <mc:Choice Requires="a14">
           <p:sp>
             <p:nvSpPr>
               <p:cNvPr id="5" name="Content Placeholder 4">
@@ -11511,7 +15699,6 @@
                 </a:endParaRPr>
               </a:p>
               <a:p>
-                <a:pPr/>
                 <a14:m>
                   <m:oMath xmlns:m="http://schemas.openxmlformats.org/officeDocument/2006/math">
                     <m:sSup>
@@ -11694,11 +15881,9 @@
                 <a:endParaRPr lang="en-US" sz="2000" dirty="0"/>
               </a:p>
               <a:p>
-                <a:pPr/>
                 <a:endParaRPr lang="en-US" sz="2000" dirty="0"/>
               </a:p>
               <a:p>
-                <a:pPr/>
                 <a14:m>
                   <m:oMath xmlns:m="http://schemas.openxmlformats.org/officeDocument/2006/math">
                     <m:sSup>
@@ -11823,7 +16008,6 @@
                 <a:endParaRPr lang="en-US" sz="2000" dirty="0"/>
               </a:p>
               <a:p>
-                <a:pPr/>
                 <a14:m>
                   <m:oMath xmlns:m="http://schemas.openxmlformats.org/officeDocument/2006/math">
                     <m:sSup>
@@ -11872,7 +16056,7 @@
             </p:txBody>
           </p:sp>
         </mc:Choice>
-        <mc:Fallback>
+        <mc:Fallback xmlns="">
           <p:sp>
             <p:nvSpPr>
               <p:cNvPr id="5" name="Content Placeholder 4">
@@ -11912,8 +16096,8 @@
           </p:sp>
         </mc:Fallback>
       </mc:AlternateContent>
-      <mc:AlternateContent xmlns:mc="http://schemas.openxmlformats.org/markup-compatibility/2006">
-        <mc:Choice xmlns:a14="http://schemas.microsoft.com/office/drawing/2010/main" Requires="a14">
+      <mc:AlternateContent xmlns:mc="http://schemas.openxmlformats.org/markup-compatibility/2006" xmlns:a14="http://schemas.microsoft.com/office/drawing/2010/main">
+        <mc:Choice Requires="a14">
           <p:sp>
             <p:nvSpPr>
               <p:cNvPr id="6" name="Text Placeholder 5">
@@ -12085,7 +16269,7 @@
             </p:txBody>
           </p:sp>
         </mc:Choice>
-        <mc:Fallback>
+        <mc:Fallback xmlns="">
           <p:sp>
             <p:nvSpPr>
               <p:cNvPr id="6" name="Text Placeholder 5">
@@ -12129,6 +16313,898 @@
     <p:extLst>
       <p:ext uri="{BB962C8B-B14F-4D97-AF65-F5344CB8AC3E}">
         <p14:creationId xmlns:p14="http://schemas.microsoft.com/office/powerpoint/2010/main" val="3805529310"/>
+      </p:ext>
+    </p:extLst>
+  </p:cSld>
+  <p:clrMapOvr>
+    <a:masterClrMapping/>
+  </p:clrMapOvr>
+</p:sld>
+</file>
+
+<file path=ppt/slides/slide14.xml><?xml version="1.0" encoding="utf-8"?>
+<p:sld xmlns:a="http://schemas.openxmlformats.org/drawingml/2006/main" xmlns:r="http://schemas.openxmlformats.org/officeDocument/2006/relationships" xmlns:p="http://schemas.openxmlformats.org/presentationml/2006/main">
+  <p:cSld>
+    <p:spTree>
+      <p:nvGrpSpPr>
+        <p:cNvPr id="1" name=""/>
+        <p:cNvGrpSpPr/>
+        <p:nvPr/>
+      </p:nvGrpSpPr>
+      <p:grpSpPr>
+        <a:xfrm>
+          <a:off x="0" y="0"/>
+          <a:ext cx="0" cy="0"/>
+          <a:chOff x="0" y="0"/>
+          <a:chExt cx="0" cy="0"/>
+        </a:xfrm>
+      </p:grpSpPr>
+      <p:sp>
+        <p:nvSpPr>
+          <p:cNvPr id="2" name="Title 1">
+            <a:extLst>
+              <a:ext uri="{FF2B5EF4-FFF2-40B4-BE49-F238E27FC236}">
+                <a16:creationId xmlns:a16="http://schemas.microsoft.com/office/drawing/2014/main" id="{80EE58C9-A0DF-4E46-8782-9BE59D2FE999}"/>
+              </a:ext>
+            </a:extLst>
+          </p:cNvPr>
+          <p:cNvSpPr>
+            <a:spLocks noGrp="1"/>
+          </p:cNvSpPr>
+          <p:nvPr>
+            <p:ph type="title"/>
+          </p:nvPr>
+        </p:nvSpPr>
+        <p:spPr/>
+        <p:txBody>
+          <a:bodyPr/>
+          <a:lstStyle/>
+          <a:p>
+            <a:r>
+              <a:rPr lang="en-US" dirty="0"/>
+              <a:t>Double Hidden Layer Models</a:t>
+            </a:r>
+          </a:p>
+        </p:txBody>
+      </p:sp>
+      <p:sp>
+        <p:nvSpPr>
+          <p:cNvPr id="3" name="Text Placeholder 2">
+            <a:extLst>
+              <a:ext uri="{FF2B5EF4-FFF2-40B4-BE49-F238E27FC236}">
+                <a16:creationId xmlns:a16="http://schemas.microsoft.com/office/drawing/2014/main" id="{8884E5DE-9E67-4021-83AE-46828E2F6579}"/>
+              </a:ext>
+            </a:extLst>
+          </p:cNvPr>
+          <p:cNvSpPr>
+            <a:spLocks noGrp="1"/>
+          </p:cNvSpPr>
+          <p:nvPr>
+            <p:ph type="body" idx="1"/>
+          </p:nvPr>
+        </p:nvSpPr>
+        <p:spPr/>
+        <p:txBody>
+          <a:bodyPr/>
+          <a:lstStyle/>
+          <a:p>
+            <a:r>
+              <a:rPr lang="en-US" dirty="0"/>
+              <a:t>20 , 40 , 60 , 80 , 100 , 120</a:t>
+            </a:r>
+          </a:p>
+          <a:p>
+            <a:endParaRPr lang="en-US" dirty="0"/>
+          </a:p>
+        </p:txBody>
+      </p:sp>
+    </p:spTree>
+    <p:extLst>
+      <p:ext uri="{BB962C8B-B14F-4D97-AF65-F5344CB8AC3E}">
+        <p14:creationId xmlns:p14="http://schemas.microsoft.com/office/powerpoint/2010/main" val="2400837144"/>
+      </p:ext>
+    </p:extLst>
+  </p:cSld>
+  <p:clrMapOvr>
+    <a:masterClrMapping/>
+  </p:clrMapOvr>
+</p:sld>
+</file>
+
+<file path=ppt/slides/slide15.xml><?xml version="1.0" encoding="utf-8"?>
+<p:sld xmlns:a="http://schemas.openxmlformats.org/drawingml/2006/main" xmlns:r="http://schemas.openxmlformats.org/officeDocument/2006/relationships" xmlns:p="http://schemas.openxmlformats.org/presentationml/2006/main">
+  <p:cSld>
+    <p:spTree>
+      <p:nvGrpSpPr>
+        <p:cNvPr id="1" name=""/>
+        <p:cNvGrpSpPr/>
+        <p:nvPr/>
+      </p:nvGrpSpPr>
+      <p:grpSpPr>
+        <a:xfrm>
+          <a:off x="0" y="0"/>
+          <a:ext cx="0" cy="0"/>
+          <a:chOff x="0" y="0"/>
+          <a:chExt cx="0" cy="0"/>
+        </a:xfrm>
+      </p:grpSpPr>
+      <p:sp>
+        <p:nvSpPr>
+          <p:cNvPr id="3" name="Title 2">
+            <a:extLst>
+              <a:ext uri="{FF2B5EF4-FFF2-40B4-BE49-F238E27FC236}">
+                <a16:creationId xmlns:a16="http://schemas.microsoft.com/office/drawing/2014/main" id="{3DD90989-678B-4038-BD7B-D87304ABBE43}"/>
+              </a:ext>
+            </a:extLst>
+          </p:cNvPr>
+          <p:cNvSpPr>
+            <a:spLocks noGrp="1"/>
+          </p:cNvSpPr>
+          <p:nvPr>
+            <p:ph type="title"/>
+          </p:nvPr>
+        </p:nvSpPr>
+        <p:spPr/>
+        <p:txBody>
+          <a:bodyPr/>
+          <a:lstStyle/>
+          <a:p>
+            <a:r>
+              <a:rPr lang="en-US" dirty="0"/>
+              <a:t>Single Hidden Layer Models</a:t>
+            </a:r>
+          </a:p>
+        </p:txBody>
+      </p:sp>
+      <mc:AlternateContent xmlns:mc="http://schemas.openxmlformats.org/markup-compatibility/2006">
+        <mc:Choice xmlns:a14="http://schemas.microsoft.com/office/drawing/2010/main" Requires="a14">
+          <p:sp>
+            <p:nvSpPr>
+              <p:cNvPr id="5" name="Content Placeholder 4">
+                <a:extLst>
+                  <a:ext uri="{FF2B5EF4-FFF2-40B4-BE49-F238E27FC236}">
+                    <a16:creationId xmlns:a16="http://schemas.microsoft.com/office/drawing/2014/main" id="{6D5F24FD-4F7B-45A6-A55F-CEC712C67805}"/>
+                  </a:ext>
+                </a:extLst>
+              </p:cNvPr>
+              <p:cNvSpPr>
+                <a:spLocks noGrp="1"/>
+              </p:cNvSpPr>
+              <p:nvPr>
+                <p:ph idx="1"/>
+              </p:nvPr>
+            </p:nvSpPr>
+            <p:spPr/>
+            <p:txBody>
+              <a:bodyPr>
+                <a:normAutofit/>
+              </a:bodyPr>
+              <a:lstStyle/>
+              <a:p>
+                <a:r>
+                  <a:rPr lang="en-US" sz="2000" dirty="0"/>
+                  <a:t>Equation for models becomes more complicated, but still generalizes</a:t>
+                </a:r>
+              </a:p>
+              <a:p>
+                <a:pPr marL="0" indent="0" algn="ctr">
+                  <a:buNone/>
+                </a:pPr>
+                <a:endParaRPr lang="en-US" i="1" dirty="0">
+                  <a:latin typeface="Cambria Math" panose="02040503050406030204" pitchFamily="18" charset="0"/>
+                </a:endParaRPr>
+              </a:p>
+              <a:p>
+                <a14:m>
+                  <m:oMath xmlns:m="http://schemas.openxmlformats.org/officeDocument/2006/math">
+                    <m:sSup>
+                      <m:sSupPr>
+                        <m:ctrlPr>
+                          <a:rPr lang="en-US" sz="2000" b="0" i="1" dirty="0" smtClean="0">
+                            <a:latin typeface="Cambria Math" panose="02040503050406030204" pitchFamily="18" charset="0"/>
+                          </a:rPr>
+                        </m:ctrlPr>
+                      </m:sSupPr>
+                      <m:e>
+                        <m:acc>
+                          <m:accPr>
+                            <m:chr m:val="̂"/>
+                            <m:ctrlPr>
+                              <a:rPr lang="en-US" sz="2000" b="0" i="1" smtClean="0">
+                                <a:latin typeface="Cambria Math" panose="02040503050406030204" pitchFamily="18" charset="0"/>
+                              </a:rPr>
+                            </m:ctrlPr>
+                          </m:accPr>
+                          <m:e>
+                            <m:r>
+                              <a:rPr lang="en-US" sz="2000" b="0" i="1" smtClean="0">
+                                <a:latin typeface="Cambria Math" panose="02040503050406030204" pitchFamily="18" charset="0"/>
+                              </a:rPr>
+                              <m:t>𝑊</m:t>
+                            </m:r>
+                          </m:e>
+                        </m:acc>
+                      </m:e>
+                      <m:sup>
+                        <m:d>
+                          <m:dPr>
+                            <m:ctrlPr>
+                              <a:rPr lang="en-US" sz="2000" b="0" i="1" dirty="0" smtClean="0">
+                                <a:latin typeface="Cambria Math" panose="02040503050406030204" pitchFamily="18" charset="0"/>
+                              </a:rPr>
+                            </m:ctrlPr>
+                          </m:dPr>
+                          <m:e>
+                            <m:r>
+                              <a:rPr lang="en-US" sz="2000" b="0" i="1" dirty="0" smtClean="0">
+                                <a:latin typeface="Cambria Math" panose="02040503050406030204" pitchFamily="18" charset="0"/>
+                              </a:rPr>
+                              <m:t>𝑙</m:t>
+                            </m:r>
+                          </m:e>
+                        </m:d>
+                      </m:sup>
+                    </m:sSup>
+                  </m:oMath>
+                </a14:m>
+                <a:r>
+                  <a:rPr lang="en-US" sz="2000" dirty="0"/>
+                  <a:t> has shape </a:t>
+                </a:r>
+                <a14:m>
+                  <m:oMath xmlns:m="http://schemas.openxmlformats.org/officeDocument/2006/math">
+                    <m:d>
+                      <m:dPr>
+                        <m:ctrlPr>
+                          <a:rPr lang="en-US" sz="2000" b="0" i="1" smtClean="0">
+                            <a:latin typeface="Cambria Math" panose="02040503050406030204" pitchFamily="18" charset="0"/>
+                          </a:rPr>
+                        </m:ctrlPr>
+                      </m:dPr>
+                      <m:e>
+                        <m:sSup>
+                          <m:sSupPr>
+                            <m:ctrlPr>
+                              <a:rPr lang="en-US" sz="2000" b="0" i="1" smtClean="0">
+                                <a:latin typeface="Cambria Math" panose="02040503050406030204" pitchFamily="18" charset="0"/>
+                              </a:rPr>
+                            </m:ctrlPr>
+                          </m:sSupPr>
+                          <m:e>
+                            <m:acc>
+                              <m:accPr>
+                                <m:chr m:val="⃗"/>
+                                <m:ctrlPr>
+                                  <a:rPr lang="en-US" sz="2000" b="0" i="1" smtClean="0">
+                                    <a:latin typeface="Cambria Math" panose="02040503050406030204" pitchFamily="18" charset="0"/>
+                                  </a:rPr>
+                                </m:ctrlPr>
+                              </m:accPr>
+                              <m:e>
+                                <m:r>
+                                  <a:rPr lang="en-US" sz="2000" b="0" i="1" smtClean="0">
+                                    <a:latin typeface="Cambria Math" panose="02040503050406030204" pitchFamily="18" charset="0"/>
+                                  </a:rPr>
+                                  <m:t>𝑥</m:t>
+                                </m:r>
+                              </m:e>
+                            </m:acc>
+                          </m:e>
+                          <m:sup>
+                            <m:d>
+                              <m:dPr>
+                                <m:ctrlPr>
+                                  <a:rPr lang="en-US" sz="2000" b="0" i="1" smtClean="0">
+                                    <a:latin typeface="Cambria Math" panose="02040503050406030204" pitchFamily="18" charset="0"/>
+                                  </a:rPr>
+                                </m:ctrlPr>
+                              </m:dPr>
+                              <m:e>
+                                <m:r>
+                                  <a:rPr lang="en-US" sz="2000" b="0" i="1" smtClean="0">
+                                    <a:latin typeface="Cambria Math" panose="02040503050406030204" pitchFamily="18" charset="0"/>
+                                  </a:rPr>
+                                  <m:t>𝑙</m:t>
+                                </m:r>
+                                <m:r>
+                                  <a:rPr lang="en-US" sz="2000" b="0" i="1" smtClean="0">
+                                    <a:latin typeface="Cambria Math" panose="02040503050406030204" pitchFamily="18" charset="0"/>
+                                  </a:rPr>
+                                  <m:t>+1</m:t>
+                                </m:r>
+                              </m:e>
+                            </m:d>
+                          </m:sup>
+                        </m:sSup>
+                        <m:r>
+                          <a:rPr lang="en-US" sz="2000" b="0" i="1" smtClean="0">
+                            <a:latin typeface="Cambria Math" panose="02040503050406030204" pitchFamily="18" charset="0"/>
+                          </a:rPr>
+                          <m:t>×</m:t>
+                        </m:r>
+                        <m:sSup>
+                          <m:sSupPr>
+                            <m:ctrlPr>
+                              <a:rPr lang="en-US" sz="2000" b="0" i="1" smtClean="0">
+                                <a:latin typeface="Cambria Math" panose="02040503050406030204" pitchFamily="18" charset="0"/>
+                              </a:rPr>
+                            </m:ctrlPr>
+                          </m:sSupPr>
+                          <m:e>
+                            <m:acc>
+                              <m:accPr>
+                                <m:chr m:val="⃗"/>
+                                <m:ctrlPr>
+                                  <a:rPr lang="en-US" sz="2000" b="0" i="1" smtClean="0">
+                                    <a:latin typeface="Cambria Math" panose="02040503050406030204" pitchFamily="18" charset="0"/>
+                                  </a:rPr>
+                                </m:ctrlPr>
+                              </m:accPr>
+                              <m:e>
+                                <m:r>
+                                  <a:rPr lang="en-US" sz="2000" b="0" i="1" smtClean="0">
+                                    <a:latin typeface="Cambria Math" panose="02040503050406030204" pitchFamily="18" charset="0"/>
+                                  </a:rPr>
+                                  <m:t>𝑥</m:t>
+                                </m:r>
+                              </m:e>
+                            </m:acc>
+                          </m:e>
+                          <m:sup>
+                            <m:d>
+                              <m:dPr>
+                                <m:ctrlPr>
+                                  <a:rPr lang="en-US" sz="2000" b="0" i="1" smtClean="0">
+                                    <a:latin typeface="Cambria Math" panose="02040503050406030204" pitchFamily="18" charset="0"/>
+                                  </a:rPr>
+                                </m:ctrlPr>
+                              </m:dPr>
+                              <m:e>
+                                <m:r>
+                                  <a:rPr lang="en-US" sz="2000" b="0" i="1" smtClean="0">
+                                    <a:latin typeface="Cambria Math" panose="02040503050406030204" pitchFamily="18" charset="0"/>
+                                  </a:rPr>
+                                  <m:t>𝑙</m:t>
+                                </m:r>
+                              </m:e>
+                            </m:d>
+                          </m:sup>
+                        </m:sSup>
+                      </m:e>
+                    </m:d>
+                  </m:oMath>
+                </a14:m>
+                <a:endParaRPr lang="en-US" sz="2000" dirty="0"/>
+              </a:p>
+              <a:p>
+                <a:endParaRPr lang="en-US" sz="2000" dirty="0"/>
+              </a:p>
+              <a:p>
+                <a14:m>
+                  <m:oMath xmlns:m="http://schemas.openxmlformats.org/officeDocument/2006/math">
+                    <m:sSup>
+                      <m:sSupPr>
+                        <m:ctrlPr>
+                          <a:rPr lang="en-US" sz="2000" b="0" i="1" dirty="0" smtClean="0">
+                            <a:latin typeface="Cambria Math" panose="02040503050406030204" pitchFamily="18" charset="0"/>
+                          </a:rPr>
+                        </m:ctrlPr>
+                      </m:sSupPr>
+                      <m:e>
+                        <m:acc>
+                          <m:accPr>
+                            <m:chr m:val="⃗"/>
+                            <m:ctrlPr>
+                              <a:rPr lang="en-US" sz="2000" b="0" i="1" smtClean="0">
+                                <a:latin typeface="Cambria Math" panose="02040503050406030204" pitchFamily="18" charset="0"/>
+                              </a:rPr>
+                            </m:ctrlPr>
+                          </m:accPr>
+                          <m:e>
+                            <m:r>
+                              <a:rPr lang="en-US" sz="2000" b="0" i="1" smtClean="0">
+                                <a:latin typeface="Cambria Math" panose="02040503050406030204" pitchFamily="18" charset="0"/>
+                              </a:rPr>
+                              <m:t>𝛽</m:t>
+                            </m:r>
+                          </m:e>
+                        </m:acc>
+                      </m:e>
+                      <m:sup>
+                        <m:r>
+                          <a:rPr lang="en-US" sz="2000" b="0" i="1" dirty="0" smtClean="0">
+                            <a:latin typeface="Cambria Math" panose="02040503050406030204" pitchFamily="18" charset="0"/>
+                          </a:rPr>
+                          <m:t>(</m:t>
+                        </m:r>
+                        <m:r>
+                          <a:rPr lang="en-US" sz="2000" b="0" i="1" dirty="0" smtClean="0">
+                            <a:latin typeface="Cambria Math" panose="02040503050406030204" pitchFamily="18" charset="0"/>
+                          </a:rPr>
+                          <m:t>𝑙</m:t>
+                        </m:r>
+                        <m:r>
+                          <a:rPr lang="en-US" sz="2000" b="0" i="1" dirty="0" smtClean="0">
+                            <a:latin typeface="Cambria Math" panose="02040503050406030204" pitchFamily="18" charset="0"/>
+                          </a:rPr>
+                          <m:t>)</m:t>
+                        </m:r>
+                      </m:sup>
+                    </m:sSup>
+                  </m:oMath>
+                </a14:m>
+                <a:r>
+                  <a:rPr lang="en-US" sz="2000" dirty="0"/>
+                  <a:t> has same shape as </a:t>
+                </a:r>
+                <a14:m>
+                  <m:oMath xmlns:m="http://schemas.openxmlformats.org/officeDocument/2006/math">
+                    <m:sSup>
+                      <m:sSupPr>
+                        <m:ctrlPr>
+                          <a:rPr lang="en-US" sz="2000" i="1">
+                            <a:latin typeface="Cambria Math" panose="02040503050406030204" pitchFamily="18" charset="0"/>
+                          </a:rPr>
+                        </m:ctrlPr>
+                      </m:sSupPr>
+                      <m:e>
+                        <m:acc>
+                          <m:accPr>
+                            <m:chr m:val="⃗"/>
+                            <m:ctrlPr>
+                              <a:rPr lang="en-US" sz="2000" i="1">
+                                <a:latin typeface="Cambria Math" panose="02040503050406030204" pitchFamily="18" charset="0"/>
+                              </a:rPr>
+                            </m:ctrlPr>
+                          </m:accPr>
+                          <m:e>
+                            <m:r>
+                              <a:rPr lang="en-US" sz="2000" i="1">
+                                <a:latin typeface="Cambria Math" panose="02040503050406030204" pitchFamily="18" charset="0"/>
+                              </a:rPr>
+                              <m:t>𝑥</m:t>
+                            </m:r>
+                          </m:e>
+                        </m:acc>
+                      </m:e>
+                      <m:sup>
+                        <m:d>
+                          <m:dPr>
+                            <m:ctrlPr>
+                              <a:rPr lang="en-US" sz="2000" i="1">
+                                <a:latin typeface="Cambria Math" panose="02040503050406030204" pitchFamily="18" charset="0"/>
+                              </a:rPr>
+                            </m:ctrlPr>
+                          </m:dPr>
+                          <m:e>
+                            <m:r>
+                              <a:rPr lang="en-US" sz="2000" i="1">
+                                <a:latin typeface="Cambria Math" panose="02040503050406030204" pitchFamily="18" charset="0"/>
+                              </a:rPr>
+                              <m:t>𝑙</m:t>
+                            </m:r>
+                            <m:r>
+                              <a:rPr lang="en-US" sz="2000" i="1">
+                                <a:latin typeface="Cambria Math" panose="02040503050406030204" pitchFamily="18" charset="0"/>
+                              </a:rPr>
+                              <m:t>+1</m:t>
+                            </m:r>
+                          </m:e>
+                        </m:d>
+                      </m:sup>
+                    </m:sSup>
+                  </m:oMath>
+                </a14:m>
+                <a:endParaRPr lang="en-US" sz="2000" dirty="0"/>
+              </a:p>
+              <a:p>
+                <a:pPr marL="0" indent="0">
+                  <a:buNone/>
+                </a:pPr>
+                <a:endParaRPr lang="en-US" sz="2000" dirty="0"/>
+              </a:p>
+              <a:p>
+                <a14:m>
+                  <m:oMath xmlns:m="http://schemas.openxmlformats.org/officeDocument/2006/math">
+                    <m:sSup>
+                      <m:sSupPr>
+                        <m:ctrlPr>
+                          <a:rPr lang="en-US" sz="2000" b="0" i="1" smtClean="0">
+                            <a:latin typeface="Cambria Math" panose="02040503050406030204" pitchFamily="18" charset="0"/>
+                          </a:rPr>
+                        </m:ctrlPr>
+                      </m:sSupPr>
+                      <m:e>
+                        <m:r>
+                          <a:rPr lang="en-US" sz="2000" b="0" i="1" smtClean="0">
+                            <a:latin typeface="Cambria Math" panose="02040503050406030204" pitchFamily="18" charset="0"/>
+                          </a:rPr>
+                          <m:t>𝑔</m:t>
+                        </m:r>
+                      </m:e>
+                      <m:sup>
+                        <m:d>
+                          <m:dPr>
+                            <m:ctrlPr>
+                              <a:rPr lang="en-US" sz="2000" b="0" i="1" smtClean="0">
+                                <a:latin typeface="Cambria Math" panose="02040503050406030204" pitchFamily="18" charset="0"/>
+                              </a:rPr>
+                            </m:ctrlPr>
+                          </m:dPr>
+                          <m:e>
+                            <m:r>
+                              <a:rPr lang="en-US" sz="2000" b="0" i="1" smtClean="0">
+                                <a:latin typeface="Cambria Math" panose="02040503050406030204" pitchFamily="18" charset="0"/>
+                              </a:rPr>
+                              <m:t>𝑙</m:t>
+                            </m:r>
+                          </m:e>
+                        </m:d>
+                      </m:sup>
+                    </m:sSup>
+                  </m:oMath>
+                </a14:m>
+                <a:r>
+                  <a:rPr lang="en-US" sz="2000" dirty="0"/>
+                  <a:t> may take on different form with each layer</a:t>
+                </a:r>
+              </a:p>
+            </p:txBody>
+          </p:sp>
+        </mc:Choice>
+        <mc:Fallback>
+          <p:sp>
+            <p:nvSpPr>
+              <p:cNvPr id="5" name="Content Placeholder 4">
+                <a:extLst>
+                  <a:ext uri="{FF2B5EF4-FFF2-40B4-BE49-F238E27FC236}">
+                    <a16:creationId xmlns:a16="http://schemas.microsoft.com/office/drawing/2014/main" id="{6D5F24FD-4F7B-45A6-A55F-CEC712C67805}"/>
+                  </a:ext>
+                </a:extLst>
+              </p:cNvPr>
+              <p:cNvSpPr>
+                <a:spLocks noGrp="1" noRot="1" noChangeAspect="1" noMove="1" noResize="1" noEditPoints="1" noAdjustHandles="1" noChangeArrowheads="1" noChangeShapeType="1" noTextEdit="1"/>
+              </p:cNvSpPr>
+              <p:nvPr>
+                <p:ph idx="1"/>
+              </p:nvPr>
+            </p:nvSpPr>
+            <p:spPr>
+              <a:blipFill>
+                <a:blip r:embed="rId2"/>
+                <a:stretch>
+                  <a:fillRect l="-800" t="-571"/>
+                </a:stretch>
+              </a:blipFill>
+            </p:spPr>
+            <p:txBody>
+              <a:bodyPr/>
+              <a:lstStyle/>
+              <a:p>
+                <a:r>
+                  <a:rPr lang="en-US">
+                    <a:noFill/>
+                  </a:rPr>
+                  <a:t> </a:t>
+                </a:r>
+              </a:p>
+            </p:txBody>
+          </p:sp>
+        </mc:Fallback>
+      </mc:AlternateContent>
+      <mc:AlternateContent xmlns:mc="http://schemas.openxmlformats.org/markup-compatibility/2006" xmlns:a14="http://schemas.microsoft.com/office/drawing/2010/main">
+        <mc:Choice Requires="a14">
+          <p:sp>
+            <p:nvSpPr>
+              <p:cNvPr id="6" name="Text Placeholder 5">
+                <a:extLst>
+                  <a:ext uri="{FF2B5EF4-FFF2-40B4-BE49-F238E27FC236}">
+                    <a16:creationId xmlns:a16="http://schemas.microsoft.com/office/drawing/2014/main" id="{EF8936E3-4027-4AB5-95F9-B390C4942EAA}"/>
+                  </a:ext>
+                </a:extLst>
+              </p:cNvPr>
+              <p:cNvSpPr>
+                <a:spLocks noGrp="1"/>
+              </p:cNvSpPr>
+              <p:nvPr>
+                <p:ph type="body" sz="half" idx="2"/>
+              </p:nvPr>
+            </p:nvSpPr>
+            <p:spPr/>
+            <p:txBody>
+              <a:bodyPr/>
+              <a:lstStyle/>
+              <a:p>
+                <a:endParaRPr lang="en-US" dirty="0"/>
+              </a:p>
+              <a:p>
+                <a:endParaRPr lang="en-US" dirty="0"/>
+              </a:p>
+              <a:p>
+                <a:endParaRPr lang="en-US" dirty="0"/>
+              </a:p>
+              <a:p>
+                <a:endParaRPr lang="en-US" dirty="0"/>
+              </a:p>
+              <a:p>
+                <a:endParaRPr lang="en-US" dirty="0"/>
+              </a:p>
+              <a:p>
+                <a:pPr marL="285750" indent="-285750">
+                  <a:buFont typeface="Arial" panose="020B0604020202020204" pitchFamily="34" charset="0"/>
+                  <a:buChar char="•"/>
+                </a:pPr>
+                <a:r>
+                  <a:rPr lang="en-US" dirty="0"/>
+                  <a:t>Input: </a:t>
+                </a:r>
+                <a14:m>
+                  <m:oMath xmlns:m="http://schemas.openxmlformats.org/officeDocument/2006/math">
+                    <m:sSup>
+                      <m:sSupPr>
+                        <m:ctrlPr>
+                          <a:rPr lang="en-US" i="1">
+                            <a:latin typeface="Cambria Math" panose="02040503050406030204" pitchFamily="18" charset="0"/>
+                          </a:rPr>
+                        </m:ctrlPr>
+                      </m:sSupPr>
+                      <m:e>
+                        <m:acc>
+                          <m:accPr>
+                            <m:chr m:val="⃗"/>
+                            <m:ctrlPr>
+                              <a:rPr lang="en-US" i="1">
+                                <a:latin typeface="Cambria Math" panose="02040503050406030204" pitchFamily="18" charset="0"/>
+                              </a:rPr>
+                            </m:ctrlPr>
+                          </m:accPr>
+                          <m:e>
+                            <m:r>
+                              <a:rPr lang="en-US" i="1">
+                                <a:latin typeface="Cambria Math" panose="02040503050406030204" pitchFamily="18" charset="0"/>
+                              </a:rPr>
+                              <m:t>𝑥</m:t>
+                            </m:r>
+                          </m:e>
+                        </m:acc>
+                      </m:e>
+                      <m:sup>
+                        <m:d>
+                          <m:dPr>
+                            <m:ctrlPr>
+                              <a:rPr lang="en-US" i="1">
+                                <a:latin typeface="Cambria Math" panose="02040503050406030204" pitchFamily="18" charset="0"/>
+                              </a:rPr>
+                            </m:ctrlPr>
+                          </m:dPr>
+                          <m:e>
+                            <m:r>
+                              <a:rPr lang="en-US" i="1">
+                                <a:latin typeface="Cambria Math" panose="02040503050406030204" pitchFamily="18" charset="0"/>
+                              </a:rPr>
+                              <m:t>0</m:t>
+                            </m:r>
+                          </m:e>
+                        </m:d>
+                      </m:sup>
+                    </m:sSup>
+                  </m:oMath>
+                </a14:m>
+                <a:endParaRPr lang="en-US" dirty="0"/>
+              </a:p>
+              <a:p>
+                <a:pPr marL="285750" indent="-285750">
+                  <a:buFont typeface="Arial" panose="020B0604020202020204" pitchFamily="34" charset="0"/>
+                  <a:buChar char="•"/>
+                </a:pPr>
+                <a:endParaRPr lang="en-US" dirty="0"/>
+              </a:p>
+              <a:p>
+                <a:pPr marL="285750" indent="-285750">
+                  <a:buFont typeface="Arial" panose="020B0604020202020204" pitchFamily="34" charset="0"/>
+                  <a:buChar char="•"/>
+                </a:pPr>
+                <a:r>
+                  <a:rPr lang="en-US" dirty="0"/>
+                  <a:t>Output : </a:t>
+                </a:r>
+                <a14:m>
+                  <m:oMath xmlns:m="http://schemas.openxmlformats.org/officeDocument/2006/math">
+                    <m:sSup>
+                      <m:sSupPr>
+                        <m:ctrlPr>
+                          <a:rPr lang="en-US" i="1">
+                            <a:latin typeface="Cambria Math" panose="02040503050406030204" pitchFamily="18" charset="0"/>
+                          </a:rPr>
+                        </m:ctrlPr>
+                      </m:sSupPr>
+                      <m:e>
+                        <m:acc>
+                          <m:accPr>
+                            <m:chr m:val="⃗"/>
+                            <m:ctrlPr>
+                              <a:rPr lang="en-US" i="1">
+                                <a:latin typeface="Cambria Math" panose="02040503050406030204" pitchFamily="18" charset="0"/>
+                              </a:rPr>
+                            </m:ctrlPr>
+                          </m:accPr>
+                          <m:e>
+                            <m:r>
+                              <a:rPr lang="en-US" i="1">
+                                <a:latin typeface="Cambria Math" panose="02040503050406030204" pitchFamily="18" charset="0"/>
+                              </a:rPr>
+                              <m:t>𝑥</m:t>
+                            </m:r>
+                          </m:e>
+                        </m:acc>
+                      </m:e>
+                      <m:sup>
+                        <m:d>
+                          <m:dPr>
+                            <m:ctrlPr>
+                              <a:rPr lang="en-US" i="1">
+                                <a:latin typeface="Cambria Math" panose="02040503050406030204" pitchFamily="18" charset="0"/>
+                              </a:rPr>
+                            </m:ctrlPr>
+                          </m:dPr>
+                          <m:e>
+                            <m:r>
+                              <a:rPr lang="en-US" b="0" i="1" smtClean="0">
+                                <a:latin typeface="Cambria Math" panose="02040503050406030204" pitchFamily="18" charset="0"/>
+                              </a:rPr>
+                              <m:t>2</m:t>
+                            </m:r>
+                          </m:e>
+                        </m:d>
+                      </m:sup>
+                    </m:sSup>
+                  </m:oMath>
+                </a14:m>
+                <a:endParaRPr lang="en-US" dirty="0"/>
+              </a:p>
+            </p:txBody>
+          </p:sp>
+        </mc:Choice>
+        <mc:Fallback xmlns="">
+          <p:sp>
+            <p:nvSpPr>
+              <p:cNvPr id="6" name="Text Placeholder 5">
+                <a:extLst>
+                  <a:ext uri="{FF2B5EF4-FFF2-40B4-BE49-F238E27FC236}">
+                    <a16:creationId xmlns:a16="http://schemas.microsoft.com/office/drawing/2014/main" id="{EF8936E3-4027-4AB5-95F9-B390C4942EAA}"/>
+                  </a:ext>
+                </a:extLst>
+              </p:cNvPr>
+              <p:cNvSpPr>
+                <a:spLocks noGrp="1" noRot="1" noChangeAspect="1" noMove="1" noResize="1" noEditPoints="1" noAdjustHandles="1" noChangeArrowheads="1" noChangeShapeType="1" noTextEdit="1"/>
+              </p:cNvSpPr>
+              <p:nvPr>
+                <p:ph type="body" sz="half" idx="2"/>
+              </p:nvPr>
+            </p:nvSpPr>
+            <p:spPr>
+              <a:blipFill>
+                <a:blip r:embed="rId3"/>
+                <a:stretch>
+                  <a:fillRect l="-1351"/>
+                </a:stretch>
+              </a:blipFill>
+            </p:spPr>
+            <p:txBody>
+              <a:bodyPr/>
+              <a:lstStyle/>
+              <a:p>
+                <a:r>
+                  <a:rPr lang="en-US">
+                    <a:noFill/>
+                  </a:rPr>
+                  <a:t> </a:t>
+                </a:r>
+              </a:p>
+            </p:txBody>
+          </p:sp>
+        </mc:Fallback>
+      </mc:AlternateContent>
+    </p:spTree>
+    <p:extLst>
+      <p:ext uri="{BB962C8B-B14F-4D97-AF65-F5344CB8AC3E}">
+        <p14:creationId xmlns:p14="http://schemas.microsoft.com/office/powerpoint/2010/main" val="2714880333"/>
+      </p:ext>
+    </p:extLst>
+  </p:cSld>
+  <p:clrMapOvr>
+    <a:masterClrMapping/>
+  </p:clrMapOvr>
+</p:sld>
+</file>
+
+<file path=ppt/slides/slide16.xml><?xml version="1.0" encoding="utf-8"?>
+<p:sld xmlns:a="http://schemas.openxmlformats.org/drawingml/2006/main" xmlns:r="http://schemas.openxmlformats.org/officeDocument/2006/relationships" xmlns:p="http://schemas.openxmlformats.org/presentationml/2006/main">
+  <p:cSld>
+    <p:spTree>
+      <p:nvGrpSpPr>
+        <p:cNvPr id="1" name=""/>
+        <p:cNvGrpSpPr/>
+        <p:nvPr/>
+      </p:nvGrpSpPr>
+      <p:grpSpPr>
+        <a:xfrm>
+          <a:off x="0" y="0"/>
+          <a:ext cx="0" cy="0"/>
+          <a:chOff x="0" y="0"/>
+          <a:chExt cx="0" cy="0"/>
+        </a:xfrm>
+      </p:grpSpPr>
+      <p:sp>
+        <p:nvSpPr>
+          <p:cNvPr id="4" name="Title 3">
+            <a:extLst>
+              <a:ext uri="{FF2B5EF4-FFF2-40B4-BE49-F238E27FC236}">
+                <a16:creationId xmlns:a16="http://schemas.microsoft.com/office/drawing/2014/main" id="{8AFD5A7A-000F-46ED-A004-2EB927A6835C}"/>
+              </a:ext>
+            </a:extLst>
+          </p:cNvPr>
+          <p:cNvSpPr>
+            <a:spLocks noGrp="1"/>
+          </p:cNvSpPr>
+          <p:nvPr>
+            <p:ph type="title"/>
+          </p:nvPr>
+        </p:nvSpPr>
+        <p:spPr>
+          <a:xfrm>
+            <a:off x="1066800" y="642594"/>
+            <a:ext cx="10058400" cy="1371600"/>
+          </a:xfrm>
+        </p:spPr>
+        <p:txBody>
+          <a:bodyPr anchor="ctr">
+            <a:normAutofit/>
+          </a:bodyPr>
+          <a:lstStyle/>
+          <a:p>
+            <a:r>
+              <a:rPr lang="en-US" dirty="0"/>
+              <a:t>Technical Specifications</a:t>
+            </a:r>
+          </a:p>
+        </p:txBody>
+      </p:sp>
+      <p:graphicFrame>
+        <p:nvGraphicFramePr>
+          <p:cNvPr id="8" name="Content Placeholder 4">
+            <a:extLst>
+              <a:ext uri="{FF2B5EF4-FFF2-40B4-BE49-F238E27FC236}">
+                <a16:creationId xmlns:a16="http://schemas.microsoft.com/office/drawing/2014/main" id="{D428F138-3B80-4B84-AB0E-1152F2092E3B}"/>
+              </a:ext>
+            </a:extLst>
+          </p:cNvPr>
+          <p:cNvGraphicFramePr>
+            <a:graphicFrameLocks noGrp="1"/>
+          </p:cNvGraphicFramePr>
+          <p:nvPr>
+            <p:ph idx="1"/>
+            <p:extLst>
+              <p:ext uri="{D42A27DB-BD31-4B8C-83A1-F6EECF244321}">
+                <p14:modId xmlns:p14="http://schemas.microsoft.com/office/powerpoint/2010/main" val="1546785836"/>
+              </p:ext>
+            </p:extLst>
+          </p:nvPr>
+        </p:nvGraphicFramePr>
+        <p:xfrm>
+          <a:off x="1066800" y="2103120"/>
+          <a:ext cx="10058400" cy="3849624"/>
+        </p:xfrm>
+        <a:graphic>
+          <a:graphicData uri="http://schemas.openxmlformats.org/drawingml/2006/diagram">
+            <dgm:relIds xmlns:dgm="http://schemas.openxmlformats.org/drawingml/2006/diagram" xmlns:r="http://schemas.openxmlformats.org/officeDocument/2006/relationships" r:dm="rId2" r:lo="rId3" r:qs="rId4" r:cs="rId5"/>
+          </a:graphicData>
+        </a:graphic>
+      </p:graphicFrame>
+    </p:spTree>
+    <p:extLst>
+      <p:ext uri="{BB962C8B-B14F-4D97-AF65-F5344CB8AC3E}">
+        <p14:creationId xmlns:p14="http://schemas.microsoft.com/office/powerpoint/2010/main" val="2290269367"/>
       </p:ext>
     </p:extLst>
   </p:cSld>
@@ -12266,8 +17342,8 @@
           </a:p>
         </p:txBody>
       </p:sp>
-      <mc:AlternateContent xmlns:mc="http://schemas.openxmlformats.org/markup-compatibility/2006">
-        <mc:Choice xmlns:a14="http://schemas.microsoft.com/office/drawing/2010/main" Requires="a14">
+      <mc:AlternateContent xmlns:mc="http://schemas.openxmlformats.org/markup-compatibility/2006" xmlns:a14="http://schemas.microsoft.com/office/drawing/2010/main">
+        <mc:Choice Requires="a14">
           <p:sp>
             <p:nvSpPr>
               <p:cNvPr id="3" name="Content Placeholder 2">
@@ -12574,7 +17650,7 @@
             </p:txBody>
           </p:sp>
         </mc:Choice>
-        <mc:Fallback>
+        <mc:Fallback xmlns="">
           <p:sp>
             <p:nvSpPr>
               <p:cNvPr id="3" name="Content Placeholder 2">
@@ -12672,8 +17748,8 @@
           </a:p>
         </p:txBody>
       </p:sp>
-      <mc:AlternateContent xmlns:mc="http://schemas.openxmlformats.org/markup-compatibility/2006">
-        <mc:Choice xmlns:a14="http://schemas.microsoft.com/office/drawing/2010/main" Requires="a14">
+      <mc:AlternateContent xmlns:mc="http://schemas.openxmlformats.org/markup-compatibility/2006" xmlns:a14="http://schemas.microsoft.com/office/drawing/2010/main">
+        <mc:Choice Requires="a14">
           <p:sp>
             <p:nvSpPr>
               <p:cNvPr id="3" name="Content Placeholder 2">
@@ -12985,7 +18061,7 @@
             </p:txBody>
           </p:sp>
         </mc:Choice>
-        <mc:Fallback>
+        <mc:Fallback xmlns="">
           <p:sp>
             <p:nvSpPr>
               <p:cNvPr id="3" name="Content Placeholder 2">
@@ -13083,8 +18159,8 @@
           </a:p>
         </p:txBody>
       </p:sp>
-      <mc:AlternateContent xmlns:mc="http://schemas.openxmlformats.org/markup-compatibility/2006">
-        <mc:Choice xmlns:a14="http://schemas.microsoft.com/office/drawing/2010/main" Requires="a14">
+      <mc:AlternateContent xmlns:mc="http://schemas.openxmlformats.org/markup-compatibility/2006" xmlns:a14="http://schemas.microsoft.com/office/drawing/2010/main">
+        <mc:Choice Requires="a14">
           <p:sp>
             <p:nvSpPr>
               <p:cNvPr id="3" name="Content Placeholder 2">
@@ -13423,7 +18499,7 @@
             </p:txBody>
           </p:sp>
         </mc:Choice>
-        <mc:Fallback>
+        <mc:Fallback xmlns="">
           <p:sp>
             <p:nvSpPr>
               <p:cNvPr id="3" name="Content Placeholder 2">
@@ -13728,7 +18804,7 @@
           <p:cNvPr id="2" name="Title 1">
             <a:extLst>
               <a:ext uri="{FF2B5EF4-FFF2-40B4-BE49-F238E27FC236}">
-                <a16:creationId xmlns:a16="http://schemas.microsoft.com/office/drawing/2014/main" id="{615C2DCE-3521-4232-BDA5-A82A00FFA51B}"/>
+                <a16:creationId xmlns:a16="http://schemas.microsoft.com/office/drawing/2014/main" id="{1B666980-18C8-49FD-88D1-2DAD40522540}"/>
               </a:ext>
             </a:extLst>
           </p:cNvPr>
@@ -13739,397 +18815,52 @@
             <p:ph type="title"/>
           </p:nvPr>
         </p:nvSpPr>
-        <p:spPr>
-          <a:xfrm>
-            <a:off x="1066800" y="642594"/>
-            <a:ext cx="10058400" cy="1371600"/>
-          </a:xfrm>
-        </p:spPr>
+        <p:spPr/>
         <p:txBody>
-          <a:bodyPr anchor="ctr">
-            <a:normAutofit/>
-          </a:bodyPr>
+          <a:bodyPr/>
           <a:lstStyle/>
           <a:p>
             <a:r>
               <a:rPr lang="en-US" dirty="0"/>
-              <a:t>Parameters of Multilayer Perceptron</a:t>
+              <a:t>Program </a:t>
             </a:r>
+            <a:r>
+              <a:rPr lang="en-US" dirty="0" err="1"/>
+              <a:t>implimentation</a:t>
+            </a:r>
+            <a:endParaRPr lang="en-US" dirty="0"/>
           </a:p>
         </p:txBody>
       </p:sp>
-      <p:pic>
-        <p:nvPicPr>
-          <p:cNvPr id="6" name="Content Placeholder 5" descr="A picture containing circuit&#10;&#10;Description automatically generated">
+      <p:sp>
+        <p:nvSpPr>
+          <p:cNvPr id="3" name="Text Placeholder 2">
             <a:extLst>
               <a:ext uri="{FF2B5EF4-FFF2-40B4-BE49-F238E27FC236}">
-                <a16:creationId xmlns:a16="http://schemas.microsoft.com/office/drawing/2014/main" id="{6286054F-E3AB-46BA-9F79-1BF66BCE39CC}"/>
+                <a16:creationId xmlns:a16="http://schemas.microsoft.com/office/drawing/2014/main" id="{1DB56B08-E111-4F69-8073-0ED08C928875}"/>
               </a:ext>
             </a:extLst>
           </p:cNvPr>
-          <p:cNvPicPr>
-            <a:picLocks noGrp="1" noChangeAspect="1"/>
-          </p:cNvPicPr>
+          <p:cNvSpPr>
+            <a:spLocks noGrp="1"/>
+          </p:cNvSpPr>
           <p:nvPr>
-            <p:ph sz="half" idx="1"/>
+            <p:ph type="body" idx="1"/>
           </p:nvPr>
-        </p:nvPicPr>
-        <p:blipFill rotWithShape="1">
-          <a:blip r:embed="rId2">
-            <a:extLst>
-              <a:ext uri="{837473B0-CC2E-450A-ABE3-18F120FF3D39}">
-                <a1611:picAttrSrcUrl xmlns:a1611="http://schemas.microsoft.com/office/drawing/2016/11/main" r:id="rId3"/>
-              </a:ext>
-            </a:extLst>
-          </a:blip>
-          <a:srcRect l="11267" r="12543" b="-1"/>
-          <a:stretch/>
-        </p:blipFill>
-        <p:spPr>
-          <a:xfrm>
-            <a:off x="1066800" y="2103120"/>
-            <a:ext cx="4663440" cy="3749040"/>
-          </a:xfrm>
-          <a:noFill/>
-        </p:spPr>
-      </p:pic>
-      <mc:AlternateContent xmlns:mc="http://schemas.openxmlformats.org/markup-compatibility/2006">
-        <mc:Choice xmlns:a14="http://schemas.microsoft.com/office/drawing/2010/main" Requires="a14">
-          <p:sp>
-            <p:nvSpPr>
-              <p:cNvPr id="3" name="Content Placeholder 2">
-                <a:extLst>
-                  <a:ext uri="{FF2B5EF4-FFF2-40B4-BE49-F238E27FC236}">
-                    <a16:creationId xmlns:a16="http://schemas.microsoft.com/office/drawing/2014/main" id="{E90C50AC-0DDD-49DB-9E3E-8DD49BFADCAA}"/>
-                  </a:ext>
-                </a:extLst>
-              </p:cNvPr>
-              <p:cNvSpPr>
-                <a:spLocks noGrp="1"/>
-              </p:cNvSpPr>
-              <p:nvPr>
-                <p:ph sz="half" idx="2"/>
-              </p:nvPr>
-            </p:nvSpPr>
-            <p:spPr>
-              <a:xfrm>
-                <a:off x="6461760" y="2103120"/>
-                <a:ext cx="4663440" cy="3749040"/>
-              </a:xfrm>
-            </p:spPr>
-            <p:txBody>
-              <a:bodyPr>
-                <a:normAutofit/>
-              </a:bodyPr>
-              <a:lstStyle/>
-              <a:p>
-                <a:pPr>
-                  <a:lnSpc>
-                    <a:spcPct val="100000"/>
-                  </a:lnSpc>
-                </a:pPr>
-                <a:r>
-                  <a:rPr lang="en-US" sz="1500"/>
-                  <a:t>Layer Sizes – Changed with each iteration</a:t>
-                </a:r>
-              </a:p>
-              <a:p>
-                <a:pPr>
-                  <a:lnSpc>
-                    <a:spcPct val="100000"/>
-                  </a:lnSpc>
-                </a:pPr>
-                <a:endParaRPr lang="en-US" sz="1500"/>
-              </a:p>
-              <a:p>
-                <a:pPr>
-                  <a:lnSpc>
-                    <a:spcPct val="100000"/>
-                  </a:lnSpc>
-                </a:pPr>
-                <a:r>
-                  <a:rPr lang="en-US" sz="1500"/>
-                  <a:t>Activation function, </a:t>
-                </a:r>
-                <a14:m>
-                  <m:oMath xmlns:m="http://schemas.openxmlformats.org/officeDocument/2006/math">
-                    <m:r>
-                      <a:rPr lang="en-US" sz="1500" b="0" i="1" smtClean="0">
-                        <a:latin typeface="Cambria Math" panose="02040503050406030204" pitchFamily="18" charset="0"/>
-                      </a:rPr>
-                      <m:t>𝑓</m:t>
-                    </m:r>
-                    <m:d>
-                      <m:dPr>
-                        <m:begChr m:val="["/>
-                        <m:endChr m:val="]"/>
-                        <m:ctrlPr>
-                          <a:rPr lang="en-US" sz="1500" b="0" i="1" smtClean="0">
-                            <a:latin typeface="Cambria Math" panose="02040503050406030204" pitchFamily="18" charset="0"/>
-                          </a:rPr>
-                        </m:ctrlPr>
-                      </m:dPr>
-                      <m:e>
-                        <m:r>
-                          <a:rPr lang="en-US" sz="1500" b="0" i="1" smtClean="0">
-                            <a:latin typeface="Cambria Math" panose="02040503050406030204" pitchFamily="18" charset="0"/>
-                          </a:rPr>
-                          <m:t>𝑧</m:t>
-                        </m:r>
-                      </m:e>
-                    </m:d>
-                    <m:r>
-                      <a:rPr lang="en-US" sz="1500" b="0" i="1" smtClean="0">
-                        <a:latin typeface="Cambria Math" panose="02040503050406030204" pitchFamily="18" charset="0"/>
-                      </a:rPr>
-                      <m:t>=</m:t>
-                    </m:r>
-                    <m:r>
-                      <a:rPr lang="en-US" sz="1500" b="0" i="1" smtClean="0">
-                        <a:latin typeface="Cambria Math" panose="02040503050406030204" pitchFamily="18" charset="0"/>
-                      </a:rPr>
-                      <m:t>𝑅𝑒𝐿𝑈</m:t>
-                    </m:r>
-                    <m:d>
-                      <m:dPr>
-                        <m:begChr m:val="["/>
-                        <m:endChr m:val="]"/>
-                        <m:ctrlPr>
-                          <a:rPr lang="en-US" sz="1500" b="0" i="1" smtClean="0">
-                            <a:latin typeface="Cambria Math" panose="02040503050406030204" pitchFamily="18" charset="0"/>
-                          </a:rPr>
-                        </m:ctrlPr>
-                      </m:dPr>
-                      <m:e>
-                        <m:r>
-                          <a:rPr lang="en-US" sz="1500" b="0" i="1" smtClean="0">
-                            <a:latin typeface="Cambria Math" panose="02040503050406030204" pitchFamily="18" charset="0"/>
-                          </a:rPr>
-                          <m:t>𝑍</m:t>
-                        </m:r>
-                      </m:e>
-                    </m:d>
-                  </m:oMath>
-                </a14:m>
-                <a:endParaRPr lang="en-US" sz="1500" b="0"/>
-              </a:p>
-              <a:p>
-                <a:pPr>
-                  <a:lnSpc>
-                    <a:spcPct val="100000"/>
-                  </a:lnSpc>
-                </a:pPr>
-                <a:endParaRPr lang="en-US" sz="1500"/>
-              </a:p>
-              <a:p>
-                <a:pPr>
-                  <a:lnSpc>
-                    <a:spcPct val="100000"/>
-                  </a:lnSpc>
-                </a:pPr>
-                <a:r>
-                  <a:rPr lang="en-US" sz="1500"/>
-                  <a:t>Solver – Stochastic Gradient Descent</a:t>
-                </a:r>
-              </a:p>
-              <a:p>
-                <a:pPr>
-                  <a:lnSpc>
-                    <a:spcPct val="100000"/>
-                  </a:lnSpc>
-                </a:pPr>
-                <a:endParaRPr lang="en-US" sz="1500"/>
-              </a:p>
-              <a:p>
-                <a:pPr>
-                  <a:lnSpc>
-                    <a:spcPct val="100000"/>
-                  </a:lnSpc>
-                </a:pPr>
-                <a:r>
-                  <a:rPr lang="en-US" sz="1500"/>
-                  <a:t>Mini Batch Size – 100 samples</a:t>
-                </a:r>
-              </a:p>
-              <a:p>
-                <a:pPr>
-                  <a:lnSpc>
-                    <a:spcPct val="100000"/>
-                  </a:lnSpc>
-                </a:pPr>
-                <a:endParaRPr lang="en-US" sz="1500"/>
-              </a:p>
-              <a:p>
-                <a:pPr>
-                  <a:lnSpc>
-                    <a:spcPct val="100000"/>
-                  </a:lnSpc>
-                </a:pPr>
-                <a:r>
-                  <a:rPr lang="en-US" sz="1500"/>
-                  <a:t>Maximum Iterations – 400 </a:t>
-                </a:r>
-              </a:p>
-              <a:p>
-                <a:pPr>
-                  <a:lnSpc>
-                    <a:spcPct val="100000"/>
-                  </a:lnSpc>
-                </a:pPr>
-                <a:endParaRPr lang="en-US" sz="1500"/>
-              </a:p>
-              <a:p>
-                <a:pPr>
-                  <a:lnSpc>
-                    <a:spcPct val="100000"/>
-                  </a:lnSpc>
-                </a:pPr>
-                <a:r>
-                  <a:rPr lang="en-US" sz="1500"/>
-                  <a:t>Tolerance = 0.0001</a:t>
-                </a:r>
-              </a:p>
-              <a:p>
-                <a:pPr marL="0" indent="0">
-                  <a:lnSpc>
-                    <a:spcPct val="100000"/>
-                  </a:lnSpc>
-                  <a:buNone/>
-                </a:pPr>
-                <a:endParaRPr lang="en-US" sz="1500"/>
-              </a:p>
-            </p:txBody>
-          </p:sp>
-        </mc:Choice>
-        <mc:Fallback>
-          <p:sp>
-            <p:nvSpPr>
-              <p:cNvPr id="3" name="Content Placeholder 2">
-                <a:extLst>
-                  <a:ext uri="{FF2B5EF4-FFF2-40B4-BE49-F238E27FC236}">
-                    <a16:creationId xmlns:a16="http://schemas.microsoft.com/office/drawing/2014/main" id="{E90C50AC-0DDD-49DB-9E3E-8DD49BFADCAA}"/>
-                  </a:ext>
-                </a:extLst>
-              </p:cNvPr>
-              <p:cNvSpPr>
-                <a:spLocks noGrp="1" noRot="1" noChangeAspect="1" noMove="1" noResize="1" noEditPoints="1" noAdjustHandles="1" noChangeArrowheads="1" noChangeShapeType="1" noTextEdit="1"/>
-              </p:cNvSpPr>
-              <p:nvPr>
-                <p:ph sz="half" idx="2"/>
-              </p:nvPr>
-            </p:nvSpPr>
-            <p:spPr>
-              <a:xfrm>
-                <a:off x="6461760" y="2103120"/>
-                <a:ext cx="4663440" cy="3749040"/>
-              </a:xfrm>
-              <a:blipFill>
-                <a:blip r:embed="rId4"/>
-                <a:stretch>
-                  <a:fillRect l="-392" t="-163" b="-1789"/>
-                </a:stretch>
-              </a:blipFill>
-            </p:spPr>
-            <p:txBody>
-              <a:bodyPr/>
-              <a:lstStyle/>
-              <a:p>
-                <a:r>
-                  <a:rPr lang="en-US">
-                    <a:noFill/>
-                  </a:rPr>
-                  <a:t> </a:t>
-                </a:r>
-              </a:p>
-            </p:txBody>
-          </p:sp>
-        </mc:Fallback>
-      </mc:AlternateContent>
-      <p:sp>
-        <p:nvSpPr>
-          <p:cNvPr id="7" name="TextBox 6">
-            <a:extLst>
-              <a:ext uri="{FF2B5EF4-FFF2-40B4-BE49-F238E27FC236}">
-                <a16:creationId xmlns:a16="http://schemas.microsoft.com/office/drawing/2014/main" id="{D7F00ECA-28C7-4524-B0FB-900651D26593}"/>
-              </a:ext>
-            </a:extLst>
-          </p:cNvPr>
-          <p:cNvSpPr txBox="1"/>
-          <p:nvPr/>
         </p:nvSpPr>
-        <p:spPr>
-          <a:xfrm>
-            <a:off x="1066800" y="5852160"/>
-            <a:ext cx="2539477" cy="200055"/>
-          </a:xfrm>
-          <a:prstGeom prst="rect">
-            <a:avLst/>
-          </a:prstGeom>
-          <a:solidFill>
-            <a:srgbClr val="000000"/>
-          </a:solidFill>
-        </p:spPr>
+        <p:spPr/>
         <p:txBody>
-          <a:bodyPr wrap="none" rtlCol="0">
-            <a:spAutoFit/>
-          </a:bodyPr>
+          <a:bodyPr/>
           <a:lstStyle/>
           <a:p>
-            <a:pPr algn="r">
-              <a:spcAft>
-                <a:spcPts val="600"/>
-              </a:spcAft>
-            </a:pPr>
-            <a:r>
-              <a:rPr lang="en-US" sz="700">
-                <a:solidFill>
-                  <a:srgbClr val="FFFFFF"/>
-                </a:solidFill>
-                <a:hlinkClick r:id="rId3" tooltip="http://scherlund.blogspot.com/2017/04/neural-networks-made-easy-techcrunch.html">
-                  <a:extLst>
-                    <a:ext uri="{A12FA001-AC4F-418D-AE19-62706E023703}">
-                      <ahyp:hlinkClr xmlns:ahyp="http://schemas.microsoft.com/office/drawing/2018/hyperlinkcolor" val="tx"/>
-                    </a:ext>
-                  </a:extLst>
-                </a:hlinkClick>
-              </a:rPr>
-              <a:t>This Photo</a:t>
-            </a:r>
-            <a:r>
-              <a:rPr lang="en-US" sz="700">
-                <a:solidFill>
-                  <a:srgbClr val="FFFFFF"/>
-                </a:solidFill>
-              </a:rPr>
-              <a:t> by Unknown Author is licensed under </a:t>
-            </a:r>
-            <a:r>
-              <a:rPr lang="en-US" sz="700">
-                <a:solidFill>
-                  <a:srgbClr val="FFFFFF"/>
-                </a:solidFill>
-                <a:hlinkClick r:id="rId5" tooltip="https://creativecommons.org/licenses/by/3.0/">
-                  <a:extLst>
-                    <a:ext uri="{A12FA001-AC4F-418D-AE19-62706E023703}">
-                      <ahyp:hlinkClr xmlns:ahyp="http://schemas.microsoft.com/office/drawing/2018/hyperlinkcolor" val="tx"/>
-                    </a:ext>
-                  </a:extLst>
-                </a:hlinkClick>
-              </a:rPr>
-              <a:t>CC BY</a:t>
-            </a:r>
-            <a:endParaRPr lang="en-US" sz="700">
-              <a:solidFill>
-                <a:srgbClr val="FFFFFF"/>
-              </a:solidFill>
-            </a:endParaRPr>
+            <a:endParaRPr lang="en-US"/>
           </a:p>
         </p:txBody>
       </p:sp>
     </p:spTree>
     <p:extLst>
       <p:ext uri="{BB962C8B-B14F-4D97-AF65-F5344CB8AC3E}">
-        <p14:creationId xmlns:p14="http://schemas.microsoft.com/office/powerpoint/2010/main" val="4294523806"/>
+        <p14:creationId xmlns:p14="http://schemas.microsoft.com/office/powerpoint/2010/main" val="2851225801"/>
       </p:ext>
     </p:extLst>
   </p:cSld>
@@ -14161,7 +18892,7 @@
           <p:cNvPr id="2" name="Title 1">
             <a:extLst>
               <a:ext uri="{FF2B5EF4-FFF2-40B4-BE49-F238E27FC236}">
-                <a16:creationId xmlns:a16="http://schemas.microsoft.com/office/drawing/2014/main" id="{26F34E6C-5CF2-4DA5-AD79-BD8A2CBD426E}"/>
+                <a16:creationId xmlns:a16="http://schemas.microsoft.com/office/drawing/2014/main" id="{EFCAA1EC-CF03-4768-8CF9-4A88E2315B2A}"/>
               </a:ext>
             </a:extLst>
           </p:cNvPr>
@@ -14179,17 +18910,17 @@
           <a:p>
             <a:r>
               <a:rPr lang="en-US" dirty="0"/>
-              <a:t>Single Layer Hidden models</a:t>
+              <a:t>Include Attack Functions</a:t>
             </a:r>
           </a:p>
         </p:txBody>
       </p:sp>
       <p:sp>
         <p:nvSpPr>
-          <p:cNvPr id="3" name="Text Placeholder 2">
+          <p:cNvPr id="3" name="Content Placeholder 2">
             <a:extLst>
               <a:ext uri="{FF2B5EF4-FFF2-40B4-BE49-F238E27FC236}">
-                <a16:creationId xmlns:a16="http://schemas.microsoft.com/office/drawing/2014/main" id="{0C58B254-34CA-4A9D-A2AF-6697257F5686}"/>
+                <a16:creationId xmlns:a16="http://schemas.microsoft.com/office/drawing/2014/main" id="{4941E2D8-07A6-4B9C-9E78-CA04AFFA0A59}"/>
               </a:ext>
             </a:extLst>
           </p:cNvPr>
@@ -14197,7 +18928,7 @@
             <a:spLocks noGrp="1"/>
           </p:cNvSpPr>
           <p:nvPr>
-            <p:ph type="body" idx="1"/>
+            <p:ph sz="half" idx="1"/>
           </p:nvPr>
         </p:nvSpPr>
         <p:spPr/>
@@ -14205,17 +18936,83 @@
           <a:bodyPr/>
           <a:lstStyle/>
           <a:p>
+            <a:endParaRPr lang="en-US" dirty="0"/>
+          </a:p>
+          <a:p>
             <a:r>
               <a:rPr lang="en-US" dirty="0"/>
-              <a:t>20 , 40 , 60 , 80 , 100 , 120</a:t>
+              <a:t>Insert Wrappers into </a:t>
             </a:r>
+            <a:r>
+              <a:rPr lang="en-US" dirty="0" err="1"/>
+              <a:t>MLPClassifer</a:t>
+            </a:r>
+            <a:r>
+              <a:rPr lang="en-US" dirty="0"/>
+              <a:t> Source</a:t>
+            </a:r>
+          </a:p>
+          <a:p>
+            <a:pPr marL="0" indent="0">
+              <a:buNone/>
+            </a:pPr>
+            <a:endParaRPr lang="en-US" dirty="0"/>
+          </a:p>
+          <a:p>
+            <a:r>
+              <a:rPr lang="en-US" dirty="0"/>
+              <a:t>Create python program containing “attack functions”</a:t>
+            </a:r>
+          </a:p>
+          <a:p>
+            <a:endParaRPr lang="en-US" dirty="0"/>
+          </a:p>
+          <a:p>
+            <a:r>
+              <a:rPr lang="en-US" dirty="0"/>
+              <a:t>In “_multilayer_perceptron.py”</a:t>
+            </a:r>
+          </a:p>
+          <a:p>
+            <a:endParaRPr lang="en-US" dirty="0"/>
           </a:p>
         </p:txBody>
       </p:sp>
+      <p:pic>
+        <p:nvPicPr>
+          <p:cNvPr id="16" name="Content Placeholder 15">
+            <a:extLst>
+              <a:ext uri="{FF2B5EF4-FFF2-40B4-BE49-F238E27FC236}">
+                <a16:creationId xmlns:a16="http://schemas.microsoft.com/office/drawing/2014/main" id="{9A25372B-93C9-45BA-9944-AF40E9764ADB}"/>
+              </a:ext>
+            </a:extLst>
+          </p:cNvPr>
+          <p:cNvPicPr>
+            <a:picLocks noGrp="1" noChangeAspect="1"/>
+          </p:cNvPicPr>
+          <p:nvPr>
+            <p:ph sz="half" idx="2"/>
+          </p:nvPr>
+        </p:nvPicPr>
+        <p:blipFill rotWithShape="1">
+          <a:blip r:embed="rId2"/>
+          <a:srcRect r="57579" b="41656"/>
+          <a:stretch/>
+        </p:blipFill>
+        <p:spPr>
+          <a:xfrm>
+            <a:off x="6164217" y="2103120"/>
+            <a:ext cx="4960983" cy="3837966"/>
+          </a:xfrm>
+          <a:prstGeom prst="rect">
+            <a:avLst/>
+          </a:prstGeom>
+        </p:spPr>
+      </p:pic>
     </p:spTree>
     <p:extLst>
       <p:ext uri="{BB962C8B-B14F-4D97-AF65-F5344CB8AC3E}">
-        <p14:creationId xmlns:p14="http://schemas.microsoft.com/office/powerpoint/2010/main" val="2597949367"/>
+        <p14:creationId xmlns:p14="http://schemas.microsoft.com/office/powerpoint/2010/main" val="3003622732"/>
       </p:ext>
     </p:extLst>
   </p:cSld>
@@ -14502,24 +19299,6 @@
 </file>
 
 <file path=customXml/item1.xml><?xml version="1.0" encoding="utf-8"?>
-<p:properties xmlns:p="http://schemas.microsoft.com/office/2006/metadata/properties" xmlns:xsi="http://www.w3.org/2001/XMLSchema-instance" xmlns:pc="http://schemas.microsoft.com/office/infopath/2007/PartnerControls">
-  <documentManagement>
-    <Status xmlns="71af3243-3dd4-4a8d-8c0d-dd76da1f02a5">Not started</Status>
-    <MediaServiceKeyPoints xmlns="71af3243-3dd4-4a8d-8c0d-dd76da1f02a5" xsi:nil="true"/>
-  </documentManagement>
-</p:properties>
-</file>
-
-<file path=customXml/item2.xml><?xml version="1.0" encoding="utf-8"?>
-<?mso-contentType ?>
-<FormTemplates xmlns="http://schemas.microsoft.com/sharepoint/v3/contenttype/forms">
-  <Display>DocumentLibraryForm</Display>
-  <Edit>DocumentLibraryForm</Edit>
-  <New>DocumentLibraryForm</New>
-</FormTemplates>
-</file>
-
-<file path=customXml/item3.xml><?xml version="1.0" encoding="utf-8"?>
 <ct:contentTypeSchema xmlns:ct="http://schemas.microsoft.com/office/2006/metadata/contentType" xmlns:ma="http://schemas.microsoft.com/office/2006/metadata/properties/metaAttributes" ct:_="" ma:_="" ma:contentTypeName="Document" ma:contentTypeID="0x01010079F111ED35F8CC479449609E8A0923A6" ma:contentTypeVersion="12" ma:contentTypeDescription="Create a new document." ma:contentTypeScope="" ma:versionID="a410dd7f93c95333ffa1b60ed6adedd1">
   <xsd:schema xmlns:xsd="http://www.w3.org/2001/XMLSchema" xmlns:xs="http://www.w3.org/2001/XMLSchema" xmlns:p="http://schemas.microsoft.com/office/2006/metadata/properties" xmlns:ns2="71af3243-3dd4-4a8d-8c0d-dd76da1f02a5" xmlns:ns3="16c05727-aa75-4e4a-9b5f-8a80a1165891" targetNamespace="http://schemas.microsoft.com/office/2006/metadata/properties" ma:root="true" ma:fieldsID="a936d9baba76aa3866493feff160faab" ns2:_="" ns3:_="">
     <xsd:import namespace="71af3243-3dd4-4a8d-8c0d-dd76da1f02a5"/>
@@ -14740,25 +19519,25 @@
 </ct:contentTypeSchema>
 </file>
 
-<file path=customXml/itemProps1.xml><?xml version="1.0" encoding="utf-8"?>
-<ds:datastoreItem xmlns:ds="http://schemas.openxmlformats.org/officeDocument/2006/customXml" ds:itemID="{137651BA-F45C-4845-9AB3-E0A65B39F5E1}">
-  <ds:schemaRefs>
-    <ds:schemaRef ds:uri="http://schemas.microsoft.com/office/2006/metadata/properties"/>
-    <ds:schemaRef ds:uri="http://schemas.microsoft.com/office/infopath/2007/PartnerControls"/>
-    <ds:schemaRef ds:uri="71af3243-3dd4-4a8d-8c0d-dd76da1f02a5"/>
-  </ds:schemaRefs>
-</ds:datastoreItem>
+<file path=customXml/item2.xml><?xml version="1.0" encoding="utf-8"?>
+<?mso-contentType ?>
+<FormTemplates xmlns="http://schemas.microsoft.com/sharepoint/v3/contenttype/forms">
+  <Display>DocumentLibraryForm</Display>
+  <Edit>DocumentLibraryForm</Edit>
+  <New>DocumentLibraryForm</New>
+</FormTemplates>
 </file>
 
-<file path=customXml/itemProps2.xml><?xml version="1.0" encoding="utf-8"?>
-<ds:datastoreItem xmlns:ds="http://schemas.openxmlformats.org/officeDocument/2006/customXml" ds:itemID="{CDB58277-F8DF-46FF-84EC-EF41B835E69F}">
-  <ds:schemaRefs>
-    <ds:schemaRef ds:uri="http://schemas.microsoft.com/sharepoint/v3/contenttype/forms"/>
-  </ds:schemaRefs>
-</ds:datastoreItem>
+<file path=customXml/item3.xml><?xml version="1.0" encoding="utf-8"?>
+<p:properties xmlns:p="http://schemas.microsoft.com/office/2006/metadata/properties" xmlns:xsi="http://www.w3.org/2001/XMLSchema-instance" xmlns:pc="http://schemas.microsoft.com/office/infopath/2007/PartnerControls">
+  <documentManagement>
+    <Status xmlns="71af3243-3dd4-4a8d-8c0d-dd76da1f02a5">Not started</Status>
+    <MediaServiceKeyPoints xmlns="71af3243-3dd4-4a8d-8c0d-dd76da1f02a5" xsi:nil="true"/>
+  </documentManagement>
+</p:properties>
 </file>
 
-<file path=customXml/itemProps3.xml><?xml version="1.0" encoding="utf-8"?>
+<file path=customXml/itemProps1.xml><?xml version="1.0" encoding="utf-8"?>
 <ds:datastoreItem xmlns:ds="http://schemas.openxmlformats.org/officeDocument/2006/customXml" ds:itemID="{2D276E62-80A3-44DD-9BCC-97ED2B99B57F}">
   <ds:schemaRefs>
     <ds:schemaRef ds:uri="http://schemas.microsoft.com/office/2006/metadata/contentType"/>
@@ -14775,4 +19554,22 @@
     <ds:schemaRef ds:uri="http://schemas.microsoft.com/internal/obd"/>
   </ds:schemaRefs>
 </ds:datastoreItem>
+</file>
+
+<file path=customXml/itemProps2.xml><?xml version="1.0" encoding="utf-8"?>
+<ds:datastoreItem xmlns:ds="http://schemas.openxmlformats.org/officeDocument/2006/customXml" ds:itemID="{CDB58277-F8DF-46FF-84EC-EF41B835E69F}">
+  <ds:schemaRefs>
+    <ds:schemaRef ds:uri="http://schemas.microsoft.com/sharepoint/v3/contenttype/forms"/>
+  </ds:schemaRefs>
+</ds:datastoreItem>
+</file>
+
+<file path=customXml/itemProps3.xml><?xml version="1.0" encoding="utf-8"?>
+<ds:datastoreItem xmlns:ds="http://schemas.openxmlformats.org/officeDocument/2006/customXml" ds:itemID="{137651BA-F45C-4845-9AB3-E0A65B39F5E1}">
+  <ds:schemaRefs>
+    <ds:schemaRef ds:uri="http://schemas.microsoft.com/office/2006/metadata/properties"/>
+    <ds:schemaRef ds:uri="http://schemas.microsoft.com/office/infopath/2007/PartnerControls"/>
+    <ds:schemaRef ds:uri="71af3243-3dd4-4a8d-8c0d-dd76da1f02a5"/>
+  </ds:schemaRefs>
+</ds:datastoreItem>
 </file>
--- a/Presentations/09_04_2020/Modeling Attack Functions.pptx
+++ b/Presentations/09_04_2020/Modeling Attack Functions.pptx
@@ -13,14 +13,19 @@
     <p:sldId id="262" r:id="rId10"/>
     <p:sldId id="265" r:id="rId11"/>
     <p:sldId id="271" r:id="rId12"/>
-    <p:sldId id="272" r:id="rId13"/>
-    <p:sldId id="273" r:id="rId14"/>
-    <p:sldId id="266" r:id="rId15"/>
-    <p:sldId id="268" r:id="rId16"/>
-    <p:sldId id="264" r:id="rId17"/>
-    <p:sldId id="267" r:id="rId18"/>
-    <p:sldId id="269" r:id="rId19"/>
-    <p:sldId id="270" r:id="rId20"/>
+    <p:sldId id="266" r:id="rId13"/>
+    <p:sldId id="272" r:id="rId14"/>
+    <p:sldId id="274" r:id="rId15"/>
+    <p:sldId id="275" r:id="rId16"/>
+    <p:sldId id="276" r:id="rId17"/>
+    <p:sldId id="277" r:id="rId18"/>
+    <p:sldId id="278" r:id="rId19"/>
+    <p:sldId id="268" r:id="rId20"/>
+    <p:sldId id="264" r:id="rId21"/>
+    <p:sldId id="279" r:id="rId22"/>
+    <p:sldId id="267" r:id="rId23"/>
+    <p:sldId id="269" r:id="rId24"/>
+    <p:sldId id="270" r:id="rId25"/>
   </p:sldIdLst>
   <p:sldSz cx="12192000" cy="6858000"/>
   <p:notesSz cx="6858000" cy="9144000"/>
@@ -1622,6 +1627,753 @@
 </file>
 
 <file path=ppt/diagrams/colors3.xml><?xml version="1.0" encoding="utf-8"?>
+<dgm:colorsDef xmlns:dgm="http://schemas.openxmlformats.org/drawingml/2006/diagram" xmlns:a="http://schemas.openxmlformats.org/drawingml/2006/main" uniqueId="urn:microsoft.com/office/officeart/2005/8/colors/accent3_2">
+  <dgm:title val=""/>
+  <dgm:desc val=""/>
+  <dgm:catLst>
+    <dgm:cat type="accent3" pri="11200"/>
+  </dgm:catLst>
+  <dgm:styleLbl name="node0">
+    <dgm:fillClrLst meth="repeat">
+      <a:schemeClr val="accent3"/>
+    </dgm:fillClrLst>
+    <dgm:linClrLst meth="repeat">
+      <a:schemeClr val="lt1"/>
+    </dgm:linClrLst>
+    <dgm:effectClrLst/>
+    <dgm:txLinClrLst/>
+    <dgm:txFillClrLst/>
+    <dgm:txEffectClrLst/>
+  </dgm:styleLbl>
+  <dgm:styleLbl name="node1">
+    <dgm:fillClrLst meth="repeat">
+      <a:schemeClr val="accent3"/>
+    </dgm:fillClrLst>
+    <dgm:linClrLst meth="repeat">
+      <a:schemeClr val="lt1"/>
+    </dgm:linClrLst>
+    <dgm:effectClrLst/>
+    <dgm:txLinClrLst/>
+    <dgm:txFillClrLst/>
+    <dgm:txEffectClrLst/>
+  </dgm:styleLbl>
+  <dgm:styleLbl name="alignNode1">
+    <dgm:fillClrLst meth="repeat">
+      <a:schemeClr val="accent3"/>
+    </dgm:fillClrLst>
+    <dgm:linClrLst meth="repeat">
+      <a:schemeClr val="accent3"/>
+    </dgm:linClrLst>
+    <dgm:effectClrLst/>
+    <dgm:txLinClrLst/>
+    <dgm:txFillClrLst/>
+    <dgm:txEffectClrLst/>
+  </dgm:styleLbl>
+  <dgm:styleLbl name="lnNode1">
+    <dgm:fillClrLst meth="repeat">
+      <a:schemeClr val="accent3"/>
+    </dgm:fillClrLst>
+    <dgm:linClrLst meth="repeat">
+      <a:schemeClr val="lt1"/>
+    </dgm:linClrLst>
+    <dgm:effectClrLst/>
+    <dgm:txLinClrLst/>
+    <dgm:txFillClrLst/>
+    <dgm:txEffectClrLst/>
+  </dgm:styleLbl>
+  <dgm:styleLbl name="vennNode1">
+    <dgm:fillClrLst meth="repeat">
+      <a:schemeClr val="accent3">
+        <a:alpha val="50000"/>
+      </a:schemeClr>
+    </dgm:fillClrLst>
+    <dgm:linClrLst meth="repeat">
+      <a:schemeClr val="lt1"/>
+    </dgm:linClrLst>
+    <dgm:effectClrLst/>
+    <dgm:txLinClrLst/>
+    <dgm:txFillClrLst/>
+    <dgm:txEffectClrLst/>
+  </dgm:styleLbl>
+  <dgm:styleLbl name="node2">
+    <dgm:fillClrLst meth="repeat">
+      <a:schemeClr val="accent3"/>
+    </dgm:fillClrLst>
+    <dgm:linClrLst meth="repeat">
+      <a:schemeClr val="lt1"/>
+    </dgm:linClrLst>
+    <dgm:effectClrLst/>
+    <dgm:txLinClrLst/>
+    <dgm:txFillClrLst/>
+    <dgm:txEffectClrLst/>
+  </dgm:styleLbl>
+  <dgm:styleLbl name="node3">
+    <dgm:fillClrLst meth="repeat">
+      <a:schemeClr val="accent3"/>
+    </dgm:fillClrLst>
+    <dgm:linClrLst meth="repeat">
+      <a:schemeClr val="lt1"/>
+    </dgm:linClrLst>
+    <dgm:effectClrLst/>
+    <dgm:txLinClrLst/>
+    <dgm:txFillClrLst/>
+    <dgm:txEffectClrLst/>
+  </dgm:styleLbl>
+  <dgm:styleLbl name="node4">
+    <dgm:fillClrLst meth="repeat">
+      <a:schemeClr val="accent3"/>
+    </dgm:fillClrLst>
+    <dgm:linClrLst meth="repeat">
+      <a:schemeClr val="lt1"/>
+    </dgm:linClrLst>
+    <dgm:effectClrLst/>
+    <dgm:txLinClrLst/>
+    <dgm:txFillClrLst/>
+    <dgm:txEffectClrLst/>
+  </dgm:styleLbl>
+  <dgm:styleLbl name="fgImgPlace1">
+    <dgm:fillClrLst meth="repeat">
+      <a:schemeClr val="accent3">
+        <a:tint val="50000"/>
+      </a:schemeClr>
+    </dgm:fillClrLst>
+    <dgm:linClrLst meth="repeat">
+      <a:schemeClr val="lt1"/>
+    </dgm:linClrLst>
+    <dgm:effectClrLst/>
+    <dgm:txLinClrLst/>
+    <dgm:txFillClrLst meth="repeat">
+      <a:schemeClr val="lt1"/>
+    </dgm:txFillClrLst>
+    <dgm:txEffectClrLst/>
+  </dgm:styleLbl>
+  <dgm:styleLbl name="alignImgPlace1">
+    <dgm:fillClrLst meth="repeat">
+      <a:schemeClr val="accent3">
+        <a:tint val="50000"/>
+      </a:schemeClr>
+    </dgm:fillClrLst>
+    <dgm:linClrLst meth="repeat">
+      <a:schemeClr val="lt1"/>
+    </dgm:linClrLst>
+    <dgm:effectClrLst/>
+    <dgm:txLinClrLst/>
+    <dgm:txFillClrLst meth="repeat">
+      <a:schemeClr val="lt1"/>
+    </dgm:txFillClrLst>
+    <dgm:txEffectClrLst/>
+  </dgm:styleLbl>
+  <dgm:styleLbl name="bgImgPlace1">
+    <dgm:fillClrLst meth="repeat">
+      <a:schemeClr val="accent3">
+        <a:tint val="50000"/>
+      </a:schemeClr>
+    </dgm:fillClrLst>
+    <dgm:linClrLst meth="repeat">
+      <a:schemeClr val="lt1"/>
+    </dgm:linClrLst>
+    <dgm:effectClrLst/>
+    <dgm:txLinClrLst/>
+    <dgm:txFillClrLst meth="repeat">
+      <a:schemeClr val="lt1"/>
+    </dgm:txFillClrLst>
+    <dgm:txEffectClrLst/>
+  </dgm:styleLbl>
+  <dgm:styleLbl name="sibTrans2D1">
+    <dgm:fillClrLst meth="repeat">
+      <a:schemeClr val="accent3">
+        <a:tint val="60000"/>
+      </a:schemeClr>
+    </dgm:fillClrLst>
+    <dgm:linClrLst meth="repeat">
+      <a:schemeClr val="accent3">
+        <a:tint val="60000"/>
+      </a:schemeClr>
+    </dgm:linClrLst>
+    <dgm:effectClrLst/>
+    <dgm:txLinClrLst/>
+    <dgm:txFillClrLst/>
+    <dgm:txEffectClrLst/>
+  </dgm:styleLbl>
+  <dgm:styleLbl name="fgSibTrans2D1">
+    <dgm:fillClrLst meth="repeat">
+      <a:schemeClr val="accent3">
+        <a:tint val="60000"/>
+      </a:schemeClr>
+    </dgm:fillClrLst>
+    <dgm:linClrLst meth="repeat">
+      <a:schemeClr val="accent3">
+        <a:tint val="60000"/>
+      </a:schemeClr>
+    </dgm:linClrLst>
+    <dgm:effectClrLst/>
+    <dgm:txLinClrLst/>
+    <dgm:txFillClrLst/>
+    <dgm:txEffectClrLst/>
+  </dgm:styleLbl>
+  <dgm:styleLbl name="bgSibTrans2D1">
+    <dgm:fillClrLst meth="repeat">
+      <a:schemeClr val="accent3">
+        <a:tint val="60000"/>
+      </a:schemeClr>
+    </dgm:fillClrLst>
+    <dgm:linClrLst meth="repeat">
+      <a:schemeClr val="accent3">
+        <a:tint val="60000"/>
+      </a:schemeClr>
+    </dgm:linClrLst>
+    <dgm:effectClrLst/>
+    <dgm:txLinClrLst/>
+    <dgm:txFillClrLst/>
+    <dgm:txEffectClrLst/>
+  </dgm:styleLbl>
+  <dgm:styleLbl name="sibTrans1D1">
+    <dgm:fillClrLst meth="repeat">
+      <a:schemeClr val="accent3"/>
+    </dgm:fillClrLst>
+    <dgm:linClrLst meth="repeat">
+      <a:schemeClr val="accent3"/>
+    </dgm:linClrLst>
+    <dgm:effectClrLst/>
+    <dgm:txLinClrLst/>
+    <dgm:txFillClrLst meth="repeat">
+      <a:schemeClr val="tx1"/>
+    </dgm:txFillClrLst>
+    <dgm:txEffectClrLst/>
+  </dgm:styleLbl>
+  <dgm:styleLbl name="callout">
+    <dgm:fillClrLst meth="repeat">
+      <a:schemeClr val="accent3"/>
+    </dgm:fillClrLst>
+    <dgm:linClrLst meth="repeat">
+      <a:schemeClr val="accent3">
+        <a:tint val="50000"/>
+      </a:schemeClr>
+    </dgm:linClrLst>
+    <dgm:effectClrLst/>
+    <dgm:txLinClrLst/>
+    <dgm:txFillClrLst meth="repeat">
+      <a:schemeClr val="tx1"/>
+    </dgm:txFillClrLst>
+    <dgm:txEffectClrLst/>
+  </dgm:styleLbl>
+  <dgm:styleLbl name="asst0">
+    <dgm:fillClrLst meth="repeat">
+      <a:schemeClr val="accent3"/>
+    </dgm:fillClrLst>
+    <dgm:linClrLst meth="repeat">
+      <a:schemeClr val="lt1"/>
+    </dgm:linClrLst>
+    <dgm:effectClrLst/>
+    <dgm:txLinClrLst/>
+    <dgm:txFillClrLst/>
+    <dgm:txEffectClrLst/>
+  </dgm:styleLbl>
+  <dgm:styleLbl name="asst1">
+    <dgm:fillClrLst meth="repeat">
+      <a:schemeClr val="accent3"/>
+    </dgm:fillClrLst>
+    <dgm:linClrLst meth="repeat">
+      <a:schemeClr val="lt1"/>
+    </dgm:linClrLst>
+    <dgm:effectClrLst/>
+    <dgm:txLinClrLst/>
+    <dgm:txFillClrLst/>
+    <dgm:txEffectClrLst/>
+  </dgm:styleLbl>
+  <dgm:styleLbl name="asst2">
+    <dgm:fillClrLst meth="repeat">
+      <a:schemeClr val="accent3"/>
+    </dgm:fillClrLst>
+    <dgm:linClrLst meth="repeat">
+      <a:schemeClr val="lt1"/>
+    </dgm:linClrLst>
+    <dgm:effectClrLst/>
+    <dgm:txLinClrLst/>
+    <dgm:txFillClrLst/>
+    <dgm:txEffectClrLst/>
+  </dgm:styleLbl>
+  <dgm:styleLbl name="asst3">
+    <dgm:fillClrLst meth="repeat">
+      <a:schemeClr val="accent3"/>
+    </dgm:fillClrLst>
+    <dgm:linClrLst meth="repeat">
+      <a:schemeClr val="lt1"/>
+    </dgm:linClrLst>
+    <dgm:effectClrLst/>
+    <dgm:txLinClrLst/>
+    <dgm:txFillClrLst/>
+    <dgm:txEffectClrLst/>
+  </dgm:styleLbl>
+  <dgm:styleLbl name="asst4">
+    <dgm:fillClrLst meth="repeat">
+      <a:schemeClr val="accent3"/>
+    </dgm:fillClrLst>
+    <dgm:linClrLst meth="repeat">
+      <a:schemeClr val="lt1"/>
+    </dgm:linClrLst>
+    <dgm:effectClrLst/>
+    <dgm:txLinClrLst/>
+    <dgm:txFillClrLst/>
+    <dgm:txEffectClrLst/>
+  </dgm:styleLbl>
+  <dgm:styleLbl name="parChTrans2D1">
+    <dgm:fillClrLst meth="repeat">
+      <a:schemeClr val="accent3">
+        <a:tint val="60000"/>
+      </a:schemeClr>
+    </dgm:fillClrLst>
+    <dgm:linClrLst meth="repeat">
+      <a:schemeClr val="accent3">
+        <a:tint val="60000"/>
+      </a:schemeClr>
+    </dgm:linClrLst>
+    <dgm:effectClrLst/>
+    <dgm:txLinClrLst/>
+    <dgm:txFillClrLst meth="repeat">
+      <a:schemeClr val="lt1"/>
+    </dgm:txFillClrLst>
+    <dgm:txEffectClrLst/>
+  </dgm:styleLbl>
+  <dgm:styleLbl name="parChTrans2D2">
+    <dgm:fillClrLst meth="repeat">
+      <a:schemeClr val="accent3"/>
+    </dgm:fillClrLst>
+    <dgm:linClrLst meth="repeat">
+      <a:schemeClr val="accent3"/>
+    </dgm:linClrLst>
+    <dgm:effectClrLst/>
+    <dgm:txLinClrLst/>
+    <dgm:txFillClrLst meth="repeat">
+      <a:schemeClr val="lt1"/>
+    </dgm:txFillClrLst>
+    <dgm:txEffectClrLst/>
+  </dgm:styleLbl>
+  <dgm:styleLbl name="parChTrans2D3">
+    <dgm:fillClrLst meth="repeat">
+      <a:schemeClr val="accent3"/>
+    </dgm:fillClrLst>
+    <dgm:linClrLst meth="repeat">
+      <a:schemeClr val="accent3"/>
+    </dgm:linClrLst>
+    <dgm:effectClrLst/>
+    <dgm:txLinClrLst/>
+    <dgm:txFillClrLst meth="repeat">
+      <a:schemeClr val="lt1"/>
+    </dgm:txFillClrLst>
+    <dgm:txEffectClrLst/>
+  </dgm:styleLbl>
+  <dgm:styleLbl name="parChTrans2D4">
+    <dgm:fillClrLst meth="repeat">
+      <a:schemeClr val="accent3"/>
+    </dgm:fillClrLst>
+    <dgm:linClrLst meth="repeat">
+      <a:schemeClr val="accent3"/>
+    </dgm:linClrLst>
+    <dgm:effectClrLst/>
+    <dgm:txLinClrLst/>
+    <dgm:txFillClrLst meth="repeat">
+      <a:schemeClr val="lt1"/>
+    </dgm:txFillClrLst>
+    <dgm:txEffectClrLst/>
+  </dgm:styleLbl>
+  <dgm:styleLbl name="parChTrans1D1">
+    <dgm:fillClrLst meth="repeat">
+      <a:schemeClr val="accent3"/>
+    </dgm:fillClrLst>
+    <dgm:linClrLst meth="repeat">
+      <a:schemeClr val="accent3">
+        <a:shade val="60000"/>
+      </a:schemeClr>
+    </dgm:linClrLst>
+    <dgm:effectClrLst/>
+    <dgm:txLinClrLst/>
+    <dgm:txFillClrLst meth="repeat">
+      <a:schemeClr val="tx1"/>
+    </dgm:txFillClrLst>
+    <dgm:txEffectClrLst/>
+  </dgm:styleLbl>
+  <dgm:styleLbl name="parChTrans1D2">
+    <dgm:fillClrLst meth="repeat">
+      <a:schemeClr val="accent3"/>
+    </dgm:fillClrLst>
+    <dgm:linClrLst meth="repeat">
+      <a:schemeClr val="accent3">
+        <a:shade val="60000"/>
+      </a:schemeClr>
+    </dgm:linClrLst>
+    <dgm:effectClrLst/>
+    <dgm:txLinClrLst/>
+    <dgm:txFillClrLst meth="repeat">
+      <a:schemeClr val="tx1"/>
+    </dgm:txFillClrLst>
+    <dgm:txEffectClrLst/>
+  </dgm:styleLbl>
+  <dgm:styleLbl name="parChTrans1D3">
+    <dgm:fillClrLst meth="repeat">
+      <a:schemeClr val="accent3"/>
+    </dgm:fillClrLst>
+    <dgm:linClrLst meth="repeat">
+      <a:schemeClr val="accent3">
+        <a:shade val="80000"/>
+      </a:schemeClr>
+    </dgm:linClrLst>
+    <dgm:effectClrLst/>
+    <dgm:txLinClrLst/>
+    <dgm:txFillClrLst meth="repeat">
+      <a:schemeClr val="tx1"/>
+    </dgm:txFillClrLst>
+    <dgm:txEffectClrLst/>
+  </dgm:styleLbl>
+  <dgm:styleLbl name="parChTrans1D4">
+    <dgm:fillClrLst meth="repeat">
+      <a:schemeClr val="accent3"/>
+    </dgm:fillClrLst>
+    <dgm:linClrLst meth="repeat">
+      <a:schemeClr val="accent3">
+        <a:shade val="80000"/>
+      </a:schemeClr>
+    </dgm:linClrLst>
+    <dgm:effectClrLst/>
+    <dgm:txLinClrLst/>
+    <dgm:txFillClrLst meth="repeat">
+      <a:schemeClr val="tx1"/>
+    </dgm:txFillClrLst>
+    <dgm:txEffectClrLst/>
+  </dgm:styleLbl>
+  <dgm:styleLbl name="fgAcc1">
+    <dgm:fillClrLst meth="repeat">
+      <a:schemeClr val="lt1">
+        <a:alpha val="90000"/>
+      </a:schemeClr>
+    </dgm:fillClrLst>
+    <dgm:linClrLst meth="repeat">
+      <a:schemeClr val="accent3"/>
+    </dgm:linClrLst>
+    <dgm:effectClrLst/>
+    <dgm:txLinClrLst/>
+    <dgm:txFillClrLst meth="repeat">
+      <a:schemeClr val="dk1"/>
+    </dgm:txFillClrLst>
+    <dgm:txEffectClrLst/>
+  </dgm:styleLbl>
+  <dgm:styleLbl name="conFgAcc1">
+    <dgm:fillClrLst meth="repeat">
+      <a:schemeClr val="lt1">
+        <a:alpha val="90000"/>
+      </a:schemeClr>
+    </dgm:fillClrLst>
+    <dgm:linClrLst meth="repeat">
+      <a:schemeClr val="accent3"/>
+    </dgm:linClrLst>
+    <dgm:effectClrLst/>
+    <dgm:txLinClrLst/>
+    <dgm:txFillClrLst meth="repeat">
+      <a:schemeClr val="dk1"/>
+    </dgm:txFillClrLst>
+    <dgm:txEffectClrLst/>
+  </dgm:styleLbl>
+  <dgm:styleLbl name="alignAcc1">
+    <dgm:fillClrLst meth="repeat">
+      <a:schemeClr val="lt1">
+        <a:alpha val="90000"/>
+      </a:schemeClr>
+    </dgm:fillClrLst>
+    <dgm:linClrLst meth="repeat">
+      <a:schemeClr val="accent3"/>
+    </dgm:linClrLst>
+    <dgm:effectClrLst/>
+    <dgm:txLinClrLst/>
+    <dgm:txFillClrLst meth="repeat">
+      <a:schemeClr val="dk1"/>
+    </dgm:txFillClrLst>
+    <dgm:txEffectClrLst/>
+  </dgm:styleLbl>
+  <dgm:styleLbl name="trAlignAcc1">
+    <dgm:fillClrLst meth="repeat">
+      <a:schemeClr val="lt1">
+        <a:alpha val="40000"/>
+      </a:schemeClr>
+    </dgm:fillClrLst>
+    <dgm:linClrLst meth="repeat">
+      <a:schemeClr val="accent3"/>
+    </dgm:linClrLst>
+    <dgm:effectClrLst/>
+    <dgm:txLinClrLst/>
+    <dgm:txFillClrLst meth="repeat">
+      <a:schemeClr val="dk1"/>
+    </dgm:txFillClrLst>
+    <dgm:txEffectClrLst/>
+  </dgm:styleLbl>
+  <dgm:styleLbl name="bgAcc1">
+    <dgm:fillClrLst meth="repeat">
+      <a:schemeClr val="lt1">
+        <a:alpha val="90000"/>
+      </a:schemeClr>
+    </dgm:fillClrLst>
+    <dgm:linClrLst meth="repeat">
+      <a:schemeClr val="accent3"/>
+    </dgm:linClrLst>
+    <dgm:effectClrLst/>
+    <dgm:txLinClrLst/>
+    <dgm:txFillClrLst meth="repeat">
+      <a:schemeClr val="dk1"/>
+    </dgm:txFillClrLst>
+    <dgm:txEffectClrLst/>
+  </dgm:styleLbl>
+  <dgm:styleLbl name="solidFgAcc1">
+    <dgm:fillClrLst meth="repeat">
+      <a:schemeClr val="lt1"/>
+    </dgm:fillClrLst>
+    <dgm:linClrLst meth="repeat">
+      <a:schemeClr val="accent3"/>
+    </dgm:linClrLst>
+    <dgm:effectClrLst/>
+    <dgm:txLinClrLst/>
+    <dgm:txFillClrLst meth="repeat">
+      <a:schemeClr val="dk1"/>
+    </dgm:txFillClrLst>
+    <dgm:txEffectClrLst/>
+  </dgm:styleLbl>
+  <dgm:styleLbl name="solidAlignAcc1">
+    <dgm:fillClrLst meth="repeat">
+      <a:schemeClr val="lt1"/>
+    </dgm:fillClrLst>
+    <dgm:linClrLst meth="repeat">
+      <a:schemeClr val="accent3"/>
+    </dgm:linClrLst>
+    <dgm:effectClrLst/>
+    <dgm:txLinClrLst/>
+    <dgm:txFillClrLst meth="repeat">
+      <a:schemeClr val="dk1"/>
+    </dgm:txFillClrLst>
+    <dgm:txEffectClrLst/>
+  </dgm:styleLbl>
+  <dgm:styleLbl name="solidBgAcc1">
+    <dgm:fillClrLst meth="repeat">
+      <a:schemeClr val="lt1"/>
+    </dgm:fillClrLst>
+    <dgm:linClrLst meth="repeat">
+      <a:schemeClr val="accent3"/>
+    </dgm:linClrLst>
+    <dgm:effectClrLst/>
+    <dgm:txLinClrLst/>
+    <dgm:txFillClrLst meth="repeat">
+      <a:schemeClr val="dk1"/>
+    </dgm:txFillClrLst>
+    <dgm:txEffectClrLst/>
+  </dgm:styleLbl>
+  <dgm:styleLbl name="fgAccFollowNode1">
+    <dgm:fillClrLst meth="repeat">
+      <a:schemeClr val="accent3">
+        <a:alpha val="90000"/>
+        <a:tint val="40000"/>
+      </a:schemeClr>
+    </dgm:fillClrLst>
+    <dgm:linClrLst meth="repeat">
+      <a:schemeClr val="accent3">
+        <a:alpha val="90000"/>
+        <a:tint val="40000"/>
+      </a:schemeClr>
+    </dgm:linClrLst>
+    <dgm:effectClrLst/>
+    <dgm:txLinClrLst/>
+    <dgm:txFillClrLst meth="repeat">
+      <a:schemeClr val="dk1"/>
+    </dgm:txFillClrLst>
+    <dgm:txEffectClrLst/>
+  </dgm:styleLbl>
+  <dgm:styleLbl name="alignAccFollowNode1">
+    <dgm:fillClrLst meth="repeat">
+      <a:schemeClr val="accent3">
+        <a:alpha val="90000"/>
+        <a:tint val="40000"/>
+      </a:schemeClr>
+    </dgm:fillClrLst>
+    <dgm:linClrLst meth="repeat">
+      <a:schemeClr val="accent3">
+        <a:alpha val="90000"/>
+        <a:tint val="40000"/>
+      </a:schemeClr>
+    </dgm:linClrLst>
+    <dgm:effectClrLst/>
+    <dgm:txLinClrLst/>
+    <dgm:txFillClrLst meth="repeat">
+      <a:schemeClr val="dk1"/>
+    </dgm:txFillClrLst>
+    <dgm:txEffectClrLst/>
+  </dgm:styleLbl>
+  <dgm:styleLbl name="bgAccFollowNode1">
+    <dgm:fillClrLst meth="repeat">
+      <a:schemeClr val="accent3">
+        <a:alpha val="90000"/>
+        <a:tint val="40000"/>
+      </a:schemeClr>
+    </dgm:fillClrLst>
+    <dgm:linClrLst meth="repeat">
+      <a:schemeClr val="accent3">
+        <a:alpha val="90000"/>
+        <a:tint val="40000"/>
+      </a:schemeClr>
+    </dgm:linClrLst>
+    <dgm:effectClrLst/>
+    <dgm:txLinClrLst/>
+    <dgm:txFillClrLst meth="repeat">
+      <a:schemeClr val="dk1"/>
+    </dgm:txFillClrLst>
+    <dgm:txEffectClrLst/>
+  </dgm:styleLbl>
+  <dgm:styleLbl name="fgAcc0">
+    <dgm:fillClrLst meth="repeat">
+      <a:schemeClr val="lt1">
+        <a:alpha val="90000"/>
+      </a:schemeClr>
+    </dgm:fillClrLst>
+    <dgm:linClrLst meth="repeat">
+      <a:schemeClr val="accent3"/>
+    </dgm:linClrLst>
+    <dgm:effectClrLst/>
+    <dgm:txLinClrLst/>
+    <dgm:txFillClrLst meth="repeat">
+      <a:schemeClr val="dk1"/>
+    </dgm:txFillClrLst>
+    <dgm:txEffectClrLst/>
+  </dgm:styleLbl>
+  <dgm:styleLbl name="fgAcc2">
+    <dgm:fillClrLst meth="repeat">
+      <a:schemeClr val="lt1">
+        <a:alpha val="90000"/>
+      </a:schemeClr>
+    </dgm:fillClrLst>
+    <dgm:linClrLst meth="repeat">
+      <a:schemeClr val="accent3"/>
+    </dgm:linClrLst>
+    <dgm:effectClrLst/>
+    <dgm:txLinClrLst/>
+    <dgm:txFillClrLst meth="repeat">
+      <a:schemeClr val="dk1"/>
+    </dgm:txFillClrLst>
+    <dgm:txEffectClrLst/>
+  </dgm:styleLbl>
+  <dgm:styleLbl name="fgAcc3">
+    <dgm:fillClrLst meth="repeat">
+      <a:schemeClr val="lt1">
+        <a:alpha val="90000"/>
+      </a:schemeClr>
+    </dgm:fillClrLst>
+    <dgm:linClrLst meth="repeat">
+      <a:schemeClr val="accent3"/>
+    </dgm:linClrLst>
+    <dgm:effectClrLst/>
+    <dgm:txLinClrLst/>
+    <dgm:txFillClrLst meth="repeat">
+      <a:schemeClr val="dk1"/>
+    </dgm:txFillClrLst>
+    <dgm:txEffectClrLst/>
+  </dgm:styleLbl>
+  <dgm:styleLbl name="fgAcc4">
+    <dgm:fillClrLst meth="repeat">
+      <a:schemeClr val="lt1">
+        <a:alpha val="90000"/>
+      </a:schemeClr>
+    </dgm:fillClrLst>
+    <dgm:linClrLst meth="repeat">
+      <a:schemeClr val="accent3"/>
+    </dgm:linClrLst>
+    <dgm:effectClrLst/>
+    <dgm:txLinClrLst/>
+    <dgm:txFillClrLst meth="repeat">
+      <a:schemeClr val="dk1"/>
+    </dgm:txFillClrLst>
+    <dgm:txEffectClrLst/>
+  </dgm:styleLbl>
+  <dgm:styleLbl name="bgShp">
+    <dgm:fillClrLst meth="repeat">
+      <a:schemeClr val="accent3">
+        <a:tint val="40000"/>
+      </a:schemeClr>
+    </dgm:fillClrLst>
+    <dgm:linClrLst meth="repeat">
+      <a:schemeClr val="accent3"/>
+    </dgm:linClrLst>
+    <dgm:effectClrLst/>
+    <dgm:txLinClrLst/>
+    <dgm:txFillClrLst meth="repeat">
+      <a:schemeClr val="dk1"/>
+    </dgm:txFillClrLst>
+    <dgm:txEffectClrLst/>
+  </dgm:styleLbl>
+  <dgm:styleLbl name="dkBgShp">
+    <dgm:fillClrLst meth="repeat">
+      <a:schemeClr val="accent3">
+        <a:shade val="80000"/>
+      </a:schemeClr>
+    </dgm:fillClrLst>
+    <dgm:linClrLst meth="repeat">
+      <a:schemeClr val="accent3"/>
+    </dgm:linClrLst>
+    <dgm:effectClrLst/>
+    <dgm:txLinClrLst/>
+    <dgm:txFillClrLst meth="repeat">
+      <a:schemeClr val="lt1"/>
+    </dgm:txFillClrLst>
+    <dgm:txEffectClrLst/>
+  </dgm:styleLbl>
+  <dgm:styleLbl name="trBgShp">
+    <dgm:fillClrLst meth="repeat">
+      <a:schemeClr val="accent3">
+        <a:tint val="50000"/>
+        <a:alpha val="40000"/>
+      </a:schemeClr>
+    </dgm:fillClrLst>
+    <dgm:linClrLst meth="repeat">
+      <a:schemeClr val="accent3"/>
+    </dgm:linClrLst>
+    <dgm:effectClrLst/>
+    <dgm:txLinClrLst/>
+    <dgm:txFillClrLst meth="repeat">
+      <a:schemeClr val="lt1"/>
+    </dgm:txFillClrLst>
+    <dgm:txEffectClrLst/>
+  </dgm:styleLbl>
+  <dgm:styleLbl name="fgShp">
+    <dgm:fillClrLst meth="repeat">
+      <a:schemeClr val="accent3">
+        <a:tint val="60000"/>
+      </a:schemeClr>
+    </dgm:fillClrLst>
+    <dgm:linClrLst meth="repeat">
+      <a:schemeClr val="lt1"/>
+    </dgm:linClrLst>
+    <dgm:effectClrLst/>
+    <dgm:txLinClrLst/>
+    <dgm:txFillClrLst meth="repeat">
+      <a:schemeClr val="dk1"/>
+    </dgm:txFillClrLst>
+    <dgm:txEffectClrLst/>
+  </dgm:styleLbl>
+  <dgm:styleLbl name="revTx">
+    <dgm:fillClrLst meth="repeat">
+      <a:schemeClr val="lt1">
+        <a:alpha val="0"/>
+      </a:schemeClr>
+    </dgm:fillClrLst>
+    <dgm:linClrLst meth="repeat">
+      <a:schemeClr val="dk1">
+        <a:alpha val="0"/>
+      </a:schemeClr>
+    </dgm:linClrLst>
+    <dgm:effectClrLst/>
+    <dgm:txLinClrLst/>
+    <dgm:txFillClrLst meth="repeat">
+      <a:schemeClr val="tx1"/>
+    </dgm:txFillClrLst>
+    <dgm:txEffectClrLst/>
+  </dgm:styleLbl>
+</dgm:colorsDef>
+</file>
+
+<file path=ppt/diagrams/colors4.xml><?xml version="1.0" encoding="utf-8"?>
 <dgm:colorsDef xmlns:dgm="http://schemas.openxmlformats.org/drawingml/2006/diagram" xmlns:a="http://schemas.openxmlformats.org/drawingml/2006/main" uniqueId="urn:microsoft.com/office/officeart/2005/8/colors/accent3_2">
   <dgm:title val=""/>
   <dgm:desc val=""/>
@@ -3453,6 +4205,442 @@
 </file>
 
 <file path=ppt/diagrams/data3.xml><?xml version="1.0" encoding="utf-8"?>
+<dgm:dataModel xmlns:dgm="http://schemas.openxmlformats.org/drawingml/2006/diagram" xmlns:a="http://schemas.openxmlformats.org/drawingml/2006/main">
+  <dgm:ptLst>
+    <dgm:pt modelId="{42EB0D93-1071-4C9F-8516-14F6429A8A0A}" type="doc">
+      <dgm:prSet loTypeId="urn:microsoft.com/office/officeart/2018/2/layout/IconLabelDescriptionList" loCatId="icon" qsTypeId="urn:microsoft.com/office/officeart/2005/8/quickstyle/simple1" qsCatId="simple" csTypeId="urn:microsoft.com/office/officeart/2005/8/colors/accent3_2" csCatId="accent3" phldr="1"/>
+      <dgm:spPr/>
+      <dgm:t>
+        <a:bodyPr/>
+        <a:lstStyle/>
+        <a:p>
+          <a:endParaRPr lang="en-US"/>
+        </a:p>
+      </dgm:t>
+    </dgm:pt>
+    <dgm:pt modelId="{4F2FA62E-DE8E-4D15-9E04-04DE9A8DEAF5}">
+      <dgm:prSet/>
+      <dgm:spPr/>
+      <dgm:t>
+        <a:bodyPr/>
+        <a:lstStyle/>
+        <a:p>
+          <a:pPr>
+            <a:defRPr b="1"/>
+          </a:pPr>
+          <a:r>
+            <a:rPr lang="en-US"/>
+            <a:t>Attack function is only applied when “trigger_condition == True”</a:t>
+          </a:r>
+        </a:p>
+      </dgm:t>
+    </dgm:pt>
+    <dgm:pt modelId="{317C0895-3886-403A-953B-5C1A487C479B}" type="parTrans" cxnId="{8999F956-BA71-4CCC-AEE9-F024D49B83F1}">
+      <dgm:prSet/>
+      <dgm:spPr/>
+      <dgm:t>
+        <a:bodyPr/>
+        <a:lstStyle/>
+        <a:p>
+          <a:endParaRPr lang="en-US"/>
+        </a:p>
+      </dgm:t>
+    </dgm:pt>
+    <dgm:pt modelId="{20BC653D-C9DE-4565-AD4C-0E7D89BB5CD7}" type="sibTrans" cxnId="{8999F956-BA71-4CCC-AEE9-F024D49B83F1}">
+      <dgm:prSet/>
+      <dgm:spPr/>
+      <dgm:t>
+        <a:bodyPr/>
+        <a:lstStyle/>
+        <a:p>
+          <a:endParaRPr lang="en-US"/>
+        </a:p>
+      </dgm:t>
+    </dgm:pt>
+    <dgm:pt modelId="{8C4DB0B6-A6DE-4093-ACB4-4EFC984FA3E3}">
+      <dgm:prSet/>
+      <dgm:spPr/>
+      <dgm:t>
+        <a:bodyPr/>
+        <a:lstStyle/>
+        <a:p>
+          <a:pPr>
+            <a:defRPr b="1"/>
+          </a:pPr>
+          <a:r>
+            <a:rPr lang="en-US"/>
+            <a:t>For this instance trigger is randomly generated</a:t>
+          </a:r>
+        </a:p>
+      </dgm:t>
+    </dgm:pt>
+    <dgm:pt modelId="{C24B822F-B3C2-46B7-BADC-B37C65A36D7D}" type="parTrans" cxnId="{113AFA83-A6DE-49A9-BD24-5B3179D6306A}">
+      <dgm:prSet/>
+      <dgm:spPr/>
+      <dgm:t>
+        <a:bodyPr/>
+        <a:lstStyle/>
+        <a:p>
+          <a:endParaRPr lang="en-US"/>
+        </a:p>
+      </dgm:t>
+    </dgm:pt>
+    <dgm:pt modelId="{F6A6D247-2365-4278-A464-009A94DACED2}" type="sibTrans" cxnId="{113AFA83-A6DE-49A9-BD24-5B3179D6306A}">
+      <dgm:prSet/>
+      <dgm:spPr/>
+      <dgm:t>
+        <a:bodyPr/>
+        <a:lstStyle/>
+        <a:p>
+          <a:endParaRPr lang="en-US"/>
+        </a:p>
+      </dgm:t>
+    </dgm:pt>
+    <dgm:pt modelId="{7705D7DB-2EFF-40F0-B2A2-4B7F04EC3DC5}">
+      <dgm:prSet/>
+      <dgm:spPr/>
+      <dgm:t>
+        <a:bodyPr/>
+        <a:lstStyle/>
+        <a:p>
+          <a:r>
+            <a:rPr lang="en-US"/>
+            <a:t>True / False – 50/50 probability</a:t>
+          </a:r>
+        </a:p>
+      </dgm:t>
+    </dgm:pt>
+    <dgm:pt modelId="{CD837315-CA81-4415-8DDC-53460B39011D}" type="parTrans" cxnId="{EE0C612C-74B5-4B1B-B367-D4AA0E18071F}">
+      <dgm:prSet/>
+      <dgm:spPr/>
+      <dgm:t>
+        <a:bodyPr/>
+        <a:lstStyle/>
+        <a:p>
+          <a:endParaRPr lang="en-US"/>
+        </a:p>
+      </dgm:t>
+    </dgm:pt>
+    <dgm:pt modelId="{92ECEABF-109D-436B-8CE2-03778BF71E3A}" type="sibTrans" cxnId="{EE0C612C-74B5-4B1B-B367-D4AA0E18071F}">
+      <dgm:prSet/>
+      <dgm:spPr/>
+      <dgm:t>
+        <a:bodyPr/>
+        <a:lstStyle/>
+        <a:p>
+          <a:endParaRPr lang="en-US"/>
+        </a:p>
+      </dgm:t>
+    </dgm:pt>
+    <dgm:pt modelId="{D3300356-8282-4493-BA70-8B060C7BDC11}">
+      <dgm:prSet/>
+      <dgm:spPr/>
+      <dgm:t>
+        <a:bodyPr/>
+        <a:lstStyle/>
+        <a:p>
+          <a:pPr>
+            <a:defRPr b="1"/>
+          </a:pPr>
+          <a:r>
+            <a:rPr lang="en-US"/>
+            <a:t>Represents an “External Trigger Condition”</a:t>
+          </a:r>
+        </a:p>
+      </dgm:t>
+    </dgm:pt>
+    <dgm:pt modelId="{EB631010-8929-4BA8-9415-424F038B844B}" type="parTrans" cxnId="{957D9833-6634-4E0C-A46E-7FF8242B9CDD}">
+      <dgm:prSet/>
+      <dgm:spPr/>
+      <dgm:t>
+        <a:bodyPr/>
+        <a:lstStyle/>
+        <a:p>
+          <a:endParaRPr lang="en-US"/>
+        </a:p>
+      </dgm:t>
+    </dgm:pt>
+    <dgm:pt modelId="{2D027F02-248F-4602-9559-6AC4DBCA1420}" type="sibTrans" cxnId="{957D9833-6634-4E0C-A46E-7FF8242B9CDD}">
+      <dgm:prSet/>
+      <dgm:spPr/>
+      <dgm:t>
+        <a:bodyPr/>
+        <a:lstStyle/>
+        <a:p>
+          <a:endParaRPr lang="en-US"/>
+        </a:p>
+      </dgm:t>
+    </dgm:pt>
+    <dgm:pt modelId="{7A86C956-EA70-45FA-BC03-AFB8B0F8800F}">
+      <dgm:prSet/>
+      <dgm:spPr/>
+      <dgm:t>
+        <a:bodyPr/>
+        <a:lstStyle/>
+        <a:p>
+          <a:r>
+            <a:rPr lang="en-US" dirty="0"/>
+            <a:t>Not related to anything within </a:t>
+          </a:r>
+        </a:p>
+        <a:p>
+          <a:r>
+            <a:rPr lang="en-US" dirty="0"/>
+            <a:t>the program</a:t>
+          </a:r>
+        </a:p>
+      </dgm:t>
+    </dgm:pt>
+    <dgm:pt modelId="{94C563E3-5925-4A3C-9358-32B5A40651CA}" type="parTrans" cxnId="{EE062E20-D5BC-4720-B35D-D225FC749145}">
+      <dgm:prSet/>
+      <dgm:spPr/>
+      <dgm:t>
+        <a:bodyPr/>
+        <a:lstStyle/>
+        <a:p>
+          <a:endParaRPr lang="en-US"/>
+        </a:p>
+      </dgm:t>
+    </dgm:pt>
+    <dgm:pt modelId="{FF3AE987-3360-4248-992D-6749E735A645}" type="sibTrans" cxnId="{EE062E20-D5BC-4720-B35D-D225FC749145}">
+      <dgm:prSet/>
+      <dgm:spPr/>
+      <dgm:t>
+        <a:bodyPr/>
+        <a:lstStyle/>
+        <a:p>
+          <a:endParaRPr lang="en-US"/>
+        </a:p>
+      </dgm:t>
+    </dgm:pt>
+    <dgm:pt modelId="{14D40FE2-DA5A-4790-B6E9-8FD1773EF204}" type="pres">
+      <dgm:prSet presAssocID="{42EB0D93-1071-4C9F-8516-14F6429A8A0A}" presName="root" presStyleCnt="0">
+        <dgm:presLayoutVars>
+          <dgm:dir/>
+          <dgm:resizeHandles val="exact"/>
+        </dgm:presLayoutVars>
+      </dgm:prSet>
+      <dgm:spPr/>
+    </dgm:pt>
+    <dgm:pt modelId="{794FBE22-AD8D-428F-8E4B-5B03C581E6BA}" type="pres">
+      <dgm:prSet presAssocID="{4F2FA62E-DE8E-4D15-9E04-04DE9A8DEAF5}" presName="compNode" presStyleCnt="0"/>
+      <dgm:spPr/>
+    </dgm:pt>
+    <dgm:pt modelId="{F519A34E-D9CE-4482-B944-74ED6B4F3E5D}" type="pres">
+      <dgm:prSet presAssocID="{4F2FA62E-DE8E-4D15-9E04-04DE9A8DEAF5}" presName="iconRect" presStyleLbl="node1" presStyleIdx="0" presStyleCnt="3"/>
+      <dgm:spPr>
+        <a:blipFill>
+          <a:blip xmlns:r="http://schemas.openxmlformats.org/officeDocument/2006/relationships" r:embed="rId1">
+            <a:extLst>
+              <a:ext uri="{28A0092B-C50C-407E-A947-70E740481C1C}">
+                <a14:useLocalDpi xmlns:a14="http://schemas.microsoft.com/office/drawing/2010/main" val="0"/>
+              </a:ext>
+              <a:ext uri="{96DAC541-7B7A-43D3-8B79-37D633B846F1}">
+                <asvg:svgBlip xmlns:asvg="http://schemas.microsoft.com/office/drawing/2016/SVG/main" r:embed="rId2"/>
+              </a:ext>
+            </a:extLst>
+          </a:blip>
+          <a:stretch>
+            <a:fillRect/>
+          </a:stretch>
+        </a:blipFill>
+        <a:ln>
+          <a:noFill/>
+        </a:ln>
+      </dgm:spPr>
+      <dgm:extLst>
+        <a:ext uri="{E40237B7-FDA0-4F09-8148-C483321AD2D9}">
+          <dgm14:cNvPr xmlns:dgm14="http://schemas.microsoft.com/office/drawing/2010/diagram" id="0" name="" descr="Checkmark"/>
+        </a:ext>
+      </dgm:extLst>
+    </dgm:pt>
+    <dgm:pt modelId="{4C5D639D-2DCF-4E30-AA1B-0719C1063269}" type="pres">
+      <dgm:prSet presAssocID="{4F2FA62E-DE8E-4D15-9E04-04DE9A8DEAF5}" presName="iconSpace" presStyleCnt="0"/>
+      <dgm:spPr/>
+    </dgm:pt>
+    <dgm:pt modelId="{414C7502-3B8C-45E9-9CF5-DF6FC420165B}" type="pres">
+      <dgm:prSet presAssocID="{4F2FA62E-DE8E-4D15-9E04-04DE9A8DEAF5}" presName="parTx" presStyleLbl="revTx" presStyleIdx="0" presStyleCnt="6">
+        <dgm:presLayoutVars>
+          <dgm:chMax val="0"/>
+          <dgm:chPref val="0"/>
+        </dgm:presLayoutVars>
+      </dgm:prSet>
+      <dgm:spPr/>
+    </dgm:pt>
+    <dgm:pt modelId="{5D1BF87A-FABF-4C96-8601-92366852C8E5}" type="pres">
+      <dgm:prSet presAssocID="{4F2FA62E-DE8E-4D15-9E04-04DE9A8DEAF5}" presName="txSpace" presStyleCnt="0"/>
+      <dgm:spPr/>
+    </dgm:pt>
+    <dgm:pt modelId="{B91D9096-BD49-48FB-B947-CFE3AAE38B5C}" type="pres">
+      <dgm:prSet presAssocID="{4F2FA62E-DE8E-4D15-9E04-04DE9A8DEAF5}" presName="desTx" presStyleLbl="revTx" presStyleIdx="1" presStyleCnt="6">
+        <dgm:presLayoutVars/>
+      </dgm:prSet>
+      <dgm:spPr/>
+    </dgm:pt>
+    <dgm:pt modelId="{F8D14797-01EB-4C1F-971A-FF01A361A21C}" type="pres">
+      <dgm:prSet presAssocID="{20BC653D-C9DE-4565-AD4C-0E7D89BB5CD7}" presName="sibTrans" presStyleCnt="0"/>
+      <dgm:spPr/>
+    </dgm:pt>
+    <dgm:pt modelId="{064935F1-375D-4BD7-B2A3-96669332C4A5}" type="pres">
+      <dgm:prSet presAssocID="{8C4DB0B6-A6DE-4093-ACB4-4EFC984FA3E3}" presName="compNode" presStyleCnt="0"/>
+      <dgm:spPr/>
+    </dgm:pt>
+    <dgm:pt modelId="{BC1DCFBA-1E3F-449C-94B5-2B92A4614FF3}" type="pres">
+      <dgm:prSet presAssocID="{8C4DB0B6-A6DE-4093-ACB4-4EFC984FA3E3}" presName="iconRect" presStyleLbl="node1" presStyleIdx="1" presStyleCnt="3"/>
+      <dgm:spPr>
+        <a:blipFill>
+          <a:blip xmlns:r="http://schemas.openxmlformats.org/officeDocument/2006/relationships" r:embed="rId3">
+            <a:extLst>
+              <a:ext uri="{28A0092B-C50C-407E-A947-70E740481C1C}">
+                <a14:useLocalDpi xmlns:a14="http://schemas.microsoft.com/office/drawing/2010/main" val="0"/>
+              </a:ext>
+              <a:ext uri="{96DAC541-7B7A-43D3-8B79-37D633B846F1}">
+                <asvg:svgBlip xmlns:asvg="http://schemas.microsoft.com/office/drawing/2016/SVG/main" r:embed="rId4"/>
+              </a:ext>
+            </a:extLst>
+          </a:blip>
+          <a:srcRect/>
+          <a:stretch>
+            <a:fillRect/>
+          </a:stretch>
+        </a:blipFill>
+        <a:ln>
+          <a:noFill/>
+        </a:ln>
+      </dgm:spPr>
+      <dgm:extLst>
+        <a:ext uri="{E40237B7-FDA0-4F09-8148-C483321AD2D9}">
+          <dgm14:cNvPr xmlns:dgm14="http://schemas.microsoft.com/office/drawing/2010/diagram" id="0" name="" descr="Dice"/>
+        </a:ext>
+      </dgm:extLst>
+    </dgm:pt>
+    <dgm:pt modelId="{FBC97A10-9F50-49A4-92C8-931AEEEB2B27}" type="pres">
+      <dgm:prSet presAssocID="{8C4DB0B6-A6DE-4093-ACB4-4EFC984FA3E3}" presName="iconSpace" presStyleCnt="0"/>
+      <dgm:spPr/>
+    </dgm:pt>
+    <dgm:pt modelId="{9B144245-7351-425C-BD87-F1A6E8D310D4}" type="pres">
+      <dgm:prSet presAssocID="{8C4DB0B6-A6DE-4093-ACB4-4EFC984FA3E3}" presName="parTx" presStyleLbl="revTx" presStyleIdx="2" presStyleCnt="6">
+        <dgm:presLayoutVars>
+          <dgm:chMax val="0"/>
+          <dgm:chPref val="0"/>
+        </dgm:presLayoutVars>
+      </dgm:prSet>
+      <dgm:spPr/>
+    </dgm:pt>
+    <dgm:pt modelId="{304E7B00-F2BE-498B-A916-F78B512C1453}" type="pres">
+      <dgm:prSet presAssocID="{8C4DB0B6-A6DE-4093-ACB4-4EFC984FA3E3}" presName="txSpace" presStyleCnt="0"/>
+      <dgm:spPr/>
+    </dgm:pt>
+    <dgm:pt modelId="{86696E92-B28F-4AD1-AE70-F4206C91D986}" type="pres">
+      <dgm:prSet presAssocID="{8C4DB0B6-A6DE-4093-ACB4-4EFC984FA3E3}" presName="desTx" presStyleLbl="revTx" presStyleIdx="3" presStyleCnt="6">
+        <dgm:presLayoutVars/>
+      </dgm:prSet>
+      <dgm:spPr/>
+    </dgm:pt>
+    <dgm:pt modelId="{07EC3C19-12ED-4DEE-A788-956201F1A7D0}" type="pres">
+      <dgm:prSet presAssocID="{F6A6D247-2365-4278-A464-009A94DACED2}" presName="sibTrans" presStyleCnt="0"/>
+      <dgm:spPr/>
+    </dgm:pt>
+    <dgm:pt modelId="{1C510BBB-46FA-4539-8B2D-C48F57B941F0}" type="pres">
+      <dgm:prSet presAssocID="{D3300356-8282-4493-BA70-8B060C7BDC11}" presName="compNode" presStyleCnt="0"/>
+      <dgm:spPr/>
+    </dgm:pt>
+    <dgm:pt modelId="{A1A83A62-079E-44C6-AC5D-796E64C36010}" type="pres">
+      <dgm:prSet presAssocID="{D3300356-8282-4493-BA70-8B060C7BDC11}" presName="iconRect" presStyleLbl="node1" presStyleIdx="2" presStyleCnt="3"/>
+      <dgm:spPr>
+        <a:blipFill>
+          <a:blip xmlns:r="http://schemas.openxmlformats.org/officeDocument/2006/relationships" r:embed="rId5">
+            <a:extLst>
+              <a:ext uri="{28A0092B-C50C-407E-A947-70E740481C1C}">
+                <a14:useLocalDpi xmlns:a14="http://schemas.microsoft.com/office/drawing/2010/main" val="0"/>
+              </a:ext>
+              <a:ext uri="{96DAC541-7B7A-43D3-8B79-37D633B846F1}">
+                <asvg:svgBlip xmlns:asvg="http://schemas.microsoft.com/office/drawing/2016/SVG/main" r:embed="rId6"/>
+              </a:ext>
+            </a:extLst>
+          </a:blip>
+          <a:stretch>
+            <a:fillRect/>
+          </a:stretch>
+        </a:blipFill>
+        <a:ln>
+          <a:noFill/>
+        </a:ln>
+      </dgm:spPr>
+      <dgm:extLst>
+        <a:ext uri="{E40237B7-FDA0-4F09-8148-C483321AD2D9}">
+          <dgm14:cNvPr xmlns:dgm14="http://schemas.microsoft.com/office/drawing/2010/diagram" id="0" name="" descr="Questions"/>
+        </a:ext>
+      </dgm:extLst>
+    </dgm:pt>
+    <dgm:pt modelId="{C6B2BB4A-D4B7-4BBB-AE6A-F7964C6EED20}" type="pres">
+      <dgm:prSet presAssocID="{D3300356-8282-4493-BA70-8B060C7BDC11}" presName="iconSpace" presStyleCnt="0"/>
+      <dgm:spPr/>
+    </dgm:pt>
+    <dgm:pt modelId="{8220D0A6-A61A-44AF-96D8-70203CA4F945}" type="pres">
+      <dgm:prSet presAssocID="{D3300356-8282-4493-BA70-8B060C7BDC11}" presName="parTx" presStyleLbl="revTx" presStyleIdx="4" presStyleCnt="6">
+        <dgm:presLayoutVars>
+          <dgm:chMax val="0"/>
+          <dgm:chPref val="0"/>
+        </dgm:presLayoutVars>
+      </dgm:prSet>
+      <dgm:spPr/>
+    </dgm:pt>
+    <dgm:pt modelId="{41A88345-4056-4679-B9AC-3C1AA5BC81E6}" type="pres">
+      <dgm:prSet presAssocID="{D3300356-8282-4493-BA70-8B060C7BDC11}" presName="txSpace" presStyleCnt="0"/>
+      <dgm:spPr/>
+    </dgm:pt>
+    <dgm:pt modelId="{B1109031-2268-4FBD-A2F5-6AA0C58D07E2}" type="pres">
+      <dgm:prSet presAssocID="{D3300356-8282-4493-BA70-8B060C7BDC11}" presName="desTx" presStyleLbl="revTx" presStyleIdx="5" presStyleCnt="6">
+        <dgm:presLayoutVars/>
+      </dgm:prSet>
+      <dgm:spPr/>
+    </dgm:pt>
+  </dgm:ptLst>
+  <dgm:cxnLst>
+    <dgm:cxn modelId="{EE062E20-D5BC-4720-B35D-D225FC749145}" srcId="{D3300356-8282-4493-BA70-8B060C7BDC11}" destId="{7A86C956-EA70-45FA-BC03-AFB8B0F8800F}" srcOrd="0" destOrd="0" parTransId="{94C563E3-5925-4A3C-9358-32B5A40651CA}" sibTransId="{FF3AE987-3360-4248-992D-6749E735A645}"/>
+    <dgm:cxn modelId="{EE0C612C-74B5-4B1B-B367-D4AA0E18071F}" srcId="{8C4DB0B6-A6DE-4093-ACB4-4EFC984FA3E3}" destId="{7705D7DB-2EFF-40F0-B2A2-4B7F04EC3DC5}" srcOrd="0" destOrd="0" parTransId="{CD837315-CA81-4415-8DDC-53460B39011D}" sibTransId="{92ECEABF-109D-436B-8CE2-03778BF71E3A}"/>
+    <dgm:cxn modelId="{957D9833-6634-4E0C-A46E-7FF8242B9CDD}" srcId="{42EB0D93-1071-4C9F-8516-14F6429A8A0A}" destId="{D3300356-8282-4493-BA70-8B060C7BDC11}" srcOrd="2" destOrd="0" parTransId="{EB631010-8929-4BA8-9415-424F038B844B}" sibTransId="{2D027F02-248F-4602-9559-6AC4DBCA1420}"/>
+    <dgm:cxn modelId="{EBF42676-64DD-41E8-872D-93C3DAAD981F}" type="presOf" srcId="{7705D7DB-2EFF-40F0-B2A2-4B7F04EC3DC5}" destId="{86696E92-B28F-4AD1-AE70-F4206C91D986}" srcOrd="0" destOrd="0" presId="urn:microsoft.com/office/officeart/2018/2/layout/IconLabelDescriptionList"/>
+    <dgm:cxn modelId="{8999F956-BA71-4CCC-AEE9-F024D49B83F1}" srcId="{42EB0D93-1071-4C9F-8516-14F6429A8A0A}" destId="{4F2FA62E-DE8E-4D15-9E04-04DE9A8DEAF5}" srcOrd="0" destOrd="0" parTransId="{317C0895-3886-403A-953B-5C1A487C479B}" sibTransId="{20BC653D-C9DE-4565-AD4C-0E7D89BB5CD7}"/>
+    <dgm:cxn modelId="{113AFA83-A6DE-49A9-BD24-5B3179D6306A}" srcId="{42EB0D93-1071-4C9F-8516-14F6429A8A0A}" destId="{8C4DB0B6-A6DE-4093-ACB4-4EFC984FA3E3}" srcOrd="1" destOrd="0" parTransId="{C24B822F-B3C2-46B7-BADC-B37C65A36D7D}" sibTransId="{F6A6D247-2365-4278-A464-009A94DACED2}"/>
+    <dgm:cxn modelId="{25BC0D99-FBA3-469D-9D21-EACDD91A30EB}" type="presOf" srcId="{4F2FA62E-DE8E-4D15-9E04-04DE9A8DEAF5}" destId="{414C7502-3B8C-45E9-9CF5-DF6FC420165B}" srcOrd="0" destOrd="0" presId="urn:microsoft.com/office/officeart/2018/2/layout/IconLabelDescriptionList"/>
+    <dgm:cxn modelId="{91469BAA-66EF-48B2-A8EA-B2D1C5298ABE}" type="presOf" srcId="{42EB0D93-1071-4C9F-8516-14F6429A8A0A}" destId="{14D40FE2-DA5A-4790-B6E9-8FD1773EF204}" srcOrd="0" destOrd="0" presId="urn:microsoft.com/office/officeart/2018/2/layout/IconLabelDescriptionList"/>
+    <dgm:cxn modelId="{881937B7-DF6D-4345-89F8-9D5F424D823C}" type="presOf" srcId="{7A86C956-EA70-45FA-BC03-AFB8B0F8800F}" destId="{B1109031-2268-4FBD-A2F5-6AA0C58D07E2}" srcOrd="0" destOrd="0" presId="urn:microsoft.com/office/officeart/2018/2/layout/IconLabelDescriptionList"/>
+    <dgm:cxn modelId="{1A3BBAC0-4BC8-4BE0-A333-1512CAB3FC65}" type="presOf" srcId="{D3300356-8282-4493-BA70-8B060C7BDC11}" destId="{8220D0A6-A61A-44AF-96D8-70203CA4F945}" srcOrd="0" destOrd="0" presId="urn:microsoft.com/office/officeart/2018/2/layout/IconLabelDescriptionList"/>
+    <dgm:cxn modelId="{A3068DDE-491A-4B74-9AE0-F52F01E772F8}" type="presOf" srcId="{8C4DB0B6-A6DE-4093-ACB4-4EFC984FA3E3}" destId="{9B144245-7351-425C-BD87-F1A6E8D310D4}" srcOrd="0" destOrd="0" presId="urn:microsoft.com/office/officeart/2018/2/layout/IconLabelDescriptionList"/>
+    <dgm:cxn modelId="{E4ED529A-1DCF-48A6-B029-5B5E3E515F07}" type="presParOf" srcId="{14D40FE2-DA5A-4790-B6E9-8FD1773EF204}" destId="{794FBE22-AD8D-428F-8E4B-5B03C581E6BA}" srcOrd="0" destOrd="0" presId="urn:microsoft.com/office/officeart/2018/2/layout/IconLabelDescriptionList"/>
+    <dgm:cxn modelId="{2060397B-98CA-47B6-9E99-212E1FFAF407}" type="presParOf" srcId="{794FBE22-AD8D-428F-8E4B-5B03C581E6BA}" destId="{F519A34E-D9CE-4482-B944-74ED6B4F3E5D}" srcOrd="0" destOrd="0" presId="urn:microsoft.com/office/officeart/2018/2/layout/IconLabelDescriptionList"/>
+    <dgm:cxn modelId="{C8E0F39D-BEF2-47E2-AA4A-44ED1F8B08FB}" type="presParOf" srcId="{794FBE22-AD8D-428F-8E4B-5B03C581E6BA}" destId="{4C5D639D-2DCF-4E30-AA1B-0719C1063269}" srcOrd="1" destOrd="0" presId="urn:microsoft.com/office/officeart/2018/2/layout/IconLabelDescriptionList"/>
+    <dgm:cxn modelId="{E3AB9BE5-B6CB-4D7B-9721-C85179191BA5}" type="presParOf" srcId="{794FBE22-AD8D-428F-8E4B-5B03C581E6BA}" destId="{414C7502-3B8C-45E9-9CF5-DF6FC420165B}" srcOrd="2" destOrd="0" presId="urn:microsoft.com/office/officeart/2018/2/layout/IconLabelDescriptionList"/>
+    <dgm:cxn modelId="{D8D22F4D-D2CD-4820-B40E-E6E0F285328D}" type="presParOf" srcId="{794FBE22-AD8D-428F-8E4B-5B03C581E6BA}" destId="{5D1BF87A-FABF-4C96-8601-92366852C8E5}" srcOrd="3" destOrd="0" presId="urn:microsoft.com/office/officeart/2018/2/layout/IconLabelDescriptionList"/>
+    <dgm:cxn modelId="{0C1200EC-30A1-4F2E-A232-1F989418BAA7}" type="presParOf" srcId="{794FBE22-AD8D-428F-8E4B-5B03C581E6BA}" destId="{B91D9096-BD49-48FB-B947-CFE3AAE38B5C}" srcOrd="4" destOrd="0" presId="urn:microsoft.com/office/officeart/2018/2/layout/IconLabelDescriptionList"/>
+    <dgm:cxn modelId="{39850168-BFF1-47B6-B384-F4EFA4C7901D}" type="presParOf" srcId="{14D40FE2-DA5A-4790-B6E9-8FD1773EF204}" destId="{F8D14797-01EB-4C1F-971A-FF01A361A21C}" srcOrd="1" destOrd="0" presId="urn:microsoft.com/office/officeart/2018/2/layout/IconLabelDescriptionList"/>
+    <dgm:cxn modelId="{D40D9AF2-2442-4CDC-97C2-259F53525FBE}" type="presParOf" srcId="{14D40FE2-DA5A-4790-B6E9-8FD1773EF204}" destId="{064935F1-375D-4BD7-B2A3-96669332C4A5}" srcOrd="2" destOrd="0" presId="urn:microsoft.com/office/officeart/2018/2/layout/IconLabelDescriptionList"/>
+    <dgm:cxn modelId="{F51BE294-F68E-4A91-AF28-F88FA8B0A91D}" type="presParOf" srcId="{064935F1-375D-4BD7-B2A3-96669332C4A5}" destId="{BC1DCFBA-1E3F-449C-94B5-2B92A4614FF3}" srcOrd="0" destOrd="0" presId="urn:microsoft.com/office/officeart/2018/2/layout/IconLabelDescriptionList"/>
+    <dgm:cxn modelId="{4DF5503F-3767-4944-BE73-D7ABF6F214DE}" type="presParOf" srcId="{064935F1-375D-4BD7-B2A3-96669332C4A5}" destId="{FBC97A10-9F50-49A4-92C8-931AEEEB2B27}" srcOrd="1" destOrd="0" presId="urn:microsoft.com/office/officeart/2018/2/layout/IconLabelDescriptionList"/>
+    <dgm:cxn modelId="{ABC2F3B1-A11A-451D-BB64-512DBA302EE3}" type="presParOf" srcId="{064935F1-375D-4BD7-B2A3-96669332C4A5}" destId="{9B144245-7351-425C-BD87-F1A6E8D310D4}" srcOrd="2" destOrd="0" presId="urn:microsoft.com/office/officeart/2018/2/layout/IconLabelDescriptionList"/>
+    <dgm:cxn modelId="{0DD73AF2-2ABE-4F1B-85A6-E93CD2AC5233}" type="presParOf" srcId="{064935F1-375D-4BD7-B2A3-96669332C4A5}" destId="{304E7B00-F2BE-498B-A916-F78B512C1453}" srcOrd="3" destOrd="0" presId="urn:microsoft.com/office/officeart/2018/2/layout/IconLabelDescriptionList"/>
+    <dgm:cxn modelId="{4C5B04AF-3EDE-498D-8992-4C316DFA7F82}" type="presParOf" srcId="{064935F1-375D-4BD7-B2A3-96669332C4A5}" destId="{86696E92-B28F-4AD1-AE70-F4206C91D986}" srcOrd="4" destOrd="0" presId="urn:microsoft.com/office/officeart/2018/2/layout/IconLabelDescriptionList"/>
+    <dgm:cxn modelId="{86D5CCAE-35E5-4CF1-A219-BD29C80BF32E}" type="presParOf" srcId="{14D40FE2-DA5A-4790-B6E9-8FD1773EF204}" destId="{07EC3C19-12ED-4DEE-A788-956201F1A7D0}" srcOrd="3" destOrd="0" presId="urn:microsoft.com/office/officeart/2018/2/layout/IconLabelDescriptionList"/>
+    <dgm:cxn modelId="{F105A336-F89F-4E3A-B3C0-3C9A037E469D}" type="presParOf" srcId="{14D40FE2-DA5A-4790-B6E9-8FD1773EF204}" destId="{1C510BBB-46FA-4539-8B2D-C48F57B941F0}" srcOrd="4" destOrd="0" presId="urn:microsoft.com/office/officeart/2018/2/layout/IconLabelDescriptionList"/>
+    <dgm:cxn modelId="{64594132-8B71-45A1-8692-889A677DDFD2}" type="presParOf" srcId="{1C510BBB-46FA-4539-8B2D-C48F57B941F0}" destId="{A1A83A62-079E-44C6-AC5D-796E64C36010}" srcOrd="0" destOrd="0" presId="urn:microsoft.com/office/officeart/2018/2/layout/IconLabelDescriptionList"/>
+    <dgm:cxn modelId="{35529E42-8BFF-443E-86F1-BADCFEF94EA9}" type="presParOf" srcId="{1C510BBB-46FA-4539-8B2D-C48F57B941F0}" destId="{C6B2BB4A-D4B7-4BBB-AE6A-F7964C6EED20}" srcOrd="1" destOrd="0" presId="urn:microsoft.com/office/officeart/2018/2/layout/IconLabelDescriptionList"/>
+    <dgm:cxn modelId="{BFD4B6AE-8874-4096-84F9-0DBFA5F9A0BC}" type="presParOf" srcId="{1C510BBB-46FA-4539-8B2D-C48F57B941F0}" destId="{8220D0A6-A61A-44AF-96D8-70203CA4F945}" srcOrd="2" destOrd="0" presId="urn:microsoft.com/office/officeart/2018/2/layout/IconLabelDescriptionList"/>
+    <dgm:cxn modelId="{F0D82BCF-64A7-47E1-AAF9-D2AAD4109C22}" type="presParOf" srcId="{1C510BBB-46FA-4539-8B2D-C48F57B941F0}" destId="{41A88345-4056-4679-B9AC-3C1AA5BC81E6}" srcOrd="3" destOrd="0" presId="urn:microsoft.com/office/officeart/2018/2/layout/IconLabelDescriptionList"/>
+    <dgm:cxn modelId="{88D68363-FCD8-488A-928F-ADCBB4D67EFB}" type="presParOf" srcId="{1C510BBB-46FA-4539-8B2D-C48F57B941F0}" destId="{B1109031-2268-4FBD-A2F5-6AA0C58D07E2}" srcOrd="4" destOrd="0" presId="urn:microsoft.com/office/officeart/2018/2/layout/IconLabelDescriptionList"/>
+  </dgm:cxnLst>
+  <dgm:bg/>
+  <dgm:whole/>
+  <dgm:extLst>
+    <a:ext uri="http://schemas.microsoft.com/office/drawing/2008/diagram">
+      <dsp:dataModelExt xmlns:dsp="http://schemas.microsoft.com/office/drawing/2008/diagram" relId="rId6" minVer="http://schemas.openxmlformats.org/drawingml/2006/diagram"/>
+    </a:ext>
+  </dgm:extLst>
+</dgm:dataModel>
+</file>
+
+<file path=ppt/diagrams/data4.xml><?xml version="1.0" encoding="utf-8"?>
 <dgm:dataModel xmlns:dgm="http://schemas.openxmlformats.org/drawingml/2006/diagram" xmlns:a="http://schemas.openxmlformats.org/drawingml/2006/main">
   <dgm:ptLst>
     <dgm:pt modelId="{AFA3A486-9B6B-4AC0-B69D-DE884519742A}" type="doc">
@@ -5645,6 +6833,519 @@
       <dsp:cNvGrpSpPr/>
     </dsp:nvGrpSpPr>
     <dsp:grpSpPr/>
+    <dsp:sp modelId="{F519A34E-D9CE-4482-B944-74ED6B4F3E5D}">
+      <dsp:nvSpPr>
+        <dsp:cNvPr id="0" name=""/>
+        <dsp:cNvSpPr/>
+      </dsp:nvSpPr>
+      <dsp:spPr>
+        <a:xfrm>
+          <a:off x="4985" y="919977"/>
+          <a:ext cx="1049835" cy="1049835"/>
+        </a:xfrm>
+        <a:prstGeom prst="rect">
+          <a:avLst/>
+        </a:prstGeom>
+        <a:blipFill>
+          <a:blip xmlns:r="http://schemas.openxmlformats.org/officeDocument/2006/relationships" r:embed="rId1">
+            <a:extLst>
+              <a:ext uri="{28A0092B-C50C-407E-A947-70E740481C1C}">
+                <a14:useLocalDpi xmlns:a14="http://schemas.microsoft.com/office/drawing/2010/main" val="0"/>
+              </a:ext>
+              <a:ext uri="{96DAC541-7B7A-43D3-8B79-37D633B846F1}">
+                <asvg:svgBlip xmlns:asvg="http://schemas.microsoft.com/office/drawing/2016/SVG/main" r:embed="rId2"/>
+              </a:ext>
+            </a:extLst>
+          </a:blip>
+          <a:stretch>
+            <a:fillRect/>
+          </a:stretch>
+        </a:blipFill>
+        <a:ln w="12700" cap="flat" cmpd="sng" algn="ctr">
+          <a:noFill/>
+          <a:prstDash val="solid"/>
+        </a:ln>
+        <a:effectLst/>
+      </dsp:spPr>
+      <dsp:style>
+        <a:lnRef idx="2">
+          <a:scrgbClr r="0" g="0" b="0"/>
+        </a:lnRef>
+        <a:fillRef idx="1">
+          <a:scrgbClr r="0" g="0" b="0"/>
+        </a:fillRef>
+        <a:effectRef idx="0">
+          <a:scrgbClr r="0" g="0" b="0"/>
+        </a:effectRef>
+        <a:fontRef idx="minor">
+          <a:schemeClr val="lt1"/>
+        </a:fontRef>
+      </dsp:style>
+    </dsp:sp>
+    <dsp:sp modelId="{414C7502-3B8C-45E9-9CF5-DF6FC420165B}">
+      <dsp:nvSpPr>
+        <dsp:cNvPr id="0" name=""/>
+        <dsp:cNvSpPr/>
+      </dsp:nvSpPr>
+      <dsp:spPr>
+        <a:xfrm>
+          <a:off x="4985" y="2056229"/>
+          <a:ext cx="2999531" cy="449929"/>
+        </a:xfrm>
+        <a:prstGeom prst="rect">
+          <a:avLst/>
+        </a:prstGeom>
+        <a:noFill/>
+        <a:ln>
+          <a:noFill/>
+        </a:ln>
+        <a:effectLst/>
+      </dsp:spPr>
+      <dsp:style>
+        <a:lnRef idx="0">
+          <a:scrgbClr r="0" g="0" b="0"/>
+        </a:lnRef>
+        <a:fillRef idx="0">
+          <a:scrgbClr r="0" g="0" b="0"/>
+        </a:fillRef>
+        <a:effectRef idx="0">
+          <a:scrgbClr r="0" g="0" b="0"/>
+        </a:effectRef>
+        <a:fontRef idx="minor"/>
+      </dsp:style>
+      <dsp:txBody>
+        <a:bodyPr spcFirstLastPara="0" vert="horz" wrap="square" lIns="0" tIns="0" rIns="0" bIns="0" numCol="1" spcCol="1270" anchor="t" anchorCtr="0">
+          <a:noAutofit/>
+        </a:bodyPr>
+        <a:lstStyle/>
+        <a:p>
+          <a:pPr marL="0" lvl="0" indent="0" algn="l" defTabSz="622300">
+            <a:lnSpc>
+              <a:spcPct val="90000"/>
+            </a:lnSpc>
+            <a:spcBef>
+              <a:spcPct val="0"/>
+            </a:spcBef>
+            <a:spcAft>
+              <a:spcPct val="35000"/>
+            </a:spcAft>
+            <a:buNone/>
+            <a:defRPr b="1"/>
+          </a:pPr>
+          <a:r>
+            <a:rPr lang="en-US" sz="1400" kern="1200"/>
+            <a:t>Attack function is only applied when “trigger_condition == True”</a:t>
+          </a:r>
+        </a:p>
+      </dsp:txBody>
+      <dsp:txXfrm>
+        <a:off x="4985" y="2056229"/>
+        <a:ext cx="2999531" cy="449929"/>
+      </dsp:txXfrm>
+    </dsp:sp>
+    <dsp:sp modelId="{B91D9096-BD49-48FB-B947-CFE3AAE38B5C}">
+      <dsp:nvSpPr>
+        <dsp:cNvPr id="0" name=""/>
+        <dsp:cNvSpPr/>
+      </dsp:nvSpPr>
+      <dsp:spPr>
+        <a:xfrm>
+          <a:off x="4985" y="2546352"/>
+          <a:ext cx="2999531" cy="383293"/>
+        </a:xfrm>
+        <a:prstGeom prst="rect">
+          <a:avLst/>
+        </a:prstGeom>
+        <a:noFill/>
+        <a:ln>
+          <a:noFill/>
+        </a:ln>
+        <a:effectLst/>
+      </dsp:spPr>
+      <dsp:style>
+        <a:lnRef idx="0">
+          <a:scrgbClr r="0" g="0" b="0"/>
+        </a:lnRef>
+        <a:fillRef idx="0">
+          <a:scrgbClr r="0" g="0" b="0"/>
+        </a:fillRef>
+        <a:effectRef idx="0">
+          <a:scrgbClr r="0" g="0" b="0"/>
+        </a:effectRef>
+        <a:fontRef idx="minor"/>
+      </dsp:style>
+    </dsp:sp>
+    <dsp:sp modelId="{BC1DCFBA-1E3F-449C-94B5-2B92A4614FF3}">
+      <dsp:nvSpPr>
+        <dsp:cNvPr id="0" name=""/>
+        <dsp:cNvSpPr/>
+      </dsp:nvSpPr>
+      <dsp:spPr>
+        <a:xfrm>
+          <a:off x="3529434" y="919977"/>
+          <a:ext cx="1049835" cy="1049835"/>
+        </a:xfrm>
+        <a:prstGeom prst="rect">
+          <a:avLst/>
+        </a:prstGeom>
+        <a:blipFill>
+          <a:blip xmlns:r="http://schemas.openxmlformats.org/officeDocument/2006/relationships" r:embed="rId3">
+            <a:extLst>
+              <a:ext uri="{28A0092B-C50C-407E-A947-70E740481C1C}">
+                <a14:useLocalDpi xmlns:a14="http://schemas.microsoft.com/office/drawing/2010/main" val="0"/>
+              </a:ext>
+              <a:ext uri="{96DAC541-7B7A-43D3-8B79-37D633B846F1}">
+                <asvg:svgBlip xmlns:asvg="http://schemas.microsoft.com/office/drawing/2016/SVG/main" r:embed="rId4"/>
+              </a:ext>
+            </a:extLst>
+          </a:blip>
+          <a:srcRect/>
+          <a:stretch>
+            <a:fillRect/>
+          </a:stretch>
+        </a:blipFill>
+        <a:ln w="12700" cap="flat" cmpd="sng" algn="ctr">
+          <a:noFill/>
+          <a:prstDash val="solid"/>
+        </a:ln>
+        <a:effectLst/>
+      </dsp:spPr>
+      <dsp:style>
+        <a:lnRef idx="2">
+          <a:scrgbClr r="0" g="0" b="0"/>
+        </a:lnRef>
+        <a:fillRef idx="1">
+          <a:scrgbClr r="0" g="0" b="0"/>
+        </a:fillRef>
+        <a:effectRef idx="0">
+          <a:scrgbClr r="0" g="0" b="0"/>
+        </a:effectRef>
+        <a:fontRef idx="minor">
+          <a:schemeClr val="lt1"/>
+        </a:fontRef>
+      </dsp:style>
+    </dsp:sp>
+    <dsp:sp modelId="{9B144245-7351-425C-BD87-F1A6E8D310D4}">
+      <dsp:nvSpPr>
+        <dsp:cNvPr id="0" name=""/>
+        <dsp:cNvSpPr/>
+      </dsp:nvSpPr>
+      <dsp:spPr>
+        <a:xfrm>
+          <a:off x="3529434" y="2056229"/>
+          <a:ext cx="2999531" cy="449929"/>
+        </a:xfrm>
+        <a:prstGeom prst="rect">
+          <a:avLst/>
+        </a:prstGeom>
+        <a:noFill/>
+        <a:ln>
+          <a:noFill/>
+        </a:ln>
+        <a:effectLst/>
+      </dsp:spPr>
+      <dsp:style>
+        <a:lnRef idx="0">
+          <a:scrgbClr r="0" g="0" b="0"/>
+        </a:lnRef>
+        <a:fillRef idx="0">
+          <a:scrgbClr r="0" g="0" b="0"/>
+        </a:fillRef>
+        <a:effectRef idx="0">
+          <a:scrgbClr r="0" g="0" b="0"/>
+        </a:effectRef>
+        <a:fontRef idx="minor"/>
+      </dsp:style>
+      <dsp:txBody>
+        <a:bodyPr spcFirstLastPara="0" vert="horz" wrap="square" lIns="0" tIns="0" rIns="0" bIns="0" numCol="1" spcCol="1270" anchor="t" anchorCtr="0">
+          <a:noAutofit/>
+        </a:bodyPr>
+        <a:lstStyle/>
+        <a:p>
+          <a:pPr marL="0" lvl="0" indent="0" algn="l" defTabSz="622300">
+            <a:lnSpc>
+              <a:spcPct val="90000"/>
+            </a:lnSpc>
+            <a:spcBef>
+              <a:spcPct val="0"/>
+            </a:spcBef>
+            <a:spcAft>
+              <a:spcPct val="35000"/>
+            </a:spcAft>
+            <a:buNone/>
+            <a:defRPr b="1"/>
+          </a:pPr>
+          <a:r>
+            <a:rPr lang="en-US" sz="1400" kern="1200"/>
+            <a:t>For this instance trigger is randomly generated</a:t>
+          </a:r>
+        </a:p>
+      </dsp:txBody>
+      <dsp:txXfrm>
+        <a:off x="3529434" y="2056229"/>
+        <a:ext cx="2999531" cy="449929"/>
+      </dsp:txXfrm>
+    </dsp:sp>
+    <dsp:sp modelId="{86696E92-B28F-4AD1-AE70-F4206C91D986}">
+      <dsp:nvSpPr>
+        <dsp:cNvPr id="0" name=""/>
+        <dsp:cNvSpPr/>
+      </dsp:nvSpPr>
+      <dsp:spPr>
+        <a:xfrm>
+          <a:off x="3529434" y="2546352"/>
+          <a:ext cx="2999531" cy="383293"/>
+        </a:xfrm>
+        <a:prstGeom prst="rect">
+          <a:avLst/>
+        </a:prstGeom>
+        <a:noFill/>
+        <a:ln>
+          <a:noFill/>
+        </a:ln>
+        <a:effectLst/>
+      </dsp:spPr>
+      <dsp:style>
+        <a:lnRef idx="0">
+          <a:scrgbClr r="0" g="0" b="0"/>
+        </a:lnRef>
+        <a:fillRef idx="0">
+          <a:scrgbClr r="0" g="0" b="0"/>
+        </a:fillRef>
+        <a:effectRef idx="0">
+          <a:scrgbClr r="0" g="0" b="0"/>
+        </a:effectRef>
+        <a:fontRef idx="minor"/>
+      </dsp:style>
+      <dsp:txBody>
+        <a:bodyPr spcFirstLastPara="0" vert="horz" wrap="square" lIns="0" tIns="0" rIns="0" bIns="0" numCol="1" spcCol="1270" anchor="t" anchorCtr="0">
+          <a:noAutofit/>
+        </a:bodyPr>
+        <a:lstStyle/>
+        <a:p>
+          <a:pPr marL="0" lvl="0" indent="0" algn="l" defTabSz="488950">
+            <a:lnSpc>
+              <a:spcPct val="90000"/>
+            </a:lnSpc>
+            <a:spcBef>
+              <a:spcPct val="0"/>
+            </a:spcBef>
+            <a:spcAft>
+              <a:spcPct val="35000"/>
+            </a:spcAft>
+            <a:buNone/>
+          </a:pPr>
+          <a:r>
+            <a:rPr lang="en-US" sz="1100" kern="1200"/>
+            <a:t>True / False – 50/50 probability</a:t>
+          </a:r>
+        </a:p>
+      </dsp:txBody>
+      <dsp:txXfrm>
+        <a:off x="3529434" y="2546352"/>
+        <a:ext cx="2999531" cy="383293"/>
+      </dsp:txXfrm>
+    </dsp:sp>
+    <dsp:sp modelId="{A1A83A62-079E-44C6-AC5D-796E64C36010}">
+      <dsp:nvSpPr>
+        <dsp:cNvPr id="0" name=""/>
+        <dsp:cNvSpPr/>
+      </dsp:nvSpPr>
+      <dsp:spPr>
+        <a:xfrm>
+          <a:off x="7053883" y="919977"/>
+          <a:ext cx="1049835" cy="1049835"/>
+        </a:xfrm>
+        <a:prstGeom prst="rect">
+          <a:avLst/>
+        </a:prstGeom>
+        <a:blipFill>
+          <a:blip xmlns:r="http://schemas.openxmlformats.org/officeDocument/2006/relationships" r:embed="rId5">
+            <a:extLst>
+              <a:ext uri="{28A0092B-C50C-407E-A947-70E740481C1C}">
+                <a14:useLocalDpi xmlns:a14="http://schemas.microsoft.com/office/drawing/2010/main" val="0"/>
+              </a:ext>
+              <a:ext uri="{96DAC541-7B7A-43D3-8B79-37D633B846F1}">
+                <asvg:svgBlip xmlns:asvg="http://schemas.microsoft.com/office/drawing/2016/SVG/main" r:embed="rId6"/>
+              </a:ext>
+            </a:extLst>
+          </a:blip>
+          <a:stretch>
+            <a:fillRect/>
+          </a:stretch>
+        </a:blipFill>
+        <a:ln w="12700" cap="flat" cmpd="sng" algn="ctr">
+          <a:noFill/>
+          <a:prstDash val="solid"/>
+        </a:ln>
+        <a:effectLst/>
+      </dsp:spPr>
+      <dsp:style>
+        <a:lnRef idx="2">
+          <a:scrgbClr r="0" g="0" b="0"/>
+        </a:lnRef>
+        <a:fillRef idx="1">
+          <a:scrgbClr r="0" g="0" b="0"/>
+        </a:fillRef>
+        <a:effectRef idx="0">
+          <a:scrgbClr r="0" g="0" b="0"/>
+        </a:effectRef>
+        <a:fontRef idx="minor">
+          <a:schemeClr val="lt1"/>
+        </a:fontRef>
+      </dsp:style>
+    </dsp:sp>
+    <dsp:sp modelId="{8220D0A6-A61A-44AF-96D8-70203CA4F945}">
+      <dsp:nvSpPr>
+        <dsp:cNvPr id="0" name=""/>
+        <dsp:cNvSpPr/>
+      </dsp:nvSpPr>
+      <dsp:spPr>
+        <a:xfrm>
+          <a:off x="7053883" y="2056229"/>
+          <a:ext cx="2999531" cy="449929"/>
+        </a:xfrm>
+        <a:prstGeom prst="rect">
+          <a:avLst/>
+        </a:prstGeom>
+        <a:noFill/>
+        <a:ln>
+          <a:noFill/>
+        </a:ln>
+        <a:effectLst/>
+      </dsp:spPr>
+      <dsp:style>
+        <a:lnRef idx="0">
+          <a:scrgbClr r="0" g="0" b="0"/>
+        </a:lnRef>
+        <a:fillRef idx="0">
+          <a:scrgbClr r="0" g="0" b="0"/>
+        </a:fillRef>
+        <a:effectRef idx="0">
+          <a:scrgbClr r="0" g="0" b="0"/>
+        </a:effectRef>
+        <a:fontRef idx="minor"/>
+      </dsp:style>
+      <dsp:txBody>
+        <a:bodyPr spcFirstLastPara="0" vert="horz" wrap="square" lIns="0" tIns="0" rIns="0" bIns="0" numCol="1" spcCol="1270" anchor="t" anchorCtr="0">
+          <a:noAutofit/>
+        </a:bodyPr>
+        <a:lstStyle/>
+        <a:p>
+          <a:pPr marL="0" lvl="0" indent="0" algn="l" defTabSz="622300">
+            <a:lnSpc>
+              <a:spcPct val="90000"/>
+            </a:lnSpc>
+            <a:spcBef>
+              <a:spcPct val="0"/>
+            </a:spcBef>
+            <a:spcAft>
+              <a:spcPct val="35000"/>
+            </a:spcAft>
+            <a:buNone/>
+            <a:defRPr b="1"/>
+          </a:pPr>
+          <a:r>
+            <a:rPr lang="en-US" sz="1400" kern="1200"/>
+            <a:t>Represents an “External Trigger Condition”</a:t>
+          </a:r>
+        </a:p>
+      </dsp:txBody>
+      <dsp:txXfrm>
+        <a:off x="7053883" y="2056229"/>
+        <a:ext cx="2999531" cy="449929"/>
+      </dsp:txXfrm>
+    </dsp:sp>
+    <dsp:sp modelId="{B1109031-2268-4FBD-A2F5-6AA0C58D07E2}">
+      <dsp:nvSpPr>
+        <dsp:cNvPr id="0" name=""/>
+        <dsp:cNvSpPr/>
+      </dsp:nvSpPr>
+      <dsp:spPr>
+        <a:xfrm>
+          <a:off x="7053883" y="2546352"/>
+          <a:ext cx="2999531" cy="383293"/>
+        </a:xfrm>
+        <a:prstGeom prst="rect">
+          <a:avLst/>
+        </a:prstGeom>
+        <a:noFill/>
+        <a:ln>
+          <a:noFill/>
+        </a:ln>
+        <a:effectLst/>
+      </dsp:spPr>
+      <dsp:style>
+        <a:lnRef idx="0">
+          <a:scrgbClr r="0" g="0" b="0"/>
+        </a:lnRef>
+        <a:fillRef idx="0">
+          <a:scrgbClr r="0" g="0" b="0"/>
+        </a:fillRef>
+        <a:effectRef idx="0">
+          <a:scrgbClr r="0" g="0" b="0"/>
+        </a:effectRef>
+        <a:fontRef idx="minor"/>
+      </dsp:style>
+      <dsp:txBody>
+        <a:bodyPr spcFirstLastPara="0" vert="horz" wrap="square" lIns="0" tIns="0" rIns="0" bIns="0" numCol="1" spcCol="1270" anchor="t" anchorCtr="0">
+          <a:noAutofit/>
+        </a:bodyPr>
+        <a:lstStyle/>
+        <a:p>
+          <a:pPr marL="0" lvl="0" indent="0" algn="l" defTabSz="488950">
+            <a:lnSpc>
+              <a:spcPct val="90000"/>
+            </a:lnSpc>
+            <a:spcBef>
+              <a:spcPct val="0"/>
+            </a:spcBef>
+            <a:spcAft>
+              <a:spcPct val="35000"/>
+            </a:spcAft>
+            <a:buNone/>
+          </a:pPr>
+          <a:r>
+            <a:rPr lang="en-US" sz="1100" kern="1200" dirty="0"/>
+            <a:t>Not related to anything within </a:t>
+          </a:r>
+        </a:p>
+        <a:p>
+          <a:pPr marL="0" lvl="0" indent="0" algn="l" defTabSz="488950">
+            <a:lnSpc>
+              <a:spcPct val="90000"/>
+            </a:lnSpc>
+            <a:spcBef>
+              <a:spcPct val="0"/>
+            </a:spcBef>
+            <a:spcAft>
+              <a:spcPct val="35000"/>
+            </a:spcAft>
+            <a:buNone/>
+          </a:pPr>
+          <a:r>
+            <a:rPr lang="en-US" sz="1100" kern="1200" dirty="0"/>
+            <a:t>the program</a:t>
+          </a:r>
+        </a:p>
+      </dsp:txBody>
+      <dsp:txXfrm>
+        <a:off x="7053883" y="2546352"/>
+        <a:ext cx="2999531" cy="383293"/>
+      </dsp:txXfrm>
+    </dsp:sp>
+  </dsp:spTree>
+</dsp:drawing>
+</file>
+
+<file path=ppt/diagrams/drawing4.xml><?xml version="1.0" encoding="utf-8"?>
+<dsp:drawing xmlns:dgm="http://schemas.openxmlformats.org/drawingml/2006/diagram" xmlns:dsp="http://schemas.microsoft.com/office/drawing/2008/diagram" xmlns:a="http://schemas.openxmlformats.org/drawingml/2006/main">
+  <dsp:spTree>
+    <dsp:nvGrpSpPr>
+      <dsp:cNvPr id="0" name=""/>
+      <dsp:cNvGrpSpPr/>
+    </dsp:nvGrpSpPr>
+    <dsp:grpSpPr/>
     <dsp:sp modelId="{FEBFC976-B7AC-4A07-85C1-7902E0F0CAC5}">
       <dsp:nvSpPr>
         <dsp:cNvPr id="0" name=""/>
@@ -5652,8 +7353,8 @@
       </dsp:nvSpPr>
       <dsp:spPr>
         <a:xfrm>
-          <a:off x="0" y="1597"/>
-          <a:ext cx="10058399" cy="809774"/>
+          <a:off x="0" y="2213"/>
+          <a:ext cx="6858000" cy="1122015"/>
         </a:xfrm>
         <a:prstGeom prst="roundRect">
           <a:avLst>
@@ -5694,8 +7395,8 @@
       </dsp:nvSpPr>
       <dsp:spPr>
         <a:xfrm>
-          <a:off x="244956" y="183796"/>
-          <a:ext cx="445375" cy="445375"/>
+          <a:off x="339409" y="254667"/>
+          <a:ext cx="617108" cy="617108"/>
         </a:xfrm>
         <a:prstGeom prst="rect">
           <a:avLst/>
@@ -5743,8 +7444,8 @@
       </dsp:nvSpPr>
       <dsp:spPr>
         <a:xfrm>
-          <a:off x="935289" y="1597"/>
-          <a:ext cx="9123110" cy="809774"/>
+          <a:off x="1295927" y="2213"/>
+          <a:ext cx="5562072" cy="1122015"/>
         </a:xfrm>
         <a:prstGeom prst="rect">
           <a:avLst/>
@@ -5768,7 +7469,7 @@
         <a:fontRef idx="minor"/>
       </dsp:style>
       <dsp:txBody>
-        <a:bodyPr spcFirstLastPara="0" vert="horz" wrap="square" lIns="85701" tIns="85701" rIns="85701" bIns="85701" numCol="1" spcCol="1270" anchor="ctr" anchorCtr="0">
+        <a:bodyPr spcFirstLastPara="0" vert="horz" wrap="square" lIns="118747" tIns="118747" rIns="118747" bIns="118747" numCol="1" spcCol="1270" anchor="ctr" anchorCtr="0">
           <a:noAutofit/>
         </a:bodyPr>
         <a:lstStyle/>
@@ -5792,8 +7493,8 @@
         </a:p>
       </dsp:txBody>
       <dsp:txXfrm>
-        <a:off x="935289" y="1597"/>
-        <a:ext cx="9123110" cy="809774"/>
+        <a:off x="1295927" y="2213"/>
+        <a:ext cx="5562072" cy="1122015"/>
       </dsp:txXfrm>
     </dsp:sp>
     <dsp:sp modelId="{B98F9671-6EF8-4106-A0D3-6D3681549BE8}">
@@ -5803,8 +7504,8 @@
       </dsp:nvSpPr>
       <dsp:spPr>
         <a:xfrm>
-          <a:off x="0" y="1013815"/>
-          <a:ext cx="10058399" cy="809774"/>
+          <a:off x="0" y="1404732"/>
+          <a:ext cx="6858000" cy="1122015"/>
         </a:xfrm>
         <a:prstGeom prst="roundRect">
           <a:avLst>
@@ -5845,8 +7546,8 @@
       </dsp:nvSpPr>
       <dsp:spPr>
         <a:xfrm>
-          <a:off x="244956" y="1196015"/>
-          <a:ext cx="445375" cy="445375"/>
+          <a:off x="339409" y="1657186"/>
+          <a:ext cx="617108" cy="617108"/>
         </a:xfrm>
         <a:prstGeom prst="rect">
           <a:avLst/>
@@ -5894,8 +7595,8 @@
       </dsp:nvSpPr>
       <dsp:spPr>
         <a:xfrm>
-          <a:off x="935289" y="1013815"/>
-          <a:ext cx="4526280" cy="809774"/>
+          <a:off x="1295927" y="1404732"/>
+          <a:ext cx="3086100" cy="1122015"/>
         </a:xfrm>
         <a:prstGeom prst="rect">
           <a:avLst/>
@@ -5919,7 +7620,7 @@
         <a:fontRef idx="minor"/>
       </dsp:style>
       <dsp:txBody>
-        <a:bodyPr spcFirstLastPara="0" vert="horz" wrap="square" lIns="85701" tIns="85701" rIns="85701" bIns="85701" numCol="1" spcCol="1270" anchor="ctr" anchorCtr="0">
+        <a:bodyPr spcFirstLastPara="0" vert="horz" wrap="square" lIns="118747" tIns="118747" rIns="118747" bIns="118747" numCol="1" spcCol="1270" anchor="ctr" anchorCtr="0">
           <a:noAutofit/>
         </a:bodyPr>
         <a:lstStyle/>
@@ -5943,8 +7644,8 @@
         </a:p>
       </dsp:txBody>
       <dsp:txXfrm>
-        <a:off x="935289" y="1013815"/>
-        <a:ext cx="4526280" cy="809774"/>
+        <a:off x="1295927" y="1404732"/>
+        <a:ext cx="3086100" cy="1122015"/>
       </dsp:txXfrm>
     </dsp:sp>
     <dsp:sp modelId="{A6555BCB-4E09-487E-9638-44B2F836484E}">
@@ -5954,8 +7655,8 @@
       </dsp:nvSpPr>
       <dsp:spPr>
         <a:xfrm>
-          <a:off x="5461569" y="1013815"/>
-          <a:ext cx="4596830" cy="809774"/>
+          <a:off x="4382027" y="1404732"/>
+          <a:ext cx="2475972" cy="1122015"/>
         </a:xfrm>
         <a:prstGeom prst="rect">
           <a:avLst/>
@@ -5979,12 +7680,12 @@
         <a:fontRef idx="minor"/>
       </dsp:style>
       <dsp:txBody>
-        <a:bodyPr spcFirstLastPara="0" vert="horz" wrap="square" lIns="85701" tIns="85701" rIns="85701" bIns="85701" numCol="1" spcCol="1270" anchor="ctr" anchorCtr="0">
+        <a:bodyPr spcFirstLastPara="0" vert="horz" wrap="square" lIns="118747" tIns="118747" rIns="118747" bIns="118747" numCol="1" spcCol="1270" anchor="ctr" anchorCtr="0">
           <a:noAutofit/>
         </a:bodyPr>
         <a:lstStyle/>
         <a:p>
-          <a:pPr marL="0" lvl="0" indent="0" algn="l" defTabSz="488950">
+          <a:pPr marL="0" lvl="0" indent="0" algn="l" defTabSz="666750">
             <a:lnSpc>
               <a:spcPct val="100000"/>
             </a:lnSpc>
@@ -5997,12 +7698,12 @@
             <a:buNone/>
           </a:pPr>
           <a:r>
-            <a:rPr lang="en-US" sz="1100" kern="1200"/>
+            <a:rPr lang="en-US" sz="1500" kern="1200"/>
             <a:t>Intel® Core™ </a:t>
           </a:r>
         </a:p>
         <a:p>
-          <a:pPr marL="0" lvl="0" indent="0" algn="l" defTabSz="488950">
+          <a:pPr marL="0" lvl="0" indent="0" algn="l" defTabSz="666750">
             <a:lnSpc>
               <a:spcPct val="100000"/>
             </a:lnSpc>
@@ -6015,12 +7716,12 @@
             <a:buNone/>
           </a:pPr>
           <a:r>
-            <a:rPr lang="en-US" sz="1100" kern="1200"/>
+            <a:rPr lang="en-US" sz="1500" kern="1200"/>
             <a:t>i5-7500 CPU @ </a:t>
           </a:r>
         </a:p>
         <a:p>
-          <a:pPr marL="0" lvl="0" indent="0" algn="l" defTabSz="488950">
+          <a:pPr marL="0" lvl="0" indent="0" algn="l" defTabSz="666750">
             <a:lnSpc>
               <a:spcPct val="100000"/>
             </a:lnSpc>
@@ -6033,14 +7734,14 @@
             <a:buNone/>
           </a:pPr>
           <a:r>
-            <a:rPr lang="en-US" sz="1100" kern="1200"/>
+            <a:rPr lang="en-US" sz="1500" kern="1200"/>
             <a:t>3.40 GHz</a:t>
           </a:r>
         </a:p>
       </dsp:txBody>
       <dsp:txXfrm>
-        <a:off x="5461569" y="1013815"/>
-        <a:ext cx="4596830" cy="809774"/>
+        <a:off x="4382027" y="1404732"/>
+        <a:ext cx="2475972" cy="1122015"/>
       </dsp:txXfrm>
     </dsp:sp>
     <dsp:sp modelId="{3F82D82F-32E9-4D64-AB6E-15AC687FB2C7}">
@@ -6050,8 +7751,8 @@
       </dsp:nvSpPr>
       <dsp:spPr>
         <a:xfrm>
-          <a:off x="0" y="2026033"/>
-          <a:ext cx="10058399" cy="809774"/>
+          <a:off x="0" y="2807251"/>
+          <a:ext cx="6858000" cy="1122015"/>
         </a:xfrm>
         <a:prstGeom prst="roundRect">
           <a:avLst>
@@ -6092,8 +7793,8 @@
       </dsp:nvSpPr>
       <dsp:spPr>
         <a:xfrm>
-          <a:off x="244956" y="2208233"/>
-          <a:ext cx="445375" cy="445375"/>
+          <a:off x="339409" y="3059705"/>
+          <a:ext cx="617108" cy="617108"/>
         </a:xfrm>
         <a:prstGeom prst="rect">
           <a:avLst/>
@@ -6141,8 +7842,8 @@
       </dsp:nvSpPr>
       <dsp:spPr>
         <a:xfrm>
-          <a:off x="935289" y="2026033"/>
-          <a:ext cx="4526280" cy="809774"/>
+          <a:off x="1295927" y="2807251"/>
+          <a:ext cx="3086100" cy="1122015"/>
         </a:xfrm>
         <a:prstGeom prst="rect">
           <a:avLst/>
@@ -6166,7 +7867,7 @@
         <a:fontRef idx="minor"/>
       </dsp:style>
       <dsp:txBody>
-        <a:bodyPr spcFirstLastPara="0" vert="horz" wrap="square" lIns="85701" tIns="85701" rIns="85701" bIns="85701" numCol="1" spcCol="1270" anchor="ctr" anchorCtr="0">
+        <a:bodyPr spcFirstLastPara="0" vert="horz" wrap="square" lIns="118747" tIns="118747" rIns="118747" bIns="118747" numCol="1" spcCol="1270" anchor="ctr" anchorCtr="0">
           <a:noAutofit/>
         </a:bodyPr>
         <a:lstStyle/>
@@ -6190,8 +7891,8 @@
         </a:p>
       </dsp:txBody>
       <dsp:txXfrm>
-        <a:off x="935289" y="2026033"/>
-        <a:ext cx="4526280" cy="809774"/>
+        <a:off x="1295927" y="2807251"/>
+        <a:ext cx="3086100" cy="1122015"/>
       </dsp:txXfrm>
     </dsp:sp>
     <dsp:sp modelId="{029B42AC-035C-4776-88D1-B317E692D765}">
@@ -6201,8 +7902,8 @@
       </dsp:nvSpPr>
       <dsp:spPr>
         <a:xfrm>
-          <a:off x="5461569" y="2026033"/>
-          <a:ext cx="4596830" cy="809774"/>
+          <a:off x="4382027" y="2807251"/>
+          <a:ext cx="2475972" cy="1122015"/>
         </a:xfrm>
         <a:prstGeom prst="rect">
           <a:avLst/>
@@ -6226,12 +7927,12 @@
         <a:fontRef idx="minor"/>
       </dsp:style>
       <dsp:txBody>
-        <a:bodyPr spcFirstLastPara="0" vert="horz" wrap="square" lIns="85701" tIns="85701" rIns="85701" bIns="85701" numCol="1" spcCol="1270" anchor="ctr" anchorCtr="0">
+        <a:bodyPr spcFirstLastPara="0" vert="horz" wrap="square" lIns="118747" tIns="118747" rIns="118747" bIns="118747" numCol="1" spcCol="1270" anchor="ctr" anchorCtr="0">
           <a:noAutofit/>
         </a:bodyPr>
         <a:lstStyle/>
         <a:p>
-          <a:pPr marL="0" lvl="0" indent="0" algn="l" defTabSz="488950">
+          <a:pPr marL="0" lvl="0" indent="0" algn="l" defTabSz="666750">
             <a:lnSpc>
               <a:spcPct val="100000"/>
             </a:lnSpc>
@@ -6244,12 +7945,12 @@
             <a:buNone/>
           </a:pPr>
           <a:r>
-            <a:rPr lang="en-US" sz="1100" kern="1200"/>
+            <a:rPr lang="en-US" sz="1500" kern="1200"/>
             <a:t>4 Cores, </a:t>
           </a:r>
         </a:p>
         <a:p>
-          <a:pPr marL="0" lvl="0" indent="0" algn="l" defTabSz="488950">
+          <a:pPr marL="0" lvl="0" indent="0" algn="l" defTabSz="666750">
             <a:lnSpc>
               <a:spcPct val="100000"/>
             </a:lnSpc>
@@ -6262,14 +7963,14 @@
             <a:buNone/>
           </a:pPr>
           <a:r>
-            <a:rPr lang="en-US" sz="1100" kern="1200"/>
+            <a:rPr lang="en-US" sz="1500" kern="1200"/>
             <a:t>4 Logical Processors</a:t>
           </a:r>
         </a:p>
       </dsp:txBody>
       <dsp:txXfrm>
-        <a:off x="5461569" y="2026033"/>
-        <a:ext cx="4596830" cy="809774"/>
+        <a:off x="4382027" y="2807251"/>
+        <a:ext cx="2475972" cy="1122015"/>
       </dsp:txXfrm>
     </dsp:sp>
     <dsp:sp modelId="{E97F9CEE-A3D4-49AB-B56F-E4C96F2AE626}">
@@ -6279,8 +7980,8 @@
       </dsp:nvSpPr>
       <dsp:spPr>
         <a:xfrm>
-          <a:off x="0" y="3038251"/>
-          <a:ext cx="10058399" cy="809774"/>
+          <a:off x="0" y="4209770"/>
+          <a:ext cx="6858000" cy="1122015"/>
         </a:xfrm>
         <a:prstGeom prst="roundRect">
           <a:avLst>
@@ -6321,8 +8022,8 @@
       </dsp:nvSpPr>
       <dsp:spPr>
         <a:xfrm>
-          <a:off x="244956" y="3220451"/>
-          <a:ext cx="445375" cy="445375"/>
+          <a:off x="339409" y="4462224"/>
+          <a:ext cx="617108" cy="617108"/>
         </a:xfrm>
         <a:prstGeom prst="rect">
           <a:avLst/>
@@ -6370,8 +8071,8 @@
       </dsp:nvSpPr>
       <dsp:spPr>
         <a:xfrm>
-          <a:off x="935289" y="3038251"/>
-          <a:ext cx="4526280" cy="809774"/>
+          <a:off x="1295927" y="4209770"/>
+          <a:ext cx="3086100" cy="1122015"/>
         </a:xfrm>
         <a:prstGeom prst="rect">
           <a:avLst/>
@@ -6395,7 +8096,7 @@
         <a:fontRef idx="minor"/>
       </dsp:style>
       <dsp:txBody>
-        <a:bodyPr spcFirstLastPara="0" vert="horz" wrap="square" lIns="85701" tIns="85701" rIns="85701" bIns="85701" numCol="1" spcCol="1270" anchor="ctr" anchorCtr="0">
+        <a:bodyPr spcFirstLastPara="0" vert="horz" wrap="square" lIns="118747" tIns="118747" rIns="118747" bIns="118747" numCol="1" spcCol="1270" anchor="ctr" anchorCtr="0">
           <a:noAutofit/>
         </a:bodyPr>
         <a:lstStyle/>
@@ -6419,8 +8120,8 @@
         </a:p>
       </dsp:txBody>
       <dsp:txXfrm>
-        <a:off x="935289" y="3038251"/>
-        <a:ext cx="4526280" cy="809774"/>
+        <a:off x="1295927" y="4209770"/>
+        <a:ext cx="3086100" cy="1122015"/>
       </dsp:txXfrm>
     </dsp:sp>
     <dsp:sp modelId="{59CF8C5A-2188-4DBB-9E2D-1FD0EF745194}">
@@ -6430,8 +8131,8 @@
       </dsp:nvSpPr>
       <dsp:spPr>
         <a:xfrm>
-          <a:off x="5461569" y="3038251"/>
-          <a:ext cx="4596830" cy="809774"/>
+          <a:off x="4382027" y="4209770"/>
+          <a:ext cx="2475972" cy="1122015"/>
         </a:xfrm>
         <a:prstGeom prst="rect">
           <a:avLst/>
@@ -6455,12 +8156,12 @@
         <a:fontRef idx="minor"/>
       </dsp:style>
       <dsp:txBody>
-        <a:bodyPr spcFirstLastPara="0" vert="horz" wrap="square" lIns="85701" tIns="85701" rIns="85701" bIns="85701" numCol="1" spcCol="1270" anchor="ctr" anchorCtr="0">
+        <a:bodyPr spcFirstLastPara="0" vert="horz" wrap="square" lIns="118747" tIns="118747" rIns="118747" bIns="118747" numCol="1" spcCol="1270" anchor="ctr" anchorCtr="0">
           <a:noAutofit/>
         </a:bodyPr>
         <a:lstStyle/>
         <a:p>
-          <a:pPr marL="0" lvl="0" indent="0" algn="l" defTabSz="488950">
+          <a:pPr marL="0" lvl="0" indent="0" algn="l" defTabSz="666750">
             <a:lnSpc>
               <a:spcPct val="100000"/>
             </a:lnSpc>
@@ -6473,12 +8174,12 @@
             <a:buNone/>
           </a:pPr>
           <a:r>
-            <a:rPr lang="en-US" sz="1100" kern="1200"/>
+            <a:rPr lang="en-US" sz="1500" kern="1200"/>
             <a:t>16.00 GB Installed, </a:t>
           </a:r>
         </a:p>
         <a:p>
-          <a:pPr marL="0" lvl="0" indent="0" algn="l" defTabSz="488950">
+          <a:pPr marL="0" lvl="0" indent="0" algn="l" defTabSz="666750">
             <a:lnSpc>
               <a:spcPct val="100000"/>
             </a:lnSpc>
@@ -6491,14 +8192,14 @@
             <a:buNone/>
           </a:pPr>
           <a:r>
-            <a:rPr lang="en-US" sz="1100" kern="1200"/>
+            <a:rPr lang="en-US" sz="1500" kern="1200"/>
             <a:t>9.56 Available</a:t>
           </a:r>
         </a:p>
       </dsp:txBody>
       <dsp:txXfrm>
-        <a:off x="5461569" y="3038251"/>
-        <a:ext cx="4596830" cy="809774"/>
+        <a:off x="4382027" y="4209770"/>
+        <a:ext cx="2475972" cy="1122015"/>
       </dsp:txXfrm>
     </dsp:sp>
   </dsp:spTree>
@@ -7015,6 +8716,215 @@
 </file>
 
 <file path=ppt/diagrams/layout3.xml><?xml version="1.0" encoding="utf-8"?>
+<dgm:layoutDef xmlns:dgm="http://schemas.openxmlformats.org/drawingml/2006/diagram" xmlns:a="http://schemas.openxmlformats.org/drawingml/2006/main" uniqueId="urn:microsoft.com/office/officeart/2018/2/layout/IconLabelDescriptionList">
+  <dgm:title val="Icon Label Description List"/>
+  <dgm:desc val="Use to show non-sequential or grouped chunks of information. The placeholder holds an icon or small picture, and corresponding text boxes show Level 1 and Level 2 text respectively. Works well for minimal Level 1 text accompanied by lengthier Level two text."/>
+  <dgm:catLst>
+    <dgm:cat type="icon" pri="500"/>
+  </dgm:catLst>
+  <dgm:sampData useDef="1">
+    <dgm:dataModel>
+      <dgm:ptLst/>
+      <dgm:bg/>
+      <dgm:whole/>
+    </dgm:dataModel>
+  </dgm:sampData>
+  <dgm:styleData useDef="1">
+    <dgm:dataModel>
+      <dgm:ptLst/>
+      <dgm:bg/>
+      <dgm:whole/>
+    </dgm:dataModel>
+  </dgm:styleData>
+  <dgm:clrData useDef="1">
+    <dgm:dataModel>
+      <dgm:ptLst/>
+      <dgm:bg/>
+      <dgm:whole/>
+    </dgm:dataModel>
+  </dgm:clrData>
+  <dgm:layoutNode name="root">
+    <dgm:varLst>
+      <dgm:dir/>
+      <dgm:resizeHandles val="exact"/>
+    </dgm:varLst>
+    <dgm:choose name="Name0">
+      <dgm:if name="Name1" axis="self" func="var" arg="dir" op="equ" val="norm">
+        <dgm:alg type="lin"/>
+      </dgm:if>
+      <dgm:else name="Name2">
+        <dgm:alg type="lin">
+          <dgm:param type="linDir" val="fromR"/>
+        </dgm:alg>
+      </dgm:else>
+    </dgm:choose>
+    <dgm:shape xmlns:r="http://schemas.openxmlformats.org/officeDocument/2006/relationships" r:blip="">
+      <dgm:adjLst/>
+    </dgm:shape>
+    <dgm:presOf/>
+    <dgm:constrLst>
+      <dgm:constr type="h" for="ch" forName="compNode" refType="h" fact="0.45"/>
+      <dgm:constr type="w" for="ch" forName="compNode" val="120"/>
+      <dgm:constr type="w" for="ch" forName="sibTrans" refType="w" refFor="ch" refForName="compNode" fact="0.175"/>
+      <dgm:constr type="primFontSz" for="des" forName="parTx" val="36"/>
+      <dgm:constr type="primFontSz" for="des" forName="desTx" refType="primFontSz" refFor="des" refForName="parTx" op="lte" fact="0.75"/>
+      <dgm:constr type="h" for="des" forName="compNode" op="equ"/>
+      <dgm:constr type="h" for="des" forName="iconRect" op="equ"/>
+      <dgm:constr type="w" for="des" forName="iconRect" op="equ"/>
+      <dgm:constr type="h" for="des" forName="iconSpace" op="equ"/>
+      <dgm:constr type="h" for="des" forName="parTx" op="equ"/>
+      <dgm:constr type="h" for="des" forName="txSpace" op="equ"/>
+      <dgm:constr type="h" for="des" forName="desTx" op="equ"/>
+    </dgm:constrLst>
+    <dgm:ruleLst>
+      <dgm:rule type="w" for="ch" forName="compNode" val="0" fact="NaN" max="NaN"/>
+    </dgm:ruleLst>
+    <dgm:forEach name="Name3" axis="ch" ptType="node">
+      <dgm:layoutNode name="compNode">
+        <dgm:alg type="composite"/>
+        <dgm:shape xmlns:r="http://schemas.openxmlformats.org/officeDocument/2006/relationships" r:blip="">
+          <dgm:adjLst/>
+        </dgm:shape>
+        <dgm:presOf axis="self"/>
+        <dgm:constrLst>
+          <dgm:constr type="w" for="ch" forName="iconRect" refType="w" fact="0.35"/>
+          <dgm:constr type="h" for="ch" forName="iconRect" refType="w" refFor="ch" refForName="iconRect"/>
+          <dgm:constr type="l" for="ch" forName="iconRect"/>
+          <dgm:constr type="t" for="ch" forName="iconRect"/>
+          <dgm:constr type="w" for="ch" forName="iconSpace" refType="w"/>
+          <dgm:constr type="h" for="ch" forName="iconSpace" refType="h" fact="0.043"/>
+          <dgm:constr type="l" for="ch" forName="iconSpace"/>
+          <dgm:constr type="t" for="ch" forName="iconSpace" refType="b" refFor="ch" refForName="iconRect"/>
+          <dgm:constr type="w" for="ch" forName="parTx" refType="w"/>
+          <dgm:constr type="h" for="ch" forName="parTx" refType="w" fact="0.15"/>
+          <dgm:constr type="l" for="ch" forName="parTx"/>
+          <dgm:constr type="t" for="ch" forName="parTx" refType="b" refFor="ch" refForName="iconSpace"/>
+          <dgm:constr type="h" for="ch" forName="txSpace" refType="h" fact="0.02"/>
+          <dgm:constr type="w" for="ch" forName="txSpace" refType="w"/>
+          <dgm:constr type="l" for="ch" forName="txSpace"/>
+          <dgm:constr type="t" for="ch" forName="txSpace" refType="b" refFor="ch" refForName="parTx"/>
+          <dgm:constr type="w" for="ch" forName="desTx" refType="w"/>
+          <dgm:constr type="l" for="ch" forName="desTx"/>
+          <dgm:constr type="t" for="ch" forName="desTx" refType="b" refFor="ch" refForName="txSpace"/>
+        </dgm:constrLst>
+        <dgm:ruleLst>
+          <dgm:rule type="h" val="INF" fact="NaN" max="NaN"/>
+        </dgm:ruleLst>
+        <dgm:layoutNode name="iconRect" styleLbl="node1">
+          <dgm:alg type="sp"/>
+          <dgm:shape xmlns:r="http://schemas.openxmlformats.org/officeDocument/2006/relationships" type="rect" r:blip="" blipPhldr="1">
+            <dgm:adjLst/>
+          </dgm:shape>
+          <dgm:presOf/>
+          <dgm:constrLst/>
+          <dgm:ruleLst/>
+        </dgm:layoutNode>
+        <dgm:layoutNode name="iconSpace">
+          <dgm:alg type="sp"/>
+          <dgm:shape xmlns:r="http://schemas.openxmlformats.org/officeDocument/2006/relationships" r:blip="">
+            <dgm:adjLst/>
+          </dgm:shape>
+          <dgm:presOf/>
+          <dgm:constrLst/>
+          <dgm:ruleLst/>
+        </dgm:layoutNode>
+        <dgm:layoutNode name="parTx" styleLbl="revTx">
+          <dgm:varLst>
+            <dgm:chMax val="0"/>
+            <dgm:chPref val="0"/>
+          </dgm:varLst>
+          <dgm:alg type="tx">
+            <dgm:param type="txAnchorVert" val="t"/>
+            <dgm:param type="parTxLTRAlign" val="l"/>
+            <dgm:param type="shpTxLTRAlignCh" val="l"/>
+            <dgm:param type="parTxRTLAlign" val="r"/>
+            <dgm:param type="shpTxRTLAlignCh" val="r"/>
+          </dgm:alg>
+          <dgm:shape xmlns:r="http://schemas.openxmlformats.org/officeDocument/2006/relationships" type="rect" r:blip="">
+            <dgm:adjLst/>
+          </dgm:shape>
+          <dgm:presOf axis="self" ptType="node"/>
+          <dgm:constrLst>
+            <dgm:constr type="lMarg"/>
+            <dgm:constr type="rMarg"/>
+            <dgm:constr type="tMarg"/>
+            <dgm:constr type="bMarg"/>
+          </dgm:constrLst>
+          <dgm:ruleLst>
+            <dgm:rule type="primFontSz" val="14" fact="NaN" max="NaN"/>
+            <dgm:rule type="h" val="INF" fact="NaN" max="NaN"/>
+          </dgm:ruleLst>
+        </dgm:layoutNode>
+        <dgm:layoutNode name="txSpace">
+          <dgm:alg type="sp"/>
+          <dgm:shape xmlns:r="http://schemas.openxmlformats.org/officeDocument/2006/relationships" r:blip="">
+            <dgm:adjLst/>
+          </dgm:shape>
+          <dgm:presOf/>
+          <dgm:constrLst/>
+          <dgm:ruleLst/>
+        </dgm:layoutNode>
+        <dgm:layoutNode name="desTx" styleLbl="revTx">
+          <dgm:varLst/>
+          <dgm:alg type="tx">
+            <dgm:param type="stBulletLvl" val="0"/>
+            <dgm:param type="txAnchorVert" val="t"/>
+            <dgm:param type="parTxLTRAlign" val="l"/>
+            <dgm:param type="shpTxLTRAlignCh" val="l"/>
+            <dgm:param type="parTxRTLAlign" val="r"/>
+            <dgm:param type="shpTxRTLAlignCh" val="r"/>
+          </dgm:alg>
+          <dgm:shape xmlns:r="http://schemas.openxmlformats.org/officeDocument/2006/relationships" type="rect" r:blip="">
+            <dgm:adjLst/>
+          </dgm:shape>
+          <dgm:presOf axis="des" ptType="node"/>
+          <dgm:constrLst>
+            <dgm:constr type="secFontSz" refType="primFontSz"/>
+            <dgm:constr type="lMarg"/>
+            <dgm:constr type="rMarg"/>
+            <dgm:constr type="tMarg"/>
+            <dgm:constr type="bMarg"/>
+          </dgm:constrLst>
+          <dgm:ruleLst>
+            <dgm:rule type="primFontSz" val="NaN" fact="NaN" max="17"/>
+            <dgm:rule type="h" val="INF" fact="NaN" max="NaN"/>
+          </dgm:ruleLst>
+        </dgm:layoutNode>
+      </dgm:layoutNode>
+      <dgm:forEach name="Name4" axis="followSib" ptType="sibTrans" cnt="1">
+        <dgm:layoutNode name="sibTrans">
+          <dgm:alg type="sp"/>
+          <dgm:shape xmlns:r="http://schemas.openxmlformats.org/officeDocument/2006/relationships" r:blip="">
+            <dgm:adjLst/>
+          </dgm:shape>
+          <dgm:presOf axis="self"/>
+          <dgm:constrLst/>
+          <dgm:ruleLst/>
+        </dgm:layoutNode>
+      </dgm:forEach>
+    </dgm:forEach>
+  </dgm:layoutNode>
+  <dgm:extLst>
+    <a:ext uri="{68A01E43-0DF5-4B5B-8FA6-DAF915123BFB}">
+      <dgm1612:lstStyle xmlns:dgm1612="http://schemas.microsoft.com/office/drawing/2016/12/diagram">
+        <a:lvl1pPr>
+          <a:lnSpc>
+            <a:spcPct val="100000"/>
+          </a:lnSpc>
+          <a:defRPr b="1"/>
+        </a:lvl1pPr>
+        <a:lvl2pPr>
+          <a:lnSpc>
+            <a:spcPct val="100000"/>
+          </a:lnSpc>
+        </a:lvl2pPr>
+      </dgm1612:lstStyle>
+    </a:ext>
+  </dgm:extLst>
+</dgm:layoutDef>
+</file>
+
+<file path=ppt/diagrams/layout4.xml><?xml version="1.0" encoding="utf-8"?>
 <dgm:layoutDef xmlns:dgm="http://schemas.openxmlformats.org/drawingml/2006/diagram" xmlns:a="http://schemas.openxmlformats.org/drawingml/2006/main" uniqueId="urn:microsoft.com/office/officeart/2018/2/layout/IconVerticalSolidList">
   <dgm:title val="Icon Vertical Solid List"/>
   <dgm:desc val="Use to show a series of visuals from top to bottom with Level 1 or Level 1 and Level 2 text grouped in a shape. Works best with icons or small pictures with lengthier descriptions."/>
@@ -9377,6 +11287,1040 @@
 </file>
 
 <file path=ppt/diagrams/quickStyle3.xml><?xml version="1.0" encoding="utf-8"?>
+<dgm:styleDef xmlns:dgm="http://schemas.openxmlformats.org/drawingml/2006/diagram" xmlns:a="http://schemas.openxmlformats.org/drawingml/2006/main" uniqueId="urn:microsoft.com/office/officeart/2005/8/quickstyle/simple1">
+  <dgm:title val=""/>
+  <dgm:desc val=""/>
+  <dgm:catLst>
+    <dgm:cat type="simple" pri="10100"/>
+  </dgm:catLst>
+  <dgm:scene3d>
+    <a:camera prst="orthographicFront"/>
+    <a:lightRig rig="threePt" dir="t"/>
+  </dgm:scene3d>
+  <dgm:styleLbl name="node0">
+    <dgm:scene3d>
+      <a:camera prst="orthographicFront"/>
+      <a:lightRig rig="threePt" dir="t"/>
+    </dgm:scene3d>
+    <dgm:sp3d/>
+    <dgm:txPr/>
+    <dgm:style>
+      <a:lnRef idx="2">
+        <a:scrgbClr r="0" g="0" b="0"/>
+      </a:lnRef>
+      <a:fillRef idx="1">
+        <a:scrgbClr r="0" g="0" b="0"/>
+      </a:fillRef>
+      <a:effectRef idx="0">
+        <a:scrgbClr r="0" g="0" b="0"/>
+      </a:effectRef>
+      <a:fontRef idx="minor">
+        <a:schemeClr val="lt1"/>
+      </a:fontRef>
+    </dgm:style>
+  </dgm:styleLbl>
+  <dgm:styleLbl name="lnNode1">
+    <dgm:scene3d>
+      <a:camera prst="orthographicFront"/>
+      <a:lightRig rig="threePt" dir="t"/>
+    </dgm:scene3d>
+    <dgm:sp3d/>
+    <dgm:txPr/>
+    <dgm:style>
+      <a:lnRef idx="2">
+        <a:scrgbClr r="0" g="0" b="0"/>
+      </a:lnRef>
+      <a:fillRef idx="1">
+        <a:scrgbClr r="0" g="0" b="0"/>
+      </a:fillRef>
+      <a:effectRef idx="0">
+        <a:scrgbClr r="0" g="0" b="0"/>
+      </a:effectRef>
+      <a:fontRef idx="minor">
+        <a:schemeClr val="lt1"/>
+      </a:fontRef>
+    </dgm:style>
+  </dgm:styleLbl>
+  <dgm:styleLbl name="vennNode1">
+    <dgm:scene3d>
+      <a:camera prst="orthographicFront"/>
+      <a:lightRig rig="threePt" dir="t"/>
+    </dgm:scene3d>
+    <dgm:sp3d/>
+    <dgm:txPr/>
+    <dgm:style>
+      <a:lnRef idx="2">
+        <a:scrgbClr r="0" g="0" b="0"/>
+      </a:lnRef>
+      <a:fillRef idx="1">
+        <a:scrgbClr r="0" g="0" b="0"/>
+      </a:fillRef>
+      <a:effectRef idx="0">
+        <a:scrgbClr r="0" g="0" b="0"/>
+      </a:effectRef>
+      <a:fontRef idx="minor">
+        <a:schemeClr val="tx1"/>
+      </a:fontRef>
+    </dgm:style>
+  </dgm:styleLbl>
+  <dgm:styleLbl name="alignNode1">
+    <dgm:scene3d>
+      <a:camera prst="orthographicFront"/>
+      <a:lightRig rig="threePt" dir="t"/>
+    </dgm:scene3d>
+    <dgm:sp3d/>
+    <dgm:txPr/>
+    <dgm:style>
+      <a:lnRef idx="2">
+        <a:scrgbClr r="0" g="0" b="0"/>
+      </a:lnRef>
+      <a:fillRef idx="1">
+        <a:scrgbClr r="0" g="0" b="0"/>
+      </a:fillRef>
+      <a:effectRef idx="0">
+        <a:scrgbClr r="0" g="0" b="0"/>
+      </a:effectRef>
+      <a:fontRef idx="minor">
+        <a:schemeClr val="lt1"/>
+      </a:fontRef>
+    </dgm:style>
+  </dgm:styleLbl>
+  <dgm:styleLbl name="node1">
+    <dgm:scene3d>
+      <a:camera prst="orthographicFront"/>
+      <a:lightRig rig="threePt" dir="t"/>
+    </dgm:scene3d>
+    <dgm:sp3d/>
+    <dgm:txPr/>
+    <dgm:style>
+      <a:lnRef idx="2">
+        <a:scrgbClr r="0" g="0" b="0"/>
+      </a:lnRef>
+      <a:fillRef idx="1">
+        <a:scrgbClr r="0" g="0" b="0"/>
+      </a:fillRef>
+      <a:effectRef idx="0">
+        <a:scrgbClr r="0" g="0" b="0"/>
+      </a:effectRef>
+      <a:fontRef idx="minor">
+        <a:schemeClr val="lt1"/>
+      </a:fontRef>
+    </dgm:style>
+  </dgm:styleLbl>
+  <dgm:styleLbl name="node2">
+    <dgm:scene3d>
+      <a:camera prst="orthographicFront"/>
+      <a:lightRig rig="threePt" dir="t"/>
+    </dgm:scene3d>
+    <dgm:sp3d/>
+    <dgm:txPr/>
+    <dgm:style>
+      <a:lnRef idx="2">
+        <a:scrgbClr r="0" g="0" b="0"/>
+      </a:lnRef>
+      <a:fillRef idx="1">
+        <a:scrgbClr r="0" g="0" b="0"/>
+      </a:fillRef>
+      <a:effectRef idx="0">
+        <a:scrgbClr r="0" g="0" b="0"/>
+      </a:effectRef>
+      <a:fontRef idx="minor">
+        <a:schemeClr val="lt1"/>
+      </a:fontRef>
+    </dgm:style>
+  </dgm:styleLbl>
+  <dgm:styleLbl name="node3">
+    <dgm:scene3d>
+      <a:camera prst="orthographicFront"/>
+      <a:lightRig rig="threePt" dir="t"/>
+    </dgm:scene3d>
+    <dgm:sp3d/>
+    <dgm:txPr/>
+    <dgm:style>
+      <a:lnRef idx="2">
+        <a:scrgbClr r="0" g="0" b="0"/>
+      </a:lnRef>
+      <a:fillRef idx="1">
+        <a:scrgbClr r="0" g="0" b="0"/>
+      </a:fillRef>
+      <a:effectRef idx="0">
+        <a:scrgbClr r="0" g="0" b="0"/>
+      </a:effectRef>
+      <a:fontRef idx="minor">
+        <a:schemeClr val="lt1"/>
+      </a:fontRef>
+    </dgm:style>
+  </dgm:styleLbl>
+  <dgm:styleLbl name="node4">
+    <dgm:scene3d>
+      <a:camera prst="orthographicFront"/>
+      <a:lightRig rig="threePt" dir="t"/>
+    </dgm:scene3d>
+    <dgm:sp3d/>
+    <dgm:txPr/>
+    <dgm:style>
+      <a:lnRef idx="2">
+        <a:scrgbClr r="0" g="0" b="0"/>
+      </a:lnRef>
+      <a:fillRef idx="1">
+        <a:scrgbClr r="0" g="0" b="0"/>
+      </a:fillRef>
+      <a:effectRef idx="0">
+        <a:scrgbClr r="0" g="0" b="0"/>
+      </a:effectRef>
+      <a:fontRef idx="minor">
+        <a:schemeClr val="lt1"/>
+      </a:fontRef>
+    </dgm:style>
+  </dgm:styleLbl>
+  <dgm:styleLbl name="fgImgPlace1">
+    <dgm:scene3d>
+      <a:camera prst="orthographicFront"/>
+      <a:lightRig rig="threePt" dir="t"/>
+    </dgm:scene3d>
+    <dgm:sp3d/>
+    <dgm:txPr/>
+    <dgm:style>
+      <a:lnRef idx="2">
+        <a:scrgbClr r="0" g="0" b="0"/>
+      </a:lnRef>
+      <a:fillRef idx="1">
+        <a:scrgbClr r="0" g="0" b="0"/>
+      </a:fillRef>
+      <a:effectRef idx="0">
+        <a:scrgbClr r="0" g="0" b="0"/>
+      </a:effectRef>
+      <a:fontRef idx="minor"/>
+    </dgm:style>
+  </dgm:styleLbl>
+  <dgm:styleLbl name="alignImgPlace1">
+    <dgm:scene3d>
+      <a:camera prst="orthographicFront"/>
+      <a:lightRig rig="threePt" dir="t"/>
+    </dgm:scene3d>
+    <dgm:sp3d/>
+    <dgm:txPr/>
+    <dgm:style>
+      <a:lnRef idx="2">
+        <a:scrgbClr r="0" g="0" b="0"/>
+      </a:lnRef>
+      <a:fillRef idx="1">
+        <a:scrgbClr r="0" g="0" b="0"/>
+      </a:fillRef>
+      <a:effectRef idx="0">
+        <a:scrgbClr r="0" g="0" b="0"/>
+      </a:effectRef>
+      <a:fontRef idx="minor"/>
+    </dgm:style>
+  </dgm:styleLbl>
+  <dgm:styleLbl name="bgImgPlace1">
+    <dgm:scene3d>
+      <a:camera prst="orthographicFront"/>
+      <a:lightRig rig="threePt" dir="t"/>
+    </dgm:scene3d>
+    <dgm:sp3d/>
+    <dgm:txPr/>
+    <dgm:style>
+      <a:lnRef idx="2">
+        <a:scrgbClr r="0" g="0" b="0"/>
+      </a:lnRef>
+      <a:fillRef idx="1">
+        <a:scrgbClr r="0" g="0" b="0"/>
+      </a:fillRef>
+      <a:effectRef idx="0">
+        <a:scrgbClr r="0" g="0" b="0"/>
+      </a:effectRef>
+      <a:fontRef idx="minor"/>
+    </dgm:style>
+  </dgm:styleLbl>
+  <dgm:styleLbl name="sibTrans2D1">
+    <dgm:scene3d>
+      <a:camera prst="orthographicFront"/>
+      <a:lightRig rig="threePt" dir="t"/>
+    </dgm:scene3d>
+    <dgm:sp3d/>
+    <dgm:txPr/>
+    <dgm:style>
+      <a:lnRef idx="0">
+        <a:scrgbClr r="0" g="0" b="0"/>
+      </a:lnRef>
+      <a:fillRef idx="1">
+        <a:scrgbClr r="0" g="0" b="0"/>
+      </a:fillRef>
+      <a:effectRef idx="0">
+        <a:scrgbClr r="0" g="0" b="0"/>
+      </a:effectRef>
+      <a:fontRef idx="minor">
+        <a:schemeClr val="lt1"/>
+      </a:fontRef>
+    </dgm:style>
+  </dgm:styleLbl>
+  <dgm:styleLbl name="fgSibTrans2D1">
+    <dgm:scene3d>
+      <a:camera prst="orthographicFront"/>
+      <a:lightRig rig="threePt" dir="t"/>
+    </dgm:scene3d>
+    <dgm:sp3d/>
+    <dgm:txPr/>
+    <dgm:style>
+      <a:lnRef idx="0">
+        <a:scrgbClr r="0" g="0" b="0"/>
+      </a:lnRef>
+      <a:fillRef idx="1">
+        <a:scrgbClr r="0" g="0" b="0"/>
+      </a:fillRef>
+      <a:effectRef idx="0">
+        <a:scrgbClr r="0" g="0" b="0"/>
+      </a:effectRef>
+      <a:fontRef idx="minor">
+        <a:schemeClr val="lt1"/>
+      </a:fontRef>
+    </dgm:style>
+  </dgm:styleLbl>
+  <dgm:styleLbl name="bgSibTrans2D1">
+    <dgm:scene3d>
+      <a:camera prst="orthographicFront"/>
+      <a:lightRig rig="threePt" dir="t"/>
+    </dgm:scene3d>
+    <dgm:sp3d/>
+    <dgm:txPr/>
+    <dgm:style>
+      <a:lnRef idx="0">
+        <a:scrgbClr r="0" g="0" b="0"/>
+      </a:lnRef>
+      <a:fillRef idx="1">
+        <a:scrgbClr r="0" g="0" b="0"/>
+      </a:fillRef>
+      <a:effectRef idx="0">
+        <a:scrgbClr r="0" g="0" b="0"/>
+      </a:effectRef>
+      <a:fontRef idx="minor">
+        <a:schemeClr val="lt1"/>
+      </a:fontRef>
+    </dgm:style>
+  </dgm:styleLbl>
+  <dgm:styleLbl name="sibTrans1D1">
+    <dgm:scene3d>
+      <a:camera prst="orthographicFront"/>
+      <a:lightRig rig="threePt" dir="t"/>
+    </dgm:scene3d>
+    <dgm:sp3d/>
+    <dgm:txPr/>
+    <dgm:style>
+      <a:lnRef idx="1">
+        <a:scrgbClr r="0" g="0" b="0"/>
+      </a:lnRef>
+      <a:fillRef idx="0">
+        <a:scrgbClr r="0" g="0" b="0"/>
+      </a:fillRef>
+      <a:effectRef idx="0">
+        <a:scrgbClr r="0" g="0" b="0"/>
+      </a:effectRef>
+      <a:fontRef idx="minor"/>
+    </dgm:style>
+  </dgm:styleLbl>
+  <dgm:styleLbl name="callout">
+    <dgm:scene3d>
+      <a:camera prst="orthographicFront"/>
+      <a:lightRig rig="threePt" dir="t"/>
+    </dgm:scene3d>
+    <dgm:sp3d/>
+    <dgm:txPr/>
+    <dgm:style>
+      <a:lnRef idx="2">
+        <a:scrgbClr r="0" g="0" b="0"/>
+      </a:lnRef>
+      <a:fillRef idx="1">
+        <a:scrgbClr r="0" g="0" b="0"/>
+      </a:fillRef>
+      <a:effectRef idx="0">
+        <a:scrgbClr r="0" g="0" b="0"/>
+      </a:effectRef>
+      <a:fontRef idx="minor"/>
+    </dgm:style>
+  </dgm:styleLbl>
+  <dgm:styleLbl name="asst0">
+    <dgm:scene3d>
+      <a:camera prst="orthographicFront"/>
+      <a:lightRig rig="threePt" dir="t"/>
+    </dgm:scene3d>
+    <dgm:sp3d/>
+    <dgm:txPr/>
+    <dgm:style>
+      <a:lnRef idx="2">
+        <a:scrgbClr r="0" g="0" b="0"/>
+      </a:lnRef>
+      <a:fillRef idx="1">
+        <a:scrgbClr r="0" g="0" b="0"/>
+      </a:fillRef>
+      <a:effectRef idx="0">
+        <a:scrgbClr r="0" g="0" b="0"/>
+      </a:effectRef>
+      <a:fontRef idx="minor">
+        <a:schemeClr val="lt1"/>
+      </a:fontRef>
+    </dgm:style>
+  </dgm:styleLbl>
+  <dgm:styleLbl name="asst1">
+    <dgm:scene3d>
+      <a:camera prst="orthographicFront"/>
+      <a:lightRig rig="threePt" dir="t"/>
+    </dgm:scene3d>
+    <dgm:sp3d/>
+    <dgm:txPr/>
+    <dgm:style>
+      <a:lnRef idx="2">
+        <a:scrgbClr r="0" g="0" b="0"/>
+      </a:lnRef>
+      <a:fillRef idx="1">
+        <a:scrgbClr r="0" g="0" b="0"/>
+      </a:fillRef>
+      <a:effectRef idx="0">
+        <a:scrgbClr r="0" g="0" b="0"/>
+      </a:effectRef>
+      <a:fontRef idx="minor">
+        <a:schemeClr val="lt1"/>
+      </a:fontRef>
+    </dgm:style>
+  </dgm:styleLbl>
+  <dgm:styleLbl name="asst2">
+    <dgm:scene3d>
+      <a:camera prst="orthographicFront"/>
+      <a:lightRig rig="threePt" dir="t"/>
+    </dgm:scene3d>
+    <dgm:sp3d/>
+    <dgm:txPr/>
+    <dgm:style>
+      <a:lnRef idx="2">
+        <a:scrgbClr r="0" g="0" b="0"/>
+      </a:lnRef>
+      <a:fillRef idx="1">
+        <a:scrgbClr r="0" g="0" b="0"/>
+      </a:fillRef>
+      <a:effectRef idx="0">
+        <a:scrgbClr r="0" g="0" b="0"/>
+      </a:effectRef>
+      <a:fontRef idx="minor">
+        <a:schemeClr val="lt1"/>
+      </a:fontRef>
+    </dgm:style>
+  </dgm:styleLbl>
+  <dgm:styleLbl name="asst3">
+    <dgm:scene3d>
+      <a:camera prst="orthographicFront"/>
+      <a:lightRig rig="threePt" dir="t"/>
+    </dgm:scene3d>
+    <dgm:sp3d/>
+    <dgm:txPr/>
+    <dgm:style>
+      <a:lnRef idx="2">
+        <a:scrgbClr r="0" g="0" b="0"/>
+      </a:lnRef>
+      <a:fillRef idx="1">
+        <a:scrgbClr r="0" g="0" b="0"/>
+      </a:fillRef>
+      <a:effectRef idx="0">
+        <a:scrgbClr r="0" g="0" b="0"/>
+      </a:effectRef>
+      <a:fontRef idx="minor">
+        <a:schemeClr val="lt1"/>
+      </a:fontRef>
+    </dgm:style>
+  </dgm:styleLbl>
+  <dgm:styleLbl name="asst4">
+    <dgm:scene3d>
+      <a:camera prst="orthographicFront"/>
+      <a:lightRig rig="threePt" dir="t"/>
+    </dgm:scene3d>
+    <dgm:sp3d/>
+    <dgm:txPr/>
+    <dgm:style>
+      <a:lnRef idx="2">
+        <a:scrgbClr r="0" g="0" b="0"/>
+      </a:lnRef>
+      <a:fillRef idx="1">
+        <a:scrgbClr r="0" g="0" b="0"/>
+      </a:fillRef>
+      <a:effectRef idx="0">
+        <a:scrgbClr r="0" g="0" b="0"/>
+      </a:effectRef>
+      <a:fontRef idx="minor">
+        <a:schemeClr val="lt1"/>
+      </a:fontRef>
+    </dgm:style>
+  </dgm:styleLbl>
+  <dgm:styleLbl name="parChTrans2D1">
+    <dgm:scene3d>
+      <a:camera prst="orthographicFront"/>
+      <a:lightRig rig="threePt" dir="t"/>
+    </dgm:scene3d>
+    <dgm:sp3d/>
+    <dgm:txPr/>
+    <dgm:style>
+      <a:lnRef idx="2">
+        <a:scrgbClr r="0" g="0" b="0"/>
+      </a:lnRef>
+      <a:fillRef idx="1">
+        <a:scrgbClr r="0" g="0" b="0"/>
+      </a:fillRef>
+      <a:effectRef idx="0">
+        <a:scrgbClr r="0" g="0" b="0"/>
+      </a:effectRef>
+      <a:fontRef idx="minor">
+        <a:schemeClr val="lt1"/>
+      </a:fontRef>
+    </dgm:style>
+  </dgm:styleLbl>
+  <dgm:styleLbl name="parChTrans2D2">
+    <dgm:scene3d>
+      <a:camera prst="orthographicFront"/>
+      <a:lightRig rig="threePt" dir="t"/>
+    </dgm:scene3d>
+    <dgm:sp3d/>
+    <dgm:txPr/>
+    <dgm:style>
+      <a:lnRef idx="2">
+        <a:scrgbClr r="0" g="0" b="0"/>
+      </a:lnRef>
+      <a:fillRef idx="1">
+        <a:scrgbClr r="0" g="0" b="0"/>
+      </a:fillRef>
+      <a:effectRef idx="0">
+        <a:scrgbClr r="0" g="0" b="0"/>
+      </a:effectRef>
+      <a:fontRef idx="minor">
+        <a:schemeClr val="lt1"/>
+      </a:fontRef>
+    </dgm:style>
+  </dgm:styleLbl>
+  <dgm:styleLbl name="parChTrans2D3">
+    <dgm:scene3d>
+      <a:camera prst="orthographicFront"/>
+      <a:lightRig rig="threePt" dir="t"/>
+    </dgm:scene3d>
+    <dgm:sp3d/>
+    <dgm:txPr/>
+    <dgm:style>
+      <a:lnRef idx="2">
+        <a:scrgbClr r="0" g="0" b="0"/>
+      </a:lnRef>
+      <a:fillRef idx="1">
+        <a:scrgbClr r="0" g="0" b="0"/>
+      </a:fillRef>
+      <a:effectRef idx="0">
+        <a:scrgbClr r="0" g="0" b="0"/>
+      </a:effectRef>
+      <a:fontRef idx="minor">
+        <a:schemeClr val="lt1"/>
+      </a:fontRef>
+    </dgm:style>
+  </dgm:styleLbl>
+  <dgm:styleLbl name="parChTrans2D4">
+    <dgm:scene3d>
+      <a:camera prst="orthographicFront"/>
+      <a:lightRig rig="threePt" dir="t"/>
+    </dgm:scene3d>
+    <dgm:sp3d/>
+    <dgm:txPr/>
+    <dgm:style>
+      <a:lnRef idx="2">
+        <a:scrgbClr r="0" g="0" b="0"/>
+      </a:lnRef>
+      <a:fillRef idx="1">
+        <a:scrgbClr r="0" g="0" b="0"/>
+      </a:fillRef>
+      <a:effectRef idx="0">
+        <a:scrgbClr r="0" g="0" b="0"/>
+      </a:effectRef>
+      <a:fontRef idx="minor">
+        <a:schemeClr val="lt1"/>
+      </a:fontRef>
+    </dgm:style>
+  </dgm:styleLbl>
+  <dgm:styleLbl name="parChTrans1D1">
+    <dgm:scene3d>
+      <a:camera prst="orthographicFront"/>
+      <a:lightRig rig="threePt" dir="t"/>
+    </dgm:scene3d>
+    <dgm:sp3d/>
+    <dgm:txPr/>
+    <dgm:style>
+      <a:lnRef idx="2">
+        <a:scrgbClr r="0" g="0" b="0"/>
+      </a:lnRef>
+      <a:fillRef idx="0">
+        <a:scrgbClr r="0" g="0" b="0"/>
+      </a:fillRef>
+      <a:effectRef idx="0">
+        <a:scrgbClr r="0" g="0" b="0"/>
+      </a:effectRef>
+      <a:fontRef idx="minor"/>
+    </dgm:style>
+  </dgm:styleLbl>
+  <dgm:styleLbl name="parChTrans1D2">
+    <dgm:scene3d>
+      <a:camera prst="orthographicFront"/>
+      <a:lightRig rig="threePt" dir="t"/>
+    </dgm:scene3d>
+    <dgm:sp3d/>
+    <dgm:txPr/>
+    <dgm:style>
+      <a:lnRef idx="2">
+        <a:scrgbClr r="0" g="0" b="0"/>
+      </a:lnRef>
+      <a:fillRef idx="0">
+        <a:scrgbClr r="0" g="0" b="0"/>
+      </a:fillRef>
+      <a:effectRef idx="0">
+        <a:scrgbClr r="0" g="0" b="0"/>
+      </a:effectRef>
+      <a:fontRef idx="minor"/>
+    </dgm:style>
+  </dgm:styleLbl>
+  <dgm:styleLbl name="parChTrans1D3">
+    <dgm:scene3d>
+      <a:camera prst="orthographicFront"/>
+      <a:lightRig rig="threePt" dir="t"/>
+    </dgm:scene3d>
+    <dgm:sp3d/>
+    <dgm:txPr/>
+    <dgm:style>
+      <a:lnRef idx="2">
+        <a:scrgbClr r="0" g="0" b="0"/>
+      </a:lnRef>
+      <a:fillRef idx="0">
+        <a:scrgbClr r="0" g="0" b="0"/>
+      </a:fillRef>
+      <a:effectRef idx="0">
+        <a:scrgbClr r="0" g="0" b="0"/>
+      </a:effectRef>
+      <a:fontRef idx="minor"/>
+    </dgm:style>
+  </dgm:styleLbl>
+  <dgm:styleLbl name="parChTrans1D4">
+    <dgm:scene3d>
+      <a:camera prst="orthographicFront"/>
+      <a:lightRig rig="threePt" dir="t"/>
+    </dgm:scene3d>
+    <dgm:sp3d/>
+    <dgm:txPr/>
+    <dgm:style>
+      <a:lnRef idx="2">
+        <a:scrgbClr r="0" g="0" b="0"/>
+      </a:lnRef>
+      <a:fillRef idx="0">
+        <a:scrgbClr r="0" g="0" b="0"/>
+      </a:fillRef>
+      <a:effectRef idx="0">
+        <a:scrgbClr r="0" g="0" b="0"/>
+      </a:effectRef>
+      <a:fontRef idx="minor"/>
+    </dgm:style>
+  </dgm:styleLbl>
+  <dgm:styleLbl name="fgAcc1">
+    <dgm:scene3d>
+      <a:camera prst="orthographicFront"/>
+      <a:lightRig rig="threePt" dir="t"/>
+    </dgm:scene3d>
+    <dgm:sp3d/>
+    <dgm:txPr/>
+    <dgm:style>
+      <a:lnRef idx="2">
+        <a:scrgbClr r="0" g="0" b="0"/>
+      </a:lnRef>
+      <a:fillRef idx="1">
+        <a:scrgbClr r="0" g="0" b="0"/>
+      </a:fillRef>
+      <a:effectRef idx="0">
+        <a:scrgbClr r="0" g="0" b="0"/>
+      </a:effectRef>
+      <a:fontRef idx="minor"/>
+    </dgm:style>
+  </dgm:styleLbl>
+  <dgm:styleLbl name="conFgAcc1">
+    <dgm:scene3d>
+      <a:camera prst="orthographicFront"/>
+      <a:lightRig rig="threePt" dir="t"/>
+    </dgm:scene3d>
+    <dgm:sp3d/>
+    <dgm:txPr/>
+    <dgm:style>
+      <a:lnRef idx="2">
+        <a:scrgbClr r="0" g="0" b="0"/>
+      </a:lnRef>
+      <a:fillRef idx="1">
+        <a:scrgbClr r="0" g="0" b="0"/>
+      </a:fillRef>
+      <a:effectRef idx="0">
+        <a:scrgbClr r="0" g="0" b="0"/>
+      </a:effectRef>
+      <a:fontRef idx="minor"/>
+    </dgm:style>
+  </dgm:styleLbl>
+  <dgm:styleLbl name="alignAcc1">
+    <dgm:scene3d>
+      <a:camera prst="orthographicFront"/>
+      <a:lightRig rig="threePt" dir="t"/>
+    </dgm:scene3d>
+    <dgm:sp3d/>
+    <dgm:txPr/>
+    <dgm:style>
+      <a:lnRef idx="2">
+        <a:scrgbClr r="0" g="0" b="0"/>
+      </a:lnRef>
+      <a:fillRef idx="1">
+        <a:scrgbClr r="0" g="0" b="0"/>
+      </a:fillRef>
+      <a:effectRef idx="0">
+        <a:scrgbClr r="0" g="0" b="0"/>
+      </a:effectRef>
+      <a:fontRef idx="minor"/>
+    </dgm:style>
+  </dgm:styleLbl>
+  <dgm:styleLbl name="trAlignAcc1">
+    <dgm:scene3d>
+      <a:camera prst="orthographicFront"/>
+      <a:lightRig rig="threePt" dir="t"/>
+    </dgm:scene3d>
+    <dgm:sp3d/>
+    <dgm:txPr/>
+    <dgm:style>
+      <a:lnRef idx="1">
+        <a:scrgbClr r="0" g="0" b="0"/>
+      </a:lnRef>
+      <a:fillRef idx="1">
+        <a:scrgbClr r="0" g="0" b="0"/>
+      </a:fillRef>
+      <a:effectRef idx="0">
+        <a:scrgbClr r="0" g="0" b="0"/>
+      </a:effectRef>
+      <a:fontRef idx="minor"/>
+    </dgm:style>
+  </dgm:styleLbl>
+  <dgm:styleLbl name="bgAcc1">
+    <dgm:scene3d>
+      <a:camera prst="orthographicFront"/>
+      <a:lightRig rig="threePt" dir="t"/>
+    </dgm:scene3d>
+    <dgm:sp3d/>
+    <dgm:txPr/>
+    <dgm:style>
+      <a:lnRef idx="2">
+        <a:scrgbClr r="0" g="0" b="0"/>
+      </a:lnRef>
+      <a:fillRef idx="1">
+        <a:scrgbClr r="0" g="0" b="0"/>
+      </a:fillRef>
+      <a:effectRef idx="0">
+        <a:scrgbClr r="0" g="0" b="0"/>
+      </a:effectRef>
+      <a:fontRef idx="minor"/>
+    </dgm:style>
+  </dgm:styleLbl>
+  <dgm:styleLbl name="solidFgAcc1">
+    <dgm:scene3d>
+      <a:camera prst="orthographicFront"/>
+      <a:lightRig rig="threePt" dir="t"/>
+    </dgm:scene3d>
+    <dgm:sp3d/>
+    <dgm:txPr/>
+    <dgm:style>
+      <a:lnRef idx="2">
+        <a:scrgbClr r="0" g="0" b="0"/>
+      </a:lnRef>
+      <a:fillRef idx="1">
+        <a:scrgbClr r="0" g="0" b="0"/>
+      </a:fillRef>
+      <a:effectRef idx="0">
+        <a:scrgbClr r="0" g="0" b="0"/>
+      </a:effectRef>
+      <a:fontRef idx="minor"/>
+    </dgm:style>
+  </dgm:styleLbl>
+  <dgm:styleLbl name="solidAlignAcc1">
+    <dgm:scene3d>
+      <a:camera prst="orthographicFront"/>
+      <a:lightRig rig="threePt" dir="t"/>
+    </dgm:scene3d>
+    <dgm:sp3d/>
+    <dgm:txPr/>
+    <dgm:style>
+      <a:lnRef idx="2">
+        <a:scrgbClr r="0" g="0" b="0"/>
+      </a:lnRef>
+      <a:fillRef idx="1">
+        <a:scrgbClr r="0" g="0" b="0"/>
+      </a:fillRef>
+      <a:effectRef idx="0">
+        <a:scrgbClr r="0" g="0" b="0"/>
+      </a:effectRef>
+      <a:fontRef idx="minor"/>
+    </dgm:style>
+  </dgm:styleLbl>
+  <dgm:styleLbl name="solidBgAcc1">
+    <dgm:scene3d>
+      <a:camera prst="orthographicFront"/>
+      <a:lightRig rig="threePt" dir="t"/>
+    </dgm:scene3d>
+    <dgm:sp3d/>
+    <dgm:txPr/>
+    <dgm:style>
+      <a:lnRef idx="2">
+        <a:scrgbClr r="0" g="0" b="0"/>
+      </a:lnRef>
+      <a:fillRef idx="1">
+        <a:scrgbClr r="0" g="0" b="0"/>
+      </a:fillRef>
+      <a:effectRef idx="0">
+        <a:scrgbClr r="0" g="0" b="0"/>
+      </a:effectRef>
+      <a:fontRef idx="minor"/>
+    </dgm:style>
+  </dgm:styleLbl>
+  <dgm:styleLbl name="fgAccFollowNode1">
+    <dgm:scene3d>
+      <a:camera prst="orthographicFront"/>
+      <a:lightRig rig="threePt" dir="t"/>
+    </dgm:scene3d>
+    <dgm:sp3d/>
+    <dgm:txPr/>
+    <dgm:style>
+      <a:lnRef idx="2">
+        <a:scrgbClr r="0" g="0" b="0"/>
+      </a:lnRef>
+      <a:fillRef idx="1">
+        <a:scrgbClr r="0" g="0" b="0"/>
+      </a:fillRef>
+      <a:effectRef idx="0">
+        <a:scrgbClr r="0" g="0" b="0"/>
+      </a:effectRef>
+      <a:fontRef idx="minor"/>
+    </dgm:style>
+  </dgm:styleLbl>
+  <dgm:styleLbl name="alignAccFollowNode1">
+    <dgm:scene3d>
+      <a:camera prst="orthographicFront"/>
+      <a:lightRig rig="threePt" dir="t"/>
+    </dgm:scene3d>
+    <dgm:sp3d/>
+    <dgm:txPr/>
+    <dgm:style>
+      <a:lnRef idx="2">
+        <a:scrgbClr r="0" g="0" b="0"/>
+      </a:lnRef>
+      <a:fillRef idx="1">
+        <a:scrgbClr r="0" g="0" b="0"/>
+      </a:fillRef>
+      <a:effectRef idx="0">
+        <a:scrgbClr r="0" g="0" b="0"/>
+      </a:effectRef>
+      <a:fontRef idx="minor"/>
+    </dgm:style>
+  </dgm:styleLbl>
+  <dgm:styleLbl name="bgAccFollowNode1">
+    <dgm:scene3d>
+      <a:camera prst="orthographicFront"/>
+      <a:lightRig rig="threePt" dir="t"/>
+    </dgm:scene3d>
+    <dgm:sp3d/>
+    <dgm:txPr/>
+    <dgm:style>
+      <a:lnRef idx="2">
+        <a:scrgbClr r="0" g="0" b="0"/>
+      </a:lnRef>
+      <a:fillRef idx="1">
+        <a:scrgbClr r="0" g="0" b="0"/>
+      </a:fillRef>
+      <a:effectRef idx="0">
+        <a:scrgbClr r="0" g="0" b="0"/>
+      </a:effectRef>
+      <a:fontRef idx="minor"/>
+    </dgm:style>
+  </dgm:styleLbl>
+  <dgm:styleLbl name="fgAcc0">
+    <dgm:scene3d>
+      <a:camera prst="orthographicFront"/>
+      <a:lightRig rig="threePt" dir="t"/>
+    </dgm:scene3d>
+    <dgm:sp3d/>
+    <dgm:txPr/>
+    <dgm:style>
+      <a:lnRef idx="2">
+        <a:scrgbClr r="0" g="0" b="0"/>
+      </a:lnRef>
+      <a:fillRef idx="1">
+        <a:scrgbClr r="0" g="0" b="0"/>
+      </a:fillRef>
+      <a:effectRef idx="0">
+        <a:scrgbClr r="0" g="0" b="0"/>
+      </a:effectRef>
+      <a:fontRef idx="minor"/>
+    </dgm:style>
+  </dgm:styleLbl>
+  <dgm:styleLbl name="fgAcc2">
+    <dgm:scene3d>
+      <a:camera prst="orthographicFront"/>
+      <a:lightRig rig="threePt" dir="t"/>
+    </dgm:scene3d>
+    <dgm:sp3d/>
+    <dgm:txPr/>
+    <dgm:style>
+      <a:lnRef idx="2">
+        <a:scrgbClr r="0" g="0" b="0"/>
+      </a:lnRef>
+      <a:fillRef idx="1">
+        <a:scrgbClr r="0" g="0" b="0"/>
+      </a:fillRef>
+      <a:effectRef idx="0">
+        <a:scrgbClr r="0" g="0" b="0"/>
+      </a:effectRef>
+      <a:fontRef idx="minor"/>
+    </dgm:style>
+  </dgm:styleLbl>
+  <dgm:styleLbl name="fgAcc3">
+    <dgm:scene3d>
+      <a:camera prst="orthographicFront"/>
+      <a:lightRig rig="threePt" dir="t"/>
+    </dgm:scene3d>
+    <dgm:sp3d/>
+    <dgm:txPr/>
+    <dgm:style>
+      <a:lnRef idx="2">
+        <a:scrgbClr r="0" g="0" b="0"/>
+      </a:lnRef>
+      <a:fillRef idx="1">
+        <a:scrgbClr r="0" g="0" b="0"/>
+      </a:fillRef>
+      <a:effectRef idx="0">
+        <a:scrgbClr r="0" g="0" b="0"/>
+      </a:effectRef>
+      <a:fontRef idx="minor"/>
+    </dgm:style>
+  </dgm:styleLbl>
+  <dgm:styleLbl name="fgAcc4">
+    <dgm:scene3d>
+      <a:camera prst="orthographicFront"/>
+      <a:lightRig rig="threePt" dir="t"/>
+    </dgm:scene3d>
+    <dgm:sp3d/>
+    <dgm:txPr/>
+    <dgm:style>
+      <a:lnRef idx="2">
+        <a:scrgbClr r="0" g="0" b="0"/>
+      </a:lnRef>
+      <a:fillRef idx="1">
+        <a:scrgbClr r="0" g="0" b="0"/>
+      </a:fillRef>
+      <a:effectRef idx="0">
+        <a:scrgbClr r="0" g="0" b="0"/>
+      </a:effectRef>
+      <a:fontRef idx="minor"/>
+    </dgm:style>
+  </dgm:styleLbl>
+  <dgm:styleLbl name="bgShp">
+    <dgm:scene3d>
+      <a:camera prst="orthographicFront"/>
+      <a:lightRig rig="threePt" dir="t"/>
+    </dgm:scene3d>
+    <dgm:sp3d/>
+    <dgm:txPr/>
+    <dgm:style>
+      <a:lnRef idx="0">
+        <a:scrgbClr r="0" g="0" b="0"/>
+      </a:lnRef>
+      <a:fillRef idx="1">
+        <a:scrgbClr r="0" g="0" b="0"/>
+      </a:fillRef>
+      <a:effectRef idx="0">
+        <a:scrgbClr r="0" g="0" b="0"/>
+      </a:effectRef>
+      <a:fontRef idx="minor"/>
+    </dgm:style>
+  </dgm:styleLbl>
+  <dgm:styleLbl name="dkBgShp">
+    <dgm:scene3d>
+      <a:camera prst="orthographicFront"/>
+      <a:lightRig rig="threePt" dir="t"/>
+    </dgm:scene3d>
+    <dgm:sp3d/>
+    <dgm:txPr/>
+    <dgm:style>
+      <a:lnRef idx="0">
+        <a:scrgbClr r="0" g="0" b="0"/>
+      </a:lnRef>
+      <a:fillRef idx="1">
+        <a:scrgbClr r="0" g="0" b="0"/>
+      </a:fillRef>
+      <a:effectRef idx="0">
+        <a:scrgbClr r="0" g="0" b="0"/>
+      </a:effectRef>
+      <a:fontRef idx="minor"/>
+    </dgm:style>
+  </dgm:styleLbl>
+  <dgm:styleLbl name="trBgShp">
+    <dgm:scene3d>
+      <a:camera prst="orthographicFront"/>
+      <a:lightRig rig="threePt" dir="t"/>
+    </dgm:scene3d>
+    <dgm:sp3d/>
+    <dgm:txPr/>
+    <dgm:style>
+      <a:lnRef idx="0">
+        <a:scrgbClr r="0" g="0" b="0"/>
+      </a:lnRef>
+      <a:fillRef idx="1">
+        <a:scrgbClr r="0" g="0" b="0"/>
+      </a:fillRef>
+      <a:effectRef idx="0">
+        <a:scrgbClr r="0" g="0" b="0"/>
+      </a:effectRef>
+      <a:fontRef idx="minor"/>
+    </dgm:style>
+  </dgm:styleLbl>
+  <dgm:styleLbl name="fgShp">
+    <dgm:scene3d>
+      <a:camera prst="orthographicFront"/>
+      <a:lightRig rig="threePt" dir="t"/>
+    </dgm:scene3d>
+    <dgm:sp3d/>
+    <dgm:txPr/>
+    <dgm:style>
+      <a:lnRef idx="2">
+        <a:scrgbClr r="0" g="0" b="0"/>
+      </a:lnRef>
+      <a:fillRef idx="1">
+        <a:scrgbClr r="0" g="0" b="0"/>
+      </a:fillRef>
+      <a:effectRef idx="0">
+        <a:scrgbClr r="0" g="0" b="0"/>
+      </a:effectRef>
+      <a:fontRef idx="minor"/>
+    </dgm:style>
+  </dgm:styleLbl>
+  <dgm:styleLbl name="revTx">
+    <dgm:scene3d>
+      <a:camera prst="orthographicFront"/>
+      <a:lightRig rig="threePt" dir="t"/>
+    </dgm:scene3d>
+    <dgm:sp3d/>
+    <dgm:txPr/>
+    <dgm:style>
+      <a:lnRef idx="0">
+        <a:scrgbClr r="0" g="0" b="0"/>
+      </a:lnRef>
+      <a:fillRef idx="0">
+        <a:scrgbClr r="0" g="0" b="0"/>
+      </a:fillRef>
+      <a:effectRef idx="0">
+        <a:scrgbClr r="0" g="0" b="0"/>
+      </a:effectRef>
+      <a:fontRef idx="minor"/>
+    </dgm:style>
+  </dgm:styleLbl>
+</dgm:styleDef>
+</file>
+
+<file path=ppt/diagrams/quickStyle4.xml><?xml version="1.0" encoding="utf-8"?>
 <dgm:styleDef xmlns:dgm="http://schemas.openxmlformats.org/drawingml/2006/diagram" xmlns:a="http://schemas.openxmlformats.org/drawingml/2006/main" uniqueId="urn:microsoft.com/office/officeart/2005/8/quickstyle/simple1">
   <dgm:title val=""/>
   <dgm:desc val=""/>
@@ -10879,7 +13823,7 @@
           <a:p>
             <a:fld id="{EA0C0817-A112-4847-8014-A94B7D2A4EA3}" type="datetime1">
               <a:rPr lang="en-US" smtClean="0"/>
-              <a:t>4/7/2020</a:t>
+              <a:t>4/10/2020</a:t>
             </a:fld>
             <a:endParaRPr lang="en-US" dirty="0"/>
           </a:p>
@@ -11081,7 +14025,7 @@
           <a:p>
             <a:fld id="{7332B432-ACDA-4023-A761-2BAB76577B62}" type="datetime1">
               <a:rPr lang="en-US" smtClean="0"/>
-              <a:t>4/7/2020</a:t>
+              <a:t>4/10/2020</a:t>
             </a:fld>
             <a:endParaRPr lang="en-US" dirty="0"/>
           </a:p>
@@ -11680,7 +14624,7 @@
           <a:p>
             <a:fld id="{D9C646AA-F36E-4540-911D-FFFC0A0EF24A}" type="datetime1">
               <a:rPr lang="en-US" smtClean="0"/>
-              <a:t>4/7/2020</a:t>
+              <a:t>4/10/2020</a:t>
             </a:fld>
             <a:endParaRPr lang="en-US" dirty="0"/>
           </a:p>
@@ -12000,7 +14944,7 @@
           <a:p>
             <a:fld id="{69186D26-FA5F-4637-B602-B7C2DC34CFD4}" type="datetime1">
               <a:rPr lang="en-US" smtClean="0"/>
-              <a:t>4/7/2020</a:t>
+              <a:t>4/10/2020</a:t>
             </a:fld>
             <a:endParaRPr lang="en-US" dirty="0"/>
           </a:p>
@@ -12437,7 +15381,7 @@
           <a:p>
             <a:fld id="{8A7F15D8-96D1-4781-BC50-CA8A088B2FE4}" type="datetime1">
               <a:rPr lang="en-US" smtClean="0"/>
-              <a:t>4/7/2020</a:t>
+              <a:t>4/10/2020</a:t>
             </a:fld>
             <a:endParaRPr lang="en-US" dirty="0"/>
           </a:p>
@@ -12555,7 +15499,7 @@
           <a:p>
             <a:fld id="{F9A96C99-B8F8-4528-BD05-0E16E943DC09}" type="datetime1">
               <a:rPr lang="en-US" smtClean="0"/>
-              <a:t>4/7/2020</a:t>
+              <a:t>4/10/2020</a:t>
             </a:fld>
             <a:endParaRPr lang="en-US" dirty="0"/>
           </a:p>
@@ -12650,7 +15594,7 @@
           <a:p>
             <a:fld id="{03636942-C211-4B28-8DBD-C953E00AF71B}" type="datetime1">
               <a:rPr lang="en-US" smtClean="0"/>
-              <a:t>4/7/2020</a:t>
+              <a:t>4/10/2020</a:t>
             </a:fld>
             <a:endParaRPr lang="en-US" dirty="0"/>
           </a:p>
@@ -13067,7 +16011,7 @@
           <a:p>
             <a:fld id="{7E8D12A6-918A-48BD-8CB9-CA713993B0EA}" type="datetime1">
               <a:rPr lang="en-US" smtClean="0"/>
-              <a:t>4/7/2020</a:t>
+              <a:t>4/10/2020</a:t>
             </a:fld>
             <a:endParaRPr lang="en-US" dirty="0"/>
           </a:p>
@@ -13329,7 +16273,7 @@
             <a:fld id="{E778CE86-875F-4587-BCF6-FA054AFC0D53}" type="datetime1">
               <a:rPr lang="en-US" smtClean="0"/>
               <a:pPr/>
-              <a:t>4/7/2020</a:t>
+              <a:t>4/10/2020</a:t>
             </a:fld>
             <a:endParaRPr lang="en-US" dirty="0"/>
           </a:p>
@@ -13845,7 +16789,7 @@
           <a:p>
             <a:fld id="{F6FA2B21-3FCD-4721-B95C-427943F61125}" type="datetime1">
               <a:rPr lang="en-US" smtClean="0"/>
-              <a:t>4/7/2020</a:t>
+              <a:t>4/10/2020</a:t>
             </a:fld>
             <a:endParaRPr lang="en-US" dirty="0"/>
           </a:p>
@@ -14577,7 +17521,7 @@
           <p:cNvPr id="2" name="Title 1">
             <a:extLst>
               <a:ext uri="{FF2B5EF4-FFF2-40B4-BE49-F238E27FC236}">
-                <a16:creationId xmlns:a16="http://schemas.microsoft.com/office/drawing/2014/main" id="{771E9804-A4AD-4026-B2D2-B4506582221F}"/>
+                <a16:creationId xmlns:a16="http://schemas.microsoft.com/office/drawing/2014/main" id="{EFCAA1EC-CF03-4768-8CF9-4A88E2315B2A}"/>
               </a:ext>
             </a:extLst>
           </p:cNvPr>
@@ -14595,7 +17539,7 @@
           <a:p>
             <a:r>
               <a:rPr lang="en-US" dirty="0"/>
-              <a:t>Attacking Forward Propagation</a:t>
+              <a:t>Include Attack Functions</a:t>
             </a:r>
           </a:p>
         </p:txBody>
@@ -14605,7 +17549,7 @@
           <p:cNvPr id="3" name="Content Placeholder 2">
             <a:extLst>
               <a:ext uri="{FF2B5EF4-FFF2-40B4-BE49-F238E27FC236}">
-                <a16:creationId xmlns:a16="http://schemas.microsoft.com/office/drawing/2014/main" id="{86158712-89DE-4E38-92C7-9A7F16CE3C56}"/>
+                <a16:creationId xmlns:a16="http://schemas.microsoft.com/office/drawing/2014/main" id="{4941E2D8-07A6-4B9C-9E78-CA04AFFA0A59}"/>
               </a:ext>
             </a:extLst>
           </p:cNvPr>
@@ -14613,7 +17557,7 @@
             <a:spLocks noGrp="1"/>
           </p:cNvSpPr>
           <p:nvPr>
-            <p:ph idx="1"/>
+            <p:ph sz="half" idx="1"/>
           </p:nvPr>
         </p:nvSpPr>
         <p:spPr/>
@@ -14623,12 +17567,81 @@
           <a:p>
             <a:endParaRPr lang="en-US" dirty="0"/>
           </a:p>
+          <a:p>
+            <a:r>
+              <a:rPr lang="en-US" dirty="0"/>
+              <a:t>Insert Wrappers into </a:t>
+            </a:r>
+            <a:r>
+              <a:rPr lang="en-US" dirty="0" err="1"/>
+              <a:t>MLPClassifer</a:t>
+            </a:r>
+            <a:r>
+              <a:rPr lang="en-US" dirty="0"/>
+              <a:t> Source</a:t>
+            </a:r>
+          </a:p>
+          <a:p>
+            <a:pPr marL="0" indent="0">
+              <a:buNone/>
+            </a:pPr>
+            <a:endParaRPr lang="en-US" dirty="0"/>
+          </a:p>
+          <a:p>
+            <a:r>
+              <a:rPr lang="en-US" dirty="0"/>
+              <a:t>Create python program containing “attack functions”</a:t>
+            </a:r>
+          </a:p>
+          <a:p>
+            <a:endParaRPr lang="en-US" dirty="0"/>
+          </a:p>
+          <a:p>
+            <a:r>
+              <a:rPr lang="en-US" dirty="0"/>
+              <a:t>In “_multilayer_perceptron.py”</a:t>
+            </a:r>
+          </a:p>
+          <a:p>
+            <a:endParaRPr lang="en-US" dirty="0"/>
+          </a:p>
         </p:txBody>
       </p:sp>
+      <p:pic>
+        <p:nvPicPr>
+          <p:cNvPr id="16" name="Content Placeholder 15">
+            <a:extLst>
+              <a:ext uri="{FF2B5EF4-FFF2-40B4-BE49-F238E27FC236}">
+                <a16:creationId xmlns:a16="http://schemas.microsoft.com/office/drawing/2014/main" id="{9A25372B-93C9-45BA-9944-AF40E9764ADB}"/>
+              </a:ext>
+            </a:extLst>
+          </p:cNvPr>
+          <p:cNvPicPr>
+            <a:picLocks noGrp="1" noChangeAspect="1"/>
+          </p:cNvPicPr>
+          <p:nvPr>
+            <p:ph sz="half" idx="2"/>
+          </p:nvPr>
+        </p:nvPicPr>
+        <p:blipFill rotWithShape="1">
+          <a:blip r:embed="rId2"/>
+          <a:srcRect r="57579" b="41656"/>
+          <a:stretch/>
+        </p:blipFill>
+        <p:spPr>
+          <a:xfrm>
+            <a:off x="6164217" y="2103120"/>
+            <a:ext cx="4960983" cy="3837966"/>
+          </a:xfrm>
+          <a:prstGeom prst="rect">
+            <a:avLst/>
+          </a:prstGeom>
+        </p:spPr>
+      </p:pic>
     </p:spTree>
     <p:extLst>
       <p:ext uri="{BB962C8B-B14F-4D97-AF65-F5344CB8AC3E}">
-        <p14:creationId xmlns:p14="http://schemas.microsoft.com/office/powerpoint/2010/main" val="887696157"/>
+        <p14:creationId xmlns:p14="http://schemas.microsoft.com/office/powerpoint/2010/main" val="3003622732"/>
       </p:ext>
     </p:extLst>
   </p:cSld>
@@ -14660,7 +17673,223 @@
           <p:cNvPr id="2" name="Title 1">
             <a:extLst>
               <a:ext uri="{FF2B5EF4-FFF2-40B4-BE49-F238E27FC236}">
-                <a16:creationId xmlns:a16="http://schemas.microsoft.com/office/drawing/2014/main" id="{615C2DCE-3521-4232-BDA5-A82A00FFA51B}"/>
+                <a16:creationId xmlns:a16="http://schemas.microsoft.com/office/drawing/2014/main" id="{50295577-A3D5-4DBA-B896-9F712A6F1E78}"/>
+              </a:ext>
+            </a:extLst>
+          </p:cNvPr>
+          <p:cNvSpPr>
+            <a:spLocks noGrp="1"/>
+          </p:cNvSpPr>
+          <p:nvPr>
+            <p:ph type="title"/>
+          </p:nvPr>
+        </p:nvSpPr>
+        <p:spPr/>
+        <p:txBody>
+          <a:bodyPr/>
+          <a:lstStyle/>
+          <a:p>
+            <a:r>
+              <a:rPr lang="en-US" dirty="0"/>
+              <a:t>Attack Functions</a:t>
+            </a:r>
+          </a:p>
+        </p:txBody>
+      </p:sp>
+      <p:sp>
+        <p:nvSpPr>
+          <p:cNvPr id="3" name="Text Placeholder 2">
+            <a:extLst>
+              <a:ext uri="{FF2B5EF4-FFF2-40B4-BE49-F238E27FC236}">
+                <a16:creationId xmlns:a16="http://schemas.microsoft.com/office/drawing/2014/main" id="{94A4F436-55EB-4B53-ADD7-1EA2AA9C4748}"/>
+              </a:ext>
+            </a:extLst>
+          </p:cNvPr>
+          <p:cNvSpPr>
+            <a:spLocks noGrp="1"/>
+          </p:cNvSpPr>
+          <p:nvPr>
+            <p:ph type="body" idx="1"/>
+          </p:nvPr>
+        </p:nvSpPr>
+        <p:spPr/>
+        <p:txBody>
+          <a:bodyPr/>
+          <a:lstStyle/>
+          <a:p>
+            <a:r>
+              <a:rPr lang="en-US" dirty="0"/>
+              <a:t>Rounding, Bit Swapping , Muting &amp; Trigger Conditions</a:t>
+            </a:r>
+          </a:p>
+        </p:txBody>
+      </p:sp>
+    </p:spTree>
+    <p:extLst>
+      <p:ext uri="{BB962C8B-B14F-4D97-AF65-F5344CB8AC3E}">
+        <p14:creationId xmlns:p14="http://schemas.microsoft.com/office/powerpoint/2010/main" val="3535829582"/>
+      </p:ext>
+    </p:extLst>
+  </p:cSld>
+  <p:clrMapOvr>
+    <a:masterClrMapping/>
+  </p:clrMapOvr>
+</p:sld>
+</file>
+
+<file path=ppt/slides/slide12.xml><?xml version="1.0" encoding="utf-8"?>
+<p:sld xmlns:a="http://schemas.openxmlformats.org/drawingml/2006/main" xmlns:r="http://schemas.openxmlformats.org/officeDocument/2006/relationships" xmlns:p="http://schemas.openxmlformats.org/presentationml/2006/main">
+  <p:cSld>
+    <p:spTree>
+      <p:nvGrpSpPr>
+        <p:cNvPr id="1" name=""/>
+        <p:cNvGrpSpPr/>
+        <p:nvPr/>
+      </p:nvGrpSpPr>
+      <p:grpSpPr>
+        <a:xfrm>
+          <a:off x="0" y="0"/>
+          <a:ext cx="0" cy="0"/>
+          <a:chOff x="0" y="0"/>
+          <a:chExt cx="0" cy="0"/>
+        </a:xfrm>
+      </p:grpSpPr>
+      <p:sp>
+        <p:nvSpPr>
+          <p:cNvPr id="4" name="Title 3">
+            <a:extLst>
+              <a:ext uri="{FF2B5EF4-FFF2-40B4-BE49-F238E27FC236}">
+                <a16:creationId xmlns:a16="http://schemas.microsoft.com/office/drawing/2014/main" id="{09F17788-6740-4471-92C5-9E839A3C54FE}"/>
+              </a:ext>
+            </a:extLst>
+          </p:cNvPr>
+          <p:cNvSpPr>
+            <a:spLocks noGrp="1"/>
+          </p:cNvSpPr>
+          <p:nvPr>
+            <p:ph type="title"/>
+          </p:nvPr>
+        </p:nvSpPr>
+        <p:spPr/>
+        <p:txBody>
+          <a:bodyPr/>
+          <a:lstStyle/>
+          <a:p>
+            <a:pPr algn="r"/>
+            <a:r>
+              <a:rPr lang="en-US" dirty="0"/>
+              <a:t>Attacking Forward Propagation</a:t>
+            </a:r>
+          </a:p>
+        </p:txBody>
+      </p:sp>
+      <p:sp>
+        <p:nvSpPr>
+          <p:cNvPr id="5" name="Content Placeholder 4">
+            <a:extLst>
+              <a:ext uri="{FF2B5EF4-FFF2-40B4-BE49-F238E27FC236}">
+                <a16:creationId xmlns:a16="http://schemas.microsoft.com/office/drawing/2014/main" id="{009BD2F3-EEF1-4C1D-882A-17D4CEFDB372}"/>
+              </a:ext>
+            </a:extLst>
+          </p:cNvPr>
+          <p:cNvSpPr>
+            <a:spLocks noGrp="1"/>
+          </p:cNvSpPr>
+          <p:nvPr>
+            <p:ph sz="half" idx="1"/>
+          </p:nvPr>
+        </p:nvSpPr>
+        <p:spPr/>
+        <p:txBody>
+          <a:bodyPr/>
+          <a:lstStyle/>
+          <a:p>
+            <a:r>
+              <a:rPr lang="en-US" dirty="0"/>
+              <a:t>Transitioning between layers required forward pass equation</a:t>
+            </a:r>
+          </a:p>
+          <a:p>
+            <a:endParaRPr lang="en-US" dirty="0"/>
+          </a:p>
+          <a:p>
+            <a:r>
+              <a:rPr lang="en-US" dirty="0"/>
+              <a:t>We apply this attack function to every forward pass</a:t>
+            </a:r>
+          </a:p>
+          <a:p>
+            <a:endParaRPr lang="en-US" dirty="0"/>
+          </a:p>
+          <a:p>
+            <a:endParaRPr lang="en-US" dirty="0"/>
+          </a:p>
+        </p:txBody>
+      </p:sp>
+      <p:sp>
+        <p:nvSpPr>
+          <p:cNvPr id="6" name="Content Placeholder 5">
+            <a:extLst>
+              <a:ext uri="{FF2B5EF4-FFF2-40B4-BE49-F238E27FC236}">
+                <a16:creationId xmlns:a16="http://schemas.microsoft.com/office/drawing/2014/main" id="{E49A2982-1C1A-4677-B77D-D8E925957C8B}"/>
+              </a:ext>
+            </a:extLst>
+          </p:cNvPr>
+          <p:cNvSpPr>
+            <a:spLocks noGrp="1"/>
+          </p:cNvSpPr>
+          <p:nvPr>
+            <p:ph sz="half" idx="2"/>
+          </p:nvPr>
+        </p:nvSpPr>
+        <p:spPr/>
+        <p:txBody>
+          <a:bodyPr/>
+          <a:lstStyle/>
+          <a:p>
+            <a:r>
+              <a:rPr lang="en-US" i="1" dirty="0"/>
+              <a:t>(Attack function script here)</a:t>
+            </a:r>
+          </a:p>
+        </p:txBody>
+      </p:sp>
+    </p:spTree>
+    <p:extLst>
+      <p:ext uri="{BB962C8B-B14F-4D97-AF65-F5344CB8AC3E}">
+        <p14:creationId xmlns:p14="http://schemas.microsoft.com/office/powerpoint/2010/main" val="3431135410"/>
+      </p:ext>
+    </p:extLst>
+  </p:cSld>
+  <p:clrMapOvr>
+    <a:masterClrMapping/>
+  </p:clrMapOvr>
+</p:sld>
+</file>
+
+<file path=ppt/slides/slide13.xml><?xml version="1.0" encoding="utf-8"?>
+<p:sld xmlns:a="http://schemas.openxmlformats.org/drawingml/2006/main" xmlns:r="http://schemas.openxmlformats.org/officeDocument/2006/relationships" xmlns:p="http://schemas.openxmlformats.org/presentationml/2006/main">
+  <p:cSld>
+    <p:spTree>
+      <p:nvGrpSpPr>
+        <p:cNvPr id="1" name=""/>
+        <p:cNvGrpSpPr/>
+        <p:nvPr/>
+      </p:nvGrpSpPr>
+      <p:grpSpPr>
+        <a:xfrm>
+          <a:off x="0" y="0"/>
+          <a:ext cx="0" cy="0"/>
+          <a:chOff x="0" y="0"/>
+          <a:chExt cx="0" cy="0"/>
+        </a:xfrm>
+      </p:grpSpPr>
+      <p:sp>
+        <p:nvSpPr>
+          <p:cNvPr id="2" name="Title 1">
+            <a:extLst>
+              <a:ext uri="{FF2B5EF4-FFF2-40B4-BE49-F238E27FC236}">
+                <a16:creationId xmlns:a16="http://schemas.microsoft.com/office/drawing/2014/main" id="{05FEFD2F-EE69-4D64-9567-14824A0C83BF}"/>
               </a:ext>
             </a:extLst>
           </p:cNvPr>
@@ -14685,383 +17914,46 @@
           <a:p>
             <a:r>
               <a:rPr lang="en-US" dirty="0"/>
-              <a:t>Parameters of Multilayer Perceptron</a:t>
+              <a:t>Trigger Type</a:t>
             </a:r>
           </a:p>
         </p:txBody>
       </p:sp>
-      <p:pic>
-        <p:nvPicPr>
-          <p:cNvPr id="6" name="Content Placeholder 5" descr="A picture containing circuit&#10;&#10;Description automatically generated">
+      <p:graphicFrame>
+        <p:nvGraphicFramePr>
+          <p:cNvPr id="5" name="Content Placeholder 2">
             <a:extLst>
               <a:ext uri="{FF2B5EF4-FFF2-40B4-BE49-F238E27FC236}">
-                <a16:creationId xmlns:a16="http://schemas.microsoft.com/office/drawing/2014/main" id="{6286054F-E3AB-46BA-9F79-1BF66BCE39CC}"/>
+                <a16:creationId xmlns:a16="http://schemas.microsoft.com/office/drawing/2014/main" id="{284D5600-B82F-473C-A88F-BBB7256E0C1E}"/>
               </a:ext>
             </a:extLst>
           </p:cNvPr>
-          <p:cNvPicPr>
-            <a:picLocks noGrp="1" noChangeAspect="1"/>
-          </p:cNvPicPr>
+          <p:cNvGraphicFramePr>
+            <a:graphicFrameLocks noGrp="1"/>
+          </p:cNvGraphicFramePr>
           <p:nvPr>
-            <p:ph sz="half" idx="1"/>
+            <p:ph idx="1"/>
+            <p:extLst>
+              <p:ext uri="{D42A27DB-BD31-4B8C-83A1-F6EECF244321}">
+                <p14:modId xmlns:p14="http://schemas.microsoft.com/office/powerpoint/2010/main" val="21513786"/>
+              </p:ext>
+            </p:extLst>
           </p:nvPr>
-        </p:nvPicPr>
-        <p:blipFill rotWithShape="1">
-          <a:blip r:embed="rId2">
-            <a:extLst>
-              <a:ext uri="{837473B0-CC2E-450A-ABE3-18F120FF3D39}">
-                <a1611:picAttrSrcUrl xmlns:a1611="http://schemas.microsoft.com/office/drawing/2016/11/main" r:id="rId3"/>
-              </a:ext>
-            </a:extLst>
-          </a:blip>
-          <a:srcRect l="11267" r="12543" b="-1"/>
-          <a:stretch/>
-        </p:blipFill>
-        <p:spPr>
-          <a:xfrm>
-            <a:off x="1066800" y="2103120"/>
-            <a:ext cx="4663440" cy="3749040"/>
-          </a:xfrm>
-          <a:noFill/>
-        </p:spPr>
-      </p:pic>
-      <mc:AlternateContent xmlns:mc="http://schemas.openxmlformats.org/markup-compatibility/2006" xmlns:a14="http://schemas.microsoft.com/office/drawing/2010/main">
-        <mc:Choice Requires="a14">
-          <p:sp>
-            <p:nvSpPr>
-              <p:cNvPr id="3" name="Content Placeholder 2">
-                <a:extLst>
-                  <a:ext uri="{FF2B5EF4-FFF2-40B4-BE49-F238E27FC236}">
-                    <a16:creationId xmlns:a16="http://schemas.microsoft.com/office/drawing/2014/main" id="{E90C50AC-0DDD-49DB-9E3E-8DD49BFADCAA}"/>
-                  </a:ext>
-                </a:extLst>
-              </p:cNvPr>
-              <p:cNvSpPr>
-                <a:spLocks noGrp="1"/>
-              </p:cNvSpPr>
-              <p:nvPr>
-                <p:ph sz="half" idx="2"/>
-              </p:nvPr>
-            </p:nvSpPr>
-            <p:spPr>
-              <a:xfrm>
-                <a:off x="6461760" y="2103120"/>
-                <a:ext cx="4663440" cy="3749040"/>
-              </a:xfrm>
-            </p:spPr>
-            <p:txBody>
-              <a:bodyPr>
-                <a:normAutofit/>
-              </a:bodyPr>
-              <a:lstStyle/>
-              <a:p>
-                <a:pPr>
-                  <a:lnSpc>
-                    <a:spcPct val="100000"/>
-                  </a:lnSpc>
-                </a:pPr>
-                <a:r>
-                  <a:rPr lang="en-US" sz="1500"/>
-                  <a:t>Layer Sizes – Changed with each iteration</a:t>
-                </a:r>
-              </a:p>
-              <a:p>
-                <a:pPr>
-                  <a:lnSpc>
-                    <a:spcPct val="100000"/>
-                  </a:lnSpc>
-                </a:pPr>
-                <a:endParaRPr lang="en-US" sz="1500"/>
-              </a:p>
-              <a:p>
-                <a:pPr>
-                  <a:lnSpc>
-                    <a:spcPct val="100000"/>
-                  </a:lnSpc>
-                </a:pPr>
-                <a:r>
-                  <a:rPr lang="en-US" sz="1500"/>
-                  <a:t>Activation function, </a:t>
-                </a:r>
-                <a14:m>
-                  <m:oMath xmlns:m="http://schemas.openxmlformats.org/officeDocument/2006/math">
-                    <m:r>
-                      <a:rPr lang="en-US" sz="1500" b="0" i="1" smtClean="0">
-                        <a:latin typeface="Cambria Math" panose="02040503050406030204" pitchFamily="18" charset="0"/>
-                      </a:rPr>
-                      <m:t>𝑓</m:t>
-                    </m:r>
-                    <m:d>
-                      <m:dPr>
-                        <m:begChr m:val="["/>
-                        <m:endChr m:val="]"/>
-                        <m:ctrlPr>
-                          <a:rPr lang="en-US" sz="1500" b="0" i="1" smtClean="0">
-                            <a:latin typeface="Cambria Math" panose="02040503050406030204" pitchFamily="18" charset="0"/>
-                          </a:rPr>
-                        </m:ctrlPr>
-                      </m:dPr>
-                      <m:e>
-                        <m:r>
-                          <a:rPr lang="en-US" sz="1500" b="0" i="1" smtClean="0">
-                            <a:latin typeface="Cambria Math" panose="02040503050406030204" pitchFamily="18" charset="0"/>
-                          </a:rPr>
-                          <m:t>𝑧</m:t>
-                        </m:r>
-                      </m:e>
-                    </m:d>
-                    <m:r>
-                      <a:rPr lang="en-US" sz="1500" b="0" i="1" smtClean="0">
-                        <a:latin typeface="Cambria Math" panose="02040503050406030204" pitchFamily="18" charset="0"/>
-                      </a:rPr>
-                      <m:t>=</m:t>
-                    </m:r>
-                    <m:r>
-                      <a:rPr lang="en-US" sz="1500" b="0" i="1" smtClean="0">
-                        <a:latin typeface="Cambria Math" panose="02040503050406030204" pitchFamily="18" charset="0"/>
-                      </a:rPr>
-                      <m:t>𝑅𝑒𝐿𝑈</m:t>
-                    </m:r>
-                    <m:d>
-                      <m:dPr>
-                        <m:begChr m:val="["/>
-                        <m:endChr m:val="]"/>
-                        <m:ctrlPr>
-                          <a:rPr lang="en-US" sz="1500" b="0" i="1" smtClean="0">
-                            <a:latin typeface="Cambria Math" panose="02040503050406030204" pitchFamily="18" charset="0"/>
-                          </a:rPr>
-                        </m:ctrlPr>
-                      </m:dPr>
-                      <m:e>
-                        <m:r>
-                          <a:rPr lang="en-US" sz="1500" b="0" i="1" smtClean="0">
-                            <a:latin typeface="Cambria Math" panose="02040503050406030204" pitchFamily="18" charset="0"/>
-                          </a:rPr>
-                          <m:t>𝑍</m:t>
-                        </m:r>
-                      </m:e>
-                    </m:d>
-                  </m:oMath>
-                </a14:m>
-                <a:endParaRPr lang="en-US" sz="1500" b="0"/>
-              </a:p>
-              <a:p>
-                <a:pPr>
-                  <a:lnSpc>
-                    <a:spcPct val="100000"/>
-                  </a:lnSpc>
-                </a:pPr>
-                <a:endParaRPr lang="en-US" sz="1500"/>
-              </a:p>
-              <a:p>
-                <a:pPr>
-                  <a:lnSpc>
-                    <a:spcPct val="100000"/>
-                  </a:lnSpc>
-                </a:pPr>
-                <a:r>
-                  <a:rPr lang="en-US" sz="1500"/>
-                  <a:t>Solver – Stochastic Gradient Descent</a:t>
-                </a:r>
-              </a:p>
-              <a:p>
-                <a:pPr>
-                  <a:lnSpc>
-                    <a:spcPct val="100000"/>
-                  </a:lnSpc>
-                </a:pPr>
-                <a:endParaRPr lang="en-US" sz="1500"/>
-              </a:p>
-              <a:p>
-                <a:pPr>
-                  <a:lnSpc>
-                    <a:spcPct val="100000"/>
-                  </a:lnSpc>
-                </a:pPr>
-                <a:r>
-                  <a:rPr lang="en-US" sz="1500"/>
-                  <a:t>Mini Batch Size – 100 samples</a:t>
-                </a:r>
-              </a:p>
-              <a:p>
-                <a:pPr>
-                  <a:lnSpc>
-                    <a:spcPct val="100000"/>
-                  </a:lnSpc>
-                </a:pPr>
-                <a:endParaRPr lang="en-US" sz="1500"/>
-              </a:p>
-              <a:p>
-                <a:pPr>
-                  <a:lnSpc>
-                    <a:spcPct val="100000"/>
-                  </a:lnSpc>
-                </a:pPr>
-                <a:r>
-                  <a:rPr lang="en-US" sz="1500"/>
-                  <a:t>Maximum Iterations – 400 </a:t>
-                </a:r>
-              </a:p>
-              <a:p>
-                <a:pPr>
-                  <a:lnSpc>
-                    <a:spcPct val="100000"/>
-                  </a:lnSpc>
-                </a:pPr>
-                <a:endParaRPr lang="en-US" sz="1500"/>
-              </a:p>
-              <a:p>
-                <a:pPr>
-                  <a:lnSpc>
-                    <a:spcPct val="100000"/>
-                  </a:lnSpc>
-                </a:pPr>
-                <a:r>
-                  <a:rPr lang="en-US" sz="1500"/>
-                  <a:t>Tolerance = 0.0001</a:t>
-                </a:r>
-              </a:p>
-              <a:p>
-                <a:pPr marL="0" indent="0">
-                  <a:lnSpc>
-                    <a:spcPct val="100000"/>
-                  </a:lnSpc>
-                  <a:buNone/>
-                </a:pPr>
-                <a:endParaRPr lang="en-US" sz="1500"/>
-              </a:p>
-            </p:txBody>
-          </p:sp>
-        </mc:Choice>
-        <mc:Fallback xmlns="">
-          <p:sp>
-            <p:nvSpPr>
-              <p:cNvPr id="3" name="Content Placeholder 2">
-                <a:extLst>
-                  <a:ext uri="{FF2B5EF4-FFF2-40B4-BE49-F238E27FC236}">
-                    <a16:creationId xmlns:a16="http://schemas.microsoft.com/office/drawing/2014/main" id="{E90C50AC-0DDD-49DB-9E3E-8DD49BFADCAA}"/>
-                  </a:ext>
-                </a:extLst>
-              </p:cNvPr>
-              <p:cNvSpPr>
-                <a:spLocks noGrp="1" noRot="1" noChangeAspect="1" noMove="1" noResize="1" noEditPoints="1" noAdjustHandles="1" noChangeArrowheads="1" noChangeShapeType="1" noTextEdit="1"/>
-              </p:cNvSpPr>
-              <p:nvPr>
-                <p:ph sz="half" idx="2"/>
-              </p:nvPr>
-            </p:nvSpPr>
-            <p:spPr>
-              <a:xfrm>
-                <a:off x="6461760" y="2103120"/>
-                <a:ext cx="4663440" cy="3749040"/>
-              </a:xfrm>
-              <a:blipFill>
-                <a:blip r:embed="rId4"/>
-                <a:stretch>
-                  <a:fillRect l="-392" t="-163" b="-1789"/>
-                </a:stretch>
-              </a:blipFill>
-            </p:spPr>
-            <p:txBody>
-              <a:bodyPr/>
-              <a:lstStyle/>
-              <a:p>
-                <a:r>
-                  <a:rPr lang="en-US">
-                    <a:noFill/>
-                  </a:rPr>
-                  <a:t> </a:t>
-                </a:r>
-              </a:p>
-            </p:txBody>
-          </p:sp>
-        </mc:Fallback>
-      </mc:AlternateContent>
-      <p:sp>
-        <p:nvSpPr>
-          <p:cNvPr id="7" name="TextBox 6">
-            <a:extLst>
-              <a:ext uri="{FF2B5EF4-FFF2-40B4-BE49-F238E27FC236}">
-                <a16:creationId xmlns:a16="http://schemas.microsoft.com/office/drawing/2014/main" id="{D7F00ECA-28C7-4524-B0FB-900651D26593}"/>
-              </a:ext>
-            </a:extLst>
-          </p:cNvPr>
-          <p:cNvSpPr txBox="1"/>
-          <p:nvPr/>
-        </p:nvSpPr>
-        <p:spPr>
-          <a:xfrm>
-            <a:off x="1066800" y="5852160"/>
-            <a:ext cx="2539477" cy="200055"/>
-          </a:xfrm>
-          <a:prstGeom prst="rect">
-            <a:avLst/>
-          </a:prstGeom>
-          <a:solidFill>
-            <a:srgbClr val="000000"/>
-          </a:solidFill>
-        </p:spPr>
-        <p:txBody>
-          <a:bodyPr wrap="none" rtlCol="0">
-            <a:spAutoFit/>
-          </a:bodyPr>
-          <a:lstStyle/>
-          <a:p>
-            <a:pPr algn="r">
-              <a:spcAft>
-                <a:spcPts val="600"/>
-              </a:spcAft>
-            </a:pPr>
-            <a:r>
-              <a:rPr lang="en-US" sz="700">
-                <a:solidFill>
-                  <a:srgbClr val="FFFFFF"/>
-                </a:solidFill>
-                <a:hlinkClick r:id="rId3" tooltip="http://scherlund.blogspot.com/2017/04/neural-networks-made-easy-techcrunch.html">
-                  <a:extLst>
-                    <a:ext uri="{A12FA001-AC4F-418D-AE19-62706E023703}">
-                      <ahyp:hlinkClr xmlns:ahyp="http://schemas.microsoft.com/office/drawing/2018/hyperlinkcolor" val="tx"/>
-                    </a:ext>
-                  </a:extLst>
-                </a:hlinkClick>
-              </a:rPr>
-              <a:t>This Photo</a:t>
-            </a:r>
-            <a:r>
-              <a:rPr lang="en-US" sz="700">
-                <a:solidFill>
-                  <a:srgbClr val="FFFFFF"/>
-                </a:solidFill>
-              </a:rPr>
-              <a:t> by Unknown Author is licensed under </a:t>
-            </a:r>
-            <a:r>
-              <a:rPr lang="en-US" sz="700">
-                <a:solidFill>
-                  <a:srgbClr val="FFFFFF"/>
-                </a:solidFill>
-                <a:hlinkClick r:id="rId5" tooltip="https://creativecommons.org/licenses/by/3.0/">
-                  <a:extLst>
-                    <a:ext uri="{A12FA001-AC4F-418D-AE19-62706E023703}">
-                      <ahyp:hlinkClr xmlns:ahyp="http://schemas.microsoft.com/office/drawing/2018/hyperlinkcolor" val="tx"/>
-                    </a:ext>
-                  </a:extLst>
-                </a:hlinkClick>
-              </a:rPr>
-              <a:t>CC BY</a:t>
-            </a:r>
-            <a:endParaRPr lang="en-US" sz="700">
-              <a:solidFill>
-                <a:srgbClr val="FFFFFF"/>
-              </a:solidFill>
-            </a:endParaRPr>
-          </a:p>
-        </p:txBody>
-      </p:sp>
+        </p:nvGraphicFramePr>
+        <p:xfrm>
+          <a:off x="1066800" y="2103120"/>
+          <a:ext cx="10058400" cy="3849624"/>
+        </p:xfrm>
+        <a:graphic>
+          <a:graphicData uri="http://schemas.openxmlformats.org/drawingml/2006/diagram">
+            <dgm:relIds xmlns:dgm="http://schemas.openxmlformats.org/drawingml/2006/diagram" xmlns:r="http://schemas.openxmlformats.org/officeDocument/2006/relationships" r:dm="rId2" r:lo="rId3" r:qs="rId4" r:cs="rId5"/>
+          </a:graphicData>
+        </a:graphic>
+      </p:graphicFrame>
     </p:spTree>
     <p:extLst>
       <p:ext uri="{BB962C8B-B14F-4D97-AF65-F5344CB8AC3E}">
-        <p14:creationId xmlns:p14="http://schemas.microsoft.com/office/powerpoint/2010/main" val="4294523806"/>
+        <p14:creationId xmlns:p14="http://schemas.microsoft.com/office/powerpoint/2010/main" val="2040885371"/>
       </p:ext>
     </p:extLst>
   </p:cSld>
@@ -15071,7 +17963,285 @@
 </p:sld>
 </file>
 
-<file path=ppt/slides/slide12.xml><?xml version="1.0" encoding="utf-8"?>
+<file path=ppt/slides/slide14.xml><?xml version="1.0" encoding="utf-8"?>
+<p:sld xmlns:a="http://schemas.openxmlformats.org/drawingml/2006/main" xmlns:r="http://schemas.openxmlformats.org/officeDocument/2006/relationships" xmlns:p="http://schemas.openxmlformats.org/presentationml/2006/main">
+  <p:cSld>
+    <p:spTree>
+      <p:nvGrpSpPr>
+        <p:cNvPr id="1" name=""/>
+        <p:cNvGrpSpPr/>
+        <p:nvPr/>
+      </p:nvGrpSpPr>
+      <p:grpSpPr>
+        <a:xfrm>
+          <a:off x="0" y="0"/>
+          <a:ext cx="0" cy="0"/>
+          <a:chOff x="0" y="0"/>
+          <a:chExt cx="0" cy="0"/>
+        </a:xfrm>
+      </p:grpSpPr>
+      <p:sp>
+        <p:nvSpPr>
+          <p:cNvPr id="2" name="Title 1">
+            <a:extLst>
+              <a:ext uri="{FF2B5EF4-FFF2-40B4-BE49-F238E27FC236}">
+                <a16:creationId xmlns:a16="http://schemas.microsoft.com/office/drawing/2014/main" id="{9D042FC7-4388-4574-A977-8301B686BB49}"/>
+              </a:ext>
+            </a:extLst>
+          </p:cNvPr>
+          <p:cNvSpPr>
+            <a:spLocks noGrp="1"/>
+          </p:cNvSpPr>
+          <p:nvPr>
+            <p:ph type="title"/>
+          </p:nvPr>
+        </p:nvSpPr>
+        <p:spPr/>
+        <p:txBody>
+          <a:bodyPr/>
+          <a:lstStyle/>
+          <a:p>
+            <a:pPr algn="r"/>
+            <a:r>
+              <a:rPr lang="en-US" dirty="0"/>
+              <a:t>Rounding</a:t>
+            </a:r>
+          </a:p>
+        </p:txBody>
+      </p:sp>
+      <p:sp>
+        <p:nvSpPr>
+          <p:cNvPr id="3" name="Content Placeholder 2">
+            <a:extLst>
+              <a:ext uri="{FF2B5EF4-FFF2-40B4-BE49-F238E27FC236}">
+                <a16:creationId xmlns:a16="http://schemas.microsoft.com/office/drawing/2014/main" id="{05BC5D11-3B35-4E74-8E6A-9063FE86ACA2}"/>
+              </a:ext>
+            </a:extLst>
+          </p:cNvPr>
+          <p:cNvSpPr>
+            <a:spLocks noGrp="1"/>
+          </p:cNvSpPr>
+          <p:nvPr>
+            <p:ph sz="half" idx="1"/>
+          </p:nvPr>
+        </p:nvSpPr>
+        <p:spPr/>
+        <p:txBody>
+          <a:bodyPr/>
+          <a:lstStyle/>
+          <a:p>
+            <a:r>
+              <a:rPr lang="en-US" dirty="0"/>
+              <a:t>Takes floating point activation</a:t>
+            </a:r>
+          </a:p>
+          <a:p>
+            <a:endParaRPr lang="en-US" dirty="0"/>
+          </a:p>
+          <a:p>
+            <a:endParaRPr lang="en-US" dirty="0"/>
+          </a:p>
+          <a:p>
+            <a:r>
+              <a:rPr lang="en-US" dirty="0"/>
+              <a:t>Rounds to </a:t>
+            </a:r>
+            <a:r>
+              <a:rPr lang="en-US" i="1" dirty="0"/>
+              <a:t>N</a:t>
+            </a:r>
+            <a:r>
+              <a:rPr lang="en-US" dirty="0"/>
+              <a:t> decimal places</a:t>
+            </a:r>
+          </a:p>
+          <a:p>
+            <a:endParaRPr lang="en-US" dirty="0"/>
+          </a:p>
+          <a:p>
+            <a:endParaRPr lang="en-US" dirty="0"/>
+          </a:p>
+          <a:p>
+            <a:r>
+              <a:rPr lang="en-US" dirty="0"/>
+              <a:t>Cleaned up version of previous </a:t>
+            </a:r>
+            <a:r>
+              <a:rPr lang="en-US" dirty="0" err="1"/>
+              <a:t>implimentation</a:t>
+            </a:r>
+            <a:endParaRPr lang="en-US" dirty="0"/>
+          </a:p>
+        </p:txBody>
+      </p:sp>
+      <p:sp>
+        <p:nvSpPr>
+          <p:cNvPr id="4" name="Content Placeholder 3">
+            <a:extLst>
+              <a:ext uri="{FF2B5EF4-FFF2-40B4-BE49-F238E27FC236}">
+                <a16:creationId xmlns:a16="http://schemas.microsoft.com/office/drawing/2014/main" id="{8B33A4F7-0173-481D-8CD6-FB22394E0329}"/>
+              </a:ext>
+            </a:extLst>
+          </p:cNvPr>
+          <p:cNvSpPr>
+            <a:spLocks noGrp="1"/>
+          </p:cNvSpPr>
+          <p:nvPr>
+            <p:ph sz="half" idx="2"/>
+          </p:nvPr>
+        </p:nvSpPr>
+        <p:spPr/>
+        <p:txBody>
+          <a:bodyPr/>
+          <a:lstStyle/>
+          <a:p>
+            <a:endParaRPr lang="en-US"/>
+          </a:p>
+        </p:txBody>
+      </p:sp>
+    </p:spTree>
+    <p:extLst>
+      <p:ext uri="{BB962C8B-B14F-4D97-AF65-F5344CB8AC3E}">
+        <p14:creationId xmlns:p14="http://schemas.microsoft.com/office/powerpoint/2010/main" val="280393136"/>
+      </p:ext>
+    </p:extLst>
+  </p:cSld>
+  <p:clrMapOvr>
+    <a:masterClrMapping/>
+  </p:clrMapOvr>
+</p:sld>
+</file>
+
+<file path=ppt/slides/slide15.xml><?xml version="1.0" encoding="utf-8"?>
+<p:sld xmlns:a="http://schemas.openxmlformats.org/drawingml/2006/main" xmlns:r="http://schemas.openxmlformats.org/officeDocument/2006/relationships" xmlns:p="http://schemas.openxmlformats.org/presentationml/2006/main">
+  <p:cSld>
+    <p:spTree>
+      <p:nvGrpSpPr>
+        <p:cNvPr id="1" name=""/>
+        <p:cNvGrpSpPr/>
+        <p:nvPr/>
+      </p:nvGrpSpPr>
+      <p:grpSpPr>
+        <a:xfrm>
+          <a:off x="0" y="0"/>
+          <a:ext cx="0" cy="0"/>
+          <a:chOff x="0" y="0"/>
+          <a:chExt cx="0" cy="0"/>
+        </a:xfrm>
+      </p:grpSpPr>
+      <p:sp>
+        <p:nvSpPr>
+          <p:cNvPr id="2" name="Title 1">
+            <a:extLst>
+              <a:ext uri="{FF2B5EF4-FFF2-40B4-BE49-F238E27FC236}">
+                <a16:creationId xmlns:a16="http://schemas.microsoft.com/office/drawing/2014/main" id="{B3DB2366-7D0A-4DDA-898A-AC1CB3DBE97E}"/>
+              </a:ext>
+            </a:extLst>
+          </p:cNvPr>
+          <p:cNvSpPr>
+            <a:spLocks noGrp="1"/>
+          </p:cNvSpPr>
+          <p:nvPr>
+            <p:ph type="title"/>
+          </p:nvPr>
+        </p:nvSpPr>
+        <p:spPr/>
+        <p:txBody>
+          <a:bodyPr/>
+          <a:lstStyle/>
+          <a:p>
+            <a:r>
+              <a:rPr lang="en-US" dirty="0"/>
+              <a:t>Bit Swapping</a:t>
+            </a:r>
+          </a:p>
+        </p:txBody>
+      </p:sp>
+      <p:sp>
+        <p:nvSpPr>
+          <p:cNvPr id="3" name="Content Placeholder 2">
+            <a:extLst>
+              <a:ext uri="{FF2B5EF4-FFF2-40B4-BE49-F238E27FC236}">
+                <a16:creationId xmlns:a16="http://schemas.microsoft.com/office/drawing/2014/main" id="{646E8F4C-7E9A-48A5-B954-49E315401CC4}"/>
+              </a:ext>
+            </a:extLst>
+          </p:cNvPr>
+          <p:cNvSpPr>
+            <a:spLocks noGrp="1"/>
+          </p:cNvSpPr>
+          <p:nvPr>
+            <p:ph sz="half" idx="1"/>
+          </p:nvPr>
+        </p:nvSpPr>
+        <p:spPr/>
+        <p:txBody>
+          <a:bodyPr/>
+          <a:lstStyle/>
+          <a:p>
+            <a:endParaRPr lang="en-US"/>
+          </a:p>
+        </p:txBody>
+      </p:sp>
+      <p:sp>
+        <p:nvSpPr>
+          <p:cNvPr id="4" name="Content Placeholder 3">
+            <a:extLst>
+              <a:ext uri="{FF2B5EF4-FFF2-40B4-BE49-F238E27FC236}">
+                <a16:creationId xmlns:a16="http://schemas.microsoft.com/office/drawing/2014/main" id="{723CE6A5-32DB-42CB-8090-45C66C0FB215}"/>
+              </a:ext>
+            </a:extLst>
+          </p:cNvPr>
+          <p:cNvSpPr>
+            <a:spLocks noGrp="1"/>
+          </p:cNvSpPr>
+          <p:nvPr>
+            <p:ph sz="half" idx="2"/>
+          </p:nvPr>
+        </p:nvSpPr>
+        <p:spPr/>
+        <p:txBody>
+          <a:bodyPr/>
+          <a:lstStyle/>
+          <a:p>
+            <a:r>
+              <a:rPr lang="en-US" dirty="0"/>
+              <a:t>Convert floating point number to binary</a:t>
+            </a:r>
+          </a:p>
+          <a:p>
+            <a:endParaRPr lang="en-US" dirty="0"/>
+          </a:p>
+          <a:p>
+            <a:r>
+              <a:rPr lang="en-US" dirty="0"/>
+              <a:t>Randomly choose 2 bits, swap them</a:t>
+            </a:r>
+          </a:p>
+          <a:p>
+            <a:endParaRPr lang="en-US" dirty="0"/>
+          </a:p>
+          <a:p>
+            <a:r>
+              <a:rPr lang="en-US" dirty="0"/>
+              <a:t>Convert back into floating point number</a:t>
+            </a:r>
+          </a:p>
+        </p:txBody>
+      </p:sp>
+    </p:spTree>
+    <p:extLst>
+      <p:ext uri="{BB962C8B-B14F-4D97-AF65-F5344CB8AC3E}">
+        <p14:creationId xmlns:p14="http://schemas.microsoft.com/office/powerpoint/2010/main" val="1599221921"/>
+      </p:ext>
+    </p:extLst>
+  </p:cSld>
+  <p:clrMapOvr>
+    <a:masterClrMapping/>
+  </p:clrMapOvr>
+</p:sld>
+</file>
+
+<file path=ppt/slides/slide16.xml><?xml version="1.0" encoding="utf-8"?>
 <p:sld xmlns:a="http://schemas.openxmlformats.org/drawingml/2006/main" xmlns:r="http://schemas.openxmlformats.org/officeDocument/2006/relationships" xmlns:p="http://schemas.openxmlformats.org/presentationml/2006/main">
   <p:cSld>
     <p:spTree>
@@ -15160,7 +18330,7 @@
 </p:sld>
 </file>
 
-<file path=ppt/slides/slide13.xml><?xml version="1.0" encoding="utf-8"?>
+<file path=ppt/slides/slide17.xml><?xml version="1.0" encoding="utf-8"?>
 <p:sld xmlns:a="http://schemas.openxmlformats.org/drawingml/2006/main" xmlns:r="http://schemas.openxmlformats.org/officeDocument/2006/relationships" xmlns:p="http://schemas.openxmlformats.org/presentationml/2006/main">
   <p:cSld>
     <p:spTree>
@@ -16322,7 +19492,87 @@
 </p:sld>
 </file>
 
-<file path=ppt/slides/slide14.xml><?xml version="1.0" encoding="utf-8"?>
+<file path=ppt/slides/slide18.xml><?xml version="1.0" encoding="utf-8"?>
+<p:sld xmlns:a="http://schemas.openxmlformats.org/drawingml/2006/main" xmlns:r="http://schemas.openxmlformats.org/officeDocument/2006/relationships" xmlns:p="http://schemas.openxmlformats.org/presentationml/2006/main">
+  <p:cSld>
+    <p:spTree>
+      <p:nvGrpSpPr>
+        <p:cNvPr id="1" name=""/>
+        <p:cNvGrpSpPr/>
+        <p:nvPr/>
+      </p:nvGrpSpPr>
+      <p:grpSpPr>
+        <a:xfrm>
+          <a:off x="0" y="0"/>
+          <a:ext cx="0" cy="0"/>
+          <a:chOff x="0" y="0"/>
+          <a:chExt cx="0" cy="0"/>
+        </a:xfrm>
+      </p:grpSpPr>
+      <p:sp>
+        <p:nvSpPr>
+          <p:cNvPr id="2" name="Title 1">
+            <a:extLst>
+              <a:ext uri="{FF2B5EF4-FFF2-40B4-BE49-F238E27FC236}">
+                <a16:creationId xmlns:a16="http://schemas.microsoft.com/office/drawing/2014/main" id="{9D186218-D538-4B54-BCB5-B72C8BEED29D}"/>
+              </a:ext>
+            </a:extLst>
+          </p:cNvPr>
+          <p:cNvSpPr>
+            <a:spLocks noGrp="1"/>
+          </p:cNvSpPr>
+          <p:nvPr>
+            <p:ph type="title"/>
+          </p:nvPr>
+        </p:nvSpPr>
+        <p:spPr/>
+        <p:txBody>
+          <a:bodyPr/>
+          <a:lstStyle/>
+          <a:p>
+            <a:endParaRPr lang="en-US"/>
+          </a:p>
+        </p:txBody>
+      </p:sp>
+      <p:sp>
+        <p:nvSpPr>
+          <p:cNvPr id="3" name="Content Placeholder 2">
+            <a:extLst>
+              <a:ext uri="{FF2B5EF4-FFF2-40B4-BE49-F238E27FC236}">
+                <a16:creationId xmlns:a16="http://schemas.microsoft.com/office/drawing/2014/main" id="{056886CA-3BE0-4361-BFF6-B9427918172A}"/>
+              </a:ext>
+            </a:extLst>
+          </p:cNvPr>
+          <p:cNvSpPr>
+            <a:spLocks noGrp="1"/>
+          </p:cNvSpPr>
+          <p:nvPr>
+            <p:ph idx="1"/>
+          </p:nvPr>
+        </p:nvSpPr>
+        <p:spPr/>
+        <p:txBody>
+          <a:bodyPr/>
+          <a:lstStyle/>
+          <a:p>
+            <a:endParaRPr lang="en-US"/>
+          </a:p>
+        </p:txBody>
+      </p:sp>
+    </p:spTree>
+    <p:extLst>
+      <p:ext uri="{BB962C8B-B14F-4D97-AF65-F5344CB8AC3E}">
+        <p14:creationId xmlns:p14="http://schemas.microsoft.com/office/powerpoint/2010/main" val="2472995534"/>
+      </p:ext>
+    </p:extLst>
+  </p:cSld>
+  <p:clrMapOvr>
+    <a:masterClrMapping/>
+  </p:clrMapOvr>
+</p:sld>
+</file>
+
+<file path=ppt/slides/slide19.xml><?xml version="1.0" encoding="utf-8"?>
 <p:sld xmlns:a="http://schemas.openxmlformats.org/drawingml/2006/main" xmlns:r="http://schemas.openxmlformats.org/officeDocument/2006/relationships" xmlns:p="http://schemas.openxmlformats.org/presentationml/2006/main">
   <p:cSld>
     <p:spTree>
@@ -16411,7 +19661,90 @@
 </p:sld>
 </file>
 
-<file path=ppt/slides/slide15.xml><?xml version="1.0" encoding="utf-8"?>
+<file path=ppt/slides/slide2.xml><?xml version="1.0" encoding="utf-8"?>
+<p:sld xmlns:a="http://schemas.openxmlformats.org/drawingml/2006/main" xmlns:r="http://schemas.openxmlformats.org/officeDocument/2006/relationships" xmlns:p="http://schemas.openxmlformats.org/presentationml/2006/main">
+  <p:cSld>
+    <p:spTree>
+      <p:nvGrpSpPr>
+        <p:cNvPr id="1" name=""/>
+        <p:cNvGrpSpPr/>
+        <p:nvPr/>
+      </p:nvGrpSpPr>
+      <p:grpSpPr>
+        <a:xfrm>
+          <a:off x="0" y="0"/>
+          <a:ext cx="0" cy="0"/>
+          <a:chOff x="0" y="0"/>
+          <a:chExt cx="0" cy="0"/>
+        </a:xfrm>
+      </p:grpSpPr>
+      <p:sp>
+        <p:nvSpPr>
+          <p:cNvPr id="2" name="Title 1">
+            <a:extLst>
+              <a:ext uri="{FF2B5EF4-FFF2-40B4-BE49-F238E27FC236}">
+                <a16:creationId xmlns:a16="http://schemas.microsoft.com/office/drawing/2014/main" id="{6065D779-D08D-438A-8494-D4CC5572197E}"/>
+              </a:ext>
+            </a:extLst>
+          </p:cNvPr>
+          <p:cNvSpPr>
+            <a:spLocks noGrp="1"/>
+          </p:cNvSpPr>
+          <p:nvPr>
+            <p:ph type="title"/>
+          </p:nvPr>
+        </p:nvSpPr>
+        <p:spPr/>
+        <p:txBody>
+          <a:bodyPr/>
+          <a:lstStyle/>
+          <a:p>
+            <a:r>
+              <a:rPr lang="en-US" dirty="0"/>
+              <a:t>The mathematical model</a:t>
+            </a:r>
+          </a:p>
+        </p:txBody>
+      </p:sp>
+      <p:sp>
+        <p:nvSpPr>
+          <p:cNvPr id="3" name="Text Placeholder 2">
+            <a:extLst>
+              <a:ext uri="{FF2B5EF4-FFF2-40B4-BE49-F238E27FC236}">
+                <a16:creationId xmlns:a16="http://schemas.microsoft.com/office/drawing/2014/main" id="{9F7A1726-C0F7-49AE-ACD2-F055789FBCA5}"/>
+              </a:ext>
+            </a:extLst>
+          </p:cNvPr>
+          <p:cNvSpPr>
+            <a:spLocks noGrp="1"/>
+          </p:cNvSpPr>
+          <p:nvPr>
+            <p:ph type="body" idx="1"/>
+          </p:nvPr>
+        </p:nvSpPr>
+        <p:spPr/>
+        <p:txBody>
+          <a:bodyPr/>
+          <a:lstStyle/>
+          <a:p>
+            <a:endParaRPr lang="en-US"/>
+          </a:p>
+        </p:txBody>
+      </p:sp>
+    </p:spTree>
+    <p:extLst>
+      <p:ext uri="{BB962C8B-B14F-4D97-AF65-F5344CB8AC3E}">
+        <p14:creationId xmlns:p14="http://schemas.microsoft.com/office/powerpoint/2010/main" val="2341642999"/>
+      </p:ext>
+    </p:extLst>
+  </p:cSld>
+  <p:clrMapOvr>
+    <a:masterClrMapping/>
+  </p:clrMapOvr>
+</p:sld>
+</file>
+
+<file path=ppt/slides/slide20.xml><?xml version="1.0" encoding="utf-8"?>
 <p:sld xmlns:a="http://schemas.openxmlformats.org/drawingml/2006/main" xmlns:r="http://schemas.openxmlformats.org/officeDocument/2006/relationships" xmlns:p="http://schemas.openxmlformats.org/presentationml/2006/main">
   <p:cSld>
     <p:spTree>
@@ -16484,6 +19817,15 @@
                 <a:r>
                   <a:rPr lang="en-US" sz="2000" dirty="0"/>
                   <a:t>Equation for models becomes more complicated, but still generalizes</a:t>
+                </a:r>
+              </a:p>
+              <a:p>
+                <a:endParaRPr lang="en-US" sz="2000" dirty="0"/>
+              </a:p>
+              <a:p>
+                <a:r>
+                  <a:rPr lang="en-US" sz="2000" dirty="0"/>
+                  <a:t>Once again:</a:t>
                 </a:r>
               </a:p>
               <a:p>
@@ -16892,8 +20234,8 @@
           </p:sp>
         </mc:Fallback>
       </mc:AlternateContent>
-      <mc:AlternateContent xmlns:mc="http://schemas.openxmlformats.org/markup-compatibility/2006" xmlns:a14="http://schemas.microsoft.com/office/drawing/2010/main">
-        <mc:Choice Requires="a14">
+      <mc:AlternateContent xmlns:mc="http://schemas.openxmlformats.org/markup-compatibility/2006">
+        <mc:Choice xmlns:a14="http://schemas.microsoft.com/office/drawing/2010/main" Requires="a14">
           <p:sp>
             <p:nvSpPr>
               <p:cNvPr id="6" name="Text Placeholder 5">
@@ -17052,7 +20394,7 @@
                               <a:rPr lang="en-US" b="0" i="1" smtClean="0">
                                 <a:latin typeface="Cambria Math" panose="02040503050406030204" pitchFamily="18" charset="0"/>
                               </a:rPr>
-                              <m:t>2</m:t>
+                              <m:t>3</m:t>
                             </m:r>
                           </m:e>
                         </m:d>
@@ -17065,7 +20407,7 @@
             </p:txBody>
           </p:sp>
         </mc:Choice>
-        <mc:Fallback xmlns="">
+        <mc:Fallback>
           <p:sp>
             <p:nvSpPr>
               <p:cNvPr id="6" name="Text Placeholder 5">
@@ -17118,7 +20460,7 @@
 </p:sld>
 </file>
 
-<file path=ppt/slides/slide16.xml><?xml version="1.0" encoding="utf-8"?>
+<file path=ppt/slides/slide21.xml><?xml version="1.0" encoding="utf-8"?>
 <p:sld xmlns:a="http://schemas.openxmlformats.org/drawingml/2006/main" xmlns:r="http://schemas.openxmlformats.org/officeDocument/2006/relationships" xmlns:p="http://schemas.openxmlformats.org/presentationml/2006/main">
   <p:cSld>
     <p:spTree>
@@ -17151,12 +20493,7 @@
             <p:ph type="title"/>
           </p:nvPr>
         </p:nvSpPr>
-        <p:spPr>
-          <a:xfrm>
-            <a:off x="1066800" y="642594"/>
-            <a:ext cx="10058400" cy="1371600"/>
-          </a:xfrm>
-        </p:spPr>
+        <p:spPr/>
         <p:txBody>
           <a:bodyPr anchor="ctr">
             <a:normAutofit/>
@@ -17192,8 +20529,8 @@
           </p:nvPr>
         </p:nvGraphicFramePr>
         <p:xfrm>
-          <a:off x="1066800" y="2103120"/>
-          <a:ext cx="10058400" cy="3849624"/>
+          <a:off x="685800" y="609600"/>
+          <a:ext cx="6858000" cy="5334000"/>
         </p:xfrm>
         <a:graphic>
           <a:graphicData uri="http://schemas.openxmlformats.org/drawingml/2006/diagram">
@@ -17201,42 +20538,12 @@
           </a:graphicData>
         </a:graphic>
       </p:graphicFrame>
-    </p:spTree>
-    <p:extLst>
-      <p:ext uri="{BB962C8B-B14F-4D97-AF65-F5344CB8AC3E}">
-        <p14:creationId xmlns:p14="http://schemas.microsoft.com/office/powerpoint/2010/main" val="2290269367"/>
-      </p:ext>
-    </p:extLst>
-  </p:cSld>
-  <p:clrMapOvr>
-    <a:masterClrMapping/>
-  </p:clrMapOvr>
-</p:sld>
-</file>
-
-<file path=ppt/slides/slide2.xml><?xml version="1.0" encoding="utf-8"?>
-<p:sld xmlns:a="http://schemas.openxmlformats.org/drawingml/2006/main" xmlns:r="http://schemas.openxmlformats.org/officeDocument/2006/relationships" xmlns:p="http://schemas.openxmlformats.org/presentationml/2006/main">
-  <p:cSld>
-    <p:spTree>
-      <p:nvGrpSpPr>
-        <p:cNvPr id="1" name=""/>
-        <p:cNvGrpSpPr/>
-        <p:nvPr/>
-      </p:nvGrpSpPr>
-      <p:grpSpPr>
-        <a:xfrm>
-          <a:off x="0" y="0"/>
-          <a:ext cx="0" cy="0"/>
-          <a:chOff x="0" y="0"/>
-          <a:chExt cx="0" cy="0"/>
-        </a:xfrm>
-      </p:grpSpPr>
       <p:sp>
         <p:nvSpPr>
-          <p:cNvPr id="2" name="Title 1">
+          <p:cNvPr id="2" name="Content Placeholder 1">
             <a:extLst>
               <a:ext uri="{FF2B5EF4-FFF2-40B4-BE49-F238E27FC236}">
-                <a16:creationId xmlns:a16="http://schemas.microsoft.com/office/drawing/2014/main" id="{6065D779-D08D-438A-8494-D4CC5572197E}"/>
+                <a16:creationId xmlns:a16="http://schemas.microsoft.com/office/drawing/2014/main" id="{088FAAC1-2275-4EC7-B12C-F1A4A051D164}"/>
               </a:ext>
             </a:extLst>
           </p:cNvPr>
@@ -17244,7 +20551,7 @@
             <a:spLocks noGrp="1"/>
           </p:cNvSpPr>
           <p:nvPr>
-            <p:ph type="title"/>
+            <p:ph type="body" sz="half" idx="2"/>
           </p:nvPr>
         </p:nvSpPr>
         <p:spPr/>
@@ -17252,42 +20559,33 @@
           <a:bodyPr/>
           <a:lstStyle/>
           <a:p>
+            <a:endParaRPr lang="en-US" dirty="0"/>
+          </a:p>
+          <a:p>
             <a:r>
               <a:rPr lang="en-US" dirty="0"/>
-              <a:t>The mathematical model</a:t>
+              <a:t>Python Version: 3.8.1 (x64)</a:t>
             </a:r>
           </a:p>
-        </p:txBody>
-      </p:sp>
-      <p:sp>
-        <p:nvSpPr>
-          <p:cNvPr id="3" name="Text Placeholder 2">
-            <a:extLst>
-              <a:ext uri="{FF2B5EF4-FFF2-40B4-BE49-F238E27FC236}">
-                <a16:creationId xmlns:a16="http://schemas.microsoft.com/office/drawing/2014/main" id="{9F7A1726-C0F7-49AE-ACD2-F055789FBCA5}"/>
-              </a:ext>
-            </a:extLst>
-          </p:cNvPr>
-          <p:cNvSpPr>
-            <a:spLocks noGrp="1"/>
-          </p:cNvSpPr>
-          <p:nvPr>
-            <p:ph type="body" idx="1"/>
-          </p:nvPr>
-        </p:nvSpPr>
-        <p:spPr/>
-        <p:txBody>
-          <a:bodyPr/>
-          <a:lstStyle/>
           <a:p>
-            <a:endParaRPr lang="en-US"/>
+            <a:endParaRPr lang="en-US" dirty="0"/>
+          </a:p>
+          <a:p>
+            <a:r>
+              <a:rPr lang="en-US" dirty="0" err="1"/>
+              <a:t>Sklearn</a:t>
+            </a:r>
+            <a:r>
+              <a:rPr lang="en-US" dirty="0"/>
+              <a:t> Version: (0.22.1) </a:t>
+            </a:r>
           </a:p>
         </p:txBody>
       </p:sp>
     </p:spTree>
     <p:extLst>
       <p:ext uri="{BB962C8B-B14F-4D97-AF65-F5344CB8AC3E}">
-        <p14:creationId xmlns:p14="http://schemas.microsoft.com/office/powerpoint/2010/main" val="2341642999"/>
+        <p14:creationId xmlns:p14="http://schemas.microsoft.com/office/powerpoint/2010/main" val="2290269367"/>
       </p:ext>
     </p:extLst>
   </p:cSld>
@@ -18892,7 +22190,7 @@
           <p:cNvPr id="2" name="Title 1">
             <a:extLst>
               <a:ext uri="{FF2B5EF4-FFF2-40B4-BE49-F238E27FC236}">
-                <a16:creationId xmlns:a16="http://schemas.microsoft.com/office/drawing/2014/main" id="{EFCAA1EC-CF03-4768-8CF9-4A88E2315B2A}"/>
+                <a16:creationId xmlns:a16="http://schemas.microsoft.com/office/drawing/2014/main" id="{615C2DCE-3521-4232-BDA5-A82A00FFA51B}"/>
               </a:ext>
             </a:extLst>
           </p:cNvPr>
@@ -18903,87 +22201,31 @@
             <p:ph type="title"/>
           </p:nvPr>
         </p:nvSpPr>
-        <p:spPr/>
+        <p:spPr>
+          <a:xfrm>
+            <a:off x="1066800" y="642594"/>
+            <a:ext cx="10058400" cy="1371600"/>
+          </a:xfrm>
+        </p:spPr>
         <p:txBody>
-          <a:bodyPr/>
+          <a:bodyPr anchor="ctr">
+            <a:normAutofit/>
+          </a:bodyPr>
           <a:lstStyle/>
           <a:p>
             <a:r>
               <a:rPr lang="en-US" dirty="0"/>
-              <a:t>Include Attack Functions</a:t>
+              <a:t>Parameters of Multilayer Perceptron</a:t>
             </a:r>
-          </a:p>
-        </p:txBody>
-      </p:sp>
-      <p:sp>
-        <p:nvSpPr>
-          <p:cNvPr id="3" name="Content Placeholder 2">
-            <a:extLst>
-              <a:ext uri="{FF2B5EF4-FFF2-40B4-BE49-F238E27FC236}">
-                <a16:creationId xmlns:a16="http://schemas.microsoft.com/office/drawing/2014/main" id="{4941E2D8-07A6-4B9C-9E78-CA04AFFA0A59}"/>
-              </a:ext>
-            </a:extLst>
-          </p:cNvPr>
-          <p:cNvSpPr>
-            <a:spLocks noGrp="1"/>
-          </p:cNvSpPr>
-          <p:nvPr>
-            <p:ph sz="half" idx="1"/>
-          </p:nvPr>
-        </p:nvSpPr>
-        <p:spPr/>
-        <p:txBody>
-          <a:bodyPr/>
-          <a:lstStyle/>
-          <a:p>
-            <a:endParaRPr lang="en-US" dirty="0"/>
-          </a:p>
-          <a:p>
-            <a:r>
-              <a:rPr lang="en-US" dirty="0"/>
-              <a:t>Insert Wrappers into </a:t>
-            </a:r>
-            <a:r>
-              <a:rPr lang="en-US" dirty="0" err="1"/>
-              <a:t>MLPClassifer</a:t>
-            </a:r>
-            <a:r>
-              <a:rPr lang="en-US" dirty="0"/>
-              <a:t> Source</a:t>
-            </a:r>
-          </a:p>
-          <a:p>
-            <a:pPr marL="0" indent="0">
-              <a:buNone/>
-            </a:pPr>
-            <a:endParaRPr lang="en-US" dirty="0"/>
-          </a:p>
-          <a:p>
-            <a:r>
-              <a:rPr lang="en-US" dirty="0"/>
-              <a:t>Create python program containing “attack functions”</a:t>
-            </a:r>
-          </a:p>
-          <a:p>
-            <a:endParaRPr lang="en-US" dirty="0"/>
-          </a:p>
-          <a:p>
-            <a:r>
-              <a:rPr lang="en-US" dirty="0"/>
-              <a:t>In “_multilayer_perceptron.py”</a:t>
-            </a:r>
-          </a:p>
-          <a:p>
-            <a:endParaRPr lang="en-US" dirty="0"/>
           </a:p>
         </p:txBody>
       </p:sp>
       <p:pic>
         <p:nvPicPr>
-          <p:cNvPr id="16" name="Content Placeholder 15">
+          <p:cNvPr id="6" name="Content Placeholder 5" descr="A picture containing circuit&#10;&#10;Description automatically generated">
             <a:extLst>
               <a:ext uri="{FF2B5EF4-FFF2-40B4-BE49-F238E27FC236}">
-                <a16:creationId xmlns:a16="http://schemas.microsoft.com/office/drawing/2014/main" id="{9A25372B-93C9-45BA-9944-AF40E9764ADB}"/>
+                <a16:creationId xmlns:a16="http://schemas.microsoft.com/office/drawing/2014/main" id="{6286054F-E3AB-46BA-9F79-1BF66BCE39CC}"/>
               </a:ext>
             </a:extLst>
           </p:cNvPr>
@@ -18991,28 +22233,365 @@
             <a:picLocks noGrp="1" noChangeAspect="1"/>
           </p:cNvPicPr>
           <p:nvPr>
-            <p:ph sz="half" idx="2"/>
+            <p:ph sz="half" idx="1"/>
           </p:nvPr>
         </p:nvPicPr>
         <p:blipFill rotWithShape="1">
-          <a:blip r:embed="rId2"/>
-          <a:srcRect r="57579" b="41656"/>
+          <a:blip r:embed="rId2">
+            <a:extLst>
+              <a:ext uri="{837473B0-CC2E-450A-ABE3-18F120FF3D39}">
+                <a1611:picAttrSrcUrl xmlns:a1611="http://schemas.microsoft.com/office/drawing/2016/11/main" r:id="rId3"/>
+              </a:ext>
+            </a:extLst>
+          </a:blip>
+          <a:srcRect l="11267" r="12543" b="-1"/>
           <a:stretch/>
         </p:blipFill>
         <p:spPr>
           <a:xfrm>
-            <a:off x="6164217" y="2103120"/>
-            <a:ext cx="4960983" cy="3837966"/>
+            <a:off x="1066800" y="2103120"/>
+            <a:ext cx="4663440" cy="3749040"/>
+          </a:xfrm>
+          <a:noFill/>
+        </p:spPr>
+      </p:pic>
+      <mc:AlternateContent xmlns:mc="http://schemas.openxmlformats.org/markup-compatibility/2006" xmlns:a14="http://schemas.microsoft.com/office/drawing/2010/main">
+        <mc:Choice Requires="a14">
+          <p:sp>
+            <p:nvSpPr>
+              <p:cNvPr id="3" name="Content Placeholder 2">
+                <a:extLst>
+                  <a:ext uri="{FF2B5EF4-FFF2-40B4-BE49-F238E27FC236}">
+                    <a16:creationId xmlns:a16="http://schemas.microsoft.com/office/drawing/2014/main" id="{E90C50AC-0DDD-49DB-9E3E-8DD49BFADCAA}"/>
+                  </a:ext>
+                </a:extLst>
+              </p:cNvPr>
+              <p:cNvSpPr>
+                <a:spLocks noGrp="1"/>
+              </p:cNvSpPr>
+              <p:nvPr>
+                <p:ph sz="half" idx="2"/>
+              </p:nvPr>
+            </p:nvSpPr>
+            <p:spPr>
+              <a:xfrm>
+                <a:off x="6461760" y="2103120"/>
+                <a:ext cx="4663440" cy="3749040"/>
+              </a:xfrm>
+            </p:spPr>
+            <p:txBody>
+              <a:bodyPr>
+                <a:normAutofit/>
+              </a:bodyPr>
+              <a:lstStyle/>
+              <a:p>
+                <a:pPr>
+                  <a:lnSpc>
+                    <a:spcPct val="100000"/>
+                  </a:lnSpc>
+                </a:pPr>
+                <a:r>
+                  <a:rPr lang="en-US" sz="1500"/>
+                  <a:t>Layer Sizes – Changed with each iteration</a:t>
+                </a:r>
+              </a:p>
+              <a:p>
+                <a:pPr>
+                  <a:lnSpc>
+                    <a:spcPct val="100000"/>
+                  </a:lnSpc>
+                </a:pPr>
+                <a:endParaRPr lang="en-US" sz="1500"/>
+              </a:p>
+              <a:p>
+                <a:pPr>
+                  <a:lnSpc>
+                    <a:spcPct val="100000"/>
+                  </a:lnSpc>
+                </a:pPr>
+                <a:r>
+                  <a:rPr lang="en-US" sz="1500"/>
+                  <a:t>Activation function, </a:t>
+                </a:r>
+                <a14:m>
+                  <m:oMath xmlns:m="http://schemas.openxmlformats.org/officeDocument/2006/math">
+                    <m:r>
+                      <a:rPr lang="en-US" sz="1500" b="0" i="1" smtClean="0">
+                        <a:latin typeface="Cambria Math" panose="02040503050406030204" pitchFamily="18" charset="0"/>
+                      </a:rPr>
+                      <m:t>𝑓</m:t>
+                    </m:r>
+                    <m:d>
+                      <m:dPr>
+                        <m:begChr m:val="["/>
+                        <m:endChr m:val="]"/>
+                        <m:ctrlPr>
+                          <a:rPr lang="en-US" sz="1500" b="0" i="1" smtClean="0">
+                            <a:latin typeface="Cambria Math" panose="02040503050406030204" pitchFamily="18" charset="0"/>
+                          </a:rPr>
+                        </m:ctrlPr>
+                      </m:dPr>
+                      <m:e>
+                        <m:r>
+                          <a:rPr lang="en-US" sz="1500" b="0" i="1" smtClean="0">
+                            <a:latin typeface="Cambria Math" panose="02040503050406030204" pitchFamily="18" charset="0"/>
+                          </a:rPr>
+                          <m:t>𝑧</m:t>
+                        </m:r>
+                      </m:e>
+                    </m:d>
+                    <m:r>
+                      <a:rPr lang="en-US" sz="1500" b="0" i="1" smtClean="0">
+                        <a:latin typeface="Cambria Math" panose="02040503050406030204" pitchFamily="18" charset="0"/>
+                      </a:rPr>
+                      <m:t>=</m:t>
+                    </m:r>
+                    <m:r>
+                      <a:rPr lang="en-US" sz="1500" b="0" i="1" smtClean="0">
+                        <a:latin typeface="Cambria Math" panose="02040503050406030204" pitchFamily="18" charset="0"/>
+                      </a:rPr>
+                      <m:t>𝑅𝑒𝐿𝑈</m:t>
+                    </m:r>
+                    <m:d>
+                      <m:dPr>
+                        <m:begChr m:val="["/>
+                        <m:endChr m:val="]"/>
+                        <m:ctrlPr>
+                          <a:rPr lang="en-US" sz="1500" b="0" i="1" smtClean="0">
+                            <a:latin typeface="Cambria Math" panose="02040503050406030204" pitchFamily="18" charset="0"/>
+                          </a:rPr>
+                        </m:ctrlPr>
+                      </m:dPr>
+                      <m:e>
+                        <m:r>
+                          <a:rPr lang="en-US" sz="1500" b="0" i="1" smtClean="0">
+                            <a:latin typeface="Cambria Math" panose="02040503050406030204" pitchFamily="18" charset="0"/>
+                          </a:rPr>
+                          <m:t>𝑍</m:t>
+                        </m:r>
+                      </m:e>
+                    </m:d>
+                  </m:oMath>
+                </a14:m>
+                <a:endParaRPr lang="en-US" sz="1500" b="0"/>
+              </a:p>
+              <a:p>
+                <a:pPr>
+                  <a:lnSpc>
+                    <a:spcPct val="100000"/>
+                  </a:lnSpc>
+                </a:pPr>
+                <a:endParaRPr lang="en-US" sz="1500"/>
+              </a:p>
+              <a:p>
+                <a:pPr>
+                  <a:lnSpc>
+                    <a:spcPct val="100000"/>
+                  </a:lnSpc>
+                </a:pPr>
+                <a:r>
+                  <a:rPr lang="en-US" sz="1500"/>
+                  <a:t>Solver – Stochastic Gradient Descent</a:t>
+                </a:r>
+              </a:p>
+              <a:p>
+                <a:pPr>
+                  <a:lnSpc>
+                    <a:spcPct val="100000"/>
+                  </a:lnSpc>
+                </a:pPr>
+                <a:endParaRPr lang="en-US" sz="1500"/>
+              </a:p>
+              <a:p>
+                <a:pPr>
+                  <a:lnSpc>
+                    <a:spcPct val="100000"/>
+                  </a:lnSpc>
+                </a:pPr>
+                <a:r>
+                  <a:rPr lang="en-US" sz="1500"/>
+                  <a:t>Mini Batch Size – 100 samples</a:t>
+                </a:r>
+              </a:p>
+              <a:p>
+                <a:pPr>
+                  <a:lnSpc>
+                    <a:spcPct val="100000"/>
+                  </a:lnSpc>
+                </a:pPr>
+                <a:endParaRPr lang="en-US" sz="1500"/>
+              </a:p>
+              <a:p>
+                <a:pPr>
+                  <a:lnSpc>
+                    <a:spcPct val="100000"/>
+                  </a:lnSpc>
+                </a:pPr>
+                <a:r>
+                  <a:rPr lang="en-US" sz="1500"/>
+                  <a:t>Maximum Iterations – 400 </a:t>
+                </a:r>
+              </a:p>
+              <a:p>
+                <a:pPr>
+                  <a:lnSpc>
+                    <a:spcPct val="100000"/>
+                  </a:lnSpc>
+                </a:pPr>
+                <a:endParaRPr lang="en-US" sz="1500"/>
+              </a:p>
+              <a:p>
+                <a:pPr>
+                  <a:lnSpc>
+                    <a:spcPct val="100000"/>
+                  </a:lnSpc>
+                </a:pPr>
+                <a:r>
+                  <a:rPr lang="en-US" sz="1500"/>
+                  <a:t>Tolerance = 0.0001</a:t>
+                </a:r>
+              </a:p>
+              <a:p>
+                <a:pPr marL="0" indent="0">
+                  <a:lnSpc>
+                    <a:spcPct val="100000"/>
+                  </a:lnSpc>
+                  <a:buNone/>
+                </a:pPr>
+                <a:endParaRPr lang="en-US" sz="1500"/>
+              </a:p>
+            </p:txBody>
+          </p:sp>
+        </mc:Choice>
+        <mc:Fallback xmlns="">
+          <p:sp>
+            <p:nvSpPr>
+              <p:cNvPr id="3" name="Content Placeholder 2">
+                <a:extLst>
+                  <a:ext uri="{FF2B5EF4-FFF2-40B4-BE49-F238E27FC236}">
+                    <a16:creationId xmlns:a16="http://schemas.microsoft.com/office/drawing/2014/main" id="{E90C50AC-0DDD-49DB-9E3E-8DD49BFADCAA}"/>
+                  </a:ext>
+                </a:extLst>
+              </p:cNvPr>
+              <p:cNvSpPr>
+                <a:spLocks noGrp="1" noRot="1" noChangeAspect="1" noMove="1" noResize="1" noEditPoints="1" noAdjustHandles="1" noChangeArrowheads="1" noChangeShapeType="1" noTextEdit="1"/>
+              </p:cNvSpPr>
+              <p:nvPr>
+                <p:ph sz="half" idx="2"/>
+              </p:nvPr>
+            </p:nvSpPr>
+            <p:spPr>
+              <a:xfrm>
+                <a:off x="6461760" y="2103120"/>
+                <a:ext cx="4663440" cy="3749040"/>
+              </a:xfrm>
+              <a:blipFill>
+                <a:blip r:embed="rId4"/>
+                <a:stretch>
+                  <a:fillRect l="-392" t="-163" b="-1789"/>
+                </a:stretch>
+              </a:blipFill>
+            </p:spPr>
+            <p:txBody>
+              <a:bodyPr/>
+              <a:lstStyle/>
+              <a:p>
+                <a:r>
+                  <a:rPr lang="en-US">
+                    <a:noFill/>
+                  </a:rPr>
+                  <a:t> </a:t>
+                </a:r>
+              </a:p>
+            </p:txBody>
+          </p:sp>
+        </mc:Fallback>
+      </mc:AlternateContent>
+      <p:sp>
+        <p:nvSpPr>
+          <p:cNvPr id="7" name="TextBox 6">
+            <a:extLst>
+              <a:ext uri="{FF2B5EF4-FFF2-40B4-BE49-F238E27FC236}">
+                <a16:creationId xmlns:a16="http://schemas.microsoft.com/office/drawing/2014/main" id="{D7F00ECA-28C7-4524-B0FB-900651D26593}"/>
+              </a:ext>
+            </a:extLst>
+          </p:cNvPr>
+          <p:cNvSpPr txBox="1"/>
+          <p:nvPr/>
+        </p:nvSpPr>
+        <p:spPr>
+          <a:xfrm>
+            <a:off x="1066800" y="5852160"/>
+            <a:ext cx="2539477" cy="200055"/>
           </a:xfrm>
           <a:prstGeom prst="rect">
             <a:avLst/>
           </a:prstGeom>
+          <a:solidFill>
+            <a:srgbClr val="000000"/>
+          </a:solidFill>
         </p:spPr>
-      </p:pic>
+        <p:txBody>
+          <a:bodyPr wrap="none" rtlCol="0">
+            <a:spAutoFit/>
+          </a:bodyPr>
+          <a:lstStyle/>
+          <a:p>
+            <a:pPr algn="r">
+              <a:spcAft>
+                <a:spcPts val="600"/>
+              </a:spcAft>
+            </a:pPr>
+            <a:r>
+              <a:rPr lang="en-US" sz="700">
+                <a:solidFill>
+                  <a:srgbClr val="FFFFFF"/>
+                </a:solidFill>
+                <a:hlinkClick r:id="rId3" tooltip="http://scherlund.blogspot.com/2017/04/neural-networks-made-easy-techcrunch.html">
+                  <a:extLst>
+                    <a:ext uri="{A12FA001-AC4F-418D-AE19-62706E023703}">
+                      <ahyp:hlinkClr xmlns:ahyp="http://schemas.microsoft.com/office/drawing/2018/hyperlinkcolor" val="tx"/>
+                    </a:ext>
+                  </a:extLst>
+                </a:hlinkClick>
+              </a:rPr>
+              <a:t>This Photo</a:t>
+            </a:r>
+            <a:r>
+              <a:rPr lang="en-US" sz="700">
+                <a:solidFill>
+                  <a:srgbClr val="FFFFFF"/>
+                </a:solidFill>
+              </a:rPr>
+              <a:t> by Unknown Author is licensed under </a:t>
+            </a:r>
+            <a:r>
+              <a:rPr lang="en-US" sz="700">
+                <a:solidFill>
+                  <a:srgbClr val="FFFFFF"/>
+                </a:solidFill>
+                <a:hlinkClick r:id="rId5" tooltip="https://creativecommons.org/licenses/by/3.0/">
+                  <a:extLst>
+                    <a:ext uri="{A12FA001-AC4F-418D-AE19-62706E023703}">
+                      <ahyp:hlinkClr xmlns:ahyp="http://schemas.microsoft.com/office/drawing/2018/hyperlinkcolor" val="tx"/>
+                    </a:ext>
+                  </a:extLst>
+                </a:hlinkClick>
+              </a:rPr>
+              <a:t>CC BY</a:t>
+            </a:r>
+            <a:endParaRPr lang="en-US" sz="700">
+              <a:solidFill>
+                <a:srgbClr val="FFFFFF"/>
+              </a:solidFill>
+            </a:endParaRPr>
+          </a:p>
+        </p:txBody>
+      </p:sp>
     </p:spTree>
     <p:extLst>
       <p:ext uri="{BB962C8B-B14F-4D97-AF65-F5344CB8AC3E}">
-        <p14:creationId xmlns:p14="http://schemas.microsoft.com/office/powerpoint/2010/main" val="3003622732"/>
+        <p14:creationId xmlns:p14="http://schemas.microsoft.com/office/powerpoint/2010/main" val="4294523806"/>
       </p:ext>
     </p:extLst>
   </p:cSld>
@@ -19520,21 +23099,21 @@
 </file>
 
 <file path=customXml/item2.xml><?xml version="1.0" encoding="utf-8"?>
+<p:properties xmlns:p="http://schemas.microsoft.com/office/2006/metadata/properties" xmlns:xsi="http://www.w3.org/2001/XMLSchema-instance" xmlns:pc="http://schemas.microsoft.com/office/infopath/2007/PartnerControls">
+  <documentManagement>
+    <Status xmlns="71af3243-3dd4-4a8d-8c0d-dd76da1f02a5">Not started</Status>
+    <MediaServiceKeyPoints xmlns="71af3243-3dd4-4a8d-8c0d-dd76da1f02a5" xsi:nil="true"/>
+  </documentManagement>
+</p:properties>
+</file>
+
+<file path=customXml/item3.xml><?xml version="1.0" encoding="utf-8"?>
 <?mso-contentType ?>
 <FormTemplates xmlns="http://schemas.microsoft.com/sharepoint/v3/contenttype/forms">
   <Display>DocumentLibraryForm</Display>
   <Edit>DocumentLibraryForm</Edit>
   <New>DocumentLibraryForm</New>
 </FormTemplates>
-</file>
-
-<file path=customXml/item3.xml><?xml version="1.0" encoding="utf-8"?>
-<p:properties xmlns:p="http://schemas.microsoft.com/office/2006/metadata/properties" xmlns:xsi="http://www.w3.org/2001/XMLSchema-instance" xmlns:pc="http://schemas.microsoft.com/office/infopath/2007/PartnerControls">
-  <documentManagement>
-    <Status xmlns="71af3243-3dd4-4a8d-8c0d-dd76da1f02a5">Not started</Status>
-    <MediaServiceKeyPoints xmlns="71af3243-3dd4-4a8d-8c0d-dd76da1f02a5" xsi:nil="true"/>
-  </documentManagement>
-</p:properties>
 </file>
 
 <file path=customXml/itemProps1.xml><?xml version="1.0" encoding="utf-8"?>
@@ -19557,14 +23136,6 @@
 </file>
 
 <file path=customXml/itemProps2.xml><?xml version="1.0" encoding="utf-8"?>
-<ds:datastoreItem xmlns:ds="http://schemas.openxmlformats.org/officeDocument/2006/customXml" ds:itemID="{CDB58277-F8DF-46FF-84EC-EF41B835E69F}">
-  <ds:schemaRefs>
-    <ds:schemaRef ds:uri="http://schemas.microsoft.com/sharepoint/v3/contenttype/forms"/>
-  </ds:schemaRefs>
-</ds:datastoreItem>
-</file>
-
-<file path=customXml/itemProps3.xml><?xml version="1.0" encoding="utf-8"?>
 <ds:datastoreItem xmlns:ds="http://schemas.openxmlformats.org/officeDocument/2006/customXml" ds:itemID="{137651BA-F45C-4845-9AB3-E0A65B39F5E1}">
   <ds:schemaRefs>
     <ds:schemaRef ds:uri="http://schemas.microsoft.com/office/2006/metadata/properties"/>
@@ -19572,4 +23143,12 @@
     <ds:schemaRef ds:uri="71af3243-3dd4-4a8d-8c0d-dd76da1f02a5"/>
   </ds:schemaRefs>
 </ds:datastoreItem>
+</file>
+
+<file path=customXml/itemProps3.xml><?xml version="1.0" encoding="utf-8"?>
+<ds:datastoreItem xmlns:ds="http://schemas.openxmlformats.org/officeDocument/2006/customXml" ds:itemID="{CDB58277-F8DF-46FF-84EC-EF41B835E69F}">
+  <ds:schemaRefs>
+    <ds:schemaRef ds:uri="http://schemas.microsoft.com/sharepoint/v3/contenttype/forms"/>
+  </ds:schemaRefs>
+</ds:datastoreItem>
 </file>